--- a/Texture/Texture.pptx
+++ b/Texture/Texture.pptx
@@ -104,6 +104,11 @@
       </a:defRPr>
     </a:lvl9pPr>
   </p:defaultTextStyle>
+  <p:extLst>
+    <p:ext uri="{EFAFB233-063F-42B5-8137-9DF3F51BA10A}">
+      <p15:sldGuideLst xmlns:p15="http://schemas.microsoft.com/office/powerpoint/2012/main"/>
+    </p:ext>
+  </p:extLst>
 </p:presentation>
 </file>
 
@@ -254,7 +259,7 @@
           <a:p>
             <a:fld id="{B737DA26-94C3-49F0-977D-61C9BEE27B16}" type="datetimeFigureOut">
               <a:rPr lang="zh-CN" altLang="en-US" smtClean="0"/>
-              <a:t>2022/10/1</a:t>
+              <a:t>2022/10/2</a:t>
             </a:fld>
             <a:endParaRPr lang="zh-CN" altLang="en-US"/>
           </a:p>
@@ -452,7 +457,7 @@
           <a:p>
             <a:fld id="{B737DA26-94C3-49F0-977D-61C9BEE27B16}" type="datetimeFigureOut">
               <a:rPr lang="zh-CN" altLang="en-US" smtClean="0"/>
-              <a:t>2022/10/1</a:t>
+              <a:t>2022/10/2</a:t>
             </a:fld>
             <a:endParaRPr lang="zh-CN" altLang="en-US"/>
           </a:p>
@@ -660,7 +665,7 @@
           <a:p>
             <a:fld id="{B737DA26-94C3-49F0-977D-61C9BEE27B16}" type="datetimeFigureOut">
               <a:rPr lang="zh-CN" altLang="en-US" smtClean="0"/>
-              <a:t>2022/10/1</a:t>
+              <a:t>2022/10/2</a:t>
             </a:fld>
             <a:endParaRPr lang="zh-CN" altLang="en-US"/>
           </a:p>
@@ -858,7 +863,7 @@
           <a:p>
             <a:fld id="{B737DA26-94C3-49F0-977D-61C9BEE27B16}" type="datetimeFigureOut">
               <a:rPr lang="zh-CN" altLang="en-US" smtClean="0"/>
-              <a:t>2022/10/1</a:t>
+              <a:t>2022/10/2</a:t>
             </a:fld>
             <a:endParaRPr lang="zh-CN" altLang="en-US"/>
           </a:p>
@@ -1133,7 +1138,7 @@
           <a:p>
             <a:fld id="{B737DA26-94C3-49F0-977D-61C9BEE27B16}" type="datetimeFigureOut">
               <a:rPr lang="zh-CN" altLang="en-US" smtClean="0"/>
-              <a:t>2022/10/1</a:t>
+              <a:t>2022/10/2</a:t>
             </a:fld>
             <a:endParaRPr lang="zh-CN" altLang="en-US"/>
           </a:p>
@@ -1398,7 +1403,7 @@
           <a:p>
             <a:fld id="{B737DA26-94C3-49F0-977D-61C9BEE27B16}" type="datetimeFigureOut">
               <a:rPr lang="zh-CN" altLang="en-US" smtClean="0"/>
-              <a:t>2022/10/1</a:t>
+              <a:t>2022/10/2</a:t>
             </a:fld>
             <a:endParaRPr lang="zh-CN" altLang="en-US"/>
           </a:p>
@@ -1810,7 +1815,7 @@
           <a:p>
             <a:fld id="{B737DA26-94C3-49F0-977D-61C9BEE27B16}" type="datetimeFigureOut">
               <a:rPr lang="zh-CN" altLang="en-US" smtClean="0"/>
-              <a:t>2022/10/1</a:t>
+              <a:t>2022/10/2</a:t>
             </a:fld>
             <a:endParaRPr lang="zh-CN" altLang="en-US"/>
           </a:p>
@@ -1951,7 +1956,7 @@
           <a:p>
             <a:fld id="{B737DA26-94C3-49F0-977D-61C9BEE27B16}" type="datetimeFigureOut">
               <a:rPr lang="zh-CN" altLang="en-US" smtClean="0"/>
-              <a:t>2022/10/1</a:t>
+              <a:t>2022/10/2</a:t>
             </a:fld>
             <a:endParaRPr lang="zh-CN" altLang="en-US"/>
           </a:p>
@@ -2064,7 +2069,7 @@
           <a:p>
             <a:fld id="{B737DA26-94C3-49F0-977D-61C9BEE27B16}" type="datetimeFigureOut">
               <a:rPr lang="zh-CN" altLang="en-US" smtClean="0"/>
-              <a:t>2022/10/1</a:t>
+              <a:t>2022/10/2</a:t>
             </a:fld>
             <a:endParaRPr lang="zh-CN" altLang="en-US"/>
           </a:p>
@@ -2375,7 +2380,7 @@
           <a:p>
             <a:fld id="{B737DA26-94C3-49F0-977D-61C9BEE27B16}" type="datetimeFigureOut">
               <a:rPr lang="zh-CN" altLang="en-US" smtClean="0"/>
-              <a:t>2022/10/1</a:t>
+              <a:t>2022/10/2</a:t>
             </a:fld>
             <a:endParaRPr lang="zh-CN" altLang="en-US"/>
           </a:p>
@@ -2663,7 +2668,7 @@
           <a:p>
             <a:fld id="{B737DA26-94C3-49F0-977D-61C9BEE27B16}" type="datetimeFigureOut">
               <a:rPr lang="zh-CN" altLang="en-US" smtClean="0"/>
-              <a:t>2022/10/1</a:t>
+              <a:t>2022/10/2</a:t>
             </a:fld>
             <a:endParaRPr lang="zh-CN" altLang="en-US"/>
           </a:p>
@@ -2904,7 +2909,7 @@
           <a:p>
             <a:fld id="{B737DA26-94C3-49F0-977D-61C9BEE27B16}" type="datetimeFigureOut">
               <a:rPr lang="zh-CN" altLang="en-US" smtClean="0"/>
-              <a:t>2022/10/1</a:t>
+              <a:t>2022/10/2</a:t>
             </a:fld>
             <a:endParaRPr lang="zh-CN" altLang="en-US"/>
           </a:p>
@@ -3346,7 +3351,7 @@
         </p:nvSpPr>
         <p:spPr>
           <a:xfrm rot="5400000">
-            <a:off x="2989340" y="2510811"/>
+            <a:off x="1034019" y="831536"/>
             <a:ext cx="1083478" cy="759126"/>
           </a:xfrm>
           <a:custGeom>
@@ -3408,6 +3413,139 @@
           </a:solidFill>
           <a:ln>
             <a:noFill/>
+          </a:ln>
+        </p:spPr>
+        <p:style>
+          <a:lnRef idx="2">
+            <a:schemeClr val="accent1">
+              <a:shade val="50000"/>
+            </a:schemeClr>
+          </a:lnRef>
+          <a:fillRef idx="1">
+            <a:schemeClr val="accent1"/>
+          </a:fillRef>
+          <a:effectRef idx="0">
+            <a:schemeClr val="accent1"/>
+          </a:effectRef>
+          <a:fontRef idx="minor">
+            <a:schemeClr val="lt1"/>
+          </a:fontRef>
+        </p:style>
+        <p:txBody>
+          <a:bodyPr wrap="square" rtlCol="0" anchor="ctr">
+            <a:noAutofit/>
+          </a:bodyPr>
+          <a:lstStyle/>
+          <a:p>
+            <a:pPr algn="ctr"/>
+            <a:endParaRPr lang="zh-CN" altLang="en-US"/>
+          </a:p>
+        </p:txBody>
+      </p:sp>
+      <p:sp>
+        <p:nvSpPr>
+          <p:cNvPr id="4" name="任意多边形: 形状 3">
+            <a:extLst>
+              <a:ext uri="{FF2B5EF4-FFF2-40B4-BE49-F238E27FC236}">
+                <a16:creationId xmlns:a16="http://schemas.microsoft.com/office/drawing/2014/main" id="{23CDF5C4-7AF5-CEAE-0EFD-81B930D63D20}"/>
+              </a:ext>
+            </a:extLst>
+          </p:cNvPr>
+          <p:cNvSpPr/>
+          <p:nvPr/>
+        </p:nvSpPr>
+        <p:spPr>
+          <a:xfrm>
+            <a:off x="1346482" y="888435"/>
+            <a:ext cx="458548" cy="680014"/>
+          </a:xfrm>
+          <a:custGeom>
+            <a:avLst/>
+            <a:gdLst>
+              <a:gd name="connsiteX0" fmla="*/ 186696 w 458548"/>
+              <a:gd name="connsiteY0" fmla="*/ 0 h 680014"/>
+              <a:gd name="connsiteX1" fmla="*/ 271853 w 458548"/>
+              <a:gd name="connsiteY1" fmla="*/ 0 h 680014"/>
+              <a:gd name="connsiteX2" fmla="*/ 271853 w 458548"/>
+              <a:gd name="connsiteY2" fmla="*/ 372040 h 680014"/>
+              <a:gd name="connsiteX3" fmla="*/ 458548 w 458548"/>
+              <a:gd name="connsiteY3" fmla="*/ 372040 h 680014"/>
+              <a:gd name="connsiteX4" fmla="*/ 458548 w 458548"/>
+              <a:gd name="connsiteY4" fmla="*/ 680014 h 680014"/>
+              <a:gd name="connsiteX5" fmla="*/ 0 w 458548"/>
+              <a:gd name="connsiteY5" fmla="*/ 680014 h 680014"/>
+              <a:gd name="connsiteX6" fmla="*/ 0 w 458548"/>
+              <a:gd name="connsiteY6" fmla="*/ 372040 h 680014"/>
+              <a:gd name="connsiteX7" fmla="*/ 186696 w 458548"/>
+              <a:gd name="connsiteY7" fmla="*/ 372040 h 680014"/>
+            </a:gdLst>
+            <a:ahLst/>
+            <a:cxnLst>
+              <a:cxn ang="0">
+                <a:pos x="connsiteX0" y="connsiteY0"/>
+              </a:cxn>
+              <a:cxn ang="0">
+                <a:pos x="connsiteX1" y="connsiteY1"/>
+              </a:cxn>
+              <a:cxn ang="0">
+                <a:pos x="connsiteX2" y="connsiteY2"/>
+              </a:cxn>
+              <a:cxn ang="0">
+                <a:pos x="connsiteX3" y="connsiteY3"/>
+              </a:cxn>
+              <a:cxn ang="0">
+                <a:pos x="connsiteX4" y="connsiteY4"/>
+              </a:cxn>
+              <a:cxn ang="0">
+                <a:pos x="connsiteX5" y="connsiteY5"/>
+              </a:cxn>
+              <a:cxn ang="0">
+                <a:pos x="connsiteX6" y="connsiteY6"/>
+              </a:cxn>
+              <a:cxn ang="0">
+                <a:pos x="connsiteX7" y="connsiteY7"/>
+              </a:cxn>
+            </a:cxnLst>
+            <a:rect l="l" t="t" r="r" b="b"/>
+            <a:pathLst>
+              <a:path w="458548" h="680014">
+                <a:moveTo>
+                  <a:pt x="186696" y="0"/>
+                </a:moveTo>
+                <a:lnTo>
+                  <a:pt x="271853" y="0"/>
+                </a:lnTo>
+                <a:lnTo>
+                  <a:pt x="271853" y="372040"/>
+                </a:lnTo>
+                <a:lnTo>
+                  <a:pt x="458548" y="372040"/>
+                </a:lnTo>
+                <a:lnTo>
+                  <a:pt x="458548" y="680014"/>
+                </a:lnTo>
+                <a:lnTo>
+                  <a:pt x="0" y="680014"/>
+                </a:lnTo>
+                <a:lnTo>
+                  <a:pt x="0" y="372040"/>
+                </a:lnTo>
+                <a:lnTo>
+                  <a:pt x="186696" y="372040"/>
+                </a:lnTo>
+                <a:close/>
+              </a:path>
+            </a:pathLst>
+          </a:custGeom>
+          <a:solidFill>
+            <a:schemeClr val="bg1">
+              <a:lumMod val="75000"/>
+            </a:schemeClr>
+          </a:solidFill>
+          <a:ln w="38100">
+            <a:solidFill>
+              <a:schemeClr val="tx1"/>
+            </a:solidFill>
           </a:ln>
         </p:spPr>
         <p:style>

--- a/Texture/Texture.pptx
+++ b/Texture/Texture.pptx
@@ -259,7 +259,7 @@
           <a:p>
             <a:fld id="{B737DA26-94C3-49F0-977D-61C9BEE27B16}" type="datetimeFigureOut">
               <a:rPr lang="zh-CN" altLang="en-US" smtClean="0"/>
-              <a:t>2022/10/2</a:t>
+              <a:t>2022/10/3</a:t>
             </a:fld>
             <a:endParaRPr lang="zh-CN" altLang="en-US"/>
           </a:p>
@@ -457,7 +457,7 @@
           <a:p>
             <a:fld id="{B737DA26-94C3-49F0-977D-61C9BEE27B16}" type="datetimeFigureOut">
               <a:rPr lang="zh-CN" altLang="en-US" smtClean="0"/>
-              <a:t>2022/10/2</a:t>
+              <a:t>2022/10/3</a:t>
             </a:fld>
             <a:endParaRPr lang="zh-CN" altLang="en-US"/>
           </a:p>
@@ -665,7 +665,7 @@
           <a:p>
             <a:fld id="{B737DA26-94C3-49F0-977D-61C9BEE27B16}" type="datetimeFigureOut">
               <a:rPr lang="zh-CN" altLang="en-US" smtClean="0"/>
-              <a:t>2022/10/2</a:t>
+              <a:t>2022/10/3</a:t>
             </a:fld>
             <a:endParaRPr lang="zh-CN" altLang="en-US"/>
           </a:p>
@@ -863,7 +863,7 @@
           <a:p>
             <a:fld id="{B737DA26-94C3-49F0-977D-61C9BEE27B16}" type="datetimeFigureOut">
               <a:rPr lang="zh-CN" altLang="en-US" smtClean="0"/>
-              <a:t>2022/10/2</a:t>
+              <a:t>2022/10/3</a:t>
             </a:fld>
             <a:endParaRPr lang="zh-CN" altLang="en-US"/>
           </a:p>
@@ -1138,7 +1138,7 @@
           <a:p>
             <a:fld id="{B737DA26-94C3-49F0-977D-61C9BEE27B16}" type="datetimeFigureOut">
               <a:rPr lang="zh-CN" altLang="en-US" smtClean="0"/>
-              <a:t>2022/10/2</a:t>
+              <a:t>2022/10/3</a:t>
             </a:fld>
             <a:endParaRPr lang="zh-CN" altLang="en-US"/>
           </a:p>
@@ -1403,7 +1403,7 @@
           <a:p>
             <a:fld id="{B737DA26-94C3-49F0-977D-61C9BEE27B16}" type="datetimeFigureOut">
               <a:rPr lang="zh-CN" altLang="en-US" smtClean="0"/>
-              <a:t>2022/10/2</a:t>
+              <a:t>2022/10/3</a:t>
             </a:fld>
             <a:endParaRPr lang="zh-CN" altLang="en-US"/>
           </a:p>
@@ -1815,7 +1815,7 @@
           <a:p>
             <a:fld id="{B737DA26-94C3-49F0-977D-61C9BEE27B16}" type="datetimeFigureOut">
               <a:rPr lang="zh-CN" altLang="en-US" smtClean="0"/>
-              <a:t>2022/10/2</a:t>
+              <a:t>2022/10/3</a:t>
             </a:fld>
             <a:endParaRPr lang="zh-CN" altLang="en-US"/>
           </a:p>
@@ -1956,7 +1956,7 @@
           <a:p>
             <a:fld id="{B737DA26-94C3-49F0-977D-61C9BEE27B16}" type="datetimeFigureOut">
               <a:rPr lang="zh-CN" altLang="en-US" smtClean="0"/>
-              <a:t>2022/10/2</a:t>
+              <a:t>2022/10/3</a:t>
             </a:fld>
             <a:endParaRPr lang="zh-CN" altLang="en-US"/>
           </a:p>
@@ -2069,7 +2069,7 @@
           <a:p>
             <a:fld id="{B737DA26-94C3-49F0-977D-61C9BEE27B16}" type="datetimeFigureOut">
               <a:rPr lang="zh-CN" altLang="en-US" smtClean="0"/>
-              <a:t>2022/10/2</a:t>
+              <a:t>2022/10/3</a:t>
             </a:fld>
             <a:endParaRPr lang="zh-CN" altLang="en-US"/>
           </a:p>
@@ -2380,7 +2380,7 @@
           <a:p>
             <a:fld id="{B737DA26-94C3-49F0-977D-61C9BEE27B16}" type="datetimeFigureOut">
               <a:rPr lang="zh-CN" altLang="en-US" smtClean="0"/>
-              <a:t>2022/10/2</a:t>
+              <a:t>2022/10/3</a:t>
             </a:fld>
             <a:endParaRPr lang="zh-CN" altLang="en-US"/>
           </a:p>
@@ -2668,7 +2668,7 @@
           <a:p>
             <a:fld id="{B737DA26-94C3-49F0-977D-61C9BEE27B16}" type="datetimeFigureOut">
               <a:rPr lang="zh-CN" altLang="en-US" smtClean="0"/>
-              <a:t>2022/10/2</a:t>
+              <a:t>2022/10/3</a:t>
             </a:fld>
             <a:endParaRPr lang="zh-CN" altLang="en-US"/>
           </a:p>
@@ -2909,7 +2909,7 @@
           <a:p>
             <a:fld id="{B737DA26-94C3-49F0-977D-61C9BEE27B16}" type="datetimeFigureOut">
               <a:rPr lang="zh-CN" altLang="en-US" smtClean="0"/>
-              <a:t>2022/10/2</a:t>
+              <a:t>2022/10/3</a:t>
             </a:fld>
             <a:endParaRPr lang="zh-CN" altLang="en-US"/>
           </a:p>
@@ -3539,13 +3539,11 @@
           </a:custGeom>
           <a:solidFill>
             <a:schemeClr val="bg1">
-              <a:lumMod val="75000"/>
+              <a:lumMod val="50000"/>
             </a:schemeClr>
           </a:solidFill>
           <a:ln w="38100">
-            <a:solidFill>
-              <a:schemeClr val="tx1"/>
-            </a:solidFill>
+            <a:noFill/>
           </a:ln>
         </p:spPr>
         <p:style>
@@ -3571,7 +3569,7 @@
           <a:lstStyle/>
           <a:p>
             <a:pPr algn="ctr"/>
-            <a:endParaRPr lang="zh-CN" altLang="en-US"/>
+            <a:endParaRPr lang="zh-CN" altLang="en-US" dirty="0"/>
           </a:p>
         </p:txBody>
       </p:sp>

--- a/Texture/Texture.pptx
+++ b/Texture/Texture.pptx
@@ -3573,6 +3573,62 @@
           </a:p>
         </p:txBody>
       </p:sp>
+      <p:sp>
+        <p:nvSpPr>
+          <p:cNvPr id="2" name="泪滴形 1">
+            <a:extLst>
+              <a:ext uri="{FF2B5EF4-FFF2-40B4-BE49-F238E27FC236}">
+                <a16:creationId xmlns:a16="http://schemas.microsoft.com/office/drawing/2014/main" id="{5F80FE3A-BAFC-A4DA-8F5C-B190822F84FB}"/>
+              </a:ext>
+            </a:extLst>
+          </p:cNvPr>
+          <p:cNvSpPr/>
+          <p:nvPr/>
+        </p:nvSpPr>
+        <p:spPr>
+          <a:xfrm rot="8100000">
+            <a:off x="4653544" y="1874291"/>
+            <a:ext cx="518618" cy="518618"/>
+          </a:xfrm>
+          <a:prstGeom prst="teardrop">
+            <a:avLst>
+              <a:gd name="adj" fmla="val 200000"/>
+            </a:avLst>
+          </a:prstGeom>
+          <a:solidFill>
+            <a:schemeClr val="bg1">
+              <a:lumMod val="75000"/>
+            </a:schemeClr>
+          </a:solidFill>
+          <a:ln>
+            <a:noFill/>
+          </a:ln>
+        </p:spPr>
+        <p:style>
+          <a:lnRef idx="2">
+            <a:schemeClr val="accent1">
+              <a:shade val="50000"/>
+            </a:schemeClr>
+          </a:lnRef>
+          <a:fillRef idx="1">
+            <a:schemeClr val="accent1"/>
+          </a:fillRef>
+          <a:effectRef idx="0">
+            <a:schemeClr val="accent1"/>
+          </a:effectRef>
+          <a:fontRef idx="minor">
+            <a:schemeClr val="lt1"/>
+          </a:fontRef>
+        </p:style>
+        <p:txBody>
+          <a:bodyPr rtlCol="0" anchor="ctr"/>
+          <a:lstStyle/>
+          <a:p>
+            <a:pPr algn="ctr"/>
+            <a:endParaRPr lang="zh-CN" altLang="en-US"/>
+          </a:p>
+        </p:txBody>
+      </p:sp>
     </p:spTree>
     <p:extLst>
       <p:ext uri="{BB962C8B-B14F-4D97-AF65-F5344CB8AC3E}">

--- a/Texture/Texture.pptx
+++ b/Texture/Texture.pptx
@@ -6,6 +6,7 @@
   </p:sldMasterIdLst>
   <p:sldIdLst>
     <p:sldId id="256" r:id="rId2"/>
+    <p:sldId id="257" r:id="rId3"/>
   </p:sldIdLst>
   <p:sldSz cx="12192000" cy="6858000"/>
   <p:notesSz cx="6858000" cy="9144000"/>
@@ -2745,9 +2746,15 @@
 <p:sldMaster xmlns:a="http://schemas.openxmlformats.org/drawingml/2006/main" xmlns:r="http://schemas.openxmlformats.org/officeDocument/2006/relationships" xmlns:p="http://schemas.openxmlformats.org/presentationml/2006/main">
   <p:cSld>
     <p:bg>
-      <p:bgRef idx="1001">
-        <a:schemeClr val="bg1"/>
-      </p:bgRef>
+      <p:bgPr>
+        <a:solidFill>
+          <a:schemeClr val="accent6">
+            <a:lumMod val="60000"/>
+            <a:lumOff val="40000"/>
+          </a:schemeClr>
+        </a:solidFill>
+        <a:effectLst/>
+      </p:bgPr>
     </p:bg>
     <p:spTree>
       <p:nvGrpSpPr>
@@ -3312,17 +3319,6 @@
 <file path=ppt/slides/slide1.xml><?xml version="1.0" encoding="utf-8"?>
 <p:sld xmlns:a="http://schemas.openxmlformats.org/drawingml/2006/main" xmlns:r="http://schemas.openxmlformats.org/officeDocument/2006/relationships" xmlns:p="http://schemas.openxmlformats.org/presentationml/2006/main">
   <p:cSld>
-    <p:bg>
-      <p:bgPr>
-        <a:solidFill>
-          <a:schemeClr val="accent6">
-            <a:lumMod val="60000"/>
-            <a:lumOff val="40000"/>
-          </a:schemeClr>
-        </a:solidFill>
-        <a:effectLst/>
-      </p:bgPr>
-    </p:bg>
     <p:spTree>
       <p:nvGrpSpPr>
         <p:cNvPr id="1" name=""/>
@@ -3587,7 +3583,7 @@
         </p:nvSpPr>
         <p:spPr>
           <a:xfrm rot="8100000">
-            <a:off x="4653544" y="1874291"/>
+            <a:off x="1179003" y="2521604"/>
             <a:ext cx="518618" cy="518618"/>
           </a:xfrm>
           <a:prstGeom prst="teardrop">
@@ -3629,10 +3625,243 @@
           </a:p>
         </p:txBody>
       </p:sp>
+      <p:sp>
+        <p:nvSpPr>
+          <p:cNvPr id="3" name="椭圆 2">
+            <a:extLst>
+              <a:ext uri="{FF2B5EF4-FFF2-40B4-BE49-F238E27FC236}">
+                <a16:creationId xmlns:a16="http://schemas.microsoft.com/office/drawing/2014/main" id="{42ECBC0E-F57A-51D0-4892-DF7A7C2876D9}"/>
+              </a:ext>
+            </a:extLst>
+          </p:cNvPr>
+          <p:cNvSpPr/>
+          <p:nvPr/>
+        </p:nvSpPr>
+        <p:spPr>
+          <a:xfrm>
+            <a:off x="4572000" y="1851804"/>
+            <a:ext cx="1035170" cy="1035170"/>
+          </a:xfrm>
+          <a:prstGeom prst="ellipse">
+            <a:avLst/>
+          </a:prstGeom>
+          <a:solidFill>
+            <a:schemeClr val="bg1"/>
+          </a:solidFill>
+          <a:ln>
+            <a:noFill/>
+          </a:ln>
+        </p:spPr>
+        <p:style>
+          <a:lnRef idx="2">
+            <a:schemeClr val="accent1">
+              <a:shade val="50000"/>
+            </a:schemeClr>
+          </a:lnRef>
+          <a:fillRef idx="1">
+            <a:schemeClr val="accent1"/>
+          </a:fillRef>
+          <a:effectRef idx="0">
+            <a:schemeClr val="accent1"/>
+          </a:effectRef>
+          <a:fontRef idx="minor">
+            <a:schemeClr val="lt1"/>
+          </a:fontRef>
+        </p:style>
+        <p:txBody>
+          <a:bodyPr rtlCol="0" anchor="ctr"/>
+          <a:lstStyle/>
+          <a:p>
+            <a:pPr algn="ctr"/>
+            <a:endParaRPr lang="zh-CN" altLang="en-US"/>
+          </a:p>
+        </p:txBody>
+      </p:sp>
     </p:spTree>
     <p:extLst>
       <p:ext uri="{BB962C8B-B14F-4D97-AF65-F5344CB8AC3E}">
         <p14:creationId xmlns:p14="http://schemas.microsoft.com/office/powerpoint/2010/main" val="3701945037"/>
+      </p:ext>
+    </p:extLst>
+  </p:cSld>
+  <p:clrMapOvr>
+    <a:masterClrMapping/>
+  </p:clrMapOvr>
+</p:sld>
+</file>
+
+<file path=ppt/slides/slide2.xml><?xml version="1.0" encoding="utf-8"?>
+<p:sld xmlns:a="http://schemas.openxmlformats.org/drawingml/2006/main" xmlns:r="http://schemas.openxmlformats.org/officeDocument/2006/relationships" xmlns:p="http://schemas.openxmlformats.org/presentationml/2006/main">
+  <p:cSld>
+    <p:spTree>
+      <p:nvGrpSpPr>
+        <p:cNvPr id="1" name=""/>
+        <p:cNvGrpSpPr/>
+        <p:nvPr/>
+      </p:nvGrpSpPr>
+      <p:grpSpPr>
+        <a:xfrm>
+          <a:off x="0" y="0"/>
+          <a:ext cx="0" cy="0"/>
+          <a:chOff x="0" y="0"/>
+          <a:chExt cx="0" cy="0"/>
+        </a:xfrm>
+      </p:grpSpPr>
+      <p:sp>
+        <p:nvSpPr>
+          <p:cNvPr id="4" name="椭圆 3">
+            <a:extLst>
+              <a:ext uri="{FF2B5EF4-FFF2-40B4-BE49-F238E27FC236}">
+                <a16:creationId xmlns:a16="http://schemas.microsoft.com/office/drawing/2014/main" id="{601E1159-F82C-A376-3CDA-E75AE824A6D6}"/>
+              </a:ext>
+            </a:extLst>
+          </p:cNvPr>
+          <p:cNvSpPr/>
+          <p:nvPr/>
+        </p:nvSpPr>
+        <p:spPr>
+          <a:xfrm>
+            <a:off x="3999403" y="2074795"/>
+            <a:ext cx="3758620" cy="3271964"/>
+          </a:xfrm>
+          <a:custGeom>
+            <a:avLst/>
+            <a:gdLst>
+              <a:gd name="connsiteX0" fmla="*/ 0 w 3755366"/>
+              <a:gd name="connsiteY0" fmla="*/ 1877683 h 3755366"/>
+              <a:gd name="connsiteX1" fmla="*/ 1877683 w 3755366"/>
+              <a:gd name="connsiteY1" fmla="*/ 0 h 3755366"/>
+              <a:gd name="connsiteX2" fmla="*/ 3755366 w 3755366"/>
+              <a:gd name="connsiteY2" fmla="*/ 1877683 h 3755366"/>
+              <a:gd name="connsiteX3" fmla="*/ 1877683 w 3755366"/>
+              <a:gd name="connsiteY3" fmla="*/ 3755366 h 3755366"/>
+              <a:gd name="connsiteX4" fmla="*/ 0 w 3755366"/>
+              <a:gd name="connsiteY4" fmla="*/ 1877683 h 3755366"/>
+              <a:gd name="connsiteX0" fmla="*/ 2916 w 3758282"/>
+              <a:gd name="connsiteY0" fmla="*/ 1337095 h 3214778"/>
+              <a:gd name="connsiteX1" fmla="*/ 1581550 w 3758282"/>
+              <a:gd name="connsiteY1" fmla="*/ 0 h 3214778"/>
+              <a:gd name="connsiteX2" fmla="*/ 3758282 w 3758282"/>
+              <a:gd name="connsiteY2" fmla="*/ 1337095 h 3214778"/>
+              <a:gd name="connsiteX3" fmla="*/ 1880599 w 3758282"/>
+              <a:gd name="connsiteY3" fmla="*/ 3214778 h 3214778"/>
+              <a:gd name="connsiteX4" fmla="*/ 2916 w 3758282"/>
+              <a:gd name="connsiteY4" fmla="*/ 1337095 h 3214778"/>
+              <a:gd name="connsiteX0" fmla="*/ 3254 w 3758620"/>
+              <a:gd name="connsiteY0" fmla="*/ 1377208 h 3254891"/>
+              <a:gd name="connsiteX1" fmla="*/ 1581888 w 3758620"/>
+              <a:gd name="connsiteY1" fmla="*/ 40113 h 3254891"/>
+              <a:gd name="connsiteX2" fmla="*/ 3758620 w 3758620"/>
+              <a:gd name="connsiteY2" fmla="*/ 1377208 h 3254891"/>
+              <a:gd name="connsiteX3" fmla="*/ 1880937 w 3758620"/>
+              <a:gd name="connsiteY3" fmla="*/ 3254891 h 3254891"/>
+              <a:gd name="connsiteX4" fmla="*/ 3254 w 3758620"/>
+              <a:gd name="connsiteY4" fmla="*/ 1377208 h 3254891"/>
+              <a:gd name="connsiteX0" fmla="*/ 3254 w 3758620"/>
+              <a:gd name="connsiteY0" fmla="*/ 1377208 h 3349776"/>
+              <a:gd name="connsiteX1" fmla="*/ 1581888 w 3758620"/>
+              <a:gd name="connsiteY1" fmla="*/ 40113 h 3349776"/>
+              <a:gd name="connsiteX2" fmla="*/ 3758620 w 3758620"/>
+              <a:gd name="connsiteY2" fmla="*/ 1377208 h 3349776"/>
+              <a:gd name="connsiteX3" fmla="*/ 1880937 w 3758620"/>
+              <a:gd name="connsiteY3" fmla="*/ 3254891 h 3349776"/>
+              <a:gd name="connsiteX4" fmla="*/ 3254 w 3758620"/>
+              <a:gd name="connsiteY4" fmla="*/ 1377208 h 3349776"/>
+              <a:gd name="connsiteX0" fmla="*/ 3254 w 3758620"/>
+              <a:gd name="connsiteY0" fmla="*/ 1377208 h 3271964"/>
+              <a:gd name="connsiteX1" fmla="*/ 1581888 w 3758620"/>
+              <a:gd name="connsiteY1" fmla="*/ 40113 h 3271964"/>
+              <a:gd name="connsiteX2" fmla="*/ 3758620 w 3758620"/>
+              <a:gd name="connsiteY2" fmla="*/ 1377208 h 3271964"/>
+              <a:gd name="connsiteX3" fmla="*/ 1880937 w 3758620"/>
+              <a:gd name="connsiteY3" fmla="*/ 3254891 h 3271964"/>
+              <a:gd name="connsiteX4" fmla="*/ 3254 w 3758620"/>
+              <a:gd name="connsiteY4" fmla="*/ 1377208 h 3271964"/>
+            </a:gdLst>
+            <a:ahLst/>
+            <a:cxnLst>
+              <a:cxn ang="0">
+                <a:pos x="connsiteX0" y="connsiteY0"/>
+              </a:cxn>
+              <a:cxn ang="0">
+                <a:pos x="connsiteX1" y="connsiteY1"/>
+              </a:cxn>
+              <a:cxn ang="0">
+                <a:pos x="connsiteX2" y="connsiteY2"/>
+              </a:cxn>
+              <a:cxn ang="0">
+                <a:pos x="connsiteX3" y="connsiteY3"/>
+              </a:cxn>
+              <a:cxn ang="0">
+                <a:pos x="connsiteX4" y="connsiteY4"/>
+              </a:cxn>
+            </a:cxnLst>
+            <a:rect l="l" t="t" r="r" b="b"/>
+            <a:pathLst>
+              <a:path w="3758620" h="3271964">
+                <a:moveTo>
+                  <a:pt x="3254" y="1377208"/>
+                </a:moveTo>
+                <a:cubicBezTo>
+                  <a:pt x="-46587" y="841412"/>
+                  <a:pt x="475861" y="229894"/>
+                  <a:pt x="1581888" y="40113"/>
+                </a:cubicBezTo>
+                <a:cubicBezTo>
+                  <a:pt x="2687915" y="-149668"/>
+                  <a:pt x="3758620" y="340192"/>
+                  <a:pt x="3758620" y="1377208"/>
+                </a:cubicBezTo>
+                <a:cubicBezTo>
+                  <a:pt x="3758620" y="2414224"/>
+                  <a:pt x="2791432" y="3059359"/>
+                  <a:pt x="1880937" y="3254891"/>
+                </a:cubicBezTo>
+                <a:cubicBezTo>
+                  <a:pt x="970442" y="3450423"/>
+                  <a:pt x="53095" y="1913004"/>
+                  <a:pt x="3254" y="1377208"/>
+                </a:cubicBezTo>
+                <a:close/>
+              </a:path>
+            </a:pathLst>
+          </a:custGeom>
+          <a:solidFill>
+            <a:schemeClr val="bg1"/>
+          </a:solidFill>
+          <a:ln>
+            <a:noFill/>
+          </a:ln>
+        </p:spPr>
+        <p:style>
+          <a:lnRef idx="2">
+            <a:schemeClr val="accent1">
+              <a:shade val="50000"/>
+            </a:schemeClr>
+          </a:lnRef>
+          <a:fillRef idx="1">
+            <a:schemeClr val="accent1"/>
+          </a:fillRef>
+          <a:effectRef idx="0">
+            <a:schemeClr val="accent1"/>
+          </a:effectRef>
+          <a:fontRef idx="minor">
+            <a:schemeClr val="lt1"/>
+          </a:fontRef>
+        </p:style>
+        <p:txBody>
+          <a:bodyPr rtlCol="0" anchor="ctr"/>
+          <a:lstStyle/>
+          <a:p>
+            <a:pPr algn="ctr"/>
+            <a:endParaRPr lang="zh-CN" altLang="en-US"/>
+          </a:p>
+        </p:txBody>
+      </p:sp>
+    </p:spTree>
+    <p:extLst>
+      <p:ext uri="{BB962C8B-B14F-4D97-AF65-F5344CB8AC3E}">
+        <p14:creationId xmlns:p14="http://schemas.microsoft.com/office/powerpoint/2010/main" val="2225801219"/>
       </p:ext>
     </p:extLst>
   </p:cSld>

--- a/Texture/Texture.pptx
+++ b/Texture/Texture.pptx
@@ -3677,6 +3677,183 @@
           </a:p>
         </p:txBody>
       </p:sp>
+      <p:grpSp>
+        <p:nvGrpSpPr>
+          <p:cNvPr id="8" name="组合 7">
+            <a:extLst>
+              <a:ext uri="{FF2B5EF4-FFF2-40B4-BE49-F238E27FC236}">
+                <a16:creationId xmlns:a16="http://schemas.microsoft.com/office/drawing/2014/main" id="{10EA068A-1201-C9F6-C036-A76DAFB8E975}"/>
+              </a:ext>
+            </a:extLst>
+          </p:cNvPr>
+          <p:cNvGrpSpPr/>
+          <p:nvPr/>
+        </p:nvGrpSpPr>
+        <p:grpSpPr>
+          <a:xfrm>
+            <a:off x="2376850" y="669360"/>
+            <a:ext cx="683414" cy="1083478"/>
+            <a:chOff x="4802038" y="1391728"/>
+            <a:chExt cx="1397479" cy="2215551"/>
+          </a:xfrm>
+        </p:grpSpPr>
+        <p:sp>
+          <p:nvSpPr>
+            <p:cNvPr id="5" name="等腰三角形 4">
+              <a:extLst>
+                <a:ext uri="{FF2B5EF4-FFF2-40B4-BE49-F238E27FC236}">
+                  <a16:creationId xmlns:a16="http://schemas.microsoft.com/office/drawing/2014/main" id="{52881DD3-00B6-D386-4768-DE4F26C47F3B}"/>
+                </a:ext>
+              </a:extLst>
+            </p:cNvPr>
+            <p:cNvSpPr/>
+            <p:nvPr/>
+          </p:nvSpPr>
+          <p:spPr>
+            <a:xfrm>
+              <a:off x="4802038" y="1391728"/>
+              <a:ext cx="1397479" cy="1351472"/>
+            </a:xfrm>
+            <a:prstGeom prst="triangle">
+              <a:avLst/>
+            </a:prstGeom>
+            <a:solidFill>
+              <a:schemeClr val="bg1"/>
+            </a:solidFill>
+            <a:ln>
+              <a:noFill/>
+            </a:ln>
+          </p:spPr>
+          <p:style>
+            <a:lnRef idx="2">
+              <a:schemeClr val="accent1">
+                <a:shade val="50000"/>
+              </a:schemeClr>
+            </a:lnRef>
+            <a:fillRef idx="1">
+              <a:schemeClr val="accent1"/>
+            </a:fillRef>
+            <a:effectRef idx="0">
+              <a:schemeClr val="accent1"/>
+            </a:effectRef>
+            <a:fontRef idx="minor">
+              <a:schemeClr val="lt1"/>
+            </a:fontRef>
+          </p:style>
+          <p:txBody>
+            <a:bodyPr rtlCol="0" anchor="ctr"/>
+            <a:lstStyle/>
+            <a:p>
+              <a:pPr algn="ctr"/>
+              <a:endParaRPr lang="zh-CN" altLang="en-US"/>
+            </a:p>
+          </p:txBody>
+        </p:sp>
+        <p:sp>
+          <p:nvSpPr>
+            <p:cNvPr id="6" name="矩形 5">
+              <a:extLst>
+                <a:ext uri="{FF2B5EF4-FFF2-40B4-BE49-F238E27FC236}">
+                  <a16:creationId xmlns:a16="http://schemas.microsoft.com/office/drawing/2014/main" id="{BBFC9138-F940-1B9C-974E-BC69B63C3BA3}"/>
+                </a:ext>
+              </a:extLst>
+            </p:cNvPr>
+            <p:cNvSpPr/>
+            <p:nvPr/>
+          </p:nvSpPr>
+          <p:spPr>
+            <a:xfrm>
+              <a:off x="4984630" y="2743200"/>
+              <a:ext cx="316302" cy="864079"/>
+            </a:xfrm>
+            <a:prstGeom prst="rect">
+              <a:avLst/>
+            </a:prstGeom>
+            <a:solidFill>
+              <a:schemeClr val="bg1"/>
+            </a:solidFill>
+            <a:ln>
+              <a:noFill/>
+            </a:ln>
+          </p:spPr>
+          <p:style>
+            <a:lnRef idx="2">
+              <a:schemeClr val="accent1">
+                <a:shade val="50000"/>
+              </a:schemeClr>
+            </a:lnRef>
+            <a:fillRef idx="1">
+              <a:schemeClr val="accent1"/>
+            </a:fillRef>
+            <a:effectRef idx="0">
+              <a:schemeClr val="accent1"/>
+            </a:effectRef>
+            <a:fontRef idx="minor">
+              <a:schemeClr val="lt1"/>
+            </a:fontRef>
+          </p:style>
+          <p:txBody>
+            <a:bodyPr rtlCol="0" anchor="ctr"/>
+            <a:lstStyle/>
+            <a:p>
+              <a:pPr algn="ctr"/>
+              <a:endParaRPr lang="zh-CN" altLang="en-US"/>
+            </a:p>
+          </p:txBody>
+        </p:sp>
+        <p:sp>
+          <p:nvSpPr>
+            <p:cNvPr id="7" name="矩形 6">
+              <a:extLst>
+                <a:ext uri="{FF2B5EF4-FFF2-40B4-BE49-F238E27FC236}">
+                  <a16:creationId xmlns:a16="http://schemas.microsoft.com/office/drawing/2014/main" id="{1F695C15-23A3-EB85-D4CF-89549A847A3D}"/>
+                </a:ext>
+              </a:extLst>
+            </p:cNvPr>
+            <p:cNvSpPr/>
+            <p:nvPr/>
+          </p:nvSpPr>
+          <p:spPr>
+            <a:xfrm>
+              <a:off x="5700622" y="2743200"/>
+              <a:ext cx="316302" cy="864079"/>
+            </a:xfrm>
+            <a:prstGeom prst="rect">
+              <a:avLst/>
+            </a:prstGeom>
+            <a:solidFill>
+              <a:schemeClr val="bg1"/>
+            </a:solidFill>
+            <a:ln>
+              <a:noFill/>
+            </a:ln>
+          </p:spPr>
+          <p:style>
+            <a:lnRef idx="2">
+              <a:schemeClr val="accent1">
+                <a:shade val="50000"/>
+              </a:schemeClr>
+            </a:lnRef>
+            <a:fillRef idx="1">
+              <a:schemeClr val="accent1"/>
+            </a:fillRef>
+            <a:effectRef idx="0">
+              <a:schemeClr val="accent1"/>
+            </a:effectRef>
+            <a:fontRef idx="minor">
+              <a:schemeClr val="lt1"/>
+            </a:fontRef>
+          </p:style>
+          <p:txBody>
+            <a:bodyPr rtlCol="0" anchor="ctr"/>
+            <a:lstStyle/>
+            <a:p>
+              <a:pPr algn="ctr"/>
+              <a:endParaRPr lang="zh-CN" altLang="en-US"/>
+            </a:p>
+          </p:txBody>
+        </p:sp>
+      </p:grpSp>
     </p:spTree>
     <p:extLst>
       <p:ext uri="{BB962C8B-B14F-4D97-AF65-F5344CB8AC3E}">
@@ -3707,157 +3884,6 @@
           <a:chExt cx="0" cy="0"/>
         </a:xfrm>
       </p:grpSpPr>
-      <p:sp>
-        <p:nvSpPr>
-          <p:cNvPr id="4" name="椭圆 3">
-            <a:extLst>
-              <a:ext uri="{FF2B5EF4-FFF2-40B4-BE49-F238E27FC236}">
-                <a16:creationId xmlns:a16="http://schemas.microsoft.com/office/drawing/2014/main" id="{601E1159-F82C-A376-3CDA-E75AE824A6D6}"/>
-              </a:ext>
-            </a:extLst>
-          </p:cNvPr>
-          <p:cNvSpPr/>
-          <p:nvPr/>
-        </p:nvSpPr>
-        <p:spPr>
-          <a:xfrm>
-            <a:off x="3999403" y="2074795"/>
-            <a:ext cx="3758620" cy="3271964"/>
-          </a:xfrm>
-          <a:custGeom>
-            <a:avLst/>
-            <a:gdLst>
-              <a:gd name="connsiteX0" fmla="*/ 0 w 3755366"/>
-              <a:gd name="connsiteY0" fmla="*/ 1877683 h 3755366"/>
-              <a:gd name="connsiteX1" fmla="*/ 1877683 w 3755366"/>
-              <a:gd name="connsiteY1" fmla="*/ 0 h 3755366"/>
-              <a:gd name="connsiteX2" fmla="*/ 3755366 w 3755366"/>
-              <a:gd name="connsiteY2" fmla="*/ 1877683 h 3755366"/>
-              <a:gd name="connsiteX3" fmla="*/ 1877683 w 3755366"/>
-              <a:gd name="connsiteY3" fmla="*/ 3755366 h 3755366"/>
-              <a:gd name="connsiteX4" fmla="*/ 0 w 3755366"/>
-              <a:gd name="connsiteY4" fmla="*/ 1877683 h 3755366"/>
-              <a:gd name="connsiteX0" fmla="*/ 2916 w 3758282"/>
-              <a:gd name="connsiteY0" fmla="*/ 1337095 h 3214778"/>
-              <a:gd name="connsiteX1" fmla="*/ 1581550 w 3758282"/>
-              <a:gd name="connsiteY1" fmla="*/ 0 h 3214778"/>
-              <a:gd name="connsiteX2" fmla="*/ 3758282 w 3758282"/>
-              <a:gd name="connsiteY2" fmla="*/ 1337095 h 3214778"/>
-              <a:gd name="connsiteX3" fmla="*/ 1880599 w 3758282"/>
-              <a:gd name="connsiteY3" fmla="*/ 3214778 h 3214778"/>
-              <a:gd name="connsiteX4" fmla="*/ 2916 w 3758282"/>
-              <a:gd name="connsiteY4" fmla="*/ 1337095 h 3214778"/>
-              <a:gd name="connsiteX0" fmla="*/ 3254 w 3758620"/>
-              <a:gd name="connsiteY0" fmla="*/ 1377208 h 3254891"/>
-              <a:gd name="connsiteX1" fmla="*/ 1581888 w 3758620"/>
-              <a:gd name="connsiteY1" fmla="*/ 40113 h 3254891"/>
-              <a:gd name="connsiteX2" fmla="*/ 3758620 w 3758620"/>
-              <a:gd name="connsiteY2" fmla="*/ 1377208 h 3254891"/>
-              <a:gd name="connsiteX3" fmla="*/ 1880937 w 3758620"/>
-              <a:gd name="connsiteY3" fmla="*/ 3254891 h 3254891"/>
-              <a:gd name="connsiteX4" fmla="*/ 3254 w 3758620"/>
-              <a:gd name="connsiteY4" fmla="*/ 1377208 h 3254891"/>
-              <a:gd name="connsiteX0" fmla="*/ 3254 w 3758620"/>
-              <a:gd name="connsiteY0" fmla="*/ 1377208 h 3349776"/>
-              <a:gd name="connsiteX1" fmla="*/ 1581888 w 3758620"/>
-              <a:gd name="connsiteY1" fmla="*/ 40113 h 3349776"/>
-              <a:gd name="connsiteX2" fmla="*/ 3758620 w 3758620"/>
-              <a:gd name="connsiteY2" fmla="*/ 1377208 h 3349776"/>
-              <a:gd name="connsiteX3" fmla="*/ 1880937 w 3758620"/>
-              <a:gd name="connsiteY3" fmla="*/ 3254891 h 3349776"/>
-              <a:gd name="connsiteX4" fmla="*/ 3254 w 3758620"/>
-              <a:gd name="connsiteY4" fmla="*/ 1377208 h 3349776"/>
-              <a:gd name="connsiteX0" fmla="*/ 3254 w 3758620"/>
-              <a:gd name="connsiteY0" fmla="*/ 1377208 h 3271964"/>
-              <a:gd name="connsiteX1" fmla="*/ 1581888 w 3758620"/>
-              <a:gd name="connsiteY1" fmla="*/ 40113 h 3271964"/>
-              <a:gd name="connsiteX2" fmla="*/ 3758620 w 3758620"/>
-              <a:gd name="connsiteY2" fmla="*/ 1377208 h 3271964"/>
-              <a:gd name="connsiteX3" fmla="*/ 1880937 w 3758620"/>
-              <a:gd name="connsiteY3" fmla="*/ 3254891 h 3271964"/>
-              <a:gd name="connsiteX4" fmla="*/ 3254 w 3758620"/>
-              <a:gd name="connsiteY4" fmla="*/ 1377208 h 3271964"/>
-            </a:gdLst>
-            <a:ahLst/>
-            <a:cxnLst>
-              <a:cxn ang="0">
-                <a:pos x="connsiteX0" y="connsiteY0"/>
-              </a:cxn>
-              <a:cxn ang="0">
-                <a:pos x="connsiteX1" y="connsiteY1"/>
-              </a:cxn>
-              <a:cxn ang="0">
-                <a:pos x="connsiteX2" y="connsiteY2"/>
-              </a:cxn>
-              <a:cxn ang="0">
-                <a:pos x="connsiteX3" y="connsiteY3"/>
-              </a:cxn>
-              <a:cxn ang="0">
-                <a:pos x="connsiteX4" y="connsiteY4"/>
-              </a:cxn>
-            </a:cxnLst>
-            <a:rect l="l" t="t" r="r" b="b"/>
-            <a:pathLst>
-              <a:path w="3758620" h="3271964">
-                <a:moveTo>
-                  <a:pt x="3254" y="1377208"/>
-                </a:moveTo>
-                <a:cubicBezTo>
-                  <a:pt x="-46587" y="841412"/>
-                  <a:pt x="475861" y="229894"/>
-                  <a:pt x="1581888" y="40113"/>
-                </a:cubicBezTo>
-                <a:cubicBezTo>
-                  <a:pt x="2687915" y="-149668"/>
-                  <a:pt x="3758620" y="340192"/>
-                  <a:pt x="3758620" y="1377208"/>
-                </a:cubicBezTo>
-                <a:cubicBezTo>
-                  <a:pt x="3758620" y="2414224"/>
-                  <a:pt x="2791432" y="3059359"/>
-                  <a:pt x="1880937" y="3254891"/>
-                </a:cubicBezTo>
-                <a:cubicBezTo>
-                  <a:pt x="970442" y="3450423"/>
-                  <a:pt x="53095" y="1913004"/>
-                  <a:pt x="3254" y="1377208"/>
-                </a:cubicBezTo>
-                <a:close/>
-              </a:path>
-            </a:pathLst>
-          </a:custGeom>
-          <a:solidFill>
-            <a:schemeClr val="bg1"/>
-          </a:solidFill>
-          <a:ln>
-            <a:noFill/>
-          </a:ln>
-        </p:spPr>
-        <p:style>
-          <a:lnRef idx="2">
-            <a:schemeClr val="accent1">
-              <a:shade val="50000"/>
-            </a:schemeClr>
-          </a:lnRef>
-          <a:fillRef idx="1">
-            <a:schemeClr val="accent1"/>
-          </a:fillRef>
-          <a:effectRef idx="0">
-            <a:schemeClr val="accent1"/>
-          </a:effectRef>
-          <a:fontRef idx="minor">
-            <a:schemeClr val="lt1"/>
-          </a:fontRef>
-        </p:style>
-        <p:txBody>
-          <a:bodyPr rtlCol="0" anchor="ctr"/>
-          <a:lstStyle/>
-          <a:p>
-            <a:pPr algn="ctr"/>
-            <a:endParaRPr lang="zh-CN" altLang="en-US"/>
-          </a:p>
-        </p:txBody>
-      </p:sp>
     </p:spTree>
     <p:extLst>
       <p:ext uri="{BB962C8B-B14F-4D97-AF65-F5344CB8AC3E}">

--- a/Texture/Texture.pptx
+++ b/Texture/Texture.pptx
@@ -260,7 +260,7 @@
           <a:p>
             <a:fld id="{B737DA26-94C3-49F0-977D-61C9BEE27B16}" type="datetimeFigureOut">
               <a:rPr lang="zh-CN" altLang="en-US" smtClean="0"/>
-              <a:t>2022/10/3</a:t>
+              <a:t>2022/10/4</a:t>
             </a:fld>
             <a:endParaRPr lang="zh-CN" altLang="en-US"/>
           </a:p>
@@ -458,7 +458,7 @@
           <a:p>
             <a:fld id="{B737DA26-94C3-49F0-977D-61C9BEE27B16}" type="datetimeFigureOut">
               <a:rPr lang="zh-CN" altLang="en-US" smtClean="0"/>
-              <a:t>2022/10/3</a:t>
+              <a:t>2022/10/4</a:t>
             </a:fld>
             <a:endParaRPr lang="zh-CN" altLang="en-US"/>
           </a:p>
@@ -666,7 +666,7 @@
           <a:p>
             <a:fld id="{B737DA26-94C3-49F0-977D-61C9BEE27B16}" type="datetimeFigureOut">
               <a:rPr lang="zh-CN" altLang="en-US" smtClean="0"/>
-              <a:t>2022/10/3</a:t>
+              <a:t>2022/10/4</a:t>
             </a:fld>
             <a:endParaRPr lang="zh-CN" altLang="en-US"/>
           </a:p>
@@ -864,7 +864,7 @@
           <a:p>
             <a:fld id="{B737DA26-94C3-49F0-977D-61C9BEE27B16}" type="datetimeFigureOut">
               <a:rPr lang="zh-CN" altLang="en-US" smtClean="0"/>
-              <a:t>2022/10/3</a:t>
+              <a:t>2022/10/4</a:t>
             </a:fld>
             <a:endParaRPr lang="zh-CN" altLang="en-US"/>
           </a:p>
@@ -1139,7 +1139,7 @@
           <a:p>
             <a:fld id="{B737DA26-94C3-49F0-977D-61C9BEE27B16}" type="datetimeFigureOut">
               <a:rPr lang="zh-CN" altLang="en-US" smtClean="0"/>
-              <a:t>2022/10/3</a:t>
+              <a:t>2022/10/4</a:t>
             </a:fld>
             <a:endParaRPr lang="zh-CN" altLang="en-US"/>
           </a:p>
@@ -1404,7 +1404,7 @@
           <a:p>
             <a:fld id="{B737DA26-94C3-49F0-977D-61C9BEE27B16}" type="datetimeFigureOut">
               <a:rPr lang="zh-CN" altLang="en-US" smtClean="0"/>
-              <a:t>2022/10/3</a:t>
+              <a:t>2022/10/4</a:t>
             </a:fld>
             <a:endParaRPr lang="zh-CN" altLang="en-US"/>
           </a:p>
@@ -1816,7 +1816,7 @@
           <a:p>
             <a:fld id="{B737DA26-94C3-49F0-977D-61C9BEE27B16}" type="datetimeFigureOut">
               <a:rPr lang="zh-CN" altLang="en-US" smtClean="0"/>
-              <a:t>2022/10/3</a:t>
+              <a:t>2022/10/4</a:t>
             </a:fld>
             <a:endParaRPr lang="zh-CN" altLang="en-US"/>
           </a:p>
@@ -1957,7 +1957,7 @@
           <a:p>
             <a:fld id="{B737DA26-94C3-49F0-977D-61C9BEE27B16}" type="datetimeFigureOut">
               <a:rPr lang="zh-CN" altLang="en-US" smtClean="0"/>
-              <a:t>2022/10/3</a:t>
+              <a:t>2022/10/4</a:t>
             </a:fld>
             <a:endParaRPr lang="zh-CN" altLang="en-US"/>
           </a:p>
@@ -2070,7 +2070,7 @@
           <a:p>
             <a:fld id="{B737DA26-94C3-49F0-977D-61C9BEE27B16}" type="datetimeFigureOut">
               <a:rPr lang="zh-CN" altLang="en-US" smtClean="0"/>
-              <a:t>2022/10/3</a:t>
+              <a:t>2022/10/4</a:t>
             </a:fld>
             <a:endParaRPr lang="zh-CN" altLang="en-US"/>
           </a:p>
@@ -2381,7 +2381,7 @@
           <a:p>
             <a:fld id="{B737DA26-94C3-49F0-977D-61C9BEE27B16}" type="datetimeFigureOut">
               <a:rPr lang="zh-CN" altLang="en-US" smtClean="0"/>
-              <a:t>2022/10/3</a:t>
+              <a:t>2022/10/4</a:t>
             </a:fld>
             <a:endParaRPr lang="zh-CN" altLang="en-US"/>
           </a:p>
@@ -2669,7 +2669,7 @@
           <a:p>
             <a:fld id="{B737DA26-94C3-49F0-977D-61C9BEE27B16}" type="datetimeFigureOut">
               <a:rPr lang="zh-CN" altLang="en-US" smtClean="0"/>
-              <a:t>2022/10/3</a:t>
+              <a:t>2022/10/4</a:t>
             </a:fld>
             <a:endParaRPr lang="zh-CN" altLang="en-US"/>
           </a:p>
@@ -2916,7 +2916,7 @@
           <a:p>
             <a:fld id="{B737DA26-94C3-49F0-977D-61C9BEE27B16}" type="datetimeFigureOut">
               <a:rPr lang="zh-CN" altLang="en-US" smtClean="0"/>
-              <a:t>2022/10/3</a:t>
+              <a:t>2022/10/4</a:t>
             </a:fld>
             <a:endParaRPr lang="zh-CN" altLang="en-US"/>
           </a:p>
@@ -3592,9 +3592,7 @@
             </a:avLst>
           </a:prstGeom>
           <a:solidFill>
-            <a:schemeClr val="bg1">
-              <a:lumMod val="75000"/>
-            </a:schemeClr>
+            <a:schemeClr val="bg1"/>
           </a:solidFill>
           <a:ln>
             <a:noFill/>

--- a/Texture/Texture.pptx
+++ b/Texture/Texture.pptx
@@ -3852,6 +3852,62 @@
           </p:txBody>
         </p:sp>
       </p:grpSp>
+      <p:sp>
+        <p:nvSpPr>
+          <p:cNvPr id="10" name="泪滴形 9">
+            <a:extLst>
+              <a:ext uri="{FF2B5EF4-FFF2-40B4-BE49-F238E27FC236}">
+                <a16:creationId xmlns:a16="http://schemas.microsoft.com/office/drawing/2014/main" id="{4C571547-DD82-689A-5A9B-489B93FA523D}"/>
+              </a:ext>
+            </a:extLst>
+          </p:cNvPr>
+          <p:cNvSpPr/>
+          <p:nvPr/>
+        </p:nvSpPr>
+        <p:spPr>
+          <a:xfrm rot="8100000">
+            <a:off x="5908560" y="1904275"/>
+            <a:ext cx="1040921" cy="1040921"/>
+          </a:xfrm>
+          <a:prstGeom prst="teardrop">
+            <a:avLst/>
+          </a:prstGeom>
+          <a:solidFill>
+            <a:schemeClr val="bg1"/>
+          </a:solidFill>
+          <a:ln w="76200">
+            <a:solidFill>
+              <a:schemeClr val="bg2">
+                <a:lumMod val="75000"/>
+              </a:schemeClr>
+            </a:solidFill>
+          </a:ln>
+        </p:spPr>
+        <p:style>
+          <a:lnRef idx="2">
+            <a:schemeClr val="accent1">
+              <a:shade val="50000"/>
+            </a:schemeClr>
+          </a:lnRef>
+          <a:fillRef idx="1">
+            <a:schemeClr val="accent1"/>
+          </a:fillRef>
+          <a:effectRef idx="0">
+            <a:schemeClr val="accent1"/>
+          </a:effectRef>
+          <a:fontRef idx="minor">
+            <a:schemeClr val="lt1"/>
+          </a:fontRef>
+        </p:style>
+        <p:txBody>
+          <a:bodyPr rtlCol="0" anchor="ctr"/>
+          <a:lstStyle/>
+          <a:p>
+            <a:pPr algn="ctr"/>
+            <a:endParaRPr lang="zh-CN" altLang="en-US"/>
+          </a:p>
+        </p:txBody>
+      </p:sp>
     </p:spTree>
     <p:extLst>
       <p:ext uri="{BB962C8B-B14F-4D97-AF65-F5344CB8AC3E}">
@@ -3882,6 +3938,269 @@
           <a:chExt cx="0" cy="0"/>
         </a:xfrm>
       </p:grpSpPr>
+      <p:sp>
+        <p:nvSpPr>
+          <p:cNvPr id="8" name="任意多边形: 形状 7">
+            <a:extLst>
+              <a:ext uri="{FF2B5EF4-FFF2-40B4-BE49-F238E27FC236}">
+                <a16:creationId xmlns:a16="http://schemas.microsoft.com/office/drawing/2014/main" id="{F03019B3-6960-201F-E4BF-DEA5321F2CBD}"/>
+              </a:ext>
+            </a:extLst>
+          </p:cNvPr>
+          <p:cNvSpPr/>
+          <p:nvPr/>
+        </p:nvSpPr>
+        <p:spPr>
+          <a:xfrm>
+            <a:off x="2059577" y="1783079"/>
+            <a:ext cx="1661160" cy="1530532"/>
+          </a:xfrm>
+          <a:custGeom>
+            <a:avLst/>
+            <a:gdLst>
+              <a:gd name="connsiteX0" fmla="*/ 1341120 w 1661160"/>
+              <a:gd name="connsiteY0" fmla="*/ 890452 h 1530532"/>
+              <a:gd name="connsiteX1" fmla="*/ 1661160 w 1661160"/>
+              <a:gd name="connsiteY1" fmla="*/ 1210492 h 1530532"/>
+              <a:gd name="connsiteX2" fmla="*/ 1341120 w 1661160"/>
+              <a:gd name="connsiteY2" fmla="*/ 1530532 h 1530532"/>
+              <a:gd name="connsiteX3" fmla="*/ 1021080 w 1661160"/>
+              <a:gd name="connsiteY3" fmla="*/ 1210492 h 1530532"/>
+              <a:gd name="connsiteX4" fmla="*/ 1341120 w 1661160"/>
+              <a:gd name="connsiteY4" fmla="*/ 890452 h 1530532"/>
+              <a:gd name="connsiteX5" fmla="*/ 320040 w 1661160"/>
+              <a:gd name="connsiteY5" fmla="*/ 890452 h 1530532"/>
+              <a:gd name="connsiteX6" fmla="*/ 640080 w 1661160"/>
+              <a:gd name="connsiteY6" fmla="*/ 1210492 h 1530532"/>
+              <a:gd name="connsiteX7" fmla="*/ 320040 w 1661160"/>
+              <a:gd name="connsiteY7" fmla="*/ 1530532 h 1530532"/>
+              <a:gd name="connsiteX8" fmla="*/ 0 w 1661160"/>
+              <a:gd name="connsiteY8" fmla="*/ 1210492 h 1530532"/>
+              <a:gd name="connsiteX9" fmla="*/ 320040 w 1661160"/>
+              <a:gd name="connsiteY9" fmla="*/ 890452 h 1530532"/>
+              <a:gd name="connsiteX10" fmla="*/ 830580 w 1661160"/>
+              <a:gd name="connsiteY10" fmla="*/ 0 h 1530532"/>
+              <a:gd name="connsiteX11" fmla="*/ 1150620 w 1661160"/>
+              <a:gd name="connsiteY11" fmla="*/ 320040 h 1530532"/>
+              <a:gd name="connsiteX12" fmla="*/ 830580 w 1661160"/>
+              <a:gd name="connsiteY12" fmla="*/ 640080 h 1530532"/>
+              <a:gd name="connsiteX13" fmla="*/ 510540 w 1661160"/>
+              <a:gd name="connsiteY13" fmla="*/ 320040 h 1530532"/>
+              <a:gd name="connsiteX14" fmla="*/ 830580 w 1661160"/>
+              <a:gd name="connsiteY14" fmla="*/ 0 h 1530532"/>
+            </a:gdLst>
+            <a:ahLst/>
+            <a:cxnLst>
+              <a:cxn ang="0">
+                <a:pos x="connsiteX0" y="connsiteY0"/>
+              </a:cxn>
+              <a:cxn ang="0">
+                <a:pos x="connsiteX1" y="connsiteY1"/>
+              </a:cxn>
+              <a:cxn ang="0">
+                <a:pos x="connsiteX2" y="connsiteY2"/>
+              </a:cxn>
+              <a:cxn ang="0">
+                <a:pos x="connsiteX3" y="connsiteY3"/>
+              </a:cxn>
+              <a:cxn ang="0">
+                <a:pos x="connsiteX4" y="connsiteY4"/>
+              </a:cxn>
+              <a:cxn ang="0">
+                <a:pos x="connsiteX5" y="connsiteY5"/>
+              </a:cxn>
+              <a:cxn ang="0">
+                <a:pos x="connsiteX6" y="connsiteY6"/>
+              </a:cxn>
+              <a:cxn ang="0">
+                <a:pos x="connsiteX7" y="connsiteY7"/>
+              </a:cxn>
+              <a:cxn ang="0">
+                <a:pos x="connsiteX8" y="connsiteY8"/>
+              </a:cxn>
+              <a:cxn ang="0">
+                <a:pos x="connsiteX9" y="connsiteY9"/>
+              </a:cxn>
+              <a:cxn ang="0">
+                <a:pos x="connsiteX10" y="connsiteY10"/>
+              </a:cxn>
+              <a:cxn ang="0">
+                <a:pos x="connsiteX11" y="connsiteY11"/>
+              </a:cxn>
+              <a:cxn ang="0">
+                <a:pos x="connsiteX12" y="connsiteY12"/>
+              </a:cxn>
+              <a:cxn ang="0">
+                <a:pos x="connsiteX13" y="connsiteY13"/>
+              </a:cxn>
+              <a:cxn ang="0">
+                <a:pos x="connsiteX14" y="connsiteY14"/>
+              </a:cxn>
+            </a:cxnLst>
+            <a:rect l="l" t="t" r="r" b="b"/>
+            <a:pathLst>
+              <a:path w="1661160" h="1530532">
+                <a:moveTo>
+                  <a:pt x="1341120" y="890452"/>
+                </a:moveTo>
+                <a:cubicBezTo>
+                  <a:pt x="1517873" y="890452"/>
+                  <a:pt x="1661160" y="1033739"/>
+                  <a:pt x="1661160" y="1210492"/>
+                </a:cubicBezTo>
+                <a:cubicBezTo>
+                  <a:pt x="1661160" y="1387245"/>
+                  <a:pt x="1517873" y="1530532"/>
+                  <a:pt x="1341120" y="1530532"/>
+                </a:cubicBezTo>
+                <a:cubicBezTo>
+                  <a:pt x="1164367" y="1530532"/>
+                  <a:pt x="1021080" y="1387245"/>
+                  <a:pt x="1021080" y="1210492"/>
+                </a:cubicBezTo>
+                <a:cubicBezTo>
+                  <a:pt x="1021080" y="1033739"/>
+                  <a:pt x="1164367" y="890452"/>
+                  <a:pt x="1341120" y="890452"/>
+                </a:cubicBezTo>
+                <a:close/>
+                <a:moveTo>
+                  <a:pt x="320040" y="890452"/>
+                </a:moveTo>
+                <a:cubicBezTo>
+                  <a:pt x="496793" y="890452"/>
+                  <a:pt x="640080" y="1033739"/>
+                  <a:pt x="640080" y="1210492"/>
+                </a:cubicBezTo>
+                <a:cubicBezTo>
+                  <a:pt x="640080" y="1387245"/>
+                  <a:pt x="496793" y="1530532"/>
+                  <a:pt x="320040" y="1530532"/>
+                </a:cubicBezTo>
+                <a:cubicBezTo>
+                  <a:pt x="143287" y="1530532"/>
+                  <a:pt x="0" y="1387245"/>
+                  <a:pt x="0" y="1210492"/>
+                </a:cubicBezTo>
+                <a:cubicBezTo>
+                  <a:pt x="0" y="1033739"/>
+                  <a:pt x="143287" y="890452"/>
+                  <a:pt x="320040" y="890452"/>
+                </a:cubicBezTo>
+                <a:close/>
+                <a:moveTo>
+                  <a:pt x="830580" y="0"/>
+                </a:moveTo>
+                <a:cubicBezTo>
+                  <a:pt x="1007333" y="0"/>
+                  <a:pt x="1150620" y="143287"/>
+                  <a:pt x="1150620" y="320040"/>
+                </a:cubicBezTo>
+                <a:cubicBezTo>
+                  <a:pt x="1150620" y="496793"/>
+                  <a:pt x="1007333" y="640080"/>
+                  <a:pt x="830580" y="640080"/>
+                </a:cubicBezTo>
+                <a:cubicBezTo>
+                  <a:pt x="653827" y="640080"/>
+                  <a:pt x="510540" y="496793"/>
+                  <a:pt x="510540" y="320040"/>
+                </a:cubicBezTo>
+                <a:cubicBezTo>
+                  <a:pt x="510540" y="143287"/>
+                  <a:pt x="653827" y="0"/>
+                  <a:pt x="830580" y="0"/>
+                </a:cubicBezTo>
+                <a:close/>
+              </a:path>
+            </a:pathLst>
+          </a:custGeom>
+          <a:solidFill>
+            <a:schemeClr val="bg1"/>
+          </a:solidFill>
+          <a:ln>
+            <a:noFill/>
+          </a:ln>
+        </p:spPr>
+        <p:style>
+          <a:lnRef idx="2">
+            <a:schemeClr val="accent1">
+              <a:shade val="50000"/>
+            </a:schemeClr>
+          </a:lnRef>
+          <a:fillRef idx="1">
+            <a:schemeClr val="accent1"/>
+          </a:fillRef>
+          <a:effectRef idx="0">
+            <a:schemeClr val="accent1"/>
+          </a:effectRef>
+          <a:fontRef idx="minor">
+            <a:schemeClr val="lt1"/>
+          </a:fontRef>
+        </p:style>
+        <p:txBody>
+          <a:bodyPr wrap="square" rtlCol="0" anchor="ctr">
+            <a:noAutofit/>
+          </a:bodyPr>
+          <a:lstStyle/>
+          <a:p>
+            <a:pPr algn="ctr"/>
+            <a:endParaRPr lang="zh-CN" altLang="en-US"/>
+          </a:p>
+        </p:txBody>
+      </p:sp>
+      <p:sp>
+        <p:nvSpPr>
+          <p:cNvPr id="9" name="椭圆 8">
+            <a:extLst>
+              <a:ext uri="{FF2B5EF4-FFF2-40B4-BE49-F238E27FC236}">
+                <a16:creationId xmlns:a16="http://schemas.microsoft.com/office/drawing/2014/main" id="{1A08F273-F672-2D92-D127-9F8ABCA46BD7}"/>
+              </a:ext>
+            </a:extLst>
+          </p:cNvPr>
+          <p:cNvSpPr/>
+          <p:nvPr/>
+        </p:nvSpPr>
+        <p:spPr>
+          <a:xfrm>
+            <a:off x="4441371" y="2030760"/>
+            <a:ext cx="1035170" cy="1035170"/>
+          </a:xfrm>
+          <a:prstGeom prst="ellipse">
+            <a:avLst/>
+          </a:prstGeom>
+          <a:solidFill>
+            <a:schemeClr val="bg1"/>
+          </a:solidFill>
+          <a:ln>
+            <a:noFill/>
+          </a:ln>
+        </p:spPr>
+        <p:style>
+          <a:lnRef idx="2">
+            <a:schemeClr val="accent1">
+              <a:shade val="50000"/>
+            </a:schemeClr>
+          </a:lnRef>
+          <a:fillRef idx="1">
+            <a:schemeClr val="accent1"/>
+          </a:fillRef>
+          <a:effectRef idx="0">
+            <a:schemeClr val="accent1"/>
+          </a:effectRef>
+          <a:fontRef idx="minor">
+            <a:schemeClr val="lt1"/>
+          </a:fontRef>
+        </p:style>
+        <p:txBody>
+          <a:bodyPr rtlCol="0" anchor="ctr"/>
+          <a:lstStyle/>
+          <a:p>
+            <a:pPr algn="ctr"/>
+            <a:endParaRPr lang="zh-CN" altLang="en-US"/>
+          </a:p>
+        </p:txBody>
+      </p:sp>
     </p:spTree>
     <p:extLst>
       <p:ext uri="{BB962C8B-B14F-4D97-AF65-F5344CB8AC3E}">

--- a/Texture/Texture.pptx
+++ b/Texture/Texture.pptx
@@ -260,7 +260,7 @@
           <a:p>
             <a:fld id="{B737DA26-94C3-49F0-977D-61C9BEE27B16}" type="datetimeFigureOut">
               <a:rPr lang="zh-CN" altLang="en-US" smtClean="0"/>
-              <a:t>2022/10/4</a:t>
+              <a:t>2022/10/5</a:t>
             </a:fld>
             <a:endParaRPr lang="zh-CN" altLang="en-US"/>
           </a:p>
@@ -458,7 +458,7 @@
           <a:p>
             <a:fld id="{B737DA26-94C3-49F0-977D-61C9BEE27B16}" type="datetimeFigureOut">
               <a:rPr lang="zh-CN" altLang="en-US" smtClean="0"/>
-              <a:t>2022/10/4</a:t>
+              <a:t>2022/10/5</a:t>
             </a:fld>
             <a:endParaRPr lang="zh-CN" altLang="en-US"/>
           </a:p>
@@ -666,7 +666,7 @@
           <a:p>
             <a:fld id="{B737DA26-94C3-49F0-977D-61C9BEE27B16}" type="datetimeFigureOut">
               <a:rPr lang="zh-CN" altLang="en-US" smtClean="0"/>
-              <a:t>2022/10/4</a:t>
+              <a:t>2022/10/5</a:t>
             </a:fld>
             <a:endParaRPr lang="zh-CN" altLang="en-US"/>
           </a:p>
@@ -864,7 +864,7 @@
           <a:p>
             <a:fld id="{B737DA26-94C3-49F0-977D-61C9BEE27B16}" type="datetimeFigureOut">
               <a:rPr lang="zh-CN" altLang="en-US" smtClean="0"/>
-              <a:t>2022/10/4</a:t>
+              <a:t>2022/10/5</a:t>
             </a:fld>
             <a:endParaRPr lang="zh-CN" altLang="en-US"/>
           </a:p>
@@ -1139,7 +1139,7 @@
           <a:p>
             <a:fld id="{B737DA26-94C3-49F0-977D-61C9BEE27B16}" type="datetimeFigureOut">
               <a:rPr lang="zh-CN" altLang="en-US" smtClean="0"/>
-              <a:t>2022/10/4</a:t>
+              <a:t>2022/10/5</a:t>
             </a:fld>
             <a:endParaRPr lang="zh-CN" altLang="en-US"/>
           </a:p>
@@ -1404,7 +1404,7 @@
           <a:p>
             <a:fld id="{B737DA26-94C3-49F0-977D-61C9BEE27B16}" type="datetimeFigureOut">
               <a:rPr lang="zh-CN" altLang="en-US" smtClean="0"/>
-              <a:t>2022/10/4</a:t>
+              <a:t>2022/10/5</a:t>
             </a:fld>
             <a:endParaRPr lang="zh-CN" altLang="en-US"/>
           </a:p>
@@ -1816,7 +1816,7 @@
           <a:p>
             <a:fld id="{B737DA26-94C3-49F0-977D-61C9BEE27B16}" type="datetimeFigureOut">
               <a:rPr lang="zh-CN" altLang="en-US" smtClean="0"/>
-              <a:t>2022/10/4</a:t>
+              <a:t>2022/10/5</a:t>
             </a:fld>
             <a:endParaRPr lang="zh-CN" altLang="en-US"/>
           </a:p>
@@ -1957,7 +1957,7 @@
           <a:p>
             <a:fld id="{B737DA26-94C3-49F0-977D-61C9BEE27B16}" type="datetimeFigureOut">
               <a:rPr lang="zh-CN" altLang="en-US" smtClean="0"/>
-              <a:t>2022/10/4</a:t>
+              <a:t>2022/10/5</a:t>
             </a:fld>
             <a:endParaRPr lang="zh-CN" altLang="en-US"/>
           </a:p>
@@ -2070,7 +2070,7 @@
           <a:p>
             <a:fld id="{B737DA26-94C3-49F0-977D-61C9BEE27B16}" type="datetimeFigureOut">
               <a:rPr lang="zh-CN" altLang="en-US" smtClean="0"/>
-              <a:t>2022/10/4</a:t>
+              <a:t>2022/10/5</a:t>
             </a:fld>
             <a:endParaRPr lang="zh-CN" altLang="en-US"/>
           </a:p>
@@ -2381,7 +2381,7 @@
           <a:p>
             <a:fld id="{B737DA26-94C3-49F0-977D-61C9BEE27B16}" type="datetimeFigureOut">
               <a:rPr lang="zh-CN" altLang="en-US" smtClean="0"/>
-              <a:t>2022/10/4</a:t>
+              <a:t>2022/10/5</a:t>
             </a:fld>
             <a:endParaRPr lang="zh-CN" altLang="en-US"/>
           </a:p>
@@ -2669,7 +2669,7 @@
           <a:p>
             <a:fld id="{B737DA26-94C3-49F0-977D-61C9BEE27B16}" type="datetimeFigureOut">
               <a:rPr lang="zh-CN" altLang="en-US" smtClean="0"/>
-              <a:t>2022/10/4</a:t>
+              <a:t>2022/10/5</a:t>
             </a:fld>
             <a:endParaRPr lang="zh-CN" altLang="en-US"/>
           </a:p>
@@ -2916,7 +2916,7 @@
           <a:p>
             <a:fld id="{B737DA26-94C3-49F0-977D-61C9BEE27B16}" type="datetimeFigureOut">
               <a:rPr lang="zh-CN" altLang="en-US" smtClean="0"/>
-              <a:t>2022/10/4</a:t>
+              <a:t>2022/10/5</a:t>
             </a:fld>
             <a:endParaRPr lang="zh-CN" altLang="en-US"/>
           </a:p>
@@ -3908,42 +3908,12 @@
           </a:p>
         </p:txBody>
       </p:sp>
-    </p:spTree>
-    <p:extLst>
-      <p:ext uri="{BB962C8B-B14F-4D97-AF65-F5344CB8AC3E}">
-        <p14:creationId xmlns:p14="http://schemas.microsoft.com/office/powerpoint/2010/main" val="3701945037"/>
-      </p:ext>
-    </p:extLst>
-  </p:cSld>
-  <p:clrMapOvr>
-    <a:masterClrMapping/>
-  </p:clrMapOvr>
-</p:sld>
-</file>
-
-<file path=ppt/slides/slide2.xml><?xml version="1.0" encoding="utf-8"?>
-<p:sld xmlns:a="http://schemas.openxmlformats.org/drawingml/2006/main" xmlns:r="http://schemas.openxmlformats.org/officeDocument/2006/relationships" xmlns:p="http://schemas.openxmlformats.org/presentationml/2006/main">
-  <p:cSld>
-    <p:spTree>
-      <p:nvGrpSpPr>
-        <p:cNvPr id="1" name=""/>
-        <p:cNvGrpSpPr/>
-        <p:nvPr/>
-      </p:nvGrpSpPr>
-      <p:grpSpPr>
-        <a:xfrm>
-          <a:off x="0" y="0"/>
-          <a:ext cx="0" cy="0"/>
-          <a:chOff x="0" y="0"/>
-          <a:chExt cx="0" cy="0"/>
-        </a:xfrm>
-      </p:grpSpPr>
-      <p:sp>
-        <p:nvSpPr>
-          <p:cNvPr id="8" name="任意多边形: 形状 7">
-            <a:extLst>
-              <a:ext uri="{FF2B5EF4-FFF2-40B4-BE49-F238E27FC236}">
-                <a16:creationId xmlns:a16="http://schemas.microsoft.com/office/drawing/2014/main" id="{F03019B3-6960-201F-E4BF-DEA5321F2CBD}"/>
+      <p:sp>
+        <p:nvSpPr>
+          <p:cNvPr id="11" name="任意多边形: 形状 10">
+            <a:extLst>
+              <a:ext uri="{FF2B5EF4-FFF2-40B4-BE49-F238E27FC236}">
+                <a16:creationId xmlns:a16="http://schemas.microsoft.com/office/drawing/2014/main" id="{C022325B-BC44-64F2-0A4C-1249E5AE7472}"/>
               </a:ext>
             </a:extLst>
           </p:cNvPr>
@@ -4149,55 +4119,1098 @@
           </a:p>
         </p:txBody>
       </p:sp>
-      <p:sp>
-        <p:nvSpPr>
-          <p:cNvPr id="9" name="椭圆 8">
-            <a:extLst>
-              <a:ext uri="{FF2B5EF4-FFF2-40B4-BE49-F238E27FC236}">
-                <a16:creationId xmlns:a16="http://schemas.microsoft.com/office/drawing/2014/main" id="{1A08F273-F672-2D92-D127-9F8ABCA46BD7}"/>
-              </a:ext>
-            </a:extLst>
-          </p:cNvPr>
-          <p:cNvSpPr/>
+      <p:grpSp>
+        <p:nvGrpSpPr>
+          <p:cNvPr id="12" name="组合 11">
+            <a:extLst>
+              <a:ext uri="{FF2B5EF4-FFF2-40B4-BE49-F238E27FC236}">
+                <a16:creationId xmlns:a16="http://schemas.microsoft.com/office/drawing/2014/main" id="{58C30525-0AA1-E0CB-4F94-4C50C38D427A}"/>
+              </a:ext>
+            </a:extLst>
+          </p:cNvPr>
+          <p:cNvGrpSpPr/>
+          <p:nvPr/>
+        </p:nvGrpSpPr>
+        <p:grpSpPr>
+          <a:xfrm>
+            <a:off x="5177218" y="268486"/>
+            <a:ext cx="6090250" cy="6090250"/>
+            <a:chOff x="3050875" y="383875"/>
+            <a:chExt cx="6090250" cy="6090250"/>
+          </a:xfrm>
+        </p:grpSpPr>
+        <p:sp>
+          <p:nvSpPr>
+            <p:cNvPr id="13" name="菱形 12">
+              <a:extLst>
+                <a:ext uri="{FF2B5EF4-FFF2-40B4-BE49-F238E27FC236}">
+                  <a16:creationId xmlns:a16="http://schemas.microsoft.com/office/drawing/2014/main" id="{DEBF6671-1EC4-4B7C-8B9E-33EC810609B2}"/>
+                </a:ext>
+              </a:extLst>
+            </p:cNvPr>
+            <p:cNvSpPr/>
+            <p:nvPr/>
+          </p:nvSpPr>
+          <p:spPr>
+            <a:xfrm>
+              <a:off x="3050875" y="383875"/>
+              <a:ext cx="6090250" cy="6090250"/>
+            </a:xfrm>
+            <a:prstGeom prst="diamond">
+              <a:avLst/>
+            </a:prstGeom>
+            <a:solidFill>
+              <a:schemeClr val="tx1">
+                <a:lumMod val="75000"/>
+                <a:lumOff val="25000"/>
+              </a:schemeClr>
+            </a:solidFill>
+            <a:ln>
+              <a:noFill/>
+            </a:ln>
+          </p:spPr>
+          <p:style>
+            <a:lnRef idx="2">
+              <a:schemeClr val="accent1">
+                <a:shade val="50000"/>
+              </a:schemeClr>
+            </a:lnRef>
+            <a:fillRef idx="1">
+              <a:schemeClr val="accent1"/>
+            </a:fillRef>
+            <a:effectRef idx="0">
+              <a:schemeClr val="accent1"/>
+            </a:effectRef>
+            <a:fontRef idx="minor">
+              <a:schemeClr val="lt1"/>
+            </a:fontRef>
+          </p:style>
+          <p:txBody>
+            <a:bodyPr rtlCol="0" anchor="ctr"/>
+            <a:lstStyle/>
+            <a:p>
+              <a:pPr algn="ctr"/>
+              <a:endParaRPr lang="zh-CN" altLang="en-US" dirty="0"/>
+            </a:p>
+          </p:txBody>
+        </p:sp>
+        <p:sp>
+          <p:nvSpPr>
+            <p:cNvPr id="14" name="文本框 13">
+              <a:extLst>
+                <a:ext uri="{FF2B5EF4-FFF2-40B4-BE49-F238E27FC236}">
+                  <a16:creationId xmlns:a16="http://schemas.microsoft.com/office/drawing/2014/main" id="{0933F01C-F3C1-1DB6-37BF-7172CFC0B45F}"/>
+                </a:ext>
+              </a:extLst>
+            </p:cNvPr>
+            <p:cNvSpPr txBox="1"/>
+            <p:nvPr/>
+          </p:nvSpPr>
+          <p:spPr>
+            <a:xfrm>
+              <a:off x="4448355" y="1824992"/>
+              <a:ext cx="3295291" cy="3046988"/>
+            </a:xfrm>
+            <a:prstGeom prst="rect">
+              <a:avLst/>
+            </a:prstGeom>
+            <a:noFill/>
+          </p:spPr>
+          <p:txBody>
+            <a:bodyPr wrap="square" rtlCol="0">
+              <a:spAutoFit/>
+            </a:bodyPr>
+            <a:lstStyle/>
+            <a:p>
+              <a:pPr algn="ctr"/>
+              <a:r>
+                <a:rPr lang="zh-CN" altLang="en-US" sz="9600" dirty="0">
+                  <a:solidFill>
+                    <a:schemeClr val="bg1"/>
+                  </a:solidFill>
+                  <a:latin typeface="Alimama ShuHeiTi Bold" pitchFamily="2" charset="-122"/>
+                  <a:ea typeface="Alimama ShuHeiTi Bold" pitchFamily="2" charset="-122"/>
+                </a:rPr>
+                <a:t>占地对战</a:t>
+              </a:r>
+            </a:p>
+          </p:txBody>
+        </p:sp>
+        <p:sp>
+          <p:nvSpPr>
+            <p:cNvPr id="15" name="文本框 14">
+              <a:extLst>
+                <a:ext uri="{FF2B5EF4-FFF2-40B4-BE49-F238E27FC236}">
+                  <a16:creationId xmlns:a16="http://schemas.microsoft.com/office/drawing/2014/main" id="{34CC169F-C728-502A-EDF7-21E1E6E515F6}"/>
+                </a:ext>
+              </a:extLst>
+            </p:cNvPr>
+            <p:cNvSpPr txBox="1"/>
+            <p:nvPr/>
+          </p:nvSpPr>
+          <p:spPr>
+            <a:xfrm>
+              <a:off x="4917056" y="879895"/>
+              <a:ext cx="2357888" cy="769441"/>
+            </a:xfrm>
+            <a:prstGeom prst="rect">
+              <a:avLst/>
+            </a:prstGeom>
+            <a:solidFill>
+              <a:schemeClr val="tx1">
+                <a:lumMod val="75000"/>
+                <a:lumOff val="25000"/>
+              </a:schemeClr>
+            </a:solidFill>
+          </p:spPr>
+          <p:txBody>
+            <a:bodyPr wrap="square" rtlCol="0">
+              <a:spAutoFit/>
+            </a:bodyPr>
+            <a:lstStyle/>
+            <a:p>
+              <a:pPr algn="ctr"/>
+              <a:r>
+                <a:rPr lang="en-US" altLang="zh-CN" sz="4400" dirty="0">
+                  <a:solidFill>
+                    <a:schemeClr val="bg1"/>
+                  </a:solidFill>
+                  <a:latin typeface="Alimama ShuHeiTi Bold" pitchFamily="2" charset="-122"/>
+                  <a:ea typeface="Alimama ShuHeiTi Bold" pitchFamily="2" charset="-122"/>
+                </a:rPr>
+                <a:t>RULE</a:t>
+              </a:r>
+              <a:endParaRPr lang="zh-CN" altLang="en-US" sz="2800" dirty="0">
+                <a:solidFill>
+                  <a:schemeClr val="bg1"/>
+                </a:solidFill>
+                <a:latin typeface="Alimama ShuHeiTi Bold" pitchFamily="2" charset="-122"/>
+                <a:ea typeface="Alimama ShuHeiTi Bold" pitchFamily="2" charset="-122"/>
+              </a:endParaRPr>
+            </a:p>
+          </p:txBody>
+        </p:sp>
+        <p:sp>
+          <p:nvSpPr>
+            <p:cNvPr id="16" name="文本框 15">
+              <a:extLst>
+                <a:ext uri="{FF2B5EF4-FFF2-40B4-BE49-F238E27FC236}">
+                  <a16:creationId xmlns:a16="http://schemas.microsoft.com/office/drawing/2014/main" id="{3686019A-446E-EC5E-AE44-7B9D9FA8805D}"/>
+                </a:ext>
+              </a:extLst>
+            </p:cNvPr>
+            <p:cNvSpPr txBox="1"/>
+            <p:nvPr/>
+          </p:nvSpPr>
+          <p:spPr>
+            <a:xfrm>
+              <a:off x="3492602" y="5411442"/>
+              <a:ext cx="5206795" cy="523220"/>
+            </a:xfrm>
+            <a:prstGeom prst="rect">
+              <a:avLst/>
+            </a:prstGeom>
+            <a:solidFill>
+              <a:schemeClr val="tx1">
+                <a:lumMod val="75000"/>
+                <a:lumOff val="25000"/>
+              </a:schemeClr>
+            </a:solidFill>
+          </p:spPr>
+          <p:txBody>
+            <a:bodyPr wrap="square" rtlCol="0">
+              <a:spAutoFit/>
+            </a:bodyPr>
+            <a:lstStyle/>
+            <a:p>
+              <a:pPr algn="ctr"/>
+              <a:r>
+                <a:rPr lang="zh-CN" altLang="en-US" sz="2800" dirty="0">
+                  <a:solidFill>
+                    <a:schemeClr val="bg1"/>
+                  </a:solidFill>
+                  <a:latin typeface="Alimama ShuHeiTi Bold" pitchFamily="2" charset="-122"/>
+                  <a:ea typeface="Alimama ShuHeiTi Bold" pitchFamily="2" charset="-122"/>
+                </a:rPr>
+                <a:t>确保占地面积足够大</a:t>
+              </a:r>
+              <a:endParaRPr lang="zh-CN" altLang="en-US" sz="1600" dirty="0">
+                <a:solidFill>
+                  <a:schemeClr val="bg1"/>
+                </a:solidFill>
+                <a:latin typeface="Alimama ShuHeiTi Bold" pitchFamily="2" charset="-122"/>
+                <a:ea typeface="Alimama ShuHeiTi Bold" pitchFamily="2" charset="-122"/>
+              </a:endParaRPr>
+            </a:p>
+          </p:txBody>
+        </p:sp>
+      </p:grpSp>
+    </p:spTree>
+    <p:extLst>
+      <p:ext uri="{BB962C8B-B14F-4D97-AF65-F5344CB8AC3E}">
+        <p14:creationId xmlns:p14="http://schemas.microsoft.com/office/powerpoint/2010/main" val="3701945037"/>
+      </p:ext>
+    </p:extLst>
+  </p:cSld>
+  <p:clrMapOvr>
+    <a:masterClrMapping/>
+  </p:clrMapOvr>
+</p:sld>
+</file>
+
+<file path=ppt/slides/slide2.xml><?xml version="1.0" encoding="utf-8"?>
+<p:sld xmlns:a="http://schemas.openxmlformats.org/drawingml/2006/main" xmlns:r="http://schemas.openxmlformats.org/officeDocument/2006/relationships" xmlns:p="http://schemas.openxmlformats.org/presentationml/2006/main">
+  <p:cSld>
+    <p:spTree>
+      <p:nvGrpSpPr>
+        <p:cNvPr id="1" name=""/>
+        <p:cNvGrpSpPr/>
+        <p:nvPr/>
+      </p:nvGrpSpPr>
+      <p:grpSpPr>
+        <a:xfrm>
+          <a:off x="0" y="0"/>
+          <a:ext cx="0" cy="0"/>
+          <a:chOff x="0" y="0"/>
+          <a:chExt cx="0" cy="0"/>
+        </a:xfrm>
+      </p:grpSpPr>
+      <p:sp>
+        <p:nvSpPr>
+          <p:cNvPr id="17" name="文本框 16">
+            <a:extLst>
+              <a:ext uri="{FF2B5EF4-FFF2-40B4-BE49-F238E27FC236}">
+                <a16:creationId xmlns:a16="http://schemas.microsoft.com/office/drawing/2014/main" id="{283300D2-A2B5-BB1C-4FB0-0A2DED159D46}"/>
+              </a:ext>
+            </a:extLst>
+          </p:cNvPr>
+          <p:cNvSpPr txBox="1"/>
           <p:nvPr/>
         </p:nvSpPr>
         <p:spPr>
           <a:xfrm>
-            <a:off x="4441371" y="2030760"/>
-            <a:ext cx="1035170" cy="1035170"/>
+            <a:off x="6915144" y="2250812"/>
+            <a:ext cx="390344" cy="487165"/>
           </a:xfrm>
-          <a:prstGeom prst="ellipse">
+          <a:custGeom>
             <a:avLst/>
-          </a:prstGeom>
+            <a:gdLst/>
+            <a:ahLst/>
+            <a:cxnLst/>
+            <a:rect l="l" t="t" r="r" b="b"/>
+            <a:pathLst>
+              <a:path w="390344" h="487165">
+                <a:moveTo>
+                  <a:pt x="153895" y="0"/>
+                </a:moveTo>
+                <a:cubicBezTo>
+                  <a:pt x="211648" y="0"/>
+                  <a:pt x="257511" y="5265"/>
+                  <a:pt x="291484" y="15797"/>
+                </a:cubicBezTo>
+                <a:cubicBezTo>
+                  <a:pt x="325457" y="26328"/>
+                  <a:pt x="350426" y="44504"/>
+                  <a:pt x="366393" y="70323"/>
+                </a:cubicBezTo>
+                <a:cubicBezTo>
+                  <a:pt x="382360" y="96142"/>
+                  <a:pt x="390344" y="132832"/>
+                  <a:pt x="390344" y="180394"/>
+                </a:cubicBezTo>
+                <a:cubicBezTo>
+                  <a:pt x="390344" y="212328"/>
+                  <a:pt x="387456" y="238487"/>
+                  <a:pt x="381681" y="258870"/>
+                </a:cubicBezTo>
+                <a:cubicBezTo>
+                  <a:pt x="375905" y="279254"/>
+                  <a:pt x="366733" y="297259"/>
+                  <a:pt x="354163" y="312886"/>
+                </a:cubicBezTo>
+                <a:cubicBezTo>
+                  <a:pt x="341593" y="328514"/>
+                  <a:pt x="323078" y="345500"/>
+                  <a:pt x="298618" y="363845"/>
+                </a:cubicBezTo>
+                <a:cubicBezTo>
+                  <a:pt x="268043" y="386267"/>
+                  <a:pt x="247999" y="404103"/>
+                  <a:pt x="238487" y="417352"/>
+                </a:cubicBezTo>
+                <a:cubicBezTo>
+                  <a:pt x="228974" y="430601"/>
+                  <a:pt x="224219" y="446059"/>
+                  <a:pt x="224219" y="463724"/>
+                </a:cubicBezTo>
+                <a:lnTo>
+                  <a:pt x="224219" y="487165"/>
+                </a:lnTo>
+                <a:lnTo>
+                  <a:pt x="99879" y="487165"/>
+                </a:lnTo>
+                <a:lnTo>
+                  <a:pt x="99879" y="441302"/>
+                </a:lnTo>
+                <a:cubicBezTo>
+                  <a:pt x="99879" y="412766"/>
+                  <a:pt x="105315" y="388645"/>
+                  <a:pt x="116186" y="368941"/>
+                </a:cubicBezTo>
+                <a:cubicBezTo>
+                  <a:pt x="127057" y="349237"/>
+                  <a:pt x="147780" y="326136"/>
+                  <a:pt x="178356" y="299637"/>
+                </a:cubicBezTo>
+                <a:cubicBezTo>
+                  <a:pt x="200098" y="281971"/>
+                  <a:pt x="214536" y="266684"/>
+                  <a:pt x="221670" y="253774"/>
+                </a:cubicBezTo>
+                <a:cubicBezTo>
+                  <a:pt x="228805" y="240865"/>
+                  <a:pt x="232372" y="223539"/>
+                  <a:pt x="232372" y="201796"/>
+                </a:cubicBezTo>
+                <a:cubicBezTo>
+                  <a:pt x="232372" y="181413"/>
+                  <a:pt x="229144" y="165955"/>
+                  <a:pt x="222690" y="155424"/>
+                </a:cubicBezTo>
+                <a:cubicBezTo>
+                  <a:pt x="216235" y="144892"/>
+                  <a:pt x="205364" y="137588"/>
+                  <a:pt x="190076" y="133512"/>
+                </a:cubicBezTo>
+                <a:cubicBezTo>
+                  <a:pt x="174788" y="129435"/>
+                  <a:pt x="152876" y="127396"/>
+                  <a:pt x="124339" y="127396"/>
+                </a:cubicBezTo>
+                <a:cubicBezTo>
+                  <a:pt x="78136" y="127396"/>
+                  <a:pt x="36690" y="133172"/>
+                  <a:pt x="0" y="144722"/>
+                </a:cubicBezTo>
+                <a:lnTo>
+                  <a:pt x="0" y="18345"/>
+                </a:lnTo>
+                <a:cubicBezTo>
+                  <a:pt x="41446" y="6115"/>
+                  <a:pt x="92745" y="0"/>
+                  <a:pt x="153895" y="0"/>
+                </a:cubicBezTo>
+                <a:close/>
+              </a:path>
+            </a:pathLst>
+          </a:custGeom>
           <a:solidFill>
             <a:schemeClr val="bg1"/>
           </a:solidFill>
-          <a:ln>
+          <a:ln w="38100">
             <a:noFill/>
           </a:ln>
+          <a:effectLst/>
         </p:spPr>
-        <p:style>
-          <a:lnRef idx="2">
-            <a:schemeClr val="accent1">
-              <a:shade val="50000"/>
-            </a:schemeClr>
-          </a:lnRef>
-          <a:fillRef idx="1">
-            <a:schemeClr val="accent1"/>
-          </a:fillRef>
-          <a:effectRef idx="0">
-            <a:schemeClr val="accent1"/>
-          </a:effectRef>
-          <a:fontRef idx="minor">
-            <a:schemeClr val="lt1"/>
-          </a:fontRef>
-        </p:style>
-        <p:txBody>
-          <a:bodyPr rtlCol="0" anchor="ctr"/>
-          <a:lstStyle/>
-          <a:p>
-            <a:pPr algn="ctr"/>
-            <a:endParaRPr lang="zh-CN" altLang="en-US"/>
+        <p:txBody>
+          <a:bodyPr rot="0" spcFirstLastPara="0" vertOverflow="overflow" horzOverflow="overflow" vert="horz" wrap="square" lIns="91440" tIns="45720" rIns="91440" bIns="45720" numCol="1" spcCol="0" rtlCol="0" fromWordArt="0" anchor="t" anchorCtr="0" forceAA="0" compatLnSpc="1">
+            <a:prstTxWarp prst="textNoShape">
+              <a:avLst/>
+            </a:prstTxWarp>
+            <a:noAutofit/>
+          </a:bodyPr>
+          <a:lstStyle/>
+          <a:p>
+            <a:endParaRPr lang="zh-CN" altLang="en-US" sz="8000" dirty="0">
+              <a:solidFill>
+                <a:schemeClr val="bg1"/>
+              </a:solidFill>
+              <a:latin typeface="Alimama ShuHeiTi Bold" pitchFamily="2" charset="-122"/>
+              <a:ea typeface="Alimama ShuHeiTi Bold" pitchFamily="2" charset="-122"/>
+            </a:endParaRPr>
+          </a:p>
+        </p:txBody>
+      </p:sp>
+      <p:sp>
+        <p:nvSpPr>
+          <p:cNvPr id="16" name="文本框 15">
+            <a:extLst>
+              <a:ext uri="{FF2B5EF4-FFF2-40B4-BE49-F238E27FC236}">
+                <a16:creationId xmlns:a16="http://schemas.microsoft.com/office/drawing/2014/main" id="{035E6FDC-6D5B-39D9-856C-255F60DBAC65}"/>
+              </a:ext>
+            </a:extLst>
+          </p:cNvPr>
+          <p:cNvSpPr txBox="1"/>
+          <p:nvPr/>
+        </p:nvSpPr>
+        <p:spPr>
+          <a:xfrm>
+            <a:off x="3556191" y="2256927"/>
+            <a:ext cx="591121" cy="713422"/>
+          </a:xfrm>
+          <a:custGeom>
+            <a:avLst/>
+            <a:gdLst/>
+            <a:ahLst/>
+            <a:cxnLst/>
+            <a:rect l="l" t="t" r="r" b="b"/>
+            <a:pathLst>
+              <a:path w="591121" h="713422">
+                <a:moveTo>
+                  <a:pt x="0" y="0"/>
+                </a:moveTo>
+                <a:lnTo>
+                  <a:pt x="330212" y="0"/>
+                </a:lnTo>
+                <a:cubicBezTo>
+                  <a:pt x="402234" y="0"/>
+                  <a:pt x="459138" y="18515"/>
+                  <a:pt x="500924" y="55545"/>
+                </a:cubicBezTo>
+                <a:cubicBezTo>
+                  <a:pt x="542710" y="92575"/>
+                  <a:pt x="563604" y="144722"/>
+                  <a:pt x="563604" y="211988"/>
+                </a:cubicBezTo>
+                <a:cubicBezTo>
+                  <a:pt x="563604" y="267703"/>
+                  <a:pt x="549165" y="313226"/>
+                  <a:pt x="520289" y="348558"/>
+                </a:cubicBezTo>
+                <a:cubicBezTo>
+                  <a:pt x="491412" y="383889"/>
+                  <a:pt x="450815" y="406651"/>
+                  <a:pt x="398497" y="416842"/>
+                </a:cubicBezTo>
+                <a:cubicBezTo>
+                  <a:pt x="437905" y="460327"/>
+                  <a:pt x="472897" y="505510"/>
+                  <a:pt x="503472" y="552392"/>
+                </a:cubicBezTo>
+                <a:cubicBezTo>
+                  <a:pt x="534047" y="599275"/>
+                  <a:pt x="563264" y="652951"/>
+                  <a:pt x="591121" y="713422"/>
+                </a:cubicBezTo>
+                <a:lnTo>
+                  <a:pt x="436207" y="713422"/>
+                </a:lnTo>
+                <a:cubicBezTo>
+                  <a:pt x="404272" y="648874"/>
+                  <a:pt x="374716" y="595538"/>
+                  <a:pt x="347538" y="553412"/>
+                </a:cubicBezTo>
+                <a:cubicBezTo>
+                  <a:pt x="320360" y="511286"/>
+                  <a:pt x="285029" y="468141"/>
+                  <a:pt x="241544" y="423976"/>
+                </a:cubicBezTo>
+                <a:lnTo>
+                  <a:pt x="168164" y="423976"/>
+                </a:lnTo>
+                <a:lnTo>
+                  <a:pt x="168164" y="713422"/>
+                </a:lnTo>
+                <a:lnTo>
+                  <a:pt x="0" y="713422"/>
+                </a:lnTo>
+                <a:lnTo>
+                  <a:pt x="0" y="0"/>
+                </a:lnTo>
+                <a:close/>
+                <a:moveTo>
+                  <a:pt x="168164" y="117205"/>
+                </a:moveTo>
+                <a:lnTo>
+                  <a:pt x="168164" y="306771"/>
+                </a:lnTo>
+                <a:lnTo>
+                  <a:pt x="317982" y="306771"/>
+                </a:lnTo>
+                <a:cubicBezTo>
+                  <a:pt x="352634" y="306771"/>
+                  <a:pt x="379473" y="297599"/>
+                  <a:pt x="398497" y="279254"/>
+                </a:cubicBezTo>
+                <a:cubicBezTo>
+                  <a:pt x="417522" y="260908"/>
+                  <a:pt x="427034" y="238487"/>
+                  <a:pt x="427034" y="211988"/>
+                </a:cubicBezTo>
+                <a:cubicBezTo>
+                  <a:pt x="427034" y="184810"/>
+                  <a:pt x="417352" y="162218"/>
+                  <a:pt x="397988" y="144213"/>
+                </a:cubicBezTo>
+                <a:cubicBezTo>
+                  <a:pt x="378623" y="126207"/>
+                  <a:pt x="351955" y="117205"/>
+                  <a:pt x="317982" y="117205"/>
+                </a:cubicBezTo>
+                <a:lnTo>
+                  <a:pt x="168164" y="117205"/>
+                </a:lnTo>
+                <a:close/>
+              </a:path>
+            </a:pathLst>
+          </a:custGeom>
+          <a:solidFill>
+            <a:schemeClr val="bg1"/>
+          </a:solidFill>
+          <a:ln w="38100">
+            <a:noFill/>
+          </a:ln>
+          <a:effectLst/>
+        </p:spPr>
+        <p:txBody>
+          <a:bodyPr rot="0" spcFirstLastPara="0" vertOverflow="overflow" horzOverflow="overflow" vert="horz" wrap="square" lIns="91440" tIns="45720" rIns="91440" bIns="45720" numCol="1" spcCol="0" rtlCol="0" fromWordArt="0" anchor="t" anchorCtr="0" forceAA="0" compatLnSpc="1">
+            <a:prstTxWarp prst="textNoShape">
+              <a:avLst/>
+            </a:prstTxWarp>
+            <a:noAutofit/>
+          </a:bodyPr>
+          <a:lstStyle/>
+          <a:p>
+            <a:endParaRPr lang="zh-CN" altLang="en-US" sz="8000" dirty="0">
+              <a:solidFill>
+                <a:schemeClr val="bg1"/>
+              </a:solidFill>
+              <a:latin typeface="Alimama ShuHeiTi Bold" pitchFamily="2" charset="-122"/>
+              <a:ea typeface="Alimama ShuHeiTi Bold" pitchFamily="2" charset="-122"/>
+            </a:endParaRPr>
+          </a:p>
+        </p:txBody>
+      </p:sp>
+      <p:sp>
+        <p:nvSpPr>
+          <p:cNvPr id="15" name="文本框 14">
+            <a:extLst>
+              <a:ext uri="{FF2B5EF4-FFF2-40B4-BE49-F238E27FC236}">
+                <a16:creationId xmlns:a16="http://schemas.microsoft.com/office/drawing/2014/main" id="{7799514E-ACCF-3114-4C0B-5563515370D0}"/>
+              </a:ext>
+            </a:extLst>
+          </p:cNvPr>
+          <p:cNvSpPr txBox="1"/>
+          <p:nvPr/>
+        </p:nvSpPr>
+        <p:spPr>
+          <a:xfrm>
+            <a:off x="4232466" y="2256927"/>
+            <a:ext cx="501434" cy="713422"/>
+          </a:xfrm>
+          <a:custGeom>
+            <a:avLst/>
+            <a:gdLst/>
+            <a:ahLst/>
+            <a:cxnLst/>
+            <a:rect l="l" t="t" r="r" b="b"/>
+            <a:pathLst>
+              <a:path w="501434" h="713422">
+                <a:moveTo>
+                  <a:pt x="0" y="0"/>
+                </a:moveTo>
+                <a:lnTo>
+                  <a:pt x="501434" y="0"/>
+                </a:lnTo>
+                <a:lnTo>
+                  <a:pt x="501434" y="138607"/>
+                </a:lnTo>
+                <a:lnTo>
+                  <a:pt x="168164" y="138607"/>
+                </a:lnTo>
+                <a:lnTo>
+                  <a:pt x="168164" y="291484"/>
+                </a:lnTo>
+                <a:lnTo>
+                  <a:pt x="457609" y="291484"/>
+                </a:lnTo>
+                <a:lnTo>
+                  <a:pt x="457609" y="420919"/>
+                </a:lnTo>
+                <a:lnTo>
+                  <a:pt x="168164" y="420919"/>
+                </a:lnTo>
+                <a:lnTo>
+                  <a:pt x="168164" y="574814"/>
+                </a:lnTo>
+                <a:lnTo>
+                  <a:pt x="501434" y="574814"/>
+                </a:lnTo>
+                <a:lnTo>
+                  <a:pt x="501434" y="713422"/>
+                </a:lnTo>
+                <a:lnTo>
+                  <a:pt x="0" y="713422"/>
+                </a:lnTo>
+                <a:lnTo>
+                  <a:pt x="0" y="0"/>
+                </a:lnTo>
+                <a:close/>
+              </a:path>
+            </a:pathLst>
+          </a:custGeom>
+          <a:solidFill>
+            <a:schemeClr val="bg1"/>
+          </a:solidFill>
+          <a:ln w="38100">
+            <a:noFill/>
+          </a:ln>
+          <a:effectLst/>
+        </p:spPr>
+        <p:txBody>
+          <a:bodyPr rot="0" spcFirstLastPara="0" vertOverflow="overflow" horzOverflow="overflow" vert="horz" wrap="square" lIns="91440" tIns="45720" rIns="91440" bIns="45720" numCol="1" spcCol="0" rtlCol="0" fromWordArt="0" anchor="t" anchorCtr="0" forceAA="0" compatLnSpc="1">
+            <a:prstTxWarp prst="textNoShape">
+              <a:avLst/>
+            </a:prstTxWarp>
+            <a:noAutofit/>
+          </a:bodyPr>
+          <a:lstStyle/>
+          <a:p>
+            <a:endParaRPr lang="zh-CN" altLang="en-US" sz="8000" dirty="0">
+              <a:solidFill>
+                <a:schemeClr val="bg1"/>
+              </a:solidFill>
+              <a:latin typeface="Alimama ShuHeiTi Bold" pitchFamily="2" charset="-122"/>
+              <a:ea typeface="Alimama ShuHeiTi Bold" pitchFamily="2" charset="-122"/>
+            </a:endParaRPr>
+          </a:p>
+        </p:txBody>
+      </p:sp>
+      <p:sp>
+        <p:nvSpPr>
+          <p:cNvPr id="14" name="文本框 13">
+            <a:extLst>
+              <a:ext uri="{FF2B5EF4-FFF2-40B4-BE49-F238E27FC236}">
+                <a16:creationId xmlns:a16="http://schemas.microsoft.com/office/drawing/2014/main" id="{00B01C8F-A457-AAF8-65B4-39E5AFF59540}"/>
+              </a:ext>
+            </a:extLst>
+          </p:cNvPr>
+          <p:cNvSpPr txBox="1"/>
+          <p:nvPr/>
+        </p:nvSpPr>
+        <p:spPr>
+          <a:xfrm>
+            <a:off x="4784287" y="2256927"/>
+            <a:ext cx="694058" cy="713422"/>
+          </a:xfrm>
+          <a:custGeom>
+            <a:avLst/>
+            <a:gdLst/>
+            <a:ahLst/>
+            <a:cxnLst/>
+            <a:rect l="l" t="t" r="r" b="b"/>
+            <a:pathLst>
+              <a:path w="694058" h="713422">
+                <a:moveTo>
+                  <a:pt x="206893" y="0"/>
+                </a:moveTo>
+                <a:lnTo>
+                  <a:pt x="487166" y="0"/>
+                </a:lnTo>
+                <a:lnTo>
+                  <a:pt x="694058" y="713422"/>
+                </a:lnTo>
+                <a:lnTo>
+                  <a:pt x="514683" y="713422"/>
+                </a:lnTo>
+                <a:lnTo>
+                  <a:pt x="460667" y="511625"/>
+                </a:lnTo>
+                <a:lnTo>
+                  <a:pt x="232372" y="511625"/>
+                </a:lnTo>
+                <a:lnTo>
+                  <a:pt x="178356" y="713422"/>
+                </a:lnTo>
+                <a:lnTo>
+                  <a:pt x="0" y="713422"/>
+                </a:lnTo>
+                <a:lnTo>
+                  <a:pt x="206893" y="0"/>
+                </a:lnTo>
+                <a:close/>
+                <a:moveTo>
+                  <a:pt x="345500" y="90706"/>
+                </a:moveTo>
+                <a:lnTo>
+                  <a:pt x="264986" y="389325"/>
+                </a:lnTo>
+                <a:lnTo>
+                  <a:pt x="428054" y="389325"/>
+                </a:lnTo>
+                <a:lnTo>
+                  <a:pt x="347539" y="90706"/>
+                </a:lnTo>
+                <a:lnTo>
+                  <a:pt x="345500" y="90706"/>
+                </a:lnTo>
+                <a:close/>
+              </a:path>
+            </a:pathLst>
+          </a:custGeom>
+          <a:solidFill>
+            <a:schemeClr val="bg1"/>
+          </a:solidFill>
+          <a:ln w="38100">
+            <a:noFill/>
+          </a:ln>
+          <a:effectLst/>
+        </p:spPr>
+        <p:txBody>
+          <a:bodyPr rot="0" spcFirstLastPara="0" vertOverflow="overflow" horzOverflow="overflow" vert="horz" wrap="square" lIns="91440" tIns="45720" rIns="91440" bIns="45720" numCol="1" spcCol="0" rtlCol="0" fromWordArt="0" anchor="t" anchorCtr="0" forceAA="0" compatLnSpc="1">
+            <a:prstTxWarp prst="textNoShape">
+              <a:avLst/>
+            </a:prstTxWarp>
+            <a:noAutofit/>
+          </a:bodyPr>
+          <a:lstStyle/>
+          <a:p>
+            <a:endParaRPr lang="zh-CN" altLang="en-US" sz="8000" dirty="0">
+              <a:solidFill>
+                <a:schemeClr val="bg1"/>
+              </a:solidFill>
+              <a:latin typeface="Alimama ShuHeiTi Bold" pitchFamily="2" charset="-122"/>
+              <a:ea typeface="Alimama ShuHeiTi Bold" pitchFamily="2" charset="-122"/>
+            </a:endParaRPr>
+          </a:p>
+        </p:txBody>
+      </p:sp>
+      <p:sp>
+        <p:nvSpPr>
+          <p:cNvPr id="13" name="文本框 12">
+            <a:extLst>
+              <a:ext uri="{FF2B5EF4-FFF2-40B4-BE49-F238E27FC236}">
+                <a16:creationId xmlns:a16="http://schemas.microsoft.com/office/drawing/2014/main" id="{BAAFC365-09EF-3046-A91A-8F092E2D8F5F}"/>
+              </a:ext>
+            </a:extLst>
+          </p:cNvPr>
+          <p:cNvSpPr txBox="1"/>
+          <p:nvPr/>
+        </p:nvSpPr>
+        <p:spPr>
+          <a:xfrm>
+            <a:off x="5565966" y="2256927"/>
+            <a:ext cx="614562" cy="713422"/>
+          </a:xfrm>
+          <a:custGeom>
+            <a:avLst/>
+            <a:gdLst/>
+            <a:ahLst/>
+            <a:cxnLst/>
+            <a:rect l="l" t="t" r="r" b="b"/>
+            <a:pathLst>
+              <a:path w="614562" h="713422">
+                <a:moveTo>
+                  <a:pt x="0" y="0"/>
+                </a:moveTo>
+                <a:lnTo>
+                  <a:pt x="271100" y="0"/>
+                </a:lnTo>
+                <a:cubicBezTo>
+                  <a:pt x="383210" y="0"/>
+                  <a:pt x="468481" y="31594"/>
+                  <a:pt x="526913" y="94783"/>
+                </a:cubicBezTo>
+                <a:cubicBezTo>
+                  <a:pt x="585346" y="157972"/>
+                  <a:pt x="614562" y="245621"/>
+                  <a:pt x="614562" y="357730"/>
+                </a:cubicBezTo>
+                <a:cubicBezTo>
+                  <a:pt x="614562" y="473916"/>
+                  <a:pt x="585346" y="562244"/>
+                  <a:pt x="526913" y="622716"/>
+                </a:cubicBezTo>
+                <a:cubicBezTo>
+                  <a:pt x="468481" y="683187"/>
+                  <a:pt x="381851" y="713422"/>
+                  <a:pt x="267024" y="713422"/>
+                </a:cubicBezTo>
+                <a:lnTo>
+                  <a:pt x="0" y="713422"/>
+                </a:lnTo>
+                <a:lnTo>
+                  <a:pt x="0" y="0"/>
+                </a:lnTo>
+                <a:close/>
+                <a:moveTo>
+                  <a:pt x="168164" y="126377"/>
+                </a:moveTo>
+                <a:lnTo>
+                  <a:pt x="168164" y="587044"/>
+                </a:lnTo>
+                <a:lnTo>
+                  <a:pt x="273139" y="587044"/>
+                </a:lnTo>
+                <a:cubicBezTo>
+                  <a:pt x="301676" y="587044"/>
+                  <a:pt x="328854" y="577872"/>
+                  <a:pt x="354673" y="559527"/>
+                </a:cubicBezTo>
+                <a:cubicBezTo>
+                  <a:pt x="380492" y="541182"/>
+                  <a:pt x="401385" y="514683"/>
+                  <a:pt x="417352" y="480031"/>
+                </a:cubicBezTo>
+                <a:cubicBezTo>
+                  <a:pt x="433319" y="445379"/>
+                  <a:pt x="441303" y="404952"/>
+                  <a:pt x="441303" y="358749"/>
+                </a:cubicBezTo>
+                <a:cubicBezTo>
+                  <a:pt x="441303" y="314585"/>
+                  <a:pt x="433659" y="275007"/>
+                  <a:pt x="418371" y="240015"/>
+                </a:cubicBezTo>
+                <a:cubicBezTo>
+                  <a:pt x="403083" y="205024"/>
+                  <a:pt x="382530" y="177336"/>
+                  <a:pt x="356711" y="156953"/>
+                </a:cubicBezTo>
+                <a:cubicBezTo>
+                  <a:pt x="330892" y="136569"/>
+                  <a:pt x="303034" y="126377"/>
+                  <a:pt x="273139" y="126377"/>
+                </a:cubicBezTo>
+                <a:lnTo>
+                  <a:pt x="168164" y="126377"/>
+                </a:lnTo>
+                <a:close/>
+              </a:path>
+            </a:pathLst>
+          </a:custGeom>
+          <a:solidFill>
+            <a:schemeClr val="bg1"/>
+          </a:solidFill>
+          <a:ln w="38100">
+            <a:noFill/>
+          </a:ln>
+          <a:effectLst/>
+        </p:spPr>
+        <p:txBody>
+          <a:bodyPr rot="0" spcFirstLastPara="0" vertOverflow="overflow" horzOverflow="overflow" vert="horz" wrap="square" lIns="91440" tIns="45720" rIns="91440" bIns="45720" numCol="1" spcCol="0" rtlCol="0" fromWordArt="0" anchor="t" anchorCtr="0" forceAA="0" compatLnSpc="1">
+            <a:prstTxWarp prst="textNoShape">
+              <a:avLst/>
+            </a:prstTxWarp>
+            <a:noAutofit/>
+          </a:bodyPr>
+          <a:lstStyle/>
+          <a:p>
+            <a:endParaRPr lang="zh-CN" altLang="en-US" sz="8000" dirty="0">
+              <a:solidFill>
+                <a:schemeClr val="bg1"/>
+              </a:solidFill>
+              <a:latin typeface="Alimama ShuHeiTi Bold" pitchFamily="2" charset="-122"/>
+              <a:ea typeface="Alimama ShuHeiTi Bold" pitchFamily="2" charset="-122"/>
+            </a:endParaRPr>
+          </a:p>
+        </p:txBody>
+      </p:sp>
+      <p:sp>
+        <p:nvSpPr>
+          <p:cNvPr id="12" name="文本框 11">
+            <a:extLst>
+              <a:ext uri="{FF2B5EF4-FFF2-40B4-BE49-F238E27FC236}">
+                <a16:creationId xmlns:a16="http://schemas.microsoft.com/office/drawing/2014/main" id="{5A181D0E-8A41-89A0-E4A0-03D5CFC5DC3B}"/>
+              </a:ext>
+            </a:extLst>
+          </p:cNvPr>
+          <p:cNvSpPr txBox="1"/>
+          <p:nvPr/>
+        </p:nvSpPr>
+        <p:spPr>
+          <a:xfrm>
+            <a:off x="6229382" y="2256927"/>
+            <a:ext cx="640042" cy="713422"/>
+          </a:xfrm>
+          <a:custGeom>
+            <a:avLst/>
+            <a:gdLst/>
+            <a:ahLst/>
+            <a:cxnLst/>
+            <a:rect l="l" t="t" r="r" b="b"/>
+            <a:pathLst>
+              <a:path w="640042" h="713422">
+                <a:moveTo>
+                  <a:pt x="0" y="0"/>
+                </a:moveTo>
+                <a:lnTo>
+                  <a:pt x="185490" y="0"/>
+                </a:lnTo>
+                <a:lnTo>
+                  <a:pt x="317983" y="270081"/>
+                </a:lnTo>
+                <a:lnTo>
+                  <a:pt x="322059" y="270081"/>
+                </a:lnTo>
+                <a:lnTo>
+                  <a:pt x="454552" y="0"/>
+                </a:lnTo>
+                <a:lnTo>
+                  <a:pt x="640042" y="0"/>
+                </a:lnTo>
+                <a:lnTo>
+                  <a:pt x="404613" y="423976"/>
+                </a:lnTo>
+                <a:lnTo>
+                  <a:pt x="404613" y="713422"/>
+                </a:lnTo>
+                <a:lnTo>
+                  <a:pt x="236449" y="713422"/>
+                </a:lnTo>
+                <a:lnTo>
+                  <a:pt x="236449" y="426015"/>
+                </a:lnTo>
+                <a:lnTo>
+                  <a:pt x="0" y="0"/>
+                </a:lnTo>
+                <a:close/>
+              </a:path>
+            </a:pathLst>
+          </a:custGeom>
+          <a:solidFill>
+            <a:schemeClr val="bg1"/>
+          </a:solidFill>
+          <a:ln w="38100">
+            <a:noFill/>
+          </a:ln>
+          <a:effectLst/>
+        </p:spPr>
+        <p:txBody>
+          <a:bodyPr rot="0" spcFirstLastPara="0" vertOverflow="overflow" horzOverflow="overflow" vert="horz" wrap="square" lIns="91440" tIns="45720" rIns="91440" bIns="45720" numCol="1" spcCol="0" rtlCol="0" fromWordArt="0" anchor="t" anchorCtr="0" forceAA="0" compatLnSpc="1">
+            <a:prstTxWarp prst="textNoShape">
+              <a:avLst/>
+            </a:prstTxWarp>
+            <a:noAutofit/>
+          </a:bodyPr>
+          <a:lstStyle/>
+          <a:p>
+            <a:endParaRPr lang="zh-CN" altLang="en-US" sz="8000" dirty="0">
+              <a:solidFill>
+                <a:schemeClr val="bg1"/>
+              </a:solidFill>
+              <a:latin typeface="Alimama ShuHeiTi Bold" pitchFamily="2" charset="-122"/>
+              <a:ea typeface="Alimama ShuHeiTi Bold" pitchFamily="2" charset="-122"/>
+            </a:endParaRPr>
+          </a:p>
+        </p:txBody>
+      </p:sp>
+      <p:sp>
+        <p:nvSpPr>
+          <p:cNvPr id="11" name="文本框 10">
+            <a:extLst>
+              <a:ext uri="{FF2B5EF4-FFF2-40B4-BE49-F238E27FC236}">
+                <a16:creationId xmlns:a16="http://schemas.microsoft.com/office/drawing/2014/main" id="{9BECAA14-AC9E-CBD4-202D-AE5ACA479F81}"/>
+              </a:ext>
+            </a:extLst>
+          </p:cNvPr>
+          <p:cNvSpPr txBox="1"/>
+          <p:nvPr/>
+        </p:nvSpPr>
+        <p:spPr>
+          <a:xfrm>
+            <a:off x="6995659" y="2805243"/>
+            <a:ext cx="165106" cy="165106"/>
+          </a:xfrm>
+          <a:custGeom>
+            <a:avLst/>
+            <a:gdLst/>
+            <a:ahLst/>
+            <a:cxnLst/>
+            <a:rect l="l" t="t" r="r" b="b"/>
+            <a:pathLst>
+              <a:path w="165106" h="165106">
+                <a:moveTo>
+                  <a:pt x="0" y="0"/>
+                </a:moveTo>
+                <a:lnTo>
+                  <a:pt x="165106" y="0"/>
+                </a:lnTo>
+                <a:lnTo>
+                  <a:pt x="165106" y="165106"/>
+                </a:lnTo>
+                <a:lnTo>
+                  <a:pt x="0" y="165106"/>
+                </a:lnTo>
+                <a:lnTo>
+                  <a:pt x="0" y="0"/>
+                </a:lnTo>
+                <a:close/>
+              </a:path>
+            </a:pathLst>
+          </a:custGeom>
+          <a:solidFill>
+            <a:schemeClr val="bg1"/>
+          </a:solidFill>
+          <a:ln w="38100">
+            <a:noFill/>
+          </a:ln>
+          <a:effectLst/>
+        </p:spPr>
+        <p:txBody>
+          <a:bodyPr rot="0" spcFirstLastPara="0" vertOverflow="overflow" horzOverflow="overflow" vert="horz" wrap="square" lIns="91440" tIns="45720" rIns="91440" bIns="45720" numCol="1" spcCol="0" rtlCol="0" fromWordArt="0" anchor="t" anchorCtr="0" forceAA="0" compatLnSpc="1">
+            <a:prstTxWarp prst="textNoShape">
+              <a:avLst/>
+            </a:prstTxWarp>
+            <a:noAutofit/>
+          </a:bodyPr>
+          <a:lstStyle/>
+          <a:p>
+            <a:endParaRPr lang="zh-CN" altLang="en-US" sz="8000" dirty="0">
+              <a:solidFill>
+                <a:schemeClr val="bg1"/>
+              </a:solidFill>
+              <a:latin typeface="Alimama ShuHeiTi Bold" pitchFamily="2" charset="-122"/>
+              <a:ea typeface="Alimama ShuHeiTi Bold" pitchFamily="2" charset="-122"/>
+            </a:endParaRPr>
+          </a:p>
+        </p:txBody>
+      </p:sp>
+      <p:sp>
+        <p:nvSpPr>
+          <p:cNvPr id="22" name="文本框 21">
+            <a:extLst>
+              <a:ext uri="{FF2B5EF4-FFF2-40B4-BE49-F238E27FC236}">
+                <a16:creationId xmlns:a16="http://schemas.microsoft.com/office/drawing/2014/main" id="{C83CF78B-C856-5B5F-62E9-0ED41F041534}"/>
+              </a:ext>
+            </a:extLst>
+          </p:cNvPr>
+          <p:cNvSpPr txBox="1"/>
+          <p:nvPr/>
+        </p:nvSpPr>
+        <p:spPr>
+          <a:xfrm>
+            <a:off x="7501732" y="1894229"/>
+            <a:ext cx="1911101" cy="1200329"/>
+          </a:xfrm>
+          <a:prstGeom prst="rect">
+            <a:avLst/>
+          </a:prstGeom>
+          <a:noFill/>
+        </p:spPr>
+        <p:txBody>
+          <a:bodyPr wrap="none" rtlCol="0">
+            <a:spAutoFit/>
+          </a:bodyPr>
+          <a:lstStyle/>
+          <a:p>
+            <a:r>
+              <a:rPr lang="en-US" altLang="zh-CN" sz="7200" dirty="0">
+                <a:solidFill>
+                  <a:schemeClr val="bg1"/>
+                </a:solidFill>
+                <a:latin typeface="Alimama ShuHeiTi Bold" pitchFamily="2" charset="-122"/>
+                <a:ea typeface="Alimama ShuHeiTi Bold" pitchFamily="2" charset="-122"/>
+              </a:rPr>
+              <a:t>GO!</a:t>
+            </a:r>
+            <a:endParaRPr lang="zh-CN" altLang="en-US" sz="7200" dirty="0">
+              <a:solidFill>
+                <a:schemeClr val="bg1"/>
+              </a:solidFill>
+              <a:latin typeface="Alimama ShuHeiTi Bold" pitchFamily="2" charset="-122"/>
+              <a:ea typeface="Alimama ShuHeiTi Bold" pitchFamily="2" charset="-122"/>
+            </a:endParaRPr>
           </a:p>
         </p:txBody>
       </p:sp>

--- a/Texture/Texture.pptx
+++ b/Texture/Texture.pptx
@@ -5214,6 +5214,107 @@
           </a:p>
         </p:txBody>
       </p:sp>
+      <p:sp>
+        <p:nvSpPr>
+          <p:cNvPr id="26" name="矩形 25">
+            <a:extLst>
+              <a:ext uri="{FF2B5EF4-FFF2-40B4-BE49-F238E27FC236}">
+                <a16:creationId xmlns:a16="http://schemas.microsoft.com/office/drawing/2014/main" id="{56DB0CAC-DE72-0176-F19F-50F13A1FEE68}"/>
+              </a:ext>
+            </a:extLst>
+          </p:cNvPr>
+          <p:cNvSpPr/>
+          <p:nvPr/>
+        </p:nvSpPr>
+        <p:spPr>
+          <a:xfrm>
+            <a:off x="1186280" y="4496558"/>
+            <a:ext cx="8759371" cy="646331"/>
+          </a:xfrm>
+          <a:prstGeom prst="rect">
+            <a:avLst/>
+          </a:prstGeom>
+          <a:solidFill>
+            <a:srgbClr val="934BC9"/>
+          </a:solidFill>
+          <a:ln>
+            <a:noFill/>
+          </a:ln>
+        </p:spPr>
+        <p:style>
+          <a:lnRef idx="2">
+            <a:schemeClr val="accent1">
+              <a:shade val="50000"/>
+            </a:schemeClr>
+          </a:lnRef>
+          <a:fillRef idx="1">
+            <a:schemeClr val="accent1"/>
+          </a:fillRef>
+          <a:effectRef idx="0">
+            <a:schemeClr val="accent1"/>
+          </a:effectRef>
+          <a:fontRef idx="minor">
+            <a:schemeClr val="lt1"/>
+          </a:fontRef>
+        </p:style>
+        <p:txBody>
+          <a:bodyPr rtlCol="0" anchor="ctr"/>
+          <a:lstStyle/>
+          <a:p>
+            <a:pPr algn="ctr"/>
+            <a:endParaRPr lang="zh-CN" altLang="en-US"/>
+          </a:p>
+        </p:txBody>
+      </p:sp>
+      <p:sp>
+        <p:nvSpPr>
+          <p:cNvPr id="27" name="文本框 26">
+            <a:extLst>
+              <a:ext uri="{FF2B5EF4-FFF2-40B4-BE49-F238E27FC236}">
+                <a16:creationId xmlns:a16="http://schemas.microsoft.com/office/drawing/2014/main" id="{8413DE6D-2E36-4C07-63D1-01B64D085599}"/>
+              </a:ext>
+            </a:extLst>
+          </p:cNvPr>
+          <p:cNvSpPr txBox="1"/>
+          <p:nvPr/>
+        </p:nvSpPr>
+        <p:spPr>
+          <a:xfrm>
+            <a:off x="3486794" y="4463143"/>
+            <a:ext cx="4158343" cy="646331"/>
+          </a:xfrm>
+          <a:prstGeom prst="rect">
+            <a:avLst/>
+          </a:prstGeom>
+          <a:noFill/>
+        </p:spPr>
+        <p:txBody>
+          <a:bodyPr wrap="square" rtlCol="0">
+            <a:spAutoFit/>
+          </a:bodyPr>
+          <a:lstStyle/>
+          <a:p>
+            <a:pPr algn="ctr"/>
+            <a:r>
+              <a:rPr lang="en-US" altLang="zh-CN" sz="3600" dirty="0">
+                <a:solidFill>
+                  <a:schemeClr val="bg1"/>
+                </a:solidFill>
+                <a:latin typeface="Alimama ShuHeiTi Bold" pitchFamily="2" charset="-122"/>
+                <a:ea typeface="Alimama ShuHeiTi Bold" pitchFamily="2" charset="-122"/>
+              </a:rPr>
+              <a:t>Finish!</a:t>
+            </a:r>
+            <a:endParaRPr lang="zh-CN" altLang="en-US" sz="3600" dirty="0">
+              <a:solidFill>
+                <a:schemeClr val="bg1"/>
+              </a:solidFill>
+              <a:latin typeface="Alimama ShuHeiTi Bold" pitchFamily="2" charset="-122"/>
+              <a:ea typeface="Alimama ShuHeiTi Bold" pitchFamily="2" charset="-122"/>
+            </a:endParaRPr>
+          </a:p>
+        </p:txBody>
+      </p:sp>
     </p:spTree>
     <p:extLst>
       <p:ext uri="{BB962C8B-B14F-4D97-AF65-F5344CB8AC3E}">

--- a/Texture/Texture.pptx
+++ b/Texture/Texture.pptx
@@ -7,6 +7,8 @@
   <p:sldIdLst>
     <p:sldId id="256" r:id="rId2"/>
     <p:sldId id="257" r:id="rId3"/>
+    <p:sldId id="258" r:id="rId4"/>
+    <p:sldId id="259" r:id="rId5"/>
   </p:sldIdLst>
   <p:sldSz cx="12192000" cy="6858000"/>
   <p:notesSz cx="6858000" cy="9144000"/>
@@ -3438,243 +3440,6 @@
           </a:p>
         </p:txBody>
       </p:sp>
-      <p:sp>
-        <p:nvSpPr>
-          <p:cNvPr id="4" name="任意多边形: 形状 3">
-            <a:extLst>
-              <a:ext uri="{FF2B5EF4-FFF2-40B4-BE49-F238E27FC236}">
-                <a16:creationId xmlns:a16="http://schemas.microsoft.com/office/drawing/2014/main" id="{23CDF5C4-7AF5-CEAE-0EFD-81B930D63D20}"/>
-              </a:ext>
-            </a:extLst>
-          </p:cNvPr>
-          <p:cNvSpPr/>
-          <p:nvPr/>
-        </p:nvSpPr>
-        <p:spPr>
-          <a:xfrm>
-            <a:off x="1346482" y="888435"/>
-            <a:ext cx="458548" cy="680014"/>
-          </a:xfrm>
-          <a:custGeom>
-            <a:avLst/>
-            <a:gdLst>
-              <a:gd name="connsiteX0" fmla="*/ 186696 w 458548"/>
-              <a:gd name="connsiteY0" fmla="*/ 0 h 680014"/>
-              <a:gd name="connsiteX1" fmla="*/ 271853 w 458548"/>
-              <a:gd name="connsiteY1" fmla="*/ 0 h 680014"/>
-              <a:gd name="connsiteX2" fmla="*/ 271853 w 458548"/>
-              <a:gd name="connsiteY2" fmla="*/ 372040 h 680014"/>
-              <a:gd name="connsiteX3" fmla="*/ 458548 w 458548"/>
-              <a:gd name="connsiteY3" fmla="*/ 372040 h 680014"/>
-              <a:gd name="connsiteX4" fmla="*/ 458548 w 458548"/>
-              <a:gd name="connsiteY4" fmla="*/ 680014 h 680014"/>
-              <a:gd name="connsiteX5" fmla="*/ 0 w 458548"/>
-              <a:gd name="connsiteY5" fmla="*/ 680014 h 680014"/>
-              <a:gd name="connsiteX6" fmla="*/ 0 w 458548"/>
-              <a:gd name="connsiteY6" fmla="*/ 372040 h 680014"/>
-              <a:gd name="connsiteX7" fmla="*/ 186696 w 458548"/>
-              <a:gd name="connsiteY7" fmla="*/ 372040 h 680014"/>
-            </a:gdLst>
-            <a:ahLst/>
-            <a:cxnLst>
-              <a:cxn ang="0">
-                <a:pos x="connsiteX0" y="connsiteY0"/>
-              </a:cxn>
-              <a:cxn ang="0">
-                <a:pos x="connsiteX1" y="connsiteY1"/>
-              </a:cxn>
-              <a:cxn ang="0">
-                <a:pos x="connsiteX2" y="connsiteY2"/>
-              </a:cxn>
-              <a:cxn ang="0">
-                <a:pos x="connsiteX3" y="connsiteY3"/>
-              </a:cxn>
-              <a:cxn ang="0">
-                <a:pos x="connsiteX4" y="connsiteY4"/>
-              </a:cxn>
-              <a:cxn ang="0">
-                <a:pos x="connsiteX5" y="connsiteY5"/>
-              </a:cxn>
-              <a:cxn ang="0">
-                <a:pos x="connsiteX6" y="connsiteY6"/>
-              </a:cxn>
-              <a:cxn ang="0">
-                <a:pos x="connsiteX7" y="connsiteY7"/>
-              </a:cxn>
-            </a:cxnLst>
-            <a:rect l="l" t="t" r="r" b="b"/>
-            <a:pathLst>
-              <a:path w="458548" h="680014">
-                <a:moveTo>
-                  <a:pt x="186696" y="0"/>
-                </a:moveTo>
-                <a:lnTo>
-                  <a:pt x="271853" y="0"/>
-                </a:lnTo>
-                <a:lnTo>
-                  <a:pt x="271853" y="372040"/>
-                </a:lnTo>
-                <a:lnTo>
-                  <a:pt x="458548" y="372040"/>
-                </a:lnTo>
-                <a:lnTo>
-                  <a:pt x="458548" y="680014"/>
-                </a:lnTo>
-                <a:lnTo>
-                  <a:pt x="0" y="680014"/>
-                </a:lnTo>
-                <a:lnTo>
-                  <a:pt x="0" y="372040"/>
-                </a:lnTo>
-                <a:lnTo>
-                  <a:pt x="186696" y="372040"/>
-                </a:lnTo>
-                <a:close/>
-              </a:path>
-            </a:pathLst>
-          </a:custGeom>
-          <a:solidFill>
-            <a:schemeClr val="bg1">
-              <a:lumMod val="50000"/>
-            </a:schemeClr>
-          </a:solidFill>
-          <a:ln w="38100">
-            <a:noFill/>
-          </a:ln>
-        </p:spPr>
-        <p:style>
-          <a:lnRef idx="2">
-            <a:schemeClr val="accent1">
-              <a:shade val="50000"/>
-            </a:schemeClr>
-          </a:lnRef>
-          <a:fillRef idx="1">
-            <a:schemeClr val="accent1"/>
-          </a:fillRef>
-          <a:effectRef idx="0">
-            <a:schemeClr val="accent1"/>
-          </a:effectRef>
-          <a:fontRef idx="minor">
-            <a:schemeClr val="lt1"/>
-          </a:fontRef>
-        </p:style>
-        <p:txBody>
-          <a:bodyPr wrap="square" rtlCol="0" anchor="ctr">
-            <a:noAutofit/>
-          </a:bodyPr>
-          <a:lstStyle/>
-          <a:p>
-            <a:pPr algn="ctr"/>
-            <a:endParaRPr lang="zh-CN" altLang="en-US" dirty="0"/>
-          </a:p>
-        </p:txBody>
-      </p:sp>
-      <p:sp>
-        <p:nvSpPr>
-          <p:cNvPr id="2" name="泪滴形 1">
-            <a:extLst>
-              <a:ext uri="{FF2B5EF4-FFF2-40B4-BE49-F238E27FC236}">
-                <a16:creationId xmlns:a16="http://schemas.microsoft.com/office/drawing/2014/main" id="{5F80FE3A-BAFC-A4DA-8F5C-B190822F84FB}"/>
-              </a:ext>
-            </a:extLst>
-          </p:cNvPr>
-          <p:cNvSpPr/>
-          <p:nvPr/>
-        </p:nvSpPr>
-        <p:spPr>
-          <a:xfrm rot="8100000">
-            <a:off x="1179003" y="2521604"/>
-            <a:ext cx="518618" cy="518618"/>
-          </a:xfrm>
-          <a:prstGeom prst="teardrop">
-            <a:avLst>
-              <a:gd name="adj" fmla="val 200000"/>
-            </a:avLst>
-          </a:prstGeom>
-          <a:solidFill>
-            <a:schemeClr val="bg1"/>
-          </a:solidFill>
-          <a:ln>
-            <a:noFill/>
-          </a:ln>
-        </p:spPr>
-        <p:style>
-          <a:lnRef idx="2">
-            <a:schemeClr val="accent1">
-              <a:shade val="50000"/>
-            </a:schemeClr>
-          </a:lnRef>
-          <a:fillRef idx="1">
-            <a:schemeClr val="accent1"/>
-          </a:fillRef>
-          <a:effectRef idx="0">
-            <a:schemeClr val="accent1"/>
-          </a:effectRef>
-          <a:fontRef idx="minor">
-            <a:schemeClr val="lt1"/>
-          </a:fontRef>
-        </p:style>
-        <p:txBody>
-          <a:bodyPr rtlCol="0" anchor="ctr"/>
-          <a:lstStyle/>
-          <a:p>
-            <a:pPr algn="ctr"/>
-            <a:endParaRPr lang="zh-CN" altLang="en-US"/>
-          </a:p>
-        </p:txBody>
-      </p:sp>
-      <p:sp>
-        <p:nvSpPr>
-          <p:cNvPr id="3" name="椭圆 2">
-            <a:extLst>
-              <a:ext uri="{FF2B5EF4-FFF2-40B4-BE49-F238E27FC236}">
-                <a16:creationId xmlns:a16="http://schemas.microsoft.com/office/drawing/2014/main" id="{42ECBC0E-F57A-51D0-4892-DF7A7C2876D9}"/>
-              </a:ext>
-            </a:extLst>
-          </p:cNvPr>
-          <p:cNvSpPr/>
-          <p:nvPr/>
-        </p:nvSpPr>
-        <p:spPr>
-          <a:xfrm>
-            <a:off x="4572000" y="1851804"/>
-            <a:ext cx="1035170" cy="1035170"/>
-          </a:xfrm>
-          <a:prstGeom prst="ellipse">
-            <a:avLst/>
-          </a:prstGeom>
-          <a:solidFill>
-            <a:schemeClr val="bg1"/>
-          </a:solidFill>
-          <a:ln>
-            <a:noFill/>
-          </a:ln>
-        </p:spPr>
-        <p:style>
-          <a:lnRef idx="2">
-            <a:schemeClr val="accent1">
-              <a:shade val="50000"/>
-            </a:schemeClr>
-          </a:lnRef>
-          <a:fillRef idx="1">
-            <a:schemeClr val="accent1"/>
-          </a:fillRef>
-          <a:effectRef idx="0">
-            <a:schemeClr val="accent1"/>
-          </a:effectRef>
-          <a:fontRef idx="minor">
-            <a:schemeClr val="lt1"/>
-          </a:fontRef>
-        </p:style>
-        <p:txBody>
-          <a:bodyPr rtlCol="0" anchor="ctr"/>
-          <a:lstStyle/>
-          <a:p>
-            <a:pPr algn="ctr"/>
-            <a:endParaRPr lang="zh-CN" altLang="en-US"/>
-          </a:p>
-        </p:txBody>
-      </p:sp>
       <p:grpSp>
         <p:nvGrpSpPr>
           <p:cNvPr id="8" name="组合 7">
@@ -3854,10 +3619,10 @@
       </p:grpSp>
       <p:sp>
         <p:nvSpPr>
-          <p:cNvPr id="10" name="泪滴形 9">
-            <a:extLst>
-              <a:ext uri="{FF2B5EF4-FFF2-40B4-BE49-F238E27FC236}">
-                <a16:creationId xmlns:a16="http://schemas.microsoft.com/office/drawing/2014/main" id="{4C571547-DD82-689A-5A9B-489B93FA523D}"/>
+          <p:cNvPr id="25" name="矩形 24">
+            <a:extLst>
+              <a:ext uri="{FF2B5EF4-FFF2-40B4-BE49-F238E27FC236}">
+                <a16:creationId xmlns:a16="http://schemas.microsoft.com/office/drawing/2014/main" id="{3C9E8546-55CB-2ECB-4FB7-4E8D0CA8838A}"/>
               </a:ext>
             </a:extLst>
           </p:cNvPr>
@@ -3865,8 +3630,2651 @@
           <p:nvPr/>
         </p:nvSpPr>
         <p:spPr>
+          <a:xfrm>
+            <a:off x="1186280" y="4496558"/>
+            <a:ext cx="8759371" cy="646331"/>
+          </a:xfrm>
+          <a:prstGeom prst="rect">
+            <a:avLst/>
+          </a:prstGeom>
+          <a:solidFill>
+            <a:srgbClr val="934BC9"/>
+          </a:solidFill>
+          <a:ln>
+            <a:noFill/>
+          </a:ln>
+        </p:spPr>
+        <p:style>
+          <a:lnRef idx="2">
+            <a:schemeClr val="accent1">
+              <a:shade val="50000"/>
+            </a:schemeClr>
+          </a:lnRef>
+          <a:fillRef idx="1">
+            <a:schemeClr val="accent1"/>
+          </a:fillRef>
+          <a:effectRef idx="0">
+            <a:schemeClr val="accent1"/>
+          </a:effectRef>
+          <a:fontRef idx="minor">
+            <a:schemeClr val="lt1"/>
+          </a:fontRef>
+        </p:style>
+        <p:txBody>
+          <a:bodyPr rtlCol="0" anchor="ctr"/>
+          <a:lstStyle/>
+          <a:p>
+            <a:pPr algn="ctr"/>
+            <a:endParaRPr lang="zh-CN" altLang="en-US"/>
+          </a:p>
+        </p:txBody>
+      </p:sp>
+      <p:sp>
+        <p:nvSpPr>
+          <p:cNvPr id="26" name="文本框 25">
+            <a:extLst>
+              <a:ext uri="{FF2B5EF4-FFF2-40B4-BE49-F238E27FC236}">
+                <a16:creationId xmlns:a16="http://schemas.microsoft.com/office/drawing/2014/main" id="{96D0866B-2B32-21FF-99D6-4CAC873A9BA6}"/>
+              </a:ext>
+            </a:extLst>
+          </p:cNvPr>
+          <p:cNvSpPr txBox="1"/>
+          <p:nvPr/>
+        </p:nvSpPr>
+        <p:spPr>
+          <a:xfrm>
+            <a:off x="3486794" y="4463143"/>
+            <a:ext cx="4158343" cy="646331"/>
+          </a:xfrm>
+          <a:prstGeom prst="rect">
+            <a:avLst/>
+          </a:prstGeom>
+          <a:noFill/>
+        </p:spPr>
+        <p:txBody>
+          <a:bodyPr wrap="square" rtlCol="0">
+            <a:spAutoFit/>
+          </a:bodyPr>
+          <a:lstStyle/>
+          <a:p>
+            <a:pPr algn="ctr"/>
+            <a:r>
+              <a:rPr lang="en-US" altLang="zh-CN" sz="3600" dirty="0">
+                <a:solidFill>
+                  <a:schemeClr val="bg1"/>
+                </a:solidFill>
+                <a:latin typeface="Alimama ShuHeiTi Bold" pitchFamily="2" charset="-122"/>
+                <a:ea typeface="Alimama ShuHeiTi Bold" pitchFamily="2" charset="-122"/>
+              </a:rPr>
+              <a:t>Finish!</a:t>
+            </a:r>
+            <a:endParaRPr lang="zh-CN" altLang="en-US" sz="3600" dirty="0">
+              <a:solidFill>
+                <a:schemeClr val="bg1"/>
+              </a:solidFill>
+              <a:latin typeface="Alimama ShuHeiTi Bold" pitchFamily="2" charset="-122"/>
+              <a:ea typeface="Alimama ShuHeiTi Bold" pitchFamily="2" charset="-122"/>
+            </a:endParaRPr>
+          </a:p>
+        </p:txBody>
+      </p:sp>
+      <p:grpSp>
+        <p:nvGrpSpPr>
+          <p:cNvPr id="56" name="组合 55">
+            <a:extLst>
+              <a:ext uri="{FF2B5EF4-FFF2-40B4-BE49-F238E27FC236}">
+                <a16:creationId xmlns:a16="http://schemas.microsoft.com/office/drawing/2014/main" id="{0CF1A4E8-5E9B-60A4-496E-270933585652}"/>
+              </a:ext>
+            </a:extLst>
+          </p:cNvPr>
+          <p:cNvGrpSpPr/>
+          <p:nvPr/>
+        </p:nvGrpSpPr>
+        <p:grpSpPr>
+          <a:xfrm>
+            <a:off x="6060596" y="1380444"/>
+            <a:ext cx="1477143" cy="2024744"/>
+            <a:chOff x="1661886" y="3214914"/>
+            <a:chExt cx="1477143" cy="2024744"/>
+          </a:xfrm>
+        </p:grpSpPr>
+        <p:sp>
+          <p:nvSpPr>
+            <p:cNvPr id="51" name="矩形 50">
+              <a:extLst>
+                <a:ext uri="{FF2B5EF4-FFF2-40B4-BE49-F238E27FC236}">
+                  <a16:creationId xmlns:a16="http://schemas.microsoft.com/office/drawing/2014/main" id="{E6D61BDA-778C-B5B0-B119-98FA32B5E9B0}"/>
+                </a:ext>
+              </a:extLst>
+            </p:cNvPr>
+            <p:cNvSpPr/>
+            <p:nvPr/>
+          </p:nvSpPr>
+          <p:spPr>
+            <a:xfrm>
+              <a:off x="1661886" y="3214914"/>
+              <a:ext cx="82830" cy="2024744"/>
+            </a:xfrm>
+            <a:prstGeom prst="rect">
+              <a:avLst/>
+            </a:prstGeom>
+            <a:solidFill>
+              <a:srgbClr val="A2691E"/>
+            </a:solidFill>
+            <a:ln>
+              <a:noFill/>
+            </a:ln>
+          </p:spPr>
+          <p:style>
+            <a:lnRef idx="2">
+              <a:schemeClr val="accent1">
+                <a:shade val="50000"/>
+              </a:schemeClr>
+            </a:lnRef>
+            <a:fillRef idx="1">
+              <a:schemeClr val="accent1"/>
+            </a:fillRef>
+            <a:effectRef idx="0">
+              <a:schemeClr val="accent1"/>
+            </a:effectRef>
+            <a:fontRef idx="minor">
+              <a:schemeClr val="lt1"/>
+            </a:fontRef>
+          </p:style>
+          <p:txBody>
+            <a:bodyPr rtlCol="0" anchor="ctr"/>
+            <a:lstStyle/>
+            <a:p>
+              <a:pPr algn="ctr"/>
+              <a:endParaRPr lang="zh-CN" altLang="en-US"/>
+            </a:p>
+          </p:txBody>
+        </p:sp>
+        <p:sp>
+          <p:nvSpPr>
+            <p:cNvPr id="52" name="矩形 51">
+              <a:extLst>
+                <a:ext uri="{FF2B5EF4-FFF2-40B4-BE49-F238E27FC236}">
+                  <a16:creationId xmlns:a16="http://schemas.microsoft.com/office/drawing/2014/main" id="{29384454-D471-F862-49A1-1CF5665562FB}"/>
+                </a:ext>
+              </a:extLst>
+            </p:cNvPr>
+            <p:cNvSpPr/>
+            <p:nvPr/>
+          </p:nvSpPr>
+          <p:spPr>
+            <a:xfrm>
+              <a:off x="1744716" y="3247126"/>
+              <a:ext cx="1394313" cy="878923"/>
+            </a:xfrm>
+            <a:prstGeom prst="rect">
+              <a:avLst/>
+            </a:prstGeom>
+            <a:solidFill>
+              <a:schemeClr val="bg1"/>
+            </a:solidFill>
+            <a:ln>
+              <a:noFill/>
+            </a:ln>
+          </p:spPr>
+          <p:style>
+            <a:lnRef idx="2">
+              <a:schemeClr val="accent1">
+                <a:shade val="50000"/>
+              </a:schemeClr>
+            </a:lnRef>
+            <a:fillRef idx="1">
+              <a:schemeClr val="accent1"/>
+            </a:fillRef>
+            <a:effectRef idx="0">
+              <a:schemeClr val="accent1"/>
+            </a:effectRef>
+            <a:fontRef idx="minor">
+              <a:schemeClr val="lt1"/>
+            </a:fontRef>
+          </p:style>
+          <p:txBody>
+            <a:bodyPr rtlCol="0" anchor="ctr"/>
+            <a:lstStyle/>
+            <a:p>
+              <a:pPr algn="ctr"/>
+              <a:endParaRPr lang="zh-CN" altLang="en-US"/>
+            </a:p>
+          </p:txBody>
+        </p:sp>
+        <p:sp>
+          <p:nvSpPr>
+            <p:cNvPr id="53" name="等腰三角形 52">
+              <a:extLst>
+                <a:ext uri="{FF2B5EF4-FFF2-40B4-BE49-F238E27FC236}">
+                  <a16:creationId xmlns:a16="http://schemas.microsoft.com/office/drawing/2014/main" id="{CCBE4DCC-C61E-2D85-D324-FC56C9609C0F}"/>
+                </a:ext>
+              </a:extLst>
+            </p:cNvPr>
+            <p:cNvSpPr/>
+            <p:nvPr/>
+          </p:nvSpPr>
+          <p:spPr>
+            <a:xfrm>
+              <a:off x="2181877" y="3431194"/>
+              <a:ext cx="501584" cy="266898"/>
+            </a:xfrm>
+            <a:prstGeom prst="triangle">
+              <a:avLst/>
+            </a:prstGeom>
+            <a:solidFill>
+              <a:schemeClr val="bg1">
+                <a:lumMod val="65000"/>
+              </a:schemeClr>
+            </a:solidFill>
+            <a:ln>
+              <a:noFill/>
+            </a:ln>
+          </p:spPr>
+          <p:style>
+            <a:lnRef idx="2">
+              <a:schemeClr val="accent1">
+                <a:shade val="50000"/>
+              </a:schemeClr>
+            </a:lnRef>
+            <a:fillRef idx="1">
+              <a:schemeClr val="accent1"/>
+            </a:fillRef>
+            <a:effectRef idx="0">
+              <a:schemeClr val="accent1"/>
+            </a:effectRef>
+            <a:fontRef idx="minor">
+              <a:schemeClr val="lt1"/>
+            </a:fontRef>
+          </p:style>
+          <p:txBody>
+            <a:bodyPr rtlCol="0" anchor="ctr"/>
+            <a:lstStyle/>
+            <a:p>
+              <a:pPr algn="ctr"/>
+              <a:endParaRPr lang="zh-CN" altLang="en-US"/>
+            </a:p>
+          </p:txBody>
+        </p:sp>
+        <p:sp>
+          <p:nvSpPr>
+            <p:cNvPr id="54" name="矩形 53">
+              <a:extLst>
+                <a:ext uri="{FF2B5EF4-FFF2-40B4-BE49-F238E27FC236}">
+                  <a16:creationId xmlns:a16="http://schemas.microsoft.com/office/drawing/2014/main" id="{03F39997-E9F1-6018-7EF1-BA78A00E953F}"/>
+                </a:ext>
+              </a:extLst>
+            </p:cNvPr>
+            <p:cNvSpPr/>
+            <p:nvPr/>
+          </p:nvSpPr>
+          <p:spPr>
+            <a:xfrm>
+              <a:off x="2267009" y="3698092"/>
+              <a:ext cx="107104" cy="291172"/>
+            </a:xfrm>
+            <a:prstGeom prst="rect">
+              <a:avLst/>
+            </a:prstGeom>
+            <a:solidFill>
+              <a:schemeClr val="bg1">
+                <a:lumMod val="65000"/>
+              </a:schemeClr>
+            </a:solidFill>
+            <a:ln>
+              <a:noFill/>
+            </a:ln>
+          </p:spPr>
+          <p:style>
+            <a:lnRef idx="2">
+              <a:schemeClr val="accent1">
+                <a:shade val="50000"/>
+              </a:schemeClr>
+            </a:lnRef>
+            <a:fillRef idx="1">
+              <a:schemeClr val="accent1"/>
+            </a:fillRef>
+            <a:effectRef idx="0">
+              <a:schemeClr val="accent1"/>
+            </a:effectRef>
+            <a:fontRef idx="minor">
+              <a:schemeClr val="lt1"/>
+            </a:fontRef>
+          </p:style>
+          <p:txBody>
+            <a:bodyPr rtlCol="0" anchor="ctr"/>
+            <a:lstStyle/>
+            <a:p>
+              <a:pPr algn="ctr"/>
+              <a:endParaRPr lang="zh-CN" altLang="en-US"/>
+            </a:p>
+          </p:txBody>
+        </p:sp>
+        <p:sp>
+          <p:nvSpPr>
+            <p:cNvPr id="55" name="矩形 54">
+              <a:extLst>
+                <a:ext uri="{FF2B5EF4-FFF2-40B4-BE49-F238E27FC236}">
+                  <a16:creationId xmlns:a16="http://schemas.microsoft.com/office/drawing/2014/main" id="{781615B0-0B56-9385-966F-5B6108FBEEED}"/>
+                </a:ext>
+              </a:extLst>
+            </p:cNvPr>
+            <p:cNvSpPr/>
+            <p:nvPr/>
+          </p:nvSpPr>
+          <p:spPr>
+            <a:xfrm>
+              <a:off x="2494793" y="3698092"/>
+              <a:ext cx="107104" cy="291172"/>
+            </a:xfrm>
+            <a:prstGeom prst="rect">
+              <a:avLst/>
+            </a:prstGeom>
+            <a:solidFill>
+              <a:schemeClr val="bg1">
+                <a:lumMod val="65000"/>
+              </a:schemeClr>
+            </a:solidFill>
+            <a:ln>
+              <a:noFill/>
+            </a:ln>
+          </p:spPr>
+          <p:style>
+            <a:lnRef idx="2">
+              <a:schemeClr val="accent1">
+                <a:shade val="50000"/>
+              </a:schemeClr>
+            </a:lnRef>
+            <a:fillRef idx="1">
+              <a:schemeClr val="accent1"/>
+            </a:fillRef>
+            <a:effectRef idx="0">
+              <a:schemeClr val="accent1"/>
+            </a:effectRef>
+            <a:fontRef idx="minor">
+              <a:schemeClr val="lt1"/>
+            </a:fontRef>
+          </p:style>
+          <p:txBody>
+            <a:bodyPr rtlCol="0" anchor="ctr"/>
+            <a:lstStyle/>
+            <a:p>
+              <a:pPr algn="ctr"/>
+              <a:endParaRPr lang="zh-CN" altLang="en-US"/>
+            </a:p>
+          </p:txBody>
+        </p:sp>
+      </p:grpSp>
+      <p:sp>
+        <p:nvSpPr>
+          <p:cNvPr id="60" name="乘号 59">
+            <a:extLst>
+              <a:ext uri="{FF2B5EF4-FFF2-40B4-BE49-F238E27FC236}">
+                <a16:creationId xmlns:a16="http://schemas.microsoft.com/office/drawing/2014/main" id="{682AF252-88E2-589B-7DA1-A574A15FE159}"/>
+              </a:ext>
+            </a:extLst>
+          </p:cNvPr>
+          <p:cNvSpPr/>
+          <p:nvPr/>
+        </p:nvSpPr>
+        <p:spPr>
+          <a:xfrm>
+            <a:off x="2195513" y="1685592"/>
+            <a:ext cx="2072021" cy="2072021"/>
+          </a:xfrm>
+          <a:prstGeom prst="mathMultiply">
+            <a:avLst>
+              <a:gd name="adj1" fmla="val 5143"/>
+            </a:avLst>
+          </a:prstGeom>
+          <a:solidFill>
+            <a:schemeClr val="bg1">
+              <a:lumMod val="75000"/>
+            </a:schemeClr>
+          </a:solidFill>
+          <a:ln>
+            <a:noFill/>
+          </a:ln>
+        </p:spPr>
+        <p:style>
+          <a:lnRef idx="2">
+            <a:schemeClr val="accent1">
+              <a:shade val="50000"/>
+            </a:schemeClr>
+          </a:lnRef>
+          <a:fillRef idx="1">
+            <a:schemeClr val="accent1"/>
+          </a:fillRef>
+          <a:effectRef idx="0">
+            <a:schemeClr val="accent1"/>
+          </a:effectRef>
+          <a:fontRef idx="minor">
+            <a:schemeClr val="lt1"/>
+          </a:fontRef>
+        </p:style>
+        <p:txBody>
+          <a:bodyPr rtlCol="0" anchor="ctr"/>
+          <a:lstStyle/>
+          <a:p>
+            <a:pPr algn="ctr"/>
+            <a:endParaRPr lang="zh-CN" altLang="en-US"/>
+          </a:p>
+        </p:txBody>
+      </p:sp>
+      <p:sp>
+        <p:nvSpPr>
+          <p:cNvPr id="61" name="任意多边形: 形状 60">
+            <a:extLst>
+              <a:ext uri="{FF2B5EF4-FFF2-40B4-BE49-F238E27FC236}">
+                <a16:creationId xmlns:a16="http://schemas.microsoft.com/office/drawing/2014/main" id="{025B444F-7036-652B-C2AC-E977841FE504}"/>
+              </a:ext>
+            </a:extLst>
+          </p:cNvPr>
+          <p:cNvSpPr/>
+          <p:nvPr/>
+        </p:nvSpPr>
+        <p:spPr>
+          <a:xfrm>
+            <a:off x="1346482" y="888435"/>
+            <a:ext cx="458548" cy="680014"/>
+          </a:xfrm>
+          <a:custGeom>
+            <a:avLst/>
+            <a:gdLst>
+              <a:gd name="connsiteX0" fmla="*/ 186696 w 458548"/>
+              <a:gd name="connsiteY0" fmla="*/ 0 h 680014"/>
+              <a:gd name="connsiteX1" fmla="*/ 271853 w 458548"/>
+              <a:gd name="connsiteY1" fmla="*/ 0 h 680014"/>
+              <a:gd name="connsiteX2" fmla="*/ 271853 w 458548"/>
+              <a:gd name="connsiteY2" fmla="*/ 372040 h 680014"/>
+              <a:gd name="connsiteX3" fmla="*/ 458548 w 458548"/>
+              <a:gd name="connsiteY3" fmla="*/ 372040 h 680014"/>
+              <a:gd name="connsiteX4" fmla="*/ 458548 w 458548"/>
+              <a:gd name="connsiteY4" fmla="*/ 680014 h 680014"/>
+              <a:gd name="connsiteX5" fmla="*/ 0 w 458548"/>
+              <a:gd name="connsiteY5" fmla="*/ 680014 h 680014"/>
+              <a:gd name="connsiteX6" fmla="*/ 0 w 458548"/>
+              <a:gd name="connsiteY6" fmla="*/ 372040 h 680014"/>
+              <a:gd name="connsiteX7" fmla="*/ 186696 w 458548"/>
+              <a:gd name="connsiteY7" fmla="*/ 372040 h 680014"/>
+            </a:gdLst>
+            <a:ahLst/>
+            <a:cxnLst>
+              <a:cxn ang="0">
+                <a:pos x="connsiteX0" y="connsiteY0"/>
+              </a:cxn>
+              <a:cxn ang="0">
+                <a:pos x="connsiteX1" y="connsiteY1"/>
+              </a:cxn>
+              <a:cxn ang="0">
+                <a:pos x="connsiteX2" y="connsiteY2"/>
+              </a:cxn>
+              <a:cxn ang="0">
+                <a:pos x="connsiteX3" y="connsiteY3"/>
+              </a:cxn>
+              <a:cxn ang="0">
+                <a:pos x="connsiteX4" y="connsiteY4"/>
+              </a:cxn>
+              <a:cxn ang="0">
+                <a:pos x="connsiteX5" y="connsiteY5"/>
+              </a:cxn>
+              <a:cxn ang="0">
+                <a:pos x="connsiteX6" y="connsiteY6"/>
+              </a:cxn>
+              <a:cxn ang="0">
+                <a:pos x="connsiteX7" y="connsiteY7"/>
+              </a:cxn>
+            </a:cxnLst>
+            <a:rect l="l" t="t" r="r" b="b"/>
+            <a:pathLst>
+              <a:path w="458548" h="680014">
+                <a:moveTo>
+                  <a:pt x="186696" y="0"/>
+                </a:moveTo>
+                <a:lnTo>
+                  <a:pt x="271853" y="0"/>
+                </a:lnTo>
+                <a:lnTo>
+                  <a:pt x="271853" y="372040"/>
+                </a:lnTo>
+                <a:lnTo>
+                  <a:pt x="458548" y="372040"/>
+                </a:lnTo>
+                <a:lnTo>
+                  <a:pt x="458548" y="680014"/>
+                </a:lnTo>
+                <a:lnTo>
+                  <a:pt x="0" y="680014"/>
+                </a:lnTo>
+                <a:lnTo>
+                  <a:pt x="0" y="372040"/>
+                </a:lnTo>
+                <a:lnTo>
+                  <a:pt x="186696" y="372040"/>
+                </a:lnTo>
+                <a:close/>
+              </a:path>
+            </a:pathLst>
+          </a:custGeom>
+          <a:solidFill>
+            <a:schemeClr val="bg1">
+              <a:lumMod val="50000"/>
+            </a:schemeClr>
+          </a:solidFill>
+          <a:ln w="38100">
+            <a:noFill/>
+          </a:ln>
+        </p:spPr>
+        <p:style>
+          <a:lnRef idx="2">
+            <a:schemeClr val="accent1">
+              <a:shade val="50000"/>
+            </a:schemeClr>
+          </a:lnRef>
+          <a:fillRef idx="1">
+            <a:schemeClr val="accent1"/>
+          </a:fillRef>
+          <a:effectRef idx="0">
+            <a:schemeClr val="accent1"/>
+          </a:effectRef>
+          <a:fontRef idx="minor">
+            <a:schemeClr val="lt1"/>
+          </a:fontRef>
+        </p:style>
+        <p:txBody>
+          <a:bodyPr wrap="square" rtlCol="0" anchor="ctr">
+            <a:noAutofit/>
+          </a:bodyPr>
+          <a:lstStyle/>
+          <a:p>
+            <a:pPr algn="ctr"/>
+            <a:endParaRPr lang="zh-CN" altLang="en-US" dirty="0"/>
+          </a:p>
+        </p:txBody>
+      </p:sp>
+    </p:spTree>
+    <p:extLst>
+      <p:ext uri="{BB962C8B-B14F-4D97-AF65-F5344CB8AC3E}">
+        <p14:creationId xmlns:p14="http://schemas.microsoft.com/office/powerpoint/2010/main" val="3701945037"/>
+      </p:ext>
+    </p:extLst>
+  </p:cSld>
+  <p:clrMapOvr>
+    <a:masterClrMapping/>
+  </p:clrMapOvr>
+</p:sld>
+</file>
+
+<file path=ppt/slides/slide2.xml><?xml version="1.0" encoding="utf-8"?>
+<p:sld xmlns:a="http://schemas.openxmlformats.org/drawingml/2006/main" xmlns:r="http://schemas.openxmlformats.org/officeDocument/2006/relationships" xmlns:p="http://schemas.openxmlformats.org/presentationml/2006/main">
+  <p:cSld>
+    <p:spTree>
+      <p:nvGrpSpPr>
+        <p:cNvPr id="1" name=""/>
+        <p:cNvGrpSpPr/>
+        <p:nvPr/>
+      </p:nvGrpSpPr>
+      <p:grpSpPr>
+        <a:xfrm>
+          <a:off x="0" y="0"/>
+          <a:ext cx="0" cy="0"/>
+          <a:chOff x="0" y="0"/>
+          <a:chExt cx="0" cy="0"/>
+        </a:xfrm>
+      </p:grpSpPr>
+      <p:grpSp>
+        <p:nvGrpSpPr>
+          <p:cNvPr id="78" name="组合 77">
+            <a:extLst>
+              <a:ext uri="{FF2B5EF4-FFF2-40B4-BE49-F238E27FC236}">
+                <a16:creationId xmlns:a16="http://schemas.microsoft.com/office/drawing/2014/main" id="{2A1031C8-0C79-3282-FE6B-C40168FA60E2}"/>
+              </a:ext>
+            </a:extLst>
+          </p:cNvPr>
+          <p:cNvGrpSpPr/>
+          <p:nvPr/>
+        </p:nvGrpSpPr>
+        <p:grpSpPr>
+          <a:xfrm>
+            <a:off x="2460172" y="1853512"/>
+            <a:ext cx="3461658" cy="3741744"/>
+            <a:chOff x="2460172" y="1853512"/>
+            <a:chExt cx="3461658" cy="3741744"/>
+          </a:xfrm>
+        </p:grpSpPr>
+        <p:sp>
+          <p:nvSpPr>
+            <p:cNvPr id="79" name="任意多边形: 形状 78">
+              <a:extLst>
+                <a:ext uri="{FF2B5EF4-FFF2-40B4-BE49-F238E27FC236}">
+                  <a16:creationId xmlns:a16="http://schemas.microsoft.com/office/drawing/2014/main" id="{3E0F6203-8527-25AB-E554-2A2E71E6DE9C}"/>
+                </a:ext>
+              </a:extLst>
+            </p:cNvPr>
+            <p:cNvSpPr/>
+            <p:nvPr/>
+          </p:nvSpPr>
+          <p:spPr>
+            <a:xfrm>
+              <a:off x="3860800" y="2134914"/>
+              <a:ext cx="2061030" cy="2175829"/>
+            </a:xfrm>
+            <a:custGeom>
+              <a:avLst/>
+              <a:gdLst>
+                <a:gd name="connsiteX0" fmla="*/ 356231 w 2061030"/>
+                <a:gd name="connsiteY0" fmla="*/ 0 h 2175829"/>
+                <a:gd name="connsiteX1" fmla="*/ 507168 w 2061030"/>
+                <a:gd name="connsiteY1" fmla="*/ 7621 h 2175829"/>
+                <a:gd name="connsiteX2" fmla="*/ 2061030 w 2061030"/>
+                <a:gd name="connsiteY2" fmla="*/ 1729514 h 2175829"/>
+                <a:gd name="connsiteX3" fmla="*/ 2052094 w 2061030"/>
+                <a:gd name="connsiteY3" fmla="*/ 1906481 h 2175829"/>
+                <a:gd name="connsiteX4" fmla="*/ 2049226 w 2061030"/>
+                <a:gd name="connsiteY4" fmla="*/ 1925272 h 2175829"/>
+                <a:gd name="connsiteX5" fmla="*/ 2008356 w 2061030"/>
+                <a:gd name="connsiteY5" fmla="*/ 1955834 h 2175829"/>
+                <a:gd name="connsiteX6" fmla="*/ 1288143 w 2061030"/>
+                <a:gd name="connsiteY6" fmla="*/ 2175829 h 2175829"/>
+                <a:gd name="connsiteX7" fmla="*/ 0 w 2061030"/>
+                <a:gd name="connsiteY7" fmla="*/ 887686 h 2175829"/>
+                <a:gd name="connsiteX8" fmla="*/ 294149 w 2061030"/>
+                <a:gd name="connsiteY8" fmla="*/ 68307 h 2175829"/>
+                <a:gd name="connsiteX9" fmla="*/ 356231 w 2061030"/>
+                <a:gd name="connsiteY9" fmla="*/ 0 h 2175829"/>
+              </a:gdLst>
+              <a:ahLst/>
+              <a:cxnLst>
+                <a:cxn ang="0">
+                  <a:pos x="connsiteX0" y="connsiteY0"/>
+                </a:cxn>
+                <a:cxn ang="0">
+                  <a:pos x="connsiteX1" y="connsiteY1"/>
+                </a:cxn>
+                <a:cxn ang="0">
+                  <a:pos x="connsiteX2" y="connsiteY2"/>
+                </a:cxn>
+                <a:cxn ang="0">
+                  <a:pos x="connsiteX3" y="connsiteY3"/>
+                </a:cxn>
+                <a:cxn ang="0">
+                  <a:pos x="connsiteX4" y="connsiteY4"/>
+                </a:cxn>
+                <a:cxn ang="0">
+                  <a:pos x="connsiteX5" y="connsiteY5"/>
+                </a:cxn>
+                <a:cxn ang="0">
+                  <a:pos x="connsiteX6" y="connsiteY6"/>
+                </a:cxn>
+                <a:cxn ang="0">
+                  <a:pos x="connsiteX7" y="connsiteY7"/>
+                </a:cxn>
+                <a:cxn ang="0">
+                  <a:pos x="connsiteX8" y="connsiteY8"/>
+                </a:cxn>
+                <a:cxn ang="0">
+                  <a:pos x="connsiteX9" y="connsiteY9"/>
+                </a:cxn>
+              </a:cxnLst>
+              <a:rect l="l" t="t" r="r" b="b"/>
+              <a:pathLst>
+                <a:path w="2061030" h="2175829">
+                  <a:moveTo>
+                    <a:pt x="356231" y="0"/>
+                  </a:moveTo>
+                  <a:lnTo>
+                    <a:pt x="507168" y="7621"/>
+                  </a:lnTo>
+                  <a:cubicBezTo>
+                    <a:pt x="1379949" y="96257"/>
+                    <a:pt x="2061030" y="833349"/>
+                    <a:pt x="2061030" y="1729514"/>
+                  </a:cubicBezTo>
+                  <a:cubicBezTo>
+                    <a:pt x="2061030" y="1789259"/>
+                    <a:pt x="2058003" y="1848296"/>
+                    <a:pt x="2052094" y="1906481"/>
+                  </a:cubicBezTo>
+                  <a:lnTo>
+                    <a:pt x="2049226" y="1925272"/>
+                  </a:lnTo>
+                  <a:lnTo>
+                    <a:pt x="2008356" y="1955834"/>
+                  </a:lnTo>
+                  <a:cubicBezTo>
+                    <a:pt x="1802767" y="2094728"/>
+                    <a:pt x="1554926" y="2175829"/>
+                    <a:pt x="1288143" y="2175829"/>
+                  </a:cubicBezTo>
+                  <a:cubicBezTo>
+                    <a:pt x="576721" y="2175829"/>
+                    <a:pt x="0" y="1599108"/>
+                    <a:pt x="0" y="887686"/>
+                  </a:cubicBezTo>
+                  <a:cubicBezTo>
+                    <a:pt x="0" y="576439"/>
+                    <a:pt x="110388" y="290974"/>
+                    <a:pt x="294149" y="68307"/>
+                  </a:cubicBezTo>
+                  <a:lnTo>
+                    <a:pt x="356231" y="0"/>
+                  </a:lnTo>
+                  <a:close/>
+                </a:path>
+              </a:pathLst>
+            </a:custGeom>
+            <a:solidFill>
+              <a:schemeClr val="bg2">
+                <a:lumMod val="50000"/>
+              </a:schemeClr>
+            </a:solidFill>
+            <a:ln>
+              <a:noFill/>
+            </a:ln>
+          </p:spPr>
+          <p:style>
+            <a:lnRef idx="2">
+              <a:schemeClr val="accent1">
+                <a:shade val="50000"/>
+              </a:schemeClr>
+            </a:lnRef>
+            <a:fillRef idx="1">
+              <a:schemeClr val="accent1"/>
+            </a:fillRef>
+            <a:effectRef idx="0">
+              <a:schemeClr val="accent1"/>
+            </a:effectRef>
+            <a:fontRef idx="minor">
+              <a:schemeClr val="lt1"/>
+            </a:fontRef>
+          </p:style>
+          <p:txBody>
+            <a:bodyPr wrap="square" rtlCol="0" anchor="ctr">
+              <a:noAutofit/>
+            </a:bodyPr>
+            <a:lstStyle/>
+            <a:p>
+              <a:pPr algn="ctr"/>
+              <a:endParaRPr lang="zh-CN" altLang="en-US"/>
+            </a:p>
+          </p:txBody>
+        </p:sp>
+        <p:sp>
+          <p:nvSpPr>
+            <p:cNvPr id="80" name="任意多边形: 形状 79">
+              <a:extLst>
+                <a:ext uri="{FF2B5EF4-FFF2-40B4-BE49-F238E27FC236}">
+                  <a16:creationId xmlns:a16="http://schemas.microsoft.com/office/drawing/2014/main" id="{A873FF24-11B7-38FC-CEB1-B613513D194A}"/>
+                </a:ext>
+              </a:extLst>
+            </p:cNvPr>
+            <p:cNvSpPr/>
+            <p:nvPr/>
+          </p:nvSpPr>
+          <p:spPr>
+            <a:xfrm>
+              <a:off x="2460172" y="2133598"/>
+              <a:ext cx="3449854" cy="3461658"/>
+            </a:xfrm>
+            <a:custGeom>
+              <a:avLst/>
+              <a:gdLst>
+                <a:gd name="connsiteX0" fmla="*/ 1730829 w 3449854"/>
+                <a:gd name="connsiteY0" fmla="*/ 0 h 3461658"/>
+                <a:gd name="connsiteX1" fmla="*/ 1756859 w 3449854"/>
+                <a:gd name="connsiteY1" fmla="*/ 1315 h 3461658"/>
+                <a:gd name="connsiteX2" fmla="*/ 1694777 w 3449854"/>
+                <a:gd name="connsiteY2" fmla="*/ 69622 h 3461658"/>
+                <a:gd name="connsiteX3" fmla="*/ 1400628 w 3449854"/>
+                <a:gd name="connsiteY3" fmla="*/ 889001 h 3461658"/>
+                <a:gd name="connsiteX4" fmla="*/ 2688771 w 3449854"/>
+                <a:gd name="connsiteY4" fmla="*/ 2177144 h 3461658"/>
+                <a:gd name="connsiteX5" fmla="*/ 3408984 w 3449854"/>
+                <a:gd name="connsiteY5" fmla="*/ 1957149 h 3461658"/>
+                <a:gd name="connsiteX6" fmla="*/ 3449854 w 3449854"/>
+                <a:gd name="connsiteY6" fmla="*/ 1926587 h 3461658"/>
+                <a:gd name="connsiteX7" fmla="*/ 3426494 w 3449854"/>
+                <a:gd name="connsiteY7" fmla="*/ 2079651 h 3461658"/>
+                <a:gd name="connsiteX8" fmla="*/ 1730829 w 3449854"/>
+                <a:gd name="connsiteY8" fmla="*/ 3461658 h 3461658"/>
+                <a:gd name="connsiteX9" fmla="*/ 0 w 3449854"/>
+                <a:gd name="connsiteY9" fmla="*/ 1730829 h 3461658"/>
+                <a:gd name="connsiteX10" fmla="*/ 1730829 w 3449854"/>
+                <a:gd name="connsiteY10" fmla="*/ 0 h 3461658"/>
+              </a:gdLst>
+              <a:ahLst/>
+              <a:cxnLst>
+                <a:cxn ang="0">
+                  <a:pos x="connsiteX0" y="connsiteY0"/>
+                </a:cxn>
+                <a:cxn ang="0">
+                  <a:pos x="connsiteX1" y="connsiteY1"/>
+                </a:cxn>
+                <a:cxn ang="0">
+                  <a:pos x="connsiteX2" y="connsiteY2"/>
+                </a:cxn>
+                <a:cxn ang="0">
+                  <a:pos x="connsiteX3" y="connsiteY3"/>
+                </a:cxn>
+                <a:cxn ang="0">
+                  <a:pos x="connsiteX4" y="connsiteY4"/>
+                </a:cxn>
+                <a:cxn ang="0">
+                  <a:pos x="connsiteX5" y="connsiteY5"/>
+                </a:cxn>
+                <a:cxn ang="0">
+                  <a:pos x="connsiteX6" y="connsiteY6"/>
+                </a:cxn>
+                <a:cxn ang="0">
+                  <a:pos x="connsiteX7" y="connsiteY7"/>
+                </a:cxn>
+                <a:cxn ang="0">
+                  <a:pos x="connsiteX8" y="connsiteY8"/>
+                </a:cxn>
+                <a:cxn ang="0">
+                  <a:pos x="connsiteX9" y="connsiteY9"/>
+                </a:cxn>
+                <a:cxn ang="0">
+                  <a:pos x="connsiteX10" y="connsiteY10"/>
+                </a:cxn>
+              </a:cxnLst>
+              <a:rect l="l" t="t" r="r" b="b"/>
+              <a:pathLst>
+                <a:path w="3449854" h="3461658">
+                  <a:moveTo>
+                    <a:pt x="1730829" y="0"/>
+                  </a:moveTo>
+                  <a:lnTo>
+                    <a:pt x="1756859" y="1315"/>
+                  </a:lnTo>
+                  <a:lnTo>
+                    <a:pt x="1694777" y="69622"/>
+                  </a:lnTo>
+                  <a:cubicBezTo>
+                    <a:pt x="1511016" y="292289"/>
+                    <a:pt x="1400628" y="577754"/>
+                    <a:pt x="1400628" y="889001"/>
+                  </a:cubicBezTo>
+                  <a:cubicBezTo>
+                    <a:pt x="1400628" y="1600423"/>
+                    <a:pt x="1977349" y="2177144"/>
+                    <a:pt x="2688771" y="2177144"/>
+                  </a:cubicBezTo>
+                  <a:cubicBezTo>
+                    <a:pt x="2955554" y="2177144"/>
+                    <a:pt x="3203395" y="2096043"/>
+                    <a:pt x="3408984" y="1957149"/>
+                  </a:cubicBezTo>
+                  <a:lnTo>
+                    <a:pt x="3449854" y="1926587"/>
+                  </a:lnTo>
+                  <a:lnTo>
+                    <a:pt x="3426494" y="2079651"/>
+                  </a:lnTo>
+                  <a:cubicBezTo>
+                    <a:pt x="3265101" y="2868361"/>
+                    <a:pt x="2567250" y="3461658"/>
+                    <a:pt x="1730829" y="3461658"/>
+                  </a:cubicBezTo>
+                  <a:cubicBezTo>
+                    <a:pt x="774919" y="3461658"/>
+                    <a:pt x="0" y="2686739"/>
+                    <a:pt x="0" y="1730829"/>
+                  </a:cubicBezTo>
+                  <a:cubicBezTo>
+                    <a:pt x="0" y="774919"/>
+                    <a:pt x="774919" y="0"/>
+                    <a:pt x="1730829" y="0"/>
+                  </a:cubicBezTo>
+                  <a:close/>
+                </a:path>
+              </a:pathLst>
+            </a:custGeom>
+            <a:solidFill>
+              <a:schemeClr val="accent4">
+                <a:lumMod val="20000"/>
+                <a:lumOff val="80000"/>
+              </a:schemeClr>
+            </a:solidFill>
+            <a:ln>
+              <a:noFill/>
+            </a:ln>
+          </p:spPr>
+          <p:style>
+            <a:lnRef idx="2">
+              <a:schemeClr val="accent1">
+                <a:shade val="50000"/>
+              </a:schemeClr>
+            </a:lnRef>
+            <a:fillRef idx="1">
+              <a:schemeClr val="accent1"/>
+            </a:fillRef>
+            <a:effectRef idx="0">
+              <a:schemeClr val="accent1"/>
+            </a:effectRef>
+            <a:fontRef idx="minor">
+              <a:schemeClr val="lt1"/>
+            </a:fontRef>
+          </p:style>
+          <p:txBody>
+            <a:bodyPr wrap="square" rtlCol="0" anchor="ctr">
+              <a:noAutofit/>
+            </a:bodyPr>
+            <a:lstStyle/>
+            <a:p>
+              <a:pPr algn="ctr"/>
+              <a:endParaRPr lang="zh-CN" altLang="en-US"/>
+            </a:p>
+          </p:txBody>
+        </p:sp>
+        <p:sp>
+          <p:nvSpPr>
+            <p:cNvPr id="81" name="等腰三角形 80">
+              <a:extLst>
+                <a:ext uri="{FF2B5EF4-FFF2-40B4-BE49-F238E27FC236}">
+                  <a16:creationId xmlns:a16="http://schemas.microsoft.com/office/drawing/2014/main" id="{8316334F-2700-134C-0860-B186F1D6AC69}"/>
+                </a:ext>
+              </a:extLst>
+            </p:cNvPr>
+            <p:cNvSpPr/>
+            <p:nvPr/>
+          </p:nvSpPr>
+          <p:spPr>
+            <a:xfrm rot="19808641">
+              <a:off x="2599131" y="1853512"/>
+              <a:ext cx="1017170" cy="876870"/>
+            </a:xfrm>
+            <a:prstGeom prst="triangle">
+              <a:avLst/>
+            </a:prstGeom>
+            <a:solidFill>
+              <a:schemeClr val="accent4">
+                <a:lumMod val="20000"/>
+                <a:lumOff val="80000"/>
+              </a:schemeClr>
+            </a:solidFill>
+            <a:ln>
+              <a:noFill/>
+            </a:ln>
+          </p:spPr>
+          <p:style>
+            <a:lnRef idx="2">
+              <a:schemeClr val="accent1">
+                <a:shade val="50000"/>
+              </a:schemeClr>
+            </a:lnRef>
+            <a:fillRef idx="1">
+              <a:schemeClr val="accent1"/>
+            </a:fillRef>
+            <a:effectRef idx="0">
+              <a:schemeClr val="accent1"/>
+            </a:effectRef>
+            <a:fontRef idx="minor">
+              <a:schemeClr val="lt1"/>
+            </a:fontRef>
+          </p:style>
+          <p:txBody>
+            <a:bodyPr rtlCol="0" anchor="ctr"/>
+            <a:lstStyle/>
+            <a:p>
+              <a:pPr algn="ctr"/>
+              <a:endParaRPr lang="zh-CN" altLang="en-US"/>
+            </a:p>
+          </p:txBody>
+        </p:sp>
+        <p:sp>
+          <p:nvSpPr>
+            <p:cNvPr id="82" name="等腰三角形 81">
+              <a:extLst>
+                <a:ext uri="{FF2B5EF4-FFF2-40B4-BE49-F238E27FC236}">
+                  <a16:creationId xmlns:a16="http://schemas.microsoft.com/office/drawing/2014/main" id="{68A2301F-365B-038E-C5B3-43C48F8A22E3}"/>
+                </a:ext>
+              </a:extLst>
+            </p:cNvPr>
+            <p:cNvSpPr/>
+            <p:nvPr/>
+          </p:nvSpPr>
+          <p:spPr>
+            <a:xfrm rot="1791359" flipH="1">
+              <a:off x="4835829" y="1918827"/>
+              <a:ext cx="1017170" cy="876870"/>
+            </a:xfrm>
+            <a:prstGeom prst="triangle">
+              <a:avLst/>
+            </a:prstGeom>
+            <a:solidFill>
+              <a:srgbClr val="767171"/>
+            </a:solidFill>
+            <a:ln>
+              <a:noFill/>
+            </a:ln>
+          </p:spPr>
+          <p:style>
+            <a:lnRef idx="2">
+              <a:schemeClr val="accent1">
+                <a:shade val="50000"/>
+              </a:schemeClr>
+            </a:lnRef>
+            <a:fillRef idx="1">
+              <a:schemeClr val="accent1"/>
+            </a:fillRef>
+            <a:effectRef idx="0">
+              <a:schemeClr val="accent1"/>
+            </a:effectRef>
+            <a:fontRef idx="minor">
+              <a:schemeClr val="lt1"/>
+            </a:fontRef>
+          </p:style>
+          <p:txBody>
+            <a:bodyPr rtlCol="0" anchor="ctr"/>
+            <a:lstStyle/>
+            <a:p>
+              <a:pPr algn="ctr"/>
+              <a:endParaRPr lang="zh-CN" altLang="en-US"/>
+            </a:p>
+          </p:txBody>
+        </p:sp>
+        <p:sp>
+          <p:nvSpPr>
+            <p:cNvPr id="83" name="椭圆 82">
+              <a:extLst>
+                <a:ext uri="{FF2B5EF4-FFF2-40B4-BE49-F238E27FC236}">
+                  <a16:creationId xmlns:a16="http://schemas.microsoft.com/office/drawing/2014/main" id="{4C9F4D4B-5B44-0100-A4C4-C8FEF5B98CC4}"/>
+                </a:ext>
+              </a:extLst>
+            </p:cNvPr>
+            <p:cNvSpPr/>
+            <p:nvPr/>
+          </p:nvSpPr>
+          <p:spPr>
+            <a:xfrm>
+              <a:off x="3374571" y="3570514"/>
+              <a:ext cx="341086" cy="341086"/>
+            </a:xfrm>
+            <a:prstGeom prst="ellipse">
+              <a:avLst/>
+            </a:prstGeom>
+            <a:solidFill>
+              <a:schemeClr val="tx1"/>
+            </a:solidFill>
+            <a:ln>
+              <a:noFill/>
+            </a:ln>
+          </p:spPr>
+          <p:style>
+            <a:lnRef idx="2">
+              <a:schemeClr val="accent1">
+                <a:shade val="50000"/>
+              </a:schemeClr>
+            </a:lnRef>
+            <a:fillRef idx="1">
+              <a:schemeClr val="accent1"/>
+            </a:fillRef>
+            <a:effectRef idx="0">
+              <a:schemeClr val="accent1"/>
+            </a:effectRef>
+            <a:fontRef idx="minor">
+              <a:schemeClr val="lt1"/>
+            </a:fontRef>
+          </p:style>
+          <p:txBody>
+            <a:bodyPr rtlCol="0" anchor="ctr"/>
+            <a:lstStyle/>
+            <a:p>
+              <a:pPr algn="ctr"/>
+              <a:endParaRPr lang="zh-CN" altLang="en-US"/>
+            </a:p>
+          </p:txBody>
+        </p:sp>
+        <p:sp>
+          <p:nvSpPr>
+            <p:cNvPr id="84" name="椭圆 83">
+              <a:extLst>
+                <a:ext uri="{FF2B5EF4-FFF2-40B4-BE49-F238E27FC236}">
+                  <a16:creationId xmlns:a16="http://schemas.microsoft.com/office/drawing/2014/main" id="{16C107C7-BC4B-CAD1-3503-CB109A99244A}"/>
+                </a:ext>
+              </a:extLst>
+            </p:cNvPr>
+            <p:cNvSpPr/>
+            <p:nvPr/>
+          </p:nvSpPr>
+          <p:spPr>
+            <a:xfrm>
+              <a:off x="4682356" y="3570514"/>
+              <a:ext cx="341086" cy="341086"/>
+            </a:xfrm>
+            <a:prstGeom prst="ellipse">
+              <a:avLst/>
+            </a:prstGeom>
+            <a:solidFill>
+              <a:schemeClr val="tx1"/>
+            </a:solidFill>
+            <a:ln>
+              <a:noFill/>
+            </a:ln>
+          </p:spPr>
+          <p:style>
+            <a:lnRef idx="2">
+              <a:schemeClr val="accent1">
+                <a:shade val="50000"/>
+              </a:schemeClr>
+            </a:lnRef>
+            <a:fillRef idx="1">
+              <a:schemeClr val="accent1"/>
+            </a:fillRef>
+            <a:effectRef idx="0">
+              <a:schemeClr val="accent1"/>
+            </a:effectRef>
+            <a:fontRef idx="minor">
+              <a:schemeClr val="lt1"/>
+            </a:fontRef>
+          </p:style>
+          <p:txBody>
+            <a:bodyPr rtlCol="0" anchor="ctr"/>
+            <a:lstStyle/>
+            <a:p>
+              <a:pPr algn="ctr"/>
+              <a:endParaRPr lang="zh-CN" altLang="en-US"/>
+            </a:p>
+          </p:txBody>
+        </p:sp>
+        <p:sp>
+          <p:nvSpPr>
+            <p:cNvPr id="85" name="等腰三角形 84">
+              <a:extLst>
+                <a:ext uri="{FF2B5EF4-FFF2-40B4-BE49-F238E27FC236}">
+                  <a16:creationId xmlns:a16="http://schemas.microsoft.com/office/drawing/2014/main" id="{61696B63-06CE-47A8-626D-A16A06A8936E}"/>
+                </a:ext>
+              </a:extLst>
+            </p:cNvPr>
+            <p:cNvSpPr/>
+            <p:nvPr/>
+          </p:nvSpPr>
+          <p:spPr>
+            <a:xfrm>
+              <a:off x="3919923" y="4491910"/>
+              <a:ext cx="530352" cy="457200"/>
+            </a:xfrm>
+            <a:prstGeom prst="triangle">
+              <a:avLst/>
+            </a:prstGeom>
+            <a:solidFill>
+              <a:srgbClr val="FFABAB"/>
+            </a:solidFill>
+            <a:ln>
+              <a:noFill/>
+            </a:ln>
+          </p:spPr>
+          <p:style>
+            <a:lnRef idx="2">
+              <a:schemeClr val="accent1">
+                <a:shade val="50000"/>
+              </a:schemeClr>
+            </a:lnRef>
+            <a:fillRef idx="1">
+              <a:schemeClr val="accent1"/>
+            </a:fillRef>
+            <a:effectRef idx="0">
+              <a:schemeClr val="accent1"/>
+            </a:effectRef>
+            <a:fontRef idx="minor">
+              <a:schemeClr val="lt1"/>
+            </a:fontRef>
+          </p:style>
+          <p:txBody>
+            <a:bodyPr rtlCol="0" anchor="ctr"/>
+            <a:lstStyle/>
+            <a:p>
+              <a:pPr algn="ctr"/>
+              <a:endParaRPr lang="zh-CN" altLang="en-US"/>
+            </a:p>
+          </p:txBody>
+        </p:sp>
+        <p:sp>
+          <p:nvSpPr>
+            <p:cNvPr id="86" name="椭圆 85">
+              <a:extLst>
+                <a:ext uri="{FF2B5EF4-FFF2-40B4-BE49-F238E27FC236}">
+                  <a16:creationId xmlns:a16="http://schemas.microsoft.com/office/drawing/2014/main" id="{6FA5F751-1CB8-9CE8-674A-E40C935C6B3A}"/>
+                </a:ext>
+              </a:extLst>
+            </p:cNvPr>
+            <p:cNvSpPr/>
+            <p:nvPr/>
+          </p:nvSpPr>
+          <p:spPr>
+            <a:xfrm>
+              <a:off x="4658337" y="4785825"/>
+              <a:ext cx="465956" cy="465956"/>
+            </a:xfrm>
+            <a:prstGeom prst="ellipse">
+              <a:avLst/>
+            </a:prstGeom>
+            <a:solidFill>
+              <a:schemeClr val="bg2">
+                <a:lumMod val="50000"/>
+              </a:schemeClr>
+            </a:solidFill>
+            <a:ln>
+              <a:noFill/>
+            </a:ln>
+          </p:spPr>
+          <p:style>
+            <a:lnRef idx="2">
+              <a:schemeClr val="accent1">
+                <a:shade val="50000"/>
+              </a:schemeClr>
+            </a:lnRef>
+            <a:fillRef idx="1">
+              <a:schemeClr val="accent1"/>
+            </a:fillRef>
+            <a:effectRef idx="0">
+              <a:schemeClr val="accent1"/>
+            </a:effectRef>
+            <a:fontRef idx="minor">
+              <a:schemeClr val="lt1"/>
+            </a:fontRef>
+          </p:style>
+          <p:txBody>
+            <a:bodyPr rtlCol="0" anchor="ctr"/>
+            <a:lstStyle/>
+            <a:p>
+              <a:pPr algn="ctr"/>
+              <a:endParaRPr lang="zh-CN" altLang="en-US"/>
+            </a:p>
+          </p:txBody>
+        </p:sp>
+      </p:grpSp>
+      <p:grpSp>
+        <p:nvGrpSpPr>
+          <p:cNvPr id="87" name="组合 86">
+            <a:extLst>
+              <a:ext uri="{FF2B5EF4-FFF2-40B4-BE49-F238E27FC236}">
+                <a16:creationId xmlns:a16="http://schemas.microsoft.com/office/drawing/2014/main" id="{4497B4B8-C209-8676-8FD2-188F9D2BAB80}"/>
+              </a:ext>
+            </a:extLst>
+          </p:cNvPr>
+          <p:cNvGrpSpPr/>
+          <p:nvPr/>
+        </p:nvGrpSpPr>
+        <p:grpSpPr>
+          <a:xfrm>
+            <a:off x="7903932" y="1870185"/>
+            <a:ext cx="3461658" cy="3741744"/>
+            <a:chOff x="6988629" y="2059683"/>
+            <a:chExt cx="3461658" cy="3741744"/>
+          </a:xfrm>
+        </p:grpSpPr>
+        <p:sp>
+          <p:nvSpPr>
+            <p:cNvPr id="88" name="任意多边形: 形状 87">
+              <a:extLst>
+                <a:ext uri="{FF2B5EF4-FFF2-40B4-BE49-F238E27FC236}">
+                  <a16:creationId xmlns:a16="http://schemas.microsoft.com/office/drawing/2014/main" id="{C7A3B381-9FFA-4777-400D-3914B092DD28}"/>
+                </a:ext>
+              </a:extLst>
+            </p:cNvPr>
+            <p:cNvSpPr/>
+            <p:nvPr/>
+          </p:nvSpPr>
+          <p:spPr>
+            <a:xfrm>
+              <a:off x="8389257" y="2341085"/>
+              <a:ext cx="2061030" cy="2175829"/>
+            </a:xfrm>
+            <a:custGeom>
+              <a:avLst/>
+              <a:gdLst>
+                <a:gd name="connsiteX0" fmla="*/ 356231 w 2061030"/>
+                <a:gd name="connsiteY0" fmla="*/ 0 h 2175829"/>
+                <a:gd name="connsiteX1" fmla="*/ 507168 w 2061030"/>
+                <a:gd name="connsiteY1" fmla="*/ 7621 h 2175829"/>
+                <a:gd name="connsiteX2" fmla="*/ 2061030 w 2061030"/>
+                <a:gd name="connsiteY2" fmla="*/ 1729514 h 2175829"/>
+                <a:gd name="connsiteX3" fmla="*/ 2052094 w 2061030"/>
+                <a:gd name="connsiteY3" fmla="*/ 1906481 h 2175829"/>
+                <a:gd name="connsiteX4" fmla="*/ 2049226 w 2061030"/>
+                <a:gd name="connsiteY4" fmla="*/ 1925272 h 2175829"/>
+                <a:gd name="connsiteX5" fmla="*/ 2008356 w 2061030"/>
+                <a:gd name="connsiteY5" fmla="*/ 1955834 h 2175829"/>
+                <a:gd name="connsiteX6" fmla="*/ 1288143 w 2061030"/>
+                <a:gd name="connsiteY6" fmla="*/ 2175829 h 2175829"/>
+                <a:gd name="connsiteX7" fmla="*/ 0 w 2061030"/>
+                <a:gd name="connsiteY7" fmla="*/ 887686 h 2175829"/>
+                <a:gd name="connsiteX8" fmla="*/ 294149 w 2061030"/>
+                <a:gd name="connsiteY8" fmla="*/ 68307 h 2175829"/>
+                <a:gd name="connsiteX9" fmla="*/ 356231 w 2061030"/>
+                <a:gd name="connsiteY9" fmla="*/ 0 h 2175829"/>
+              </a:gdLst>
+              <a:ahLst/>
+              <a:cxnLst>
+                <a:cxn ang="0">
+                  <a:pos x="connsiteX0" y="connsiteY0"/>
+                </a:cxn>
+                <a:cxn ang="0">
+                  <a:pos x="connsiteX1" y="connsiteY1"/>
+                </a:cxn>
+                <a:cxn ang="0">
+                  <a:pos x="connsiteX2" y="connsiteY2"/>
+                </a:cxn>
+                <a:cxn ang="0">
+                  <a:pos x="connsiteX3" y="connsiteY3"/>
+                </a:cxn>
+                <a:cxn ang="0">
+                  <a:pos x="connsiteX4" y="connsiteY4"/>
+                </a:cxn>
+                <a:cxn ang="0">
+                  <a:pos x="connsiteX5" y="connsiteY5"/>
+                </a:cxn>
+                <a:cxn ang="0">
+                  <a:pos x="connsiteX6" y="connsiteY6"/>
+                </a:cxn>
+                <a:cxn ang="0">
+                  <a:pos x="connsiteX7" y="connsiteY7"/>
+                </a:cxn>
+                <a:cxn ang="0">
+                  <a:pos x="connsiteX8" y="connsiteY8"/>
+                </a:cxn>
+                <a:cxn ang="0">
+                  <a:pos x="connsiteX9" y="connsiteY9"/>
+                </a:cxn>
+              </a:cxnLst>
+              <a:rect l="l" t="t" r="r" b="b"/>
+              <a:pathLst>
+                <a:path w="2061030" h="2175829">
+                  <a:moveTo>
+                    <a:pt x="356231" y="0"/>
+                  </a:moveTo>
+                  <a:lnTo>
+                    <a:pt x="507168" y="7621"/>
+                  </a:lnTo>
+                  <a:cubicBezTo>
+                    <a:pt x="1379949" y="96257"/>
+                    <a:pt x="2061030" y="833349"/>
+                    <a:pt x="2061030" y="1729514"/>
+                  </a:cubicBezTo>
+                  <a:cubicBezTo>
+                    <a:pt x="2061030" y="1789259"/>
+                    <a:pt x="2058003" y="1848296"/>
+                    <a:pt x="2052094" y="1906481"/>
+                  </a:cubicBezTo>
+                  <a:lnTo>
+                    <a:pt x="2049226" y="1925272"/>
+                  </a:lnTo>
+                  <a:lnTo>
+                    <a:pt x="2008356" y="1955834"/>
+                  </a:lnTo>
+                  <a:cubicBezTo>
+                    <a:pt x="1802767" y="2094728"/>
+                    <a:pt x="1554926" y="2175829"/>
+                    <a:pt x="1288143" y="2175829"/>
+                  </a:cubicBezTo>
+                  <a:cubicBezTo>
+                    <a:pt x="576721" y="2175829"/>
+                    <a:pt x="0" y="1599108"/>
+                    <a:pt x="0" y="887686"/>
+                  </a:cubicBezTo>
+                  <a:cubicBezTo>
+                    <a:pt x="0" y="576439"/>
+                    <a:pt x="110388" y="290974"/>
+                    <a:pt x="294149" y="68307"/>
+                  </a:cubicBezTo>
+                  <a:lnTo>
+                    <a:pt x="356231" y="0"/>
+                  </a:lnTo>
+                  <a:close/>
+                </a:path>
+              </a:pathLst>
+            </a:custGeom>
+            <a:solidFill>
+              <a:srgbClr val="E9B569"/>
+            </a:solidFill>
+            <a:ln>
+              <a:noFill/>
+            </a:ln>
+          </p:spPr>
+          <p:style>
+            <a:lnRef idx="2">
+              <a:schemeClr val="accent1">
+                <a:shade val="50000"/>
+              </a:schemeClr>
+            </a:lnRef>
+            <a:fillRef idx="1">
+              <a:schemeClr val="accent1"/>
+            </a:fillRef>
+            <a:effectRef idx="0">
+              <a:schemeClr val="accent1"/>
+            </a:effectRef>
+            <a:fontRef idx="minor">
+              <a:schemeClr val="lt1"/>
+            </a:fontRef>
+          </p:style>
+          <p:txBody>
+            <a:bodyPr wrap="square" rtlCol="0" anchor="ctr">
+              <a:noAutofit/>
+            </a:bodyPr>
+            <a:lstStyle/>
+            <a:p>
+              <a:pPr algn="ctr"/>
+              <a:endParaRPr lang="zh-CN" altLang="en-US"/>
+            </a:p>
+          </p:txBody>
+        </p:sp>
+        <p:sp>
+          <p:nvSpPr>
+            <p:cNvPr id="89" name="任意多边形: 形状 88">
+              <a:extLst>
+                <a:ext uri="{FF2B5EF4-FFF2-40B4-BE49-F238E27FC236}">
+                  <a16:creationId xmlns:a16="http://schemas.microsoft.com/office/drawing/2014/main" id="{F027EB71-19D5-6860-B1E9-81808D0E656E}"/>
+                </a:ext>
+              </a:extLst>
+            </p:cNvPr>
+            <p:cNvSpPr/>
+            <p:nvPr/>
+          </p:nvSpPr>
+          <p:spPr>
+            <a:xfrm>
+              <a:off x="6988629" y="2339769"/>
+              <a:ext cx="3449854" cy="3461658"/>
+            </a:xfrm>
+            <a:custGeom>
+              <a:avLst/>
+              <a:gdLst>
+                <a:gd name="connsiteX0" fmla="*/ 1730829 w 3449854"/>
+                <a:gd name="connsiteY0" fmla="*/ 0 h 3461658"/>
+                <a:gd name="connsiteX1" fmla="*/ 1756859 w 3449854"/>
+                <a:gd name="connsiteY1" fmla="*/ 1315 h 3461658"/>
+                <a:gd name="connsiteX2" fmla="*/ 1694777 w 3449854"/>
+                <a:gd name="connsiteY2" fmla="*/ 69622 h 3461658"/>
+                <a:gd name="connsiteX3" fmla="*/ 1400628 w 3449854"/>
+                <a:gd name="connsiteY3" fmla="*/ 889001 h 3461658"/>
+                <a:gd name="connsiteX4" fmla="*/ 2688771 w 3449854"/>
+                <a:gd name="connsiteY4" fmla="*/ 2177144 h 3461658"/>
+                <a:gd name="connsiteX5" fmla="*/ 3408984 w 3449854"/>
+                <a:gd name="connsiteY5" fmla="*/ 1957149 h 3461658"/>
+                <a:gd name="connsiteX6" fmla="*/ 3449854 w 3449854"/>
+                <a:gd name="connsiteY6" fmla="*/ 1926587 h 3461658"/>
+                <a:gd name="connsiteX7" fmla="*/ 3426494 w 3449854"/>
+                <a:gd name="connsiteY7" fmla="*/ 2079651 h 3461658"/>
+                <a:gd name="connsiteX8" fmla="*/ 1730829 w 3449854"/>
+                <a:gd name="connsiteY8" fmla="*/ 3461658 h 3461658"/>
+                <a:gd name="connsiteX9" fmla="*/ 0 w 3449854"/>
+                <a:gd name="connsiteY9" fmla="*/ 1730829 h 3461658"/>
+                <a:gd name="connsiteX10" fmla="*/ 1730829 w 3449854"/>
+                <a:gd name="connsiteY10" fmla="*/ 0 h 3461658"/>
+              </a:gdLst>
+              <a:ahLst/>
+              <a:cxnLst>
+                <a:cxn ang="0">
+                  <a:pos x="connsiteX0" y="connsiteY0"/>
+                </a:cxn>
+                <a:cxn ang="0">
+                  <a:pos x="connsiteX1" y="connsiteY1"/>
+                </a:cxn>
+                <a:cxn ang="0">
+                  <a:pos x="connsiteX2" y="connsiteY2"/>
+                </a:cxn>
+                <a:cxn ang="0">
+                  <a:pos x="connsiteX3" y="connsiteY3"/>
+                </a:cxn>
+                <a:cxn ang="0">
+                  <a:pos x="connsiteX4" y="connsiteY4"/>
+                </a:cxn>
+                <a:cxn ang="0">
+                  <a:pos x="connsiteX5" y="connsiteY5"/>
+                </a:cxn>
+                <a:cxn ang="0">
+                  <a:pos x="connsiteX6" y="connsiteY6"/>
+                </a:cxn>
+                <a:cxn ang="0">
+                  <a:pos x="connsiteX7" y="connsiteY7"/>
+                </a:cxn>
+                <a:cxn ang="0">
+                  <a:pos x="connsiteX8" y="connsiteY8"/>
+                </a:cxn>
+                <a:cxn ang="0">
+                  <a:pos x="connsiteX9" y="connsiteY9"/>
+                </a:cxn>
+                <a:cxn ang="0">
+                  <a:pos x="connsiteX10" y="connsiteY10"/>
+                </a:cxn>
+              </a:cxnLst>
+              <a:rect l="l" t="t" r="r" b="b"/>
+              <a:pathLst>
+                <a:path w="3449854" h="3461658">
+                  <a:moveTo>
+                    <a:pt x="1730829" y="0"/>
+                  </a:moveTo>
+                  <a:lnTo>
+                    <a:pt x="1756859" y="1315"/>
+                  </a:lnTo>
+                  <a:lnTo>
+                    <a:pt x="1694777" y="69622"/>
+                  </a:lnTo>
+                  <a:cubicBezTo>
+                    <a:pt x="1511016" y="292289"/>
+                    <a:pt x="1400628" y="577754"/>
+                    <a:pt x="1400628" y="889001"/>
+                  </a:cubicBezTo>
+                  <a:cubicBezTo>
+                    <a:pt x="1400628" y="1600423"/>
+                    <a:pt x="1977349" y="2177144"/>
+                    <a:pt x="2688771" y="2177144"/>
+                  </a:cubicBezTo>
+                  <a:cubicBezTo>
+                    <a:pt x="2955554" y="2177144"/>
+                    <a:pt x="3203395" y="2096043"/>
+                    <a:pt x="3408984" y="1957149"/>
+                  </a:cubicBezTo>
+                  <a:lnTo>
+                    <a:pt x="3449854" y="1926587"/>
+                  </a:lnTo>
+                  <a:lnTo>
+                    <a:pt x="3426494" y="2079651"/>
+                  </a:lnTo>
+                  <a:cubicBezTo>
+                    <a:pt x="3265101" y="2868361"/>
+                    <a:pt x="2567250" y="3461658"/>
+                    <a:pt x="1730829" y="3461658"/>
+                  </a:cubicBezTo>
+                  <a:cubicBezTo>
+                    <a:pt x="774919" y="3461658"/>
+                    <a:pt x="0" y="2686739"/>
+                    <a:pt x="0" y="1730829"/>
+                  </a:cubicBezTo>
+                  <a:cubicBezTo>
+                    <a:pt x="0" y="774919"/>
+                    <a:pt x="774919" y="0"/>
+                    <a:pt x="1730829" y="0"/>
+                  </a:cubicBezTo>
+                  <a:close/>
+                </a:path>
+              </a:pathLst>
+            </a:custGeom>
+            <a:solidFill>
+              <a:srgbClr val="F2D4A8"/>
+            </a:solidFill>
+            <a:ln>
+              <a:noFill/>
+            </a:ln>
+          </p:spPr>
+          <p:style>
+            <a:lnRef idx="2">
+              <a:schemeClr val="accent1">
+                <a:shade val="50000"/>
+              </a:schemeClr>
+            </a:lnRef>
+            <a:fillRef idx="1">
+              <a:schemeClr val="accent1"/>
+            </a:fillRef>
+            <a:effectRef idx="0">
+              <a:schemeClr val="accent1"/>
+            </a:effectRef>
+            <a:fontRef idx="minor">
+              <a:schemeClr val="lt1"/>
+            </a:fontRef>
+          </p:style>
+          <p:txBody>
+            <a:bodyPr wrap="square" rtlCol="0" anchor="ctr">
+              <a:noAutofit/>
+            </a:bodyPr>
+            <a:lstStyle/>
+            <a:p>
+              <a:pPr algn="ctr"/>
+              <a:endParaRPr lang="zh-CN" altLang="en-US"/>
+            </a:p>
+          </p:txBody>
+        </p:sp>
+        <p:sp>
+          <p:nvSpPr>
+            <p:cNvPr id="90" name="等腰三角形 89">
+              <a:extLst>
+                <a:ext uri="{FF2B5EF4-FFF2-40B4-BE49-F238E27FC236}">
+                  <a16:creationId xmlns:a16="http://schemas.microsoft.com/office/drawing/2014/main" id="{3D2C8687-9AD8-DE35-4BE0-EC94A7DC9FCC}"/>
+                </a:ext>
+              </a:extLst>
+            </p:cNvPr>
+            <p:cNvSpPr/>
+            <p:nvPr/>
+          </p:nvSpPr>
+          <p:spPr>
+            <a:xfrm rot="19808641">
+              <a:off x="7127588" y="2059683"/>
+              <a:ext cx="1017170" cy="876870"/>
+            </a:xfrm>
+            <a:prstGeom prst="triangle">
+              <a:avLst/>
+            </a:prstGeom>
+            <a:solidFill>
+              <a:srgbClr val="F2D4A8"/>
+            </a:solidFill>
+            <a:ln>
+              <a:noFill/>
+            </a:ln>
+          </p:spPr>
+          <p:style>
+            <a:lnRef idx="2">
+              <a:schemeClr val="accent1">
+                <a:shade val="50000"/>
+              </a:schemeClr>
+            </a:lnRef>
+            <a:fillRef idx="1">
+              <a:schemeClr val="accent1"/>
+            </a:fillRef>
+            <a:effectRef idx="0">
+              <a:schemeClr val="accent1"/>
+            </a:effectRef>
+            <a:fontRef idx="minor">
+              <a:schemeClr val="lt1"/>
+            </a:fontRef>
+          </p:style>
+          <p:txBody>
+            <a:bodyPr rtlCol="0" anchor="ctr"/>
+            <a:lstStyle/>
+            <a:p>
+              <a:pPr algn="ctr"/>
+              <a:endParaRPr lang="zh-CN" altLang="en-US"/>
+            </a:p>
+          </p:txBody>
+        </p:sp>
+        <p:sp>
+          <p:nvSpPr>
+            <p:cNvPr id="91" name="等腰三角形 90">
+              <a:extLst>
+                <a:ext uri="{FF2B5EF4-FFF2-40B4-BE49-F238E27FC236}">
+                  <a16:creationId xmlns:a16="http://schemas.microsoft.com/office/drawing/2014/main" id="{C44B1963-00E0-8B36-05B0-833D42603F1D}"/>
+                </a:ext>
+              </a:extLst>
+            </p:cNvPr>
+            <p:cNvSpPr/>
+            <p:nvPr/>
+          </p:nvSpPr>
+          <p:spPr>
+            <a:xfrm rot="1791359" flipH="1">
+              <a:off x="9364286" y="2124998"/>
+              <a:ext cx="1017170" cy="876870"/>
+            </a:xfrm>
+            <a:prstGeom prst="triangle">
+              <a:avLst/>
+            </a:prstGeom>
+            <a:solidFill>
+              <a:srgbClr val="E9B569"/>
+            </a:solidFill>
+            <a:ln>
+              <a:noFill/>
+            </a:ln>
+          </p:spPr>
+          <p:style>
+            <a:lnRef idx="2">
+              <a:schemeClr val="accent1">
+                <a:shade val="50000"/>
+              </a:schemeClr>
+            </a:lnRef>
+            <a:fillRef idx="1">
+              <a:schemeClr val="accent1"/>
+            </a:fillRef>
+            <a:effectRef idx="0">
+              <a:schemeClr val="accent1"/>
+            </a:effectRef>
+            <a:fontRef idx="minor">
+              <a:schemeClr val="lt1"/>
+            </a:fontRef>
+          </p:style>
+          <p:txBody>
+            <a:bodyPr rtlCol="0" anchor="ctr"/>
+            <a:lstStyle/>
+            <a:p>
+              <a:pPr algn="ctr"/>
+              <a:endParaRPr lang="zh-CN" altLang="en-US"/>
+            </a:p>
+          </p:txBody>
+        </p:sp>
+        <p:sp>
+          <p:nvSpPr>
+            <p:cNvPr id="92" name="椭圆 91">
+              <a:extLst>
+                <a:ext uri="{FF2B5EF4-FFF2-40B4-BE49-F238E27FC236}">
+                  <a16:creationId xmlns:a16="http://schemas.microsoft.com/office/drawing/2014/main" id="{24C36A9D-EF1F-0777-540C-737F26916145}"/>
+                </a:ext>
+              </a:extLst>
+            </p:cNvPr>
+            <p:cNvSpPr/>
+            <p:nvPr/>
+          </p:nvSpPr>
+          <p:spPr>
+            <a:xfrm>
+              <a:off x="7903028" y="3776685"/>
+              <a:ext cx="341086" cy="341086"/>
+            </a:xfrm>
+            <a:prstGeom prst="ellipse">
+              <a:avLst/>
+            </a:prstGeom>
+            <a:solidFill>
+              <a:schemeClr val="tx1"/>
+            </a:solidFill>
+            <a:ln>
+              <a:noFill/>
+            </a:ln>
+          </p:spPr>
+          <p:style>
+            <a:lnRef idx="2">
+              <a:schemeClr val="accent1">
+                <a:shade val="50000"/>
+              </a:schemeClr>
+            </a:lnRef>
+            <a:fillRef idx="1">
+              <a:schemeClr val="accent1"/>
+            </a:fillRef>
+            <a:effectRef idx="0">
+              <a:schemeClr val="accent1"/>
+            </a:effectRef>
+            <a:fontRef idx="minor">
+              <a:schemeClr val="lt1"/>
+            </a:fontRef>
+          </p:style>
+          <p:txBody>
+            <a:bodyPr rtlCol="0" anchor="ctr"/>
+            <a:lstStyle/>
+            <a:p>
+              <a:pPr algn="ctr"/>
+              <a:endParaRPr lang="zh-CN" altLang="en-US"/>
+            </a:p>
+          </p:txBody>
+        </p:sp>
+        <p:sp>
+          <p:nvSpPr>
+            <p:cNvPr id="93" name="椭圆 92">
+              <a:extLst>
+                <a:ext uri="{FF2B5EF4-FFF2-40B4-BE49-F238E27FC236}">
+                  <a16:creationId xmlns:a16="http://schemas.microsoft.com/office/drawing/2014/main" id="{5A284393-B13A-953B-E2AF-AF41F5B30A47}"/>
+                </a:ext>
+              </a:extLst>
+            </p:cNvPr>
+            <p:cNvSpPr/>
+            <p:nvPr/>
+          </p:nvSpPr>
+          <p:spPr>
+            <a:xfrm>
+              <a:off x="9210813" y="3776685"/>
+              <a:ext cx="341086" cy="341086"/>
+            </a:xfrm>
+            <a:prstGeom prst="ellipse">
+              <a:avLst/>
+            </a:prstGeom>
+            <a:solidFill>
+              <a:schemeClr val="tx1"/>
+            </a:solidFill>
+            <a:ln>
+              <a:noFill/>
+            </a:ln>
+          </p:spPr>
+          <p:style>
+            <a:lnRef idx="2">
+              <a:schemeClr val="accent1">
+                <a:shade val="50000"/>
+              </a:schemeClr>
+            </a:lnRef>
+            <a:fillRef idx="1">
+              <a:schemeClr val="accent1"/>
+            </a:fillRef>
+            <a:effectRef idx="0">
+              <a:schemeClr val="accent1"/>
+            </a:effectRef>
+            <a:fontRef idx="minor">
+              <a:schemeClr val="lt1"/>
+            </a:fontRef>
+          </p:style>
+          <p:txBody>
+            <a:bodyPr rtlCol="0" anchor="ctr"/>
+            <a:lstStyle/>
+            <a:p>
+              <a:pPr algn="ctr"/>
+              <a:endParaRPr lang="zh-CN" altLang="en-US"/>
+            </a:p>
+          </p:txBody>
+        </p:sp>
+        <p:sp>
+          <p:nvSpPr>
+            <p:cNvPr id="94" name="等腰三角形 93">
+              <a:extLst>
+                <a:ext uri="{FF2B5EF4-FFF2-40B4-BE49-F238E27FC236}">
+                  <a16:creationId xmlns:a16="http://schemas.microsoft.com/office/drawing/2014/main" id="{103719E1-3394-B866-4627-B6652EB10243}"/>
+                </a:ext>
+              </a:extLst>
+            </p:cNvPr>
+            <p:cNvSpPr/>
+            <p:nvPr/>
+          </p:nvSpPr>
+          <p:spPr>
+            <a:xfrm>
+              <a:off x="8448380" y="4698081"/>
+              <a:ext cx="530352" cy="457200"/>
+            </a:xfrm>
+            <a:prstGeom prst="triangle">
+              <a:avLst/>
+            </a:prstGeom>
+            <a:solidFill>
+              <a:srgbClr val="FFABAB"/>
+            </a:solidFill>
+            <a:ln>
+              <a:noFill/>
+            </a:ln>
+          </p:spPr>
+          <p:style>
+            <a:lnRef idx="2">
+              <a:schemeClr val="accent1">
+                <a:shade val="50000"/>
+              </a:schemeClr>
+            </a:lnRef>
+            <a:fillRef idx="1">
+              <a:schemeClr val="accent1"/>
+            </a:fillRef>
+            <a:effectRef idx="0">
+              <a:schemeClr val="accent1"/>
+            </a:effectRef>
+            <a:fontRef idx="minor">
+              <a:schemeClr val="lt1"/>
+            </a:fontRef>
+          </p:style>
+          <p:txBody>
+            <a:bodyPr rtlCol="0" anchor="ctr"/>
+            <a:lstStyle/>
+            <a:p>
+              <a:pPr algn="ctr"/>
+              <a:endParaRPr lang="zh-CN" altLang="en-US"/>
+            </a:p>
+          </p:txBody>
+        </p:sp>
+        <p:sp>
+          <p:nvSpPr>
+            <p:cNvPr id="95" name="椭圆 94">
+              <a:extLst>
+                <a:ext uri="{FF2B5EF4-FFF2-40B4-BE49-F238E27FC236}">
+                  <a16:creationId xmlns:a16="http://schemas.microsoft.com/office/drawing/2014/main" id="{6524F315-4246-31A9-4B13-AB6723ACD04F}"/>
+                </a:ext>
+              </a:extLst>
+            </p:cNvPr>
+            <p:cNvSpPr/>
+            <p:nvPr/>
+          </p:nvSpPr>
+          <p:spPr>
+            <a:xfrm>
+              <a:off x="9186794" y="4991996"/>
+              <a:ext cx="465956" cy="465956"/>
+            </a:xfrm>
+            <a:prstGeom prst="ellipse">
+              <a:avLst/>
+            </a:prstGeom>
+            <a:solidFill>
+              <a:srgbClr val="E9B569"/>
+            </a:solidFill>
+            <a:ln>
+              <a:noFill/>
+            </a:ln>
+          </p:spPr>
+          <p:style>
+            <a:lnRef idx="2">
+              <a:schemeClr val="accent1">
+                <a:shade val="50000"/>
+              </a:schemeClr>
+            </a:lnRef>
+            <a:fillRef idx="1">
+              <a:schemeClr val="accent1"/>
+            </a:fillRef>
+            <a:effectRef idx="0">
+              <a:schemeClr val="accent1"/>
+            </a:effectRef>
+            <a:fontRef idx="minor">
+              <a:schemeClr val="lt1"/>
+            </a:fontRef>
+          </p:style>
+          <p:txBody>
+            <a:bodyPr rtlCol="0" anchor="ctr"/>
+            <a:lstStyle/>
+            <a:p>
+              <a:pPr algn="ctr"/>
+              <a:endParaRPr lang="zh-CN" altLang="en-US"/>
+            </a:p>
+          </p:txBody>
+        </p:sp>
+      </p:grpSp>
+      <p:sp>
+        <p:nvSpPr>
+          <p:cNvPr id="96" name="圆: 空心 95">
+            <a:extLst>
+              <a:ext uri="{FF2B5EF4-FFF2-40B4-BE49-F238E27FC236}">
+                <a16:creationId xmlns:a16="http://schemas.microsoft.com/office/drawing/2014/main" id="{D45D3BB5-2349-290F-56BA-438C79F153C3}"/>
+              </a:ext>
+            </a:extLst>
+          </p:cNvPr>
+          <p:cNvSpPr/>
+          <p:nvPr/>
+        </p:nvSpPr>
+        <p:spPr>
+          <a:xfrm>
+            <a:off x="203781" y="-49790"/>
+            <a:ext cx="2387600" cy="2387600"/>
+          </a:xfrm>
+          <a:prstGeom prst="donut">
+            <a:avLst>
+              <a:gd name="adj" fmla="val 23437"/>
+            </a:avLst>
+          </a:prstGeom>
+          <a:solidFill>
+            <a:schemeClr val="accent4">
+              <a:lumMod val="60000"/>
+              <a:lumOff val="40000"/>
+            </a:schemeClr>
+          </a:solidFill>
+          <a:ln>
+            <a:noFill/>
+          </a:ln>
+        </p:spPr>
+        <p:style>
+          <a:lnRef idx="2">
+            <a:schemeClr val="accent1">
+              <a:shade val="50000"/>
+            </a:schemeClr>
+          </a:lnRef>
+          <a:fillRef idx="1">
+            <a:schemeClr val="accent1"/>
+          </a:fillRef>
+          <a:effectRef idx="0">
+            <a:schemeClr val="accent1"/>
+          </a:effectRef>
+          <a:fontRef idx="minor">
+            <a:schemeClr val="lt1"/>
+          </a:fontRef>
+        </p:style>
+        <p:txBody>
+          <a:bodyPr rtlCol="0" anchor="ctr"/>
+          <a:lstStyle/>
+          <a:p>
+            <a:pPr algn="ctr"/>
+            <a:endParaRPr lang="zh-CN" altLang="en-US">
+              <a:solidFill>
+                <a:schemeClr val="tx1"/>
+              </a:solidFill>
+            </a:endParaRPr>
+          </a:p>
+        </p:txBody>
+      </p:sp>
+      <p:sp>
+        <p:nvSpPr>
+          <p:cNvPr id="97" name="任意多边形: 形状 96">
+            <a:extLst>
+              <a:ext uri="{FF2B5EF4-FFF2-40B4-BE49-F238E27FC236}">
+                <a16:creationId xmlns:a16="http://schemas.microsoft.com/office/drawing/2014/main" id="{BC7B8BE8-EFEF-9098-9353-422A91B6E9F4}"/>
+              </a:ext>
+            </a:extLst>
+          </p:cNvPr>
+          <p:cNvSpPr/>
+          <p:nvPr/>
+        </p:nvSpPr>
+        <p:spPr>
+          <a:xfrm>
+            <a:off x="2990524" y="-49790"/>
+            <a:ext cx="2387600" cy="2387600"/>
+          </a:xfrm>
+          <a:custGeom>
+            <a:avLst/>
+            <a:gdLst>
+              <a:gd name="connsiteX0" fmla="*/ 1193800 w 2387600"/>
+              <a:gd name="connsiteY0" fmla="*/ 0 h 2387600"/>
+              <a:gd name="connsiteX1" fmla="*/ 2387600 w 2387600"/>
+              <a:gd name="connsiteY1" fmla="*/ 1193800 h 2387600"/>
+              <a:gd name="connsiteX2" fmla="*/ 1193800 w 2387600"/>
+              <a:gd name="connsiteY2" fmla="*/ 2387600 h 2387600"/>
+              <a:gd name="connsiteX3" fmla="*/ 1190171 w 2387600"/>
+              <a:gd name="connsiteY3" fmla="*/ 2387417 h 2387600"/>
+              <a:gd name="connsiteX4" fmla="*/ 1190171 w 2387600"/>
+              <a:gd name="connsiteY4" fmla="*/ 1827652 h 2387600"/>
+              <a:gd name="connsiteX5" fmla="*/ 1193800 w 2387600"/>
+              <a:gd name="connsiteY5" fmla="*/ 1828018 h 2387600"/>
+              <a:gd name="connsiteX6" fmla="*/ 1828018 w 2387600"/>
+              <a:gd name="connsiteY6" fmla="*/ 1193800 h 2387600"/>
+              <a:gd name="connsiteX7" fmla="*/ 1193800 w 2387600"/>
+              <a:gd name="connsiteY7" fmla="*/ 559582 h 2387600"/>
+              <a:gd name="connsiteX8" fmla="*/ 559582 w 2387600"/>
+              <a:gd name="connsiteY8" fmla="*/ 1193800 h 2387600"/>
+              <a:gd name="connsiteX9" fmla="*/ 0 w 2387600"/>
+              <a:gd name="connsiteY9" fmla="*/ 1193800 h 2387600"/>
+              <a:gd name="connsiteX10" fmla="*/ 1193800 w 2387600"/>
+              <a:gd name="connsiteY10" fmla="*/ 0 h 2387600"/>
+            </a:gdLst>
+            <a:ahLst/>
+            <a:cxnLst>
+              <a:cxn ang="0">
+                <a:pos x="connsiteX0" y="connsiteY0"/>
+              </a:cxn>
+              <a:cxn ang="0">
+                <a:pos x="connsiteX1" y="connsiteY1"/>
+              </a:cxn>
+              <a:cxn ang="0">
+                <a:pos x="connsiteX2" y="connsiteY2"/>
+              </a:cxn>
+              <a:cxn ang="0">
+                <a:pos x="connsiteX3" y="connsiteY3"/>
+              </a:cxn>
+              <a:cxn ang="0">
+                <a:pos x="connsiteX4" y="connsiteY4"/>
+              </a:cxn>
+              <a:cxn ang="0">
+                <a:pos x="connsiteX5" y="connsiteY5"/>
+              </a:cxn>
+              <a:cxn ang="0">
+                <a:pos x="connsiteX6" y="connsiteY6"/>
+              </a:cxn>
+              <a:cxn ang="0">
+                <a:pos x="connsiteX7" y="connsiteY7"/>
+              </a:cxn>
+              <a:cxn ang="0">
+                <a:pos x="connsiteX8" y="connsiteY8"/>
+              </a:cxn>
+              <a:cxn ang="0">
+                <a:pos x="connsiteX9" y="connsiteY9"/>
+              </a:cxn>
+              <a:cxn ang="0">
+                <a:pos x="connsiteX10" y="connsiteY10"/>
+              </a:cxn>
+            </a:cxnLst>
+            <a:rect l="l" t="t" r="r" b="b"/>
+            <a:pathLst>
+              <a:path w="2387600" h="2387600">
+                <a:moveTo>
+                  <a:pt x="1193800" y="0"/>
+                </a:moveTo>
+                <a:cubicBezTo>
+                  <a:pt x="1853118" y="0"/>
+                  <a:pt x="2387600" y="534482"/>
+                  <a:pt x="2387600" y="1193800"/>
+                </a:cubicBezTo>
+                <a:cubicBezTo>
+                  <a:pt x="2387600" y="1853118"/>
+                  <a:pt x="1853118" y="2387600"/>
+                  <a:pt x="1193800" y="2387600"/>
+                </a:cubicBezTo>
+                <a:lnTo>
+                  <a:pt x="1190171" y="2387417"/>
+                </a:lnTo>
+                <a:lnTo>
+                  <a:pt x="1190171" y="1827652"/>
+                </a:lnTo>
+                <a:lnTo>
+                  <a:pt x="1193800" y="1828018"/>
+                </a:lnTo>
+                <a:cubicBezTo>
+                  <a:pt x="1544069" y="1828018"/>
+                  <a:pt x="1828018" y="1544069"/>
+                  <a:pt x="1828018" y="1193800"/>
+                </a:cubicBezTo>
+                <a:cubicBezTo>
+                  <a:pt x="1828018" y="843531"/>
+                  <a:pt x="1544069" y="559582"/>
+                  <a:pt x="1193800" y="559582"/>
+                </a:cubicBezTo>
+                <a:cubicBezTo>
+                  <a:pt x="843531" y="559582"/>
+                  <a:pt x="559582" y="843531"/>
+                  <a:pt x="559582" y="1193800"/>
+                </a:cubicBezTo>
+                <a:lnTo>
+                  <a:pt x="0" y="1193800"/>
+                </a:lnTo>
+                <a:cubicBezTo>
+                  <a:pt x="0" y="534482"/>
+                  <a:pt x="534482" y="0"/>
+                  <a:pt x="1193800" y="0"/>
+                </a:cubicBezTo>
+                <a:close/>
+              </a:path>
+            </a:pathLst>
+          </a:custGeom>
+          <a:solidFill>
+            <a:schemeClr val="tx1">
+              <a:lumMod val="65000"/>
+              <a:lumOff val="35000"/>
+            </a:schemeClr>
+          </a:solidFill>
+          <a:ln>
+            <a:noFill/>
+          </a:ln>
+        </p:spPr>
+        <p:style>
+          <a:lnRef idx="2">
+            <a:schemeClr val="accent1">
+              <a:shade val="50000"/>
+            </a:schemeClr>
+          </a:lnRef>
+          <a:fillRef idx="1">
+            <a:schemeClr val="accent1"/>
+          </a:fillRef>
+          <a:effectRef idx="0">
+            <a:schemeClr val="accent1"/>
+          </a:effectRef>
+          <a:fontRef idx="minor">
+            <a:schemeClr val="lt1"/>
+          </a:fontRef>
+        </p:style>
+        <p:txBody>
+          <a:bodyPr wrap="square" rtlCol="0" anchor="ctr">
+            <a:noAutofit/>
+          </a:bodyPr>
+          <a:lstStyle/>
+          <a:p>
+            <a:pPr algn="ctr"/>
+            <a:endParaRPr lang="zh-CN" altLang="en-US">
+              <a:solidFill>
+                <a:schemeClr val="tx1"/>
+              </a:solidFill>
+            </a:endParaRPr>
+          </a:p>
+        </p:txBody>
+      </p:sp>
+    </p:spTree>
+    <p:extLst>
+      <p:ext uri="{BB962C8B-B14F-4D97-AF65-F5344CB8AC3E}">
+        <p14:creationId xmlns:p14="http://schemas.microsoft.com/office/powerpoint/2010/main" val="2225801219"/>
+      </p:ext>
+    </p:extLst>
+  </p:cSld>
+  <p:clrMapOvr>
+    <a:masterClrMapping/>
+  </p:clrMapOvr>
+</p:sld>
+</file>
+
+<file path=ppt/slides/slide3.xml><?xml version="1.0" encoding="utf-8"?>
+<p:sld xmlns:a="http://schemas.openxmlformats.org/drawingml/2006/main" xmlns:r="http://schemas.openxmlformats.org/officeDocument/2006/relationships" xmlns:p="http://schemas.openxmlformats.org/presentationml/2006/main">
+  <p:cSld>
+    <p:spTree>
+      <p:nvGrpSpPr>
+        <p:cNvPr id="1" name=""/>
+        <p:cNvGrpSpPr/>
+        <p:nvPr/>
+      </p:nvGrpSpPr>
+      <p:grpSpPr>
+        <a:xfrm>
+          <a:off x="0" y="0"/>
+          <a:ext cx="0" cy="0"/>
+          <a:chOff x="0" y="0"/>
+          <a:chExt cx="0" cy="0"/>
+        </a:xfrm>
+      </p:grpSpPr>
+      <p:grpSp>
+        <p:nvGrpSpPr>
+          <p:cNvPr id="4" name="组合 3">
+            <a:extLst>
+              <a:ext uri="{FF2B5EF4-FFF2-40B4-BE49-F238E27FC236}">
+                <a16:creationId xmlns:a16="http://schemas.microsoft.com/office/drawing/2014/main" id="{A0932BE7-BB59-59C7-99CD-E65BFDFD58DC}"/>
+              </a:ext>
+            </a:extLst>
+          </p:cNvPr>
+          <p:cNvGrpSpPr/>
+          <p:nvPr/>
+        </p:nvGrpSpPr>
+        <p:grpSpPr>
+          <a:xfrm>
+            <a:off x="5177218" y="268486"/>
+            <a:ext cx="6090250" cy="6090250"/>
+            <a:chOff x="5177218" y="268486"/>
+            <a:chExt cx="6090250" cy="6090250"/>
+          </a:xfrm>
+        </p:grpSpPr>
+        <p:sp>
+          <p:nvSpPr>
+            <p:cNvPr id="5" name="菱形 4">
+              <a:extLst>
+                <a:ext uri="{FF2B5EF4-FFF2-40B4-BE49-F238E27FC236}">
+                  <a16:creationId xmlns:a16="http://schemas.microsoft.com/office/drawing/2014/main" id="{B43E01FD-FB28-92BB-631D-887C1EEFD16A}"/>
+                </a:ext>
+              </a:extLst>
+            </p:cNvPr>
+            <p:cNvSpPr/>
+            <p:nvPr/>
+          </p:nvSpPr>
+          <p:spPr>
+            <a:xfrm>
+              <a:off x="5177218" y="268486"/>
+              <a:ext cx="6090250" cy="6090250"/>
+            </a:xfrm>
+            <a:prstGeom prst="diamond">
+              <a:avLst/>
+            </a:prstGeom>
+            <a:solidFill>
+              <a:schemeClr val="tx1">
+                <a:lumMod val="75000"/>
+                <a:lumOff val="25000"/>
+              </a:schemeClr>
+            </a:solidFill>
+            <a:ln>
+              <a:noFill/>
+            </a:ln>
+          </p:spPr>
+          <p:style>
+            <a:lnRef idx="2">
+              <a:schemeClr val="accent1">
+                <a:shade val="50000"/>
+              </a:schemeClr>
+            </a:lnRef>
+            <a:fillRef idx="1">
+              <a:schemeClr val="accent1"/>
+            </a:fillRef>
+            <a:effectRef idx="0">
+              <a:schemeClr val="accent1"/>
+            </a:effectRef>
+            <a:fontRef idx="minor">
+              <a:schemeClr val="lt1"/>
+            </a:fontRef>
+          </p:style>
+          <p:txBody>
+            <a:bodyPr rtlCol="0" anchor="ctr"/>
+            <a:lstStyle/>
+            <a:p>
+              <a:pPr algn="ctr"/>
+              <a:endParaRPr lang="zh-CN" altLang="en-US" dirty="0"/>
+            </a:p>
+          </p:txBody>
+        </p:sp>
+        <p:sp>
+          <p:nvSpPr>
+            <p:cNvPr id="6" name="文本框 5">
+              <a:extLst>
+                <a:ext uri="{FF2B5EF4-FFF2-40B4-BE49-F238E27FC236}">
+                  <a16:creationId xmlns:a16="http://schemas.microsoft.com/office/drawing/2014/main" id="{40D38A72-80C5-D3E1-73CF-DD9F82979655}"/>
+                </a:ext>
+              </a:extLst>
+            </p:cNvPr>
+            <p:cNvSpPr txBox="1"/>
+            <p:nvPr/>
+          </p:nvSpPr>
+          <p:spPr>
+            <a:xfrm>
+              <a:off x="6574698" y="1709603"/>
+              <a:ext cx="3295291" cy="3046988"/>
+            </a:xfrm>
+            <a:prstGeom prst="rect">
+              <a:avLst/>
+            </a:prstGeom>
+            <a:noFill/>
+          </p:spPr>
+          <p:txBody>
+            <a:bodyPr wrap="square" rtlCol="0">
+              <a:spAutoFit/>
+            </a:bodyPr>
+            <a:lstStyle/>
+            <a:p>
+              <a:pPr algn="ctr"/>
+              <a:r>
+                <a:rPr lang="zh-CN" altLang="en-US" sz="9600" dirty="0">
+                  <a:solidFill>
+                    <a:schemeClr val="bg1"/>
+                  </a:solidFill>
+                  <a:latin typeface="Alimama ShuHeiTi Bold" pitchFamily="2" charset="-122"/>
+                  <a:ea typeface="Alimama ShuHeiTi Bold" pitchFamily="2" charset="-122"/>
+                </a:rPr>
+                <a:t>占地对战</a:t>
+              </a:r>
+            </a:p>
+          </p:txBody>
+        </p:sp>
+        <p:sp>
+          <p:nvSpPr>
+            <p:cNvPr id="7" name="文本框 6">
+              <a:extLst>
+                <a:ext uri="{FF2B5EF4-FFF2-40B4-BE49-F238E27FC236}">
+                  <a16:creationId xmlns:a16="http://schemas.microsoft.com/office/drawing/2014/main" id="{5C81DBEE-3154-2D38-8985-31AA5DB9600C}"/>
+                </a:ext>
+              </a:extLst>
+            </p:cNvPr>
+            <p:cNvSpPr txBox="1"/>
+            <p:nvPr/>
+          </p:nvSpPr>
+          <p:spPr>
+            <a:xfrm>
+              <a:off x="7043399" y="764506"/>
+              <a:ext cx="2357888" cy="769441"/>
+            </a:xfrm>
+            <a:prstGeom prst="rect">
+              <a:avLst/>
+            </a:prstGeom>
+            <a:solidFill>
+              <a:schemeClr val="tx1">
+                <a:lumMod val="75000"/>
+                <a:lumOff val="25000"/>
+              </a:schemeClr>
+            </a:solidFill>
+          </p:spPr>
+          <p:txBody>
+            <a:bodyPr wrap="square" rtlCol="0">
+              <a:spAutoFit/>
+            </a:bodyPr>
+            <a:lstStyle/>
+            <a:p>
+              <a:pPr algn="ctr"/>
+              <a:r>
+                <a:rPr lang="en-US" altLang="zh-CN" sz="4400" dirty="0">
+                  <a:solidFill>
+                    <a:schemeClr val="bg1"/>
+                  </a:solidFill>
+                  <a:latin typeface="Alimama ShuHeiTi Bold" pitchFamily="2" charset="-122"/>
+                  <a:ea typeface="Alimama ShuHeiTi Bold" pitchFamily="2" charset="-122"/>
+                </a:rPr>
+                <a:t>RULE</a:t>
+              </a:r>
+              <a:endParaRPr lang="zh-CN" altLang="en-US" sz="2800" dirty="0">
+                <a:solidFill>
+                  <a:schemeClr val="bg1"/>
+                </a:solidFill>
+                <a:latin typeface="Alimama ShuHeiTi Bold" pitchFamily="2" charset="-122"/>
+                <a:ea typeface="Alimama ShuHeiTi Bold" pitchFamily="2" charset="-122"/>
+              </a:endParaRPr>
+            </a:p>
+          </p:txBody>
+        </p:sp>
+        <p:sp>
+          <p:nvSpPr>
+            <p:cNvPr id="8" name="文本框 7">
+              <a:extLst>
+                <a:ext uri="{FF2B5EF4-FFF2-40B4-BE49-F238E27FC236}">
+                  <a16:creationId xmlns:a16="http://schemas.microsoft.com/office/drawing/2014/main" id="{6A5BB748-AD11-B94D-AAD2-7D41A14063D4}"/>
+                </a:ext>
+              </a:extLst>
+            </p:cNvPr>
+            <p:cNvSpPr txBox="1"/>
+            <p:nvPr/>
+          </p:nvSpPr>
+          <p:spPr>
+            <a:xfrm>
+              <a:off x="5618946" y="4896908"/>
+              <a:ext cx="5206795" cy="523220"/>
+            </a:xfrm>
+            <a:prstGeom prst="rect">
+              <a:avLst/>
+            </a:prstGeom>
+            <a:solidFill>
+              <a:schemeClr val="tx1">
+                <a:lumMod val="75000"/>
+                <a:lumOff val="25000"/>
+              </a:schemeClr>
+            </a:solidFill>
+          </p:spPr>
+          <p:txBody>
+            <a:bodyPr wrap="square" rtlCol="0">
+              <a:spAutoFit/>
+            </a:bodyPr>
+            <a:lstStyle/>
+            <a:p>
+              <a:pPr algn="ctr"/>
+              <a:r>
+                <a:rPr lang="zh-CN" altLang="en-US" sz="2800" dirty="0">
+                  <a:solidFill>
+                    <a:schemeClr val="bg1"/>
+                  </a:solidFill>
+                  <a:latin typeface="Alimama ShuHeiTi Bold" pitchFamily="2" charset="-122"/>
+                  <a:ea typeface="Alimama ShuHeiTi Bold" pitchFamily="2" charset="-122"/>
+                </a:rPr>
+                <a:t>确保占地面积足够大</a:t>
+              </a:r>
+              <a:endParaRPr lang="zh-CN" altLang="en-US" sz="1600" dirty="0">
+                <a:solidFill>
+                  <a:schemeClr val="bg1"/>
+                </a:solidFill>
+                <a:latin typeface="Alimama ShuHeiTi Bold" pitchFamily="2" charset="-122"/>
+                <a:ea typeface="Alimama ShuHeiTi Bold" pitchFamily="2" charset="-122"/>
+              </a:endParaRPr>
+            </a:p>
+          </p:txBody>
+        </p:sp>
+        <p:sp>
+          <p:nvSpPr>
+            <p:cNvPr id="9" name="文本框 8">
+              <a:extLst>
+                <a:ext uri="{FF2B5EF4-FFF2-40B4-BE49-F238E27FC236}">
+                  <a16:creationId xmlns:a16="http://schemas.microsoft.com/office/drawing/2014/main" id="{A63A0E58-DE78-72FE-BB13-E8F2EB682C25}"/>
+                </a:ext>
+              </a:extLst>
+            </p:cNvPr>
+            <p:cNvSpPr txBox="1"/>
+            <p:nvPr/>
+          </p:nvSpPr>
+          <p:spPr>
+            <a:xfrm>
+              <a:off x="6383616" y="5413842"/>
+              <a:ext cx="3677454" cy="769441"/>
+            </a:xfrm>
+            <a:prstGeom prst="rect">
+              <a:avLst/>
+            </a:prstGeom>
+            <a:solidFill>
+              <a:schemeClr val="tx1">
+                <a:lumMod val="75000"/>
+                <a:lumOff val="25000"/>
+              </a:schemeClr>
+            </a:solidFill>
+          </p:spPr>
+          <p:txBody>
+            <a:bodyPr wrap="square" rtlCol="0">
+              <a:spAutoFit/>
+            </a:bodyPr>
+            <a:lstStyle/>
+            <a:p>
+              <a:pPr algn="ctr"/>
+              <a:r>
+                <a:rPr lang="zh-CN" altLang="en-US" sz="2800" dirty="0">
+                  <a:solidFill>
+                    <a:schemeClr val="bg1"/>
+                  </a:solidFill>
+                  <a:latin typeface="Alimama ShuHeiTi Bold" pitchFamily="2" charset="-122"/>
+                  <a:ea typeface="Alimama ShuHeiTi Bold" pitchFamily="2" charset="-122"/>
+                </a:rPr>
+                <a:t>地图</a:t>
+              </a:r>
+              <a:endParaRPr lang="en-US" altLang="zh-CN" sz="2800" dirty="0">
+                <a:solidFill>
+                  <a:schemeClr val="bg1"/>
+                </a:solidFill>
+                <a:latin typeface="Alimama ShuHeiTi Bold" pitchFamily="2" charset="-122"/>
+                <a:ea typeface="Alimama ShuHeiTi Bold" pitchFamily="2" charset="-122"/>
+              </a:endParaRPr>
+            </a:p>
+            <a:p>
+              <a:pPr algn="ctr"/>
+              <a:r>
+                <a:rPr lang="zh-CN" altLang="en-US" sz="1600" dirty="0">
+                  <a:solidFill>
+                    <a:schemeClr val="bg1"/>
+                  </a:solidFill>
+                  <a:latin typeface="Alimama ShuHeiTi Bold" pitchFamily="2" charset="-122"/>
+                  <a:ea typeface="Alimama ShuHeiTi Bold" pitchFamily="2" charset="-122"/>
+                </a:rPr>
+                <a:t>真</a:t>
+              </a:r>
+              <a:r>
+                <a:rPr lang="en-US" altLang="zh-CN" sz="1600" dirty="0">
+                  <a:solidFill>
+                    <a:schemeClr val="bg1"/>
+                  </a:solidFill>
+                  <a:latin typeface="Alimama ShuHeiTi Bold" pitchFamily="2" charset="-122"/>
+                  <a:ea typeface="Alimama ShuHeiTi Bold" pitchFamily="2" charset="-122"/>
+                </a:rPr>
+                <a:t>·</a:t>
+              </a:r>
+              <a:r>
+                <a:rPr lang="zh-CN" altLang="en-US" sz="1600" dirty="0">
+                  <a:solidFill>
+                    <a:schemeClr val="bg1"/>
+                  </a:solidFill>
+                  <a:latin typeface="Alimama ShuHeiTi Bold" pitchFamily="2" charset="-122"/>
+                  <a:ea typeface="Alimama ShuHeiTi Bold" pitchFamily="2" charset="-122"/>
+                </a:rPr>
+                <a:t>乱七八糟</a:t>
+              </a:r>
+              <a:r>
+                <a:rPr lang="en-US" altLang="zh-CN" sz="1600" dirty="0">
+                  <a:solidFill>
+                    <a:schemeClr val="bg1"/>
+                  </a:solidFill>
+                  <a:latin typeface="Alimama ShuHeiTi Bold" pitchFamily="2" charset="-122"/>
+                  <a:ea typeface="Alimama ShuHeiTi Bold" pitchFamily="2" charset="-122"/>
+                </a:rPr>
+                <a:t>·</a:t>
+              </a:r>
+              <a:r>
+                <a:rPr lang="zh-CN" altLang="en-US" sz="1600" dirty="0">
+                  <a:solidFill>
+                    <a:schemeClr val="bg1"/>
+                  </a:solidFill>
+                  <a:latin typeface="Alimama ShuHeiTi Bold" pitchFamily="2" charset="-122"/>
+                  <a:ea typeface="Alimama ShuHeiTi Bold" pitchFamily="2" charset="-122"/>
+                </a:rPr>
+                <a:t>小的一批</a:t>
+              </a:r>
+              <a:r>
+                <a:rPr lang="en-US" altLang="zh-CN" sz="1600" dirty="0">
+                  <a:solidFill>
+                    <a:schemeClr val="bg1"/>
+                  </a:solidFill>
+                  <a:latin typeface="Alimama ShuHeiTi Bold" pitchFamily="2" charset="-122"/>
+                  <a:ea typeface="Alimama ShuHeiTi Bold" pitchFamily="2" charset="-122"/>
+                </a:rPr>
+                <a:t>·</a:t>
+              </a:r>
+              <a:r>
+                <a:rPr lang="zh-CN" altLang="en-US" sz="1600" dirty="0">
+                  <a:solidFill>
+                    <a:schemeClr val="bg1"/>
+                  </a:solidFill>
+                  <a:latin typeface="Alimama ShuHeiTi Bold" pitchFamily="2" charset="-122"/>
+                  <a:ea typeface="Alimama ShuHeiTi Bold" pitchFamily="2" charset="-122"/>
+                </a:rPr>
+                <a:t>图</a:t>
+              </a:r>
+            </a:p>
+          </p:txBody>
+        </p:sp>
+      </p:grpSp>
+      <p:sp>
+        <p:nvSpPr>
+          <p:cNvPr id="10" name="泪滴形 9">
+            <a:extLst>
+              <a:ext uri="{FF2B5EF4-FFF2-40B4-BE49-F238E27FC236}">
+                <a16:creationId xmlns:a16="http://schemas.microsoft.com/office/drawing/2014/main" id="{4DC9AE8A-D95F-1AB4-8F1D-479597143AE2}"/>
+              </a:ext>
+            </a:extLst>
+          </p:cNvPr>
+          <p:cNvSpPr/>
+          <p:nvPr/>
+        </p:nvSpPr>
+        <p:spPr>
           <a:xfrm rot="8100000">
-            <a:off x="5908560" y="1904275"/>
+            <a:off x="1179003" y="2521604"/>
+            <a:ext cx="518618" cy="518618"/>
+          </a:xfrm>
+          <a:prstGeom prst="teardrop">
+            <a:avLst>
+              <a:gd name="adj" fmla="val 200000"/>
+            </a:avLst>
+          </a:prstGeom>
+          <a:solidFill>
+            <a:schemeClr val="bg1"/>
+          </a:solidFill>
+          <a:ln>
+            <a:noFill/>
+          </a:ln>
+        </p:spPr>
+        <p:style>
+          <a:lnRef idx="2">
+            <a:schemeClr val="accent1">
+              <a:shade val="50000"/>
+            </a:schemeClr>
+          </a:lnRef>
+          <a:fillRef idx="1">
+            <a:schemeClr val="accent1"/>
+          </a:fillRef>
+          <a:effectRef idx="0">
+            <a:schemeClr val="accent1"/>
+          </a:effectRef>
+          <a:fontRef idx="minor">
+            <a:schemeClr val="lt1"/>
+          </a:fontRef>
+        </p:style>
+        <p:txBody>
+          <a:bodyPr rtlCol="0" anchor="ctr"/>
+          <a:lstStyle/>
+          <a:p>
+            <a:pPr algn="ctr"/>
+            <a:endParaRPr lang="zh-CN" altLang="en-US"/>
+          </a:p>
+        </p:txBody>
+      </p:sp>
+      <p:sp>
+        <p:nvSpPr>
+          <p:cNvPr id="11" name="椭圆 10">
+            <a:extLst>
+              <a:ext uri="{FF2B5EF4-FFF2-40B4-BE49-F238E27FC236}">
+                <a16:creationId xmlns:a16="http://schemas.microsoft.com/office/drawing/2014/main" id="{7E7BF80B-788F-813F-8425-DC7926AA04D4}"/>
+              </a:ext>
+            </a:extLst>
+          </p:cNvPr>
+          <p:cNvSpPr/>
+          <p:nvPr/>
+        </p:nvSpPr>
+        <p:spPr>
+          <a:xfrm>
+            <a:off x="5182320" y="745122"/>
+            <a:ext cx="1035170" cy="1035170"/>
+          </a:xfrm>
+          <a:prstGeom prst="ellipse">
+            <a:avLst/>
+          </a:prstGeom>
+          <a:solidFill>
+            <a:schemeClr val="bg1"/>
+          </a:solidFill>
+          <a:ln>
+            <a:noFill/>
+          </a:ln>
+        </p:spPr>
+        <p:style>
+          <a:lnRef idx="2">
+            <a:schemeClr val="accent1">
+              <a:shade val="50000"/>
+            </a:schemeClr>
+          </a:lnRef>
+          <a:fillRef idx="1">
+            <a:schemeClr val="accent1"/>
+          </a:fillRef>
+          <a:effectRef idx="0">
+            <a:schemeClr val="accent1"/>
+          </a:effectRef>
+          <a:fontRef idx="minor">
+            <a:schemeClr val="lt1"/>
+          </a:fontRef>
+        </p:style>
+        <p:txBody>
+          <a:bodyPr rtlCol="0" anchor="ctr"/>
+          <a:lstStyle/>
+          <a:p>
+            <a:pPr algn="ctr"/>
+            <a:endParaRPr lang="zh-CN" altLang="en-US"/>
+          </a:p>
+        </p:txBody>
+      </p:sp>
+      <p:sp>
+        <p:nvSpPr>
+          <p:cNvPr id="12" name="泪滴形 11">
+            <a:extLst>
+              <a:ext uri="{FF2B5EF4-FFF2-40B4-BE49-F238E27FC236}">
+                <a16:creationId xmlns:a16="http://schemas.microsoft.com/office/drawing/2014/main" id="{1524F22C-C02F-43EF-AFAB-F67E64E7BE06}"/>
+              </a:ext>
+            </a:extLst>
+          </p:cNvPr>
+          <p:cNvSpPr/>
+          <p:nvPr/>
+        </p:nvSpPr>
+        <p:spPr>
+          <a:xfrm rot="8100000">
+            <a:off x="2871951" y="3402089"/>
             <a:ext cx="1040921" cy="1040921"/>
           </a:xfrm>
           <a:prstGeom prst="teardrop">
@@ -3910,10 +6318,10 @@
       </p:sp>
       <p:sp>
         <p:nvSpPr>
-          <p:cNvPr id="11" name="任意多边形: 形状 10">
-            <a:extLst>
-              <a:ext uri="{FF2B5EF4-FFF2-40B4-BE49-F238E27FC236}">
-                <a16:creationId xmlns:a16="http://schemas.microsoft.com/office/drawing/2014/main" id="{C022325B-BC44-64F2-0A4C-1249E5AE7472}"/>
+          <p:cNvPr id="13" name="任意多边形: 形状 12">
+            <a:extLst>
+              <a:ext uri="{FF2B5EF4-FFF2-40B4-BE49-F238E27FC236}">
+                <a16:creationId xmlns:a16="http://schemas.microsoft.com/office/drawing/2014/main" id="{35B2C1D0-BF06-99B6-17ED-1D2DBC2D1094}"/>
               </a:ext>
             </a:extLst>
           </p:cNvPr>
@@ -4119,268 +6527,12 @@
           </a:p>
         </p:txBody>
       </p:sp>
-      <p:grpSp>
-        <p:nvGrpSpPr>
-          <p:cNvPr id="12" name="组合 11">
-            <a:extLst>
-              <a:ext uri="{FF2B5EF4-FFF2-40B4-BE49-F238E27FC236}">
-                <a16:creationId xmlns:a16="http://schemas.microsoft.com/office/drawing/2014/main" id="{58C30525-0AA1-E0CB-4F94-4C50C38D427A}"/>
-              </a:ext>
-            </a:extLst>
-          </p:cNvPr>
-          <p:cNvGrpSpPr/>
-          <p:nvPr/>
-        </p:nvGrpSpPr>
-        <p:grpSpPr>
-          <a:xfrm>
-            <a:off x="5177218" y="268486"/>
-            <a:ext cx="6090250" cy="6090250"/>
-            <a:chOff x="3050875" y="383875"/>
-            <a:chExt cx="6090250" cy="6090250"/>
-          </a:xfrm>
-        </p:grpSpPr>
-        <p:sp>
-          <p:nvSpPr>
-            <p:cNvPr id="13" name="菱形 12">
-              <a:extLst>
-                <a:ext uri="{FF2B5EF4-FFF2-40B4-BE49-F238E27FC236}">
-                  <a16:creationId xmlns:a16="http://schemas.microsoft.com/office/drawing/2014/main" id="{DEBF6671-1EC4-4B7C-8B9E-33EC810609B2}"/>
-                </a:ext>
-              </a:extLst>
-            </p:cNvPr>
-            <p:cNvSpPr/>
-            <p:nvPr/>
-          </p:nvSpPr>
-          <p:spPr>
-            <a:xfrm>
-              <a:off x="3050875" y="383875"/>
-              <a:ext cx="6090250" cy="6090250"/>
-            </a:xfrm>
-            <a:prstGeom prst="diamond">
-              <a:avLst/>
-            </a:prstGeom>
-            <a:solidFill>
-              <a:schemeClr val="tx1">
-                <a:lumMod val="75000"/>
-                <a:lumOff val="25000"/>
-              </a:schemeClr>
-            </a:solidFill>
-            <a:ln>
-              <a:noFill/>
-            </a:ln>
-          </p:spPr>
-          <p:style>
-            <a:lnRef idx="2">
-              <a:schemeClr val="accent1">
-                <a:shade val="50000"/>
-              </a:schemeClr>
-            </a:lnRef>
-            <a:fillRef idx="1">
-              <a:schemeClr val="accent1"/>
-            </a:fillRef>
-            <a:effectRef idx="0">
-              <a:schemeClr val="accent1"/>
-            </a:effectRef>
-            <a:fontRef idx="minor">
-              <a:schemeClr val="lt1"/>
-            </a:fontRef>
-          </p:style>
-          <p:txBody>
-            <a:bodyPr rtlCol="0" anchor="ctr"/>
-            <a:lstStyle/>
-            <a:p>
-              <a:pPr algn="ctr"/>
-              <a:endParaRPr lang="zh-CN" altLang="en-US" dirty="0"/>
-            </a:p>
-          </p:txBody>
-        </p:sp>
-        <p:sp>
-          <p:nvSpPr>
-            <p:cNvPr id="14" name="文本框 13">
-              <a:extLst>
-                <a:ext uri="{FF2B5EF4-FFF2-40B4-BE49-F238E27FC236}">
-                  <a16:creationId xmlns:a16="http://schemas.microsoft.com/office/drawing/2014/main" id="{0933F01C-F3C1-1DB6-37BF-7172CFC0B45F}"/>
-                </a:ext>
-              </a:extLst>
-            </p:cNvPr>
-            <p:cNvSpPr txBox="1"/>
-            <p:nvPr/>
-          </p:nvSpPr>
-          <p:spPr>
-            <a:xfrm>
-              <a:off x="4448355" y="1824992"/>
-              <a:ext cx="3295291" cy="3046988"/>
-            </a:xfrm>
-            <a:prstGeom prst="rect">
-              <a:avLst/>
-            </a:prstGeom>
-            <a:noFill/>
-          </p:spPr>
-          <p:txBody>
-            <a:bodyPr wrap="square" rtlCol="0">
-              <a:spAutoFit/>
-            </a:bodyPr>
-            <a:lstStyle/>
-            <a:p>
-              <a:pPr algn="ctr"/>
-              <a:r>
-                <a:rPr lang="zh-CN" altLang="en-US" sz="9600" dirty="0">
-                  <a:solidFill>
-                    <a:schemeClr val="bg1"/>
-                  </a:solidFill>
-                  <a:latin typeface="Alimama ShuHeiTi Bold" pitchFamily="2" charset="-122"/>
-                  <a:ea typeface="Alimama ShuHeiTi Bold" pitchFamily="2" charset="-122"/>
-                </a:rPr>
-                <a:t>占地对战</a:t>
-              </a:r>
-            </a:p>
-          </p:txBody>
-        </p:sp>
-        <p:sp>
-          <p:nvSpPr>
-            <p:cNvPr id="15" name="文本框 14">
-              <a:extLst>
-                <a:ext uri="{FF2B5EF4-FFF2-40B4-BE49-F238E27FC236}">
-                  <a16:creationId xmlns:a16="http://schemas.microsoft.com/office/drawing/2014/main" id="{34CC169F-C728-502A-EDF7-21E1E6E515F6}"/>
-                </a:ext>
-              </a:extLst>
-            </p:cNvPr>
-            <p:cNvSpPr txBox="1"/>
-            <p:nvPr/>
-          </p:nvSpPr>
-          <p:spPr>
-            <a:xfrm>
-              <a:off x="4917056" y="879895"/>
-              <a:ext cx="2357888" cy="769441"/>
-            </a:xfrm>
-            <a:prstGeom prst="rect">
-              <a:avLst/>
-            </a:prstGeom>
-            <a:solidFill>
-              <a:schemeClr val="tx1">
-                <a:lumMod val="75000"/>
-                <a:lumOff val="25000"/>
-              </a:schemeClr>
-            </a:solidFill>
-          </p:spPr>
-          <p:txBody>
-            <a:bodyPr wrap="square" rtlCol="0">
-              <a:spAutoFit/>
-            </a:bodyPr>
-            <a:lstStyle/>
-            <a:p>
-              <a:pPr algn="ctr"/>
-              <a:r>
-                <a:rPr lang="en-US" altLang="zh-CN" sz="4400" dirty="0">
-                  <a:solidFill>
-                    <a:schemeClr val="bg1"/>
-                  </a:solidFill>
-                  <a:latin typeface="Alimama ShuHeiTi Bold" pitchFamily="2" charset="-122"/>
-                  <a:ea typeface="Alimama ShuHeiTi Bold" pitchFamily="2" charset="-122"/>
-                </a:rPr>
-                <a:t>RULE</a:t>
-              </a:r>
-              <a:endParaRPr lang="zh-CN" altLang="en-US" sz="2800" dirty="0">
-                <a:solidFill>
-                  <a:schemeClr val="bg1"/>
-                </a:solidFill>
-                <a:latin typeface="Alimama ShuHeiTi Bold" pitchFamily="2" charset="-122"/>
-                <a:ea typeface="Alimama ShuHeiTi Bold" pitchFamily="2" charset="-122"/>
-              </a:endParaRPr>
-            </a:p>
-          </p:txBody>
-        </p:sp>
-        <p:sp>
-          <p:nvSpPr>
-            <p:cNvPr id="16" name="文本框 15">
-              <a:extLst>
-                <a:ext uri="{FF2B5EF4-FFF2-40B4-BE49-F238E27FC236}">
-                  <a16:creationId xmlns:a16="http://schemas.microsoft.com/office/drawing/2014/main" id="{3686019A-446E-EC5E-AE44-7B9D9FA8805D}"/>
-                </a:ext>
-              </a:extLst>
-            </p:cNvPr>
-            <p:cNvSpPr txBox="1"/>
-            <p:nvPr/>
-          </p:nvSpPr>
-          <p:spPr>
-            <a:xfrm>
-              <a:off x="3492602" y="5411442"/>
-              <a:ext cx="5206795" cy="523220"/>
-            </a:xfrm>
-            <a:prstGeom prst="rect">
-              <a:avLst/>
-            </a:prstGeom>
-            <a:solidFill>
-              <a:schemeClr val="tx1">
-                <a:lumMod val="75000"/>
-                <a:lumOff val="25000"/>
-              </a:schemeClr>
-            </a:solidFill>
-          </p:spPr>
-          <p:txBody>
-            <a:bodyPr wrap="square" rtlCol="0">
-              <a:spAutoFit/>
-            </a:bodyPr>
-            <a:lstStyle/>
-            <a:p>
-              <a:pPr algn="ctr"/>
-              <a:r>
-                <a:rPr lang="zh-CN" altLang="en-US" sz="2800" dirty="0">
-                  <a:solidFill>
-                    <a:schemeClr val="bg1"/>
-                  </a:solidFill>
-                  <a:latin typeface="Alimama ShuHeiTi Bold" pitchFamily="2" charset="-122"/>
-                  <a:ea typeface="Alimama ShuHeiTi Bold" pitchFamily="2" charset="-122"/>
-                </a:rPr>
-                <a:t>确保占地面积足够大</a:t>
-              </a:r>
-              <a:endParaRPr lang="zh-CN" altLang="en-US" sz="1600" dirty="0">
-                <a:solidFill>
-                  <a:schemeClr val="bg1"/>
-                </a:solidFill>
-                <a:latin typeface="Alimama ShuHeiTi Bold" pitchFamily="2" charset="-122"/>
-                <a:ea typeface="Alimama ShuHeiTi Bold" pitchFamily="2" charset="-122"/>
-              </a:endParaRPr>
-            </a:p>
-          </p:txBody>
-        </p:sp>
-      </p:grpSp>
-    </p:spTree>
-    <p:extLst>
-      <p:ext uri="{BB962C8B-B14F-4D97-AF65-F5344CB8AC3E}">
-        <p14:creationId xmlns:p14="http://schemas.microsoft.com/office/powerpoint/2010/main" val="3701945037"/>
-      </p:ext>
-    </p:extLst>
-  </p:cSld>
-  <p:clrMapOvr>
-    <a:masterClrMapping/>
-  </p:clrMapOvr>
-</p:sld>
-</file>
-
-<file path=ppt/slides/slide2.xml><?xml version="1.0" encoding="utf-8"?>
-<p:sld xmlns:a="http://schemas.openxmlformats.org/drawingml/2006/main" xmlns:r="http://schemas.openxmlformats.org/officeDocument/2006/relationships" xmlns:p="http://schemas.openxmlformats.org/presentationml/2006/main">
-  <p:cSld>
-    <p:spTree>
-      <p:nvGrpSpPr>
-        <p:cNvPr id="1" name=""/>
-        <p:cNvGrpSpPr/>
-        <p:nvPr/>
-      </p:nvGrpSpPr>
-      <p:grpSpPr>
-        <a:xfrm>
-          <a:off x="0" y="0"/>
-          <a:ext cx="0" cy="0"/>
-          <a:chOff x="0" y="0"/>
-          <a:chExt cx="0" cy="0"/>
-        </a:xfrm>
-      </p:grpSpPr>
-      <p:sp>
-        <p:nvSpPr>
-          <p:cNvPr id="17" name="文本框 16">
-            <a:extLst>
-              <a:ext uri="{FF2B5EF4-FFF2-40B4-BE49-F238E27FC236}">
-                <a16:creationId xmlns:a16="http://schemas.microsoft.com/office/drawing/2014/main" id="{283300D2-A2B5-BB1C-4FB0-0A2DED159D46}"/>
+      <p:sp>
+        <p:nvSpPr>
+          <p:cNvPr id="14" name="文本框 13">
+            <a:extLst>
+              <a:ext uri="{FF2B5EF4-FFF2-40B4-BE49-F238E27FC236}">
+                <a16:creationId xmlns:a16="http://schemas.microsoft.com/office/drawing/2014/main" id="{70D0D39D-51F3-8226-1BDD-1C2D5142C656}"/>
               </a:ext>
             </a:extLst>
           </p:cNvPr>
@@ -4389,7 +6541,7 @@
         </p:nvSpPr>
         <p:spPr>
           <a:xfrm>
-            <a:off x="6915144" y="2250812"/>
+            <a:off x="4963188" y="4053032"/>
             <a:ext cx="390344" cy="487165"/>
           </a:xfrm>
           <a:custGeom>
@@ -4533,10 +6685,10 @@
       </p:sp>
       <p:sp>
         <p:nvSpPr>
-          <p:cNvPr id="16" name="文本框 15">
-            <a:extLst>
-              <a:ext uri="{FF2B5EF4-FFF2-40B4-BE49-F238E27FC236}">
-                <a16:creationId xmlns:a16="http://schemas.microsoft.com/office/drawing/2014/main" id="{035E6FDC-6D5B-39D9-856C-255F60DBAC65}"/>
+          <p:cNvPr id="15" name="文本框 14">
+            <a:extLst>
+              <a:ext uri="{FF2B5EF4-FFF2-40B4-BE49-F238E27FC236}">
+                <a16:creationId xmlns:a16="http://schemas.microsoft.com/office/drawing/2014/main" id="{27F19748-BE8C-2EBB-1F32-8264F3E3F1C3}"/>
               </a:ext>
             </a:extLst>
           </p:cNvPr>
@@ -4683,10 +6835,10 @@
       </p:sp>
       <p:sp>
         <p:nvSpPr>
-          <p:cNvPr id="15" name="文本框 14">
-            <a:extLst>
-              <a:ext uri="{FF2B5EF4-FFF2-40B4-BE49-F238E27FC236}">
-                <a16:creationId xmlns:a16="http://schemas.microsoft.com/office/drawing/2014/main" id="{7799514E-ACCF-3114-4C0B-5563515370D0}"/>
+          <p:cNvPr id="16" name="文本框 15">
+            <a:extLst>
+              <a:ext uri="{FF2B5EF4-FFF2-40B4-BE49-F238E27FC236}">
+                <a16:creationId xmlns:a16="http://schemas.microsoft.com/office/drawing/2014/main" id="{BCDD5765-C0D0-88F6-876B-784EEAEF6931}"/>
               </a:ext>
             </a:extLst>
           </p:cNvPr>
@@ -4778,10 +6930,10 @@
       </p:sp>
       <p:sp>
         <p:nvSpPr>
-          <p:cNvPr id="14" name="文本框 13">
-            <a:extLst>
-              <a:ext uri="{FF2B5EF4-FFF2-40B4-BE49-F238E27FC236}">
-                <a16:creationId xmlns:a16="http://schemas.microsoft.com/office/drawing/2014/main" id="{00B01C8F-A457-AAF8-65B4-39E5AFF59540}"/>
+          <p:cNvPr id="17" name="文本框 16">
+            <a:extLst>
+              <a:ext uri="{FF2B5EF4-FFF2-40B4-BE49-F238E27FC236}">
+                <a16:creationId xmlns:a16="http://schemas.microsoft.com/office/drawing/2014/main" id="{67B869D3-E93B-D597-68F3-6937B9429FE4}"/>
               </a:ext>
             </a:extLst>
           </p:cNvPr>
@@ -4790,7 +6942,7 @@
         </p:nvSpPr>
         <p:spPr>
           <a:xfrm>
-            <a:off x="4784287" y="2256927"/>
+            <a:off x="1800649" y="4540197"/>
             <a:ext cx="694058" cy="713422"/>
           </a:xfrm>
           <a:custGeom>
@@ -4877,10 +7029,10 @@
       </p:sp>
       <p:sp>
         <p:nvSpPr>
-          <p:cNvPr id="13" name="文本框 12">
-            <a:extLst>
-              <a:ext uri="{FF2B5EF4-FFF2-40B4-BE49-F238E27FC236}">
-                <a16:creationId xmlns:a16="http://schemas.microsoft.com/office/drawing/2014/main" id="{BAAFC365-09EF-3046-A91A-8F092E2D8F5F}"/>
+          <p:cNvPr id="18" name="文本框 17">
+            <a:extLst>
+              <a:ext uri="{FF2B5EF4-FFF2-40B4-BE49-F238E27FC236}">
+                <a16:creationId xmlns:a16="http://schemas.microsoft.com/office/drawing/2014/main" id="{6A0458B1-380D-05B2-F96C-A363C055E5D4}"/>
               </a:ext>
             </a:extLst>
           </p:cNvPr>
@@ -4889,7 +7041,7 @@
         </p:nvSpPr>
         <p:spPr>
           <a:xfrm>
-            <a:off x="5565966" y="2256927"/>
+            <a:off x="1493368" y="5861472"/>
             <a:ext cx="614562" cy="713422"/>
           </a:xfrm>
           <a:custGeom>
@@ -5008,10 +7160,10 @@
       </p:sp>
       <p:sp>
         <p:nvSpPr>
-          <p:cNvPr id="12" name="文本框 11">
-            <a:extLst>
-              <a:ext uri="{FF2B5EF4-FFF2-40B4-BE49-F238E27FC236}">
-                <a16:creationId xmlns:a16="http://schemas.microsoft.com/office/drawing/2014/main" id="{5A181D0E-8A41-89A0-E4A0-03D5CFC5DC3B}"/>
+          <p:cNvPr id="19" name="文本框 18">
+            <a:extLst>
+              <a:ext uri="{FF2B5EF4-FFF2-40B4-BE49-F238E27FC236}">
+                <a16:creationId xmlns:a16="http://schemas.microsoft.com/office/drawing/2014/main" id="{A41D2D09-2955-F021-5708-C9C332D7E26E}"/>
               </a:ext>
             </a:extLst>
           </p:cNvPr>
@@ -5020,7 +7172,7 @@
         </p:nvSpPr>
         <p:spPr>
           <a:xfrm>
-            <a:off x="6229382" y="2256927"/>
+            <a:off x="3912445" y="4896908"/>
             <a:ext cx="640042" cy="713422"/>
           </a:xfrm>
           <a:custGeom>
@@ -5097,10 +7249,10 @@
       </p:sp>
       <p:sp>
         <p:nvSpPr>
-          <p:cNvPr id="11" name="文本框 10">
-            <a:extLst>
-              <a:ext uri="{FF2B5EF4-FFF2-40B4-BE49-F238E27FC236}">
-                <a16:creationId xmlns:a16="http://schemas.microsoft.com/office/drawing/2014/main" id="{9BECAA14-AC9E-CBD4-202D-AE5ACA479F81}"/>
+          <p:cNvPr id="20" name="文本框 19">
+            <a:extLst>
+              <a:ext uri="{FF2B5EF4-FFF2-40B4-BE49-F238E27FC236}">
+                <a16:creationId xmlns:a16="http://schemas.microsoft.com/office/drawing/2014/main" id="{83BAE233-50FB-ED02-0C2F-BE06E38C115E}"/>
               </a:ext>
             </a:extLst>
           </p:cNvPr>
@@ -5109,7 +7261,7 @@
         </p:nvSpPr>
         <p:spPr>
           <a:xfrm>
-            <a:off x="6995659" y="2805243"/>
+            <a:off x="2923061" y="6409788"/>
             <a:ext cx="165106" cy="165106"/>
           </a:xfrm>
           <a:custGeom>
@@ -5168,10 +7320,10 @@
       </p:sp>
       <p:sp>
         <p:nvSpPr>
-          <p:cNvPr id="22" name="文本框 21">
-            <a:extLst>
-              <a:ext uri="{FF2B5EF4-FFF2-40B4-BE49-F238E27FC236}">
-                <a16:creationId xmlns:a16="http://schemas.microsoft.com/office/drawing/2014/main" id="{C83CF78B-C856-5B5F-62E9-0ED41F041534}"/>
+          <p:cNvPr id="21" name="文本框 20">
+            <a:extLst>
+              <a:ext uri="{FF2B5EF4-FFF2-40B4-BE49-F238E27FC236}">
+                <a16:creationId xmlns:a16="http://schemas.microsoft.com/office/drawing/2014/main" id="{D9FB995D-2DCC-96F3-C985-7E2888090155}"/>
               </a:ext>
             </a:extLst>
           </p:cNvPr>
@@ -5180,7 +7332,7 @@
         </p:nvSpPr>
         <p:spPr>
           <a:xfrm>
-            <a:off x="7501732" y="1894229"/>
+            <a:off x="3429134" y="5498774"/>
             <a:ext cx="1911101" cy="1200329"/>
           </a:xfrm>
           <a:prstGeom prst="rect">
@@ -5216,10 +7368,10 @@
       </p:sp>
       <p:sp>
         <p:nvSpPr>
-          <p:cNvPr id="26" name="矩形 25">
-            <a:extLst>
-              <a:ext uri="{FF2B5EF4-FFF2-40B4-BE49-F238E27FC236}">
-                <a16:creationId xmlns:a16="http://schemas.microsoft.com/office/drawing/2014/main" id="{56DB0CAC-DE72-0176-F19F-50F13A1FEE68}"/>
+          <p:cNvPr id="22" name="任意多边形: 形状 21">
+            <a:extLst>
+              <a:ext uri="{FF2B5EF4-FFF2-40B4-BE49-F238E27FC236}">
+                <a16:creationId xmlns:a16="http://schemas.microsoft.com/office/drawing/2014/main" id="{DB6EFBB1-5602-DA07-A125-B2CB92CD3E4A}"/>
               </a:ext>
             </a:extLst>
           </p:cNvPr>
@@ -5228,14 +7380,500 @@
         </p:nvSpPr>
         <p:spPr>
           <a:xfrm>
-            <a:off x="1186280" y="4496558"/>
-            <a:ext cx="8759371" cy="646331"/>
+            <a:off x="3162855" y="268486"/>
+            <a:ext cx="1115763" cy="1214436"/>
           </a:xfrm>
-          <a:prstGeom prst="rect">
+          <a:custGeom>
             <a:avLst/>
-          </a:prstGeom>
+            <a:gdLst>
+              <a:gd name="connsiteX0" fmla="*/ 700088 w 1400175"/>
+              <a:gd name="connsiteY0" fmla="*/ 0 h 1524000"/>
+              <a:gd name="connsiteX1" fmla="*/ 1330081 w 1400175"/>
+              <a:gd name="connsiteY1" fmla="*/ 711421 h 1524000"/>
+              <a:gd name="connsiteX2" fmla="*/ 1359490 w 1400175"/>
+              <a:gd name="connsiteY2" fmla="*/ 731249 h 1524000"/>
+              <a:gd name="connsiteX3" fmla="*/ 1389259 w 1400175"/>
+              <a:gd name="connsiteY3" fmla="*/ 775403 h 1524000"/>
+              <a:gd name="connsiteX4" fmla="*/ 1390003 w 1400175"/>
+              <a:gd name="connsiteY4" fmla="*/ 779088 h 1524000"/>
+              <a:gd name="connsiteX5" fmla="*/ 1400175 w 1400175"/>
+              <a:gd name="connsiteY5" fmla="*/ 790575 h 1524000"/>
+              <a:gd name="connsiteX6" fmla="*/ 1392322 w 1400175"/>
+              <a:gd name="connsiteY6" fmla="*/ 790575 h 1524000"/>
+              <a:gd name="connsiteX7" fmla="*/ 1400175 w 1400175"/>
+              <a:gd name="connsiteY7" fmla="*/ 829472 h 1524000"/>
+              <a:gd name="connsiteX8" fmla="*/ 1400175 w 1400175"/>
+              <a:gd name="connsiteY8" fmla="*/ 1385091 h 1524000"/>
+              <a:gd name="connsiteX9" fmla="*/ 1261266 w 1400175"/>
+              <a:gd name="connsiteY9" fmla="*/ 1524000 h 1524000"/>
+              <a:gd name="connsiteX10" fmla="*/ 138909 w 1400175"/>
+              <a:gd name="connsiteY10" fmla="*/ 1524000 h 1524000"/>
+              <a:gd name="connsiteX11" fmla="*/ 0 w 1400175"/>
+              <a:gd name="connsiteY11" fmla="*/ 1385091 h 1524000"/>
+              <a:gd name="connsiteX12" fmla="*/ 0 w 1400175"/>
+              <a:gd name="connsiteY12" fmla="*/ 829472 h 1524000"/>
+              <a:gd name="connsiteX13" fmla="*/ 7853 w 1400175"/>
+              <a:gd name="connsiteY13" fmla="*/ 790575 h 1524000"/>
+              <a:gd name="connsiteX14" fmla="*/ 0 w 1400175"/>
+              <a:gd name="connsiteY14" fmla="*/ 790575 h 1524000"/>
+              <a:gd name="connsiteX15" fmla="*/ 10172 w 1400175"/>
+              <a:gd name="connsiteY15" fmla="*/ 779088 h 1524000"/>
+              <a:gd name="connsiteX16" fmla="*/ 10916 w 1400175"/>
+              <a:gd name="connsiteY16" fmla="*/ 775403 h 1524000"/>
+              <a:gd name="connsiteX17" fmla="*/ 40686 w 1400175"/>
+              <a:gd name="connsiteY17" fmla="*/ 731249 h 1524000"/>
+              <a:gd name="connsiteX18" fmla="*/ 70095 w 1400175"/>
+              <a:gd name="connsiteY18" fmla="*/ 711421 h 1524000"/>
+            </a:gdLst>
+            <a:ahLst/>
+            <a:cxnLst>
+              <a:cxn ang="0">
+                <a:pos x="connsiteX0" y="connsiteY0"/>
+              </a:cxn>
+              <a:cxn ang="0">
+                <a:pos x="connsiteX1" y="connsiteY1"/>
+              </a:cxn>
+              <a:cxn ang="0">
+                <a:pos x="connsiteX2" y="connsiteY2"/>
+              </a:cxn>
+              <a:cxn ang="0">
+                <a:pos x="connsiteX3" y="connsiteY3"/>
+              </a:cxn>
+              <a:cxn ang="0">
+                <a:pos x="connsiteX4" y="connsiteY4"/>
+              </a:cxn>
+              <a:cxn ang="0">
+                <a:pos x="connsiteX5" y="connsiteY5"/>
+              </a:cxn>
+              <a:cxn ang="0">
+                <a:pos x="connsiteX6" y="connsiteY6"/>
+              </a:cxn>
+              <a:cxn ang="0">
+                <a:pos x="connsiteX7" y="connsiteY7"/>
+              </a:cxn>
+              <a:cxn ang="0">
+                <a:pos x="connsiteX8" y="connsiteY8"/>
+              </a:cxn>
+              <a:cxn ang="0">
+                <a:pos x="connsiteX9" y="connsiteY9"/>
+              </a:cxn>
+              <a:cxn ang="0">
+                <a:pos x="connsiteX10" y="connsiteY10"/>
+              </a:cxn>
+              <a:cxn ang="0">
+                <a:pos x="connsiteX11" y="connsiteY11"/>
+              </a:cxn>
+              <a:cxn ang="0">
+                <a:pos x="connsiteX12" y="connsiteY12"/>
+              </a:cxn>
+              <a:cxn ang="0">
+                <a:pos x="connsiteX13" y="connsiteY13"/>
+              </a:cxn>
+              <a:cxn ang="0">
+                <a:pos x="connsiteX14" y="connsiteY14"/>
+              </a:cxn>
+              <a:cxn ang="0">
+                <a:pos x="connsiteX15" y="connsiteY15"/>
+              </a:cxn>
+              <a:cxn ang="0">
+                <a:pos x="connsiteX16" y="connsiteY16"/>
+              </a:cxn>
+              <a:cxn ang="0">
+                <a:pos x="connsiteX17" y="connsiteY17"/>
+              </a:cxn>
+              <a:cxn ang="0">
+                <a:pos x="connsiteX18" y="connsiteY18"/>
+              </a:cxn>
+            </a:cxnLst>
+            <a:rect l="l" t="t" r="r" b="b"/>
+            <a:pathLst>
+              <a:path w="1400175" h="1524000">
+                <a:moveTo>
+                  <a:pt x="700088" y="0"/>
+                </a:moveTo>
+                <a:lnTo>
+                  <a:pt x="1330081" y="711421"/>
+                </a:lnTo>
+                <a:lnTo>
+                  <a:pt x="1359490" y="731249"/>
+                </a:lnTo>
+                <a:cubicBezTo>
+                  <a:pt x="1372058" y="743818"/>
+                  <a:pt x="1382230" y="758784"/>
+                  <a:pt x="1389259" y="775403"/>
+                </a:cubicBezTo>
+                <a:lnTo>
+                  <a:pt x="1390003" y="779088"/>
+                </a:lnTo>
+                <a:lnTo>
+                  <a:pt x="1400175" y="790575"/>
+                </a:lnTo>
+                <a:lnTo>
+                  <a:pt x="1392322" y="790575"/>
+                </a:lnTo>
+                <a:lnTo>
+                  <a:pt x="1400175" y="829472"/>
+                </a:lnTo>
+                <a:lnTo>
+                  <a:pt x="1400175" y="1385091"/>
+                </a:lnTo>
+                <a:cubicBezTo>
+                  <a:pt x="1400175" y="1461808"/>
+                  <a:pt x="1337983" y="1524000"/>
+                  <a:pt x="1261266" y="1524000"/>
+                </a:cubicBezTo>
+                <a:lnTo>
+                  <a:pt x="138909" y="1524000"/>
+                </a:lnTo>
+                <a:cubicBezTo>
+                  <a:pt x="62192" y="1524000"/>
+                  <a:pt x="0" y="1461808"/>
+                  <a:pt x="0" y="1385091"/>
+                </a:cubicBezTo>
+                <a:lnTo>
+                  <a:pt x="0" y="829472"/>
+                </a:lnTo>
+                <a:lnTo>
+                  <a:pt x="7853" y="790575"/>
+                </a:lnTo>
+                <a:lnTo>
+                  <a:pt x="0" y="790575"/>
+                </a:lnTo>
+                <a:lnTo>
+                  <a:pt x="10172" y="779088"/>
+                </a:lnTo>
+                <a:lnTo>
+                  <a:pt x="10916" y="775403"/>
+                </a:lnTo>
+                <a:cubicBezTo>
+                  <a:pt x="17946" y="758784"/>
+                  <a:pt x="28117" y="743818"/>
+                  <a:pt x="40686" y="731249"/>
+                </a:cubicBezTo>
+                <a:lnTo>
+                  <a:pt x="70095" y="711421"/>
+                </a:lnTo>
+                <a:close/>
+              </a:path>
+            </a:pathLst>
+          </a:custGeom>
+          <a:noFill/>
+          <a:ln w="76200">
+            <a:solidFill>
+              <a:schemeClr val="bg1"/>
+            </a:solidFill>
+          </a:ln>
+        </p:spPr>
+        <p:style>
+          <a:lnRef idx="2">
+            <a:schemeClr val="accent1">
+              <a:shade val="50000"/>
+            </a:schemeClr>
+          </a:lnRef>
+          <a:fillRef idx="1">
+            <a:schemeClr val="accent1"/>
+          </a:fillRef>
+          <a:effectRef idx="0">
+            <a:schemeClr val="accent1"/>
+          </a:effectRef>
+          <a:fontRef idx="minor">
+            <a:schemeClr val="lt1"/>
+          </a:fontRef>
+        </p:style>
+        <p:txBody>
+          <a:bodyPr wrap="square" rtlCol="0" anchor="ctr">
+            <a:noAutofit/>
+          </a:bodyPr>
+          <a:lstStyle/>
+          <a:p>
+            <a:pPr algn="ctr"/>
+            <a:endParaRPr lang="zh-CN" altLang="en-US"/>
+          </a:p>
+        </p:txBody>
+      </p:sp>
+    </p:spTree>
+    <p:extLst>
+      <p:ext uri="{BB962C8B-B14F-4D97-AF65-F5344CB8AC3E}">
+        <p14:creationId xmlns:p14="http://schemas.microsoft.com/office/powerpoint/2010/main" val="3013921385"/>
+      </p:ext>
+    </p:extLst>
+  </p:cSld>
+  <p:clrMapOvr>
+    <a:masterClrMapping/>
+  </p:clrMapOvr>
+</p:sld>
+</file>
+
+<file path=ppt/slides/slide4.xml><?xml version="1.0" encoding="utf-8"?>
+<p:sld xmlns:a="http://schemas.openxmlformats.org/drawingml/2006/main" xmlns:r="http://schemas.openxmlformats.org/officeDocument/2006/relationships" xmlns:p="http://schemas.openxmlformats.org/presentationml/2006/main">
+  <p:cSld>
+    <p:spTree>
+      <p:nvGrpSpPr>
+        <p:cNvPr id="1" name=""/>
+        <p:cNvGrpSpPr/>
+        <p:nvPr/>
+      </p:nvGrpSpPr>
+      <p:grpSpPr>
+        <a:xfrm>
+          <a:off x="0" y="0"/>
+          <a:ext cx="0" cy="0"/>
+          <a:chOff x="0" y="0"/>
+          <a:chExt cx="0" cy="0"/>
+        </a:xfrm>
+      </p:grpSpPr>
+      <p:sp>
+        <p:nvSpPr>
+          <p:cNvPr id="5" name="任意多边形: 形状 4">
+            <a:extLst>
+              <a:ext uri="{FF2B5EF4-FFF2-40B4-BE49-F238E27FC236}">
+                <a16:creationId xmlns:a16="http://schemas.microsoft.com/office/drawing/2014/main" id="{F55A7F60-8AA9-3641-B98F-CD161503EDED}"/>
+              </a:ext>
+            </a:extLst>
+          </p:cNvPr>
+          <p:cNvSpPr/>
+          <p:nvPr/>
+        </p:nvSpPr>
+        <p:spPr>
+          <a:xfrm>
+            <a:off x="4636022" y="2748986"/>
+            <a:ext cx="458548" cy="680014"/>
+          </a:xfrm>
+          <a:custGeom>
+            <a:avLst/>
+            <a:gdLst>
+              <a:gd name="connsiteX0" fmla="*/ 186696 w 458548"/>
+              <a:gd name="connsiteY0" fmla="*/ 0 h 680014"/>
+              <a:gd name="connsiteX1" fmla="*/ 271853 w 458548"/>
+              <a:gd name="connsiteY1" fmla="*/ 0 h 680014"/>
+              <a:gd name="connsiteX2" fmla="*/ 271853 w 458548"/>
+              <a:gd name="connsiteY2" fmla="*/ 372040 h 680014"/>
+              <a:gd name="connsiteX3" fmla="*/ 458548 w 458548"/>
+              <a:gd name="connsiteY3" fmla="*/ 372040 h 680014"/>
+              <a:gd name="connsiteX4" fmla="*/ 458548 w 458548"/>
+              <a:gd name="connsiteY4" fmla="*/ 680014 h 680014"/>
+              <a:gd name="connsiteX5" fmla="*/ 0 w 458548"/>
+              <a:gd name="connsiteY5" fmla="*/ 680014 h 680014"/>
+              <a:gd name="connsiteX6" fmla="*/ 0 w 458548"/>
+              <a:gd name="connsiteY6" fmla="*/ 372040 h 680014"/>
+              <a:gd name="connsiteX7" fmla="*/ 186696 w 458548"/>
+              <a:gd name="connsiteY7" fmla="*/ 372040 h 680014"/>
+            </a:gdLst>
+            <a:ahLst/>
+            <a:cxnLst>
+              <a:cxn ang="0">
+                <a:pos x="connsiteX0" y="connsiteY0"/>
+              </a:cxn>
+              <a:cxn ang="0">
+                <a:pos x="connsiteX1" y="connsiteY1"/>
+              </a:cxn>
+              <a:cxn ang="0">
+                <a:pos x="connsiteX2" y="connsiteY2"/>
+              </a:cxn>
+              <a:cxn ang="0">
+                <a:pos x="connsiteX3" y="connsiteY3"/>
+              </a:cxn>
+              <a:cxn ang="0">
+                <a:pos x="connsiteX4" y="connsiteY4"/>
+              </a:cxn>
+              <a:cxn ang="0">
+                <a:pos x="connsiteX5" y="connsiteY5"/>
+              </a:cxn>
+              <a:cxn ang="0">
+                <a:pos x="connsiteX6" y="connsiteY6"/>
+              </a:cxn>
+              <a:cxn ang="0">
+                <a:pos x="connsiteX7" y="connsiteY7"/>
+              </a:cxn>
+            </a:cxnLst>
+            <a:rect l="l" t="t" r="r" b="b"/>
+            <a:pathLst>
+              <a:path w="458548" h="680014">
+                <a:moveTo>
+                  <a:pt x="186696" y="0"/>
+                </a:moveTo>
+                <a:lnTo>
+                  <a:pt x="271853" y="0"/>
+                </a:lnTo>
+                <a:lnTo>
+                  <a:pt x="271853" y="372040"/>
+                </a:lnTo>
+                <a:lnTo>
+                  <a:pt x="458548" y="372040"/>
+                </a:lnTo>
+                <a:lnTo>
+                  <a:pt x="458548" y="680014"/>
+                </a:lnTo>
+                <a:lnTo>
+                  <a:pt x="0" y="680014"/>
+                </a:lnTo>
+                <a:lnTo>
+                  <a:pt x="0" y="372040"/>
+                </a:lnTo>
+                <a:lnTo>
+                  <a:pt x="186696" y="372040"/>
+                </a:lnTo>
+                <a:close/>
+              </a:path>
+            </a:pathLst>
+          </a:custGeom>
           <a:solidFill>
-            <a:srgbClr val="934BC9"/>
+            <a:schemeClr val="bg1">
+              <a:lumMod val="50000"/>
+            </a:schemeClr>
+          </a:solidFill>
+          <a:ln w="38100">
+            <a:noFill/>
+          </a:ln>
+        </p:spPr>
+        <p:style>
+          <a:lnRef idx="2">
+            <a:schemeClr val="accent1">
+              <a:shade val="50000"/>
+            </a:schemeClr>
+          </a:lnRef>
+          <a:fillRef idx="1">
+            <a:schemeClr val="accent1"/>
+          </a:fillRef>
+          <a:effectRef idx="0">
+            <a:schemeClr val="accent1"/>
+          </a:effectRef>
+          <a:fontRef idx="minor">
+            <a:schemeClr val="lt1"/>
+          </a:fontRef>
+        </p:style>
+        <p:txBody>
+          <a:bodyPr wrap="square" rtlCol="0" anchor="ctr">
+            <a:noAutofit/>
+          </a:bodyPr>
+          <a:lstStyle/>
+          <a:p>
+            <a:pPr algn="ctr"/>
+            <a:endParaRPr lang="zh-CN" altLang="en-US" dirty="0"/>
+          </a:p>
+        </p:txBody>
+      </p:sp>
+      <p:sp>
+        <p:nvSpPr>
+          <p:cNvPr id="9" name="任意多边形: 形状 8">
+            <a:extLst>
+              <a:ext uri="{FF2B5EF4-FFF2-40B4-BE49-F238E27FC236}">
+                <a16:creationId xmlns:a16="http://schemas.microsoft.com/office/drawing/2014/main" id="{B07A7441-5A4D-45F3-3AC4-E215BA947B95}"/>
+              </a:ext>
+            </a:extLst>
+          </p:cNvPr>
+          <p:cNvSpPr/>
+          <p:nvPr/>
+        </p:nvSpPr>
+        <p:spPr>
+          <a:xfrm flipH="1">
+            <a:off x="3580923" y="2606043"/>
+            <a:ext cx="686753" cy="822956"/>
+          </a:xfrm>
+          <a:custGeom>
+            <a:avLst/>
+            <a:gdLst>
+              <a:gd name="connsiteX0" fmla="*/ 686753 w 686753"/>
+              <a:gd name="connsiteY0" fmla="*/ 189546 h 822956"/>
+              <a:gd name="connsiteX1" fmla="*/ 584834 w 686753"/>
+              <a:gd name="connsiteY1" fmla="*/ 189546 h 822956"/>
+              <a:gd name="connsiteX2" fmla="*/ 293846 w 686753"/>
+              <a:gd name="connsiteY2" fmla="*/ 386711 h 822956"/>
+              <a:gd name="connsiteX3" fmla="*/ 293846 w 686753"/>
+              <a:gd name="connsiteY3" fmla="*/ 822956 h 822956"/>
+              <a:gd name="connsiteX4" fmla="*/ 392906 w 686753"/>
+              <a:gd name="connsiteY4" fmla="*/ 822956 h 822956"/>
+              <a:gd name="connsiteX5" fmla="*/ 392906 w 686753"/>
+              <a:gd name="connsiteY5" fmla="*/ 386711 h 822956"/>
+              <a:gd name="connsiteX6" fmla="*/ 395765 w 686753"/>
+              <a:gd name="connsiteY6" fmla="*/ 386711 h 822956"/>
+              <a:gd name="connsiteX7" fmla="*/ 686753 w 686753"/>
+              <a:gd name="connsiteY7" fmla="*/ 0 h 822956"/>
+              <a:gd name="connsiteX8" fmla="*/ 0 w 686753"/>
+              <a:gd name="connsiteY8" fmla="*/ 0 h 822956"/>
+              <a:gd name="connsiteX9" fmla="*/ 0 w 686753"/>
+              <a:gd name="connsiteY9" fmla="*/ 189545 h 822956"/>
+              <a:gd name="connsiteX10" fmla="*/ 686753 w 686753"/>
+              <a:gd name="connsiteY10" fmla="*/ 189545 h 822956"/>
+            </a:gdLst>
+            <a:ahLst/>
+            <a:cxnLst>
+              <a:cxn ang="0">
+                <a:pos x="connsiteX0" y="connsiteY0"/>
+              </a:cxn>
+              <a:cxn ang="0">
+                <a:pos x="connsiteX1" y="connsiteY1"/>
+              </a:cxn>
+              <a:cxn ang="0">
+                <a:pos x="connsiteX2" y="connsiteY2"/>
+              </a:cxn>
+              <a:cxn ang="0">
+                <a:pos x="connsiteX3" y="connsiteY3"/>
+              </a:cxn>
+              <a:cxn ang="0">
+                <a:pos x="connsiteX4" y="connsiteY4"/>
+              </a:cxn>
+              <a:cxn ang="0">
+                <a:pos x="connsiteX5" y="connsiteY5"/>
+              </a:cxn>
+              <a:cxn ang="0">
+                <a:pos x="connsiteX6" y="connsiteY6"/>
+              </a:cxn>
+              <a:cxn ang="0">
+                <a:pos x="connsiteX7" y="connsiteY7"/>
+              </a:cxn>
+              <a:cxn ang="0">
+                <a:pos x="connsiteX8" y="connsiteY8"/>
+              </a:cxn>
+              <a:cxn ang="0">
+                <a:pos x="connsiteX9" y="connsiteY9"/>
+              </a:cxn>
+              <a:cxn ang="0">
+                <a:pos x="connsiteX10" y="connsiteY10"/>
+              </a:cxn>
+            </a:cxnLst>
+            <a:rect l="l" t="t" r="r" b="b"/>
+            <a:pathLst>
+              <a:path w="686753" h="822956">
+                <a:moveTo>
+                  <a:pt x="686753" y="189546"/>
+                </a:moveTo>
+                <a:lnTo>
+                  <a:pt x="584834" y="189546"/>
+                </a:lnTo>
+                <a:lnTo>
+                  <a:pt x="293846" y="386711"/>
+                </a:lnTo>
+                <a:lnTo>
+                  <a:pt x="293846" y="822956"/>
+                </a:lnTo>
+                <a:lnTo>
+                  <a:pt x="392906" y="822956"/>
+                </a:lnTo>
+                <a:lnTo>
+                  <a:pt x="392906" y="386711"/>
+                </a:lnTo>
+                <a:lnTo>
+                  <a:pt x="395765" y="386711"/>
+                </a:lnTo>
+                <a:close/>
+                <a:moveTo>
+                  <a:pt x="686753" y="0"/>
+                </a:moveTo>
+                <a:lnTo>
+                  <a:pt x="0" y="0"/>
+                </a:lnTo>
+                <a:lnTo>
+                  <a:pt x="0" y="189545"/>
+                </a:lnTo>
+                <a:lnTo>
+                  <a:pt x="686753" y="189545"/>
+                </a:lnTo>
+                <a:close/>
+              </a:path>
+            </a:pathLst>
+          </a:custGeom>
+          <a:solidFill>
+            <a:srgbClr val="7F7F7F"/>
           </a:solidFill>
           <a:ln>
             <a:noFill/>
@@ -5258,67 +7896,20 @@
           </a:fontRef>
         </p:style>
         <p:txBody>
-          <a:bodyPr rtlCol="0" anchor="ctr"/>
+          <a:bodyPr wrap="square" rtlCol="0" anchor="ctr">
+            <a:noAutofit/>
+          </a:bodyPr>
           <a:lstStyle/>
           <a:p>
             <a:pPr algn="ctr"/>
             <a:endParaRPr lang="zh-CN" altLang="en-US"/>
-          </a:p>
-        </p:txBody>
-      </p:sp>
-      <p:sp>
-        <p:nvSpPr>
-          <p:cNvPr id="27" name="文本框 26">
-            <a:extLst>
-              <a:ext uri="{FF2B5EF4-FFF2-40B4-BE49-F238E27FC236}">
-                <a16:creationId xmlns:a16="http://schemas.microsoft.com/office/drawing/2014/main" id="{8413DE6D-2E36-4C07-63D1-01B64D085599}"/>
-              </a:ext>
-            </a:extLst>
-          </p:cNvPr>
-          <p:cNvSpPr txBox="1"/>
-          <p:nvPr/>
-        </p:nvSpPr>
-        <p:spPr>
-          <a:xfrm>
-            <a:off x="3486794" y="4463143"/>
-            <a:ext cx="4158343" cy="646331"/>
-          </a:xfrm>
-          <a:prstGeom prst="rect">
-            <a:avLst/>
-          </a:prstGeom>
-          <a:noFill/>
-        </p:spPr>
-        <p:txBody>
-          <a:bodyPr wrap="square" rtlCol="0">
-            <a:spAutoFit/>
-          </a:bodyPr>
-          <a:lstStyle/>
-          <a:p>
-            <a:pPr algn="ctr"/>
-            <a:r>
-              <a:rPr lang="en-US" altLang="zh-CN" sz="3600" dirty="0">
-                <a:solidFill>
-                  <a:schemeClr val="bg1"/>
-                </a:solidFill>
-                <a:latin typeface="Alimama ShuHeiTi Bold" pitchFamily="2" charset="-122"/>
-                <a:ea typeface="Alimama ShuHeiTi Bold" pitchFamily="2" charset="-122"/>
-              </a:rPr>
-              <a:t>Finish!</a:t>
-            </a:r>
-            <a:endParaRPr lang="zh-CN" altLang="en-US" sz="3600" dirty="0">
-              <a:solidFill>
-                <a:schemeClr val="bg1"/>
-              </a:solidFill>
-              <a:latin typeface="Alimama ShuHeiTi Bold" pitchFamily="2" charset="-122"/>
-              <a:ea typeface="Alimama ShuHeiTi Bold" pitchFamily="2" charset="-122"/>
-            </a:endParaRPr>
           </a:p>
         </p:txBody>
       </p:sp>
     </p:spTree>
     <p:extLst>
       <p:ext uri="{BB962C8B-B14F-4D97-AF65-F5344CB8AC3E}">
-        <p14:creationId xmlns:p14="http://schemas.microsoft.com/office/powerpoint/2010/main" val="2225801219"/>
+        <p14:creationId xmlns:p14="http://schemas.microsoft.com/office/powerpoint/2010/main" val="1525730970"/>
       </p:ext>
     </p:extLst>
   </p:cSld>

--- a/Texture/Texture.pptx
+++ b/Texture/Texture.pptx
@@ -4189,6 +4189,291 @@
           <a:p>
             <a:pPr algn="ctr"/>
             <a:endParaRPr lang="zh-CN" altLang="en-US" dirty="0"/>
+          </a:p>
+        </p:txBody>
+      </p:sp>
+      <p:sp>
+        <p:nvSpPr>
+          <p:cNvPr id="62" name="任意多边形: 形状 61">
+            <a:extLst>
+              <a:ext uri="{FF2B5EF4-FFF2-40B4-BE49-F238E27FC236}">
+                <a16:creationId xmlns:a16="http://schemas.microsoft.com/office/drawing/2014/main" id="{9A74240B-E7D0-70CB-E878-6C511896EEE4}"/>
+              </a:ext>
+            </a:extLst>
+          </p:cNvPr>
+          <p:cNvSpPr/>
+          <p:nvPr/>
+        </p:nvSpPr>
+        <p:spPr>
+          <a:xfrm>
+            <a:off x="4636022" y="2748986"/>
+            <a:ext cx="458548" cy="680014"/>
+          </a:xfrm>
+          <a:custGeom>
+            <a:avLst/>
+            <a:gdLst>
+              <a:gd name="connsiteX0" fmla="*/ 186696 w 458548"/>
+              <a:gd name="connsiteY0" fmla="*/ 0 h 680014"/>
+              <a:gd name="connsiteX1" fmla="*/ 271853 w 458548"/>
+              <a:gd name="connsiteY1" fmla="*/ 0 h 680014"/>
+              <a:gd name="connsiteX2" fmla="*/ 271853 w 458548"/>
+              <a:gd name="connsiteY2" fmla="*/ 372040 h 680014"/>
+              <a:gd name="connsiteX3" fmla="*/ 458548 w 458548"/>
+              <a:gd name="connsiteY3" fmla="*/ 372040 h 680014"/>
+              <a:gd name="connsiteX4" fmla="*/ 458548 w 458548"/>
+              <a:gd name="connsiteY4" fmla="*/ 680014 h 680014"/>
+              <a:gd name="connsiteX5" fmla="*/ 0 w 458548"/>
+              <a:gd name="connsiteY5" fmla="*/ 680014 h 680014"/>
+              <a:gd name="connsiteX6" fmla="*/ 0 w 458548"/>
+              <a:gd name="connsiteY6" fmla="*/ 372040 h 680014"/>
+              <a:gd name="connsiteX7" fmla="*/ 186696 w 458548"/>
+              <a:gd name="connsiteY7" fmla="*/ 372040 h 680014"/>
+            </a:gdLst>
+            <a:ahLst/>
+            <a:cxnLst>
+              <a:cxn ang="0">
+                <a:pos x="connsiteX0" y="connsiteY0"/>
+              </a:cxn>
+              <a:cxn ang="0">
+                <a:pos x="connsiteX1" y="connsiteY1"/>
+              </a:cxn>
+              <a:cxn ang="0">
+                <a:pos x="connsiteX2" y="connsiteY2"/>
+              </a:cxn>
+              <a:cxn ang="0">
+                <a:pos x="connsiteX3" y="connsiteY3"/>
+              </a:cxn>
+              <a:cxn ang="0">
+                <a:pos x="connsiteX4" y="connsiteY4"/>
+              </a:cxn>
+              <a:cxn ang="0">
+                <a:pos x="connsiteX5" y="connsiteY5"/>
+              </a:cxn>
+              <a:cxn ang="0">
+                <a:pos x="connsiteX6" y="connsiteY6"/>
+              </a:cxn>
+              <a:cxn ang="0">
+                <a:pos x="connsiteX7" y="connsiteY7"/>
+              </a:cxn>
+            </a:cxnLst>
+            <a:rect l="l" t="t" r="r" b="b"/>
+            <a:pathLst>
+              <a:path w="458548" h="680014">
+                <a:moveTo>
+                  <a:pt x="186696" y="0"/>
+                </a:moveTo>
+                <a:lnTo>
+                  <a:pt x="271853" y="0"/>
+                </a:lnTo>
+                <a:lnTo>
+                  <a:pt x="271853" y="372040"/>
+                </a:lnTo>
+                <a:lnTo>
+                  <a:pt x="458548" y="372040"/>
+                </a:lnTo>
+                <a:lnTo>
+                  <a:pt x="458548" y="680014"/>
+                </a:lnTo>
+                <a:lnTo>
+                  <a:pt x="0" y="680014"/>
+                </a:lnTo>
+                <a:lnTo>
+                  <a:pt x="0" y="372040"/>
+                </a:lnTo>
+                <a:lnTo>
+                  <a:pt x="186696" y="372040"/>
+                </a:lnTo>
+                <a:close/>
+              </a:path>
+            </a:pathLst>
+          </a:custGeom>
+          <a:solidFill>
+            <a:schemeClr val="bg1">
+              <a:lumMod val="50000"/>
+            </a:schemeClr>
+          </a:solidFill>
+          <a:ln w="38100">
+            <a:noFill/>
+          </a:ln>
+        </p:spPr>
+        <p:style>
+          <a:lnRef idx="2">
+            <a:schemeClr val="accent1">
+              <a:shade val="50000"/>
+            </a:schemeClr>
+          </a:lnRef>
+          <a:fillRef idx="1">
+            <a:schemeClr val="accent1"/>
+          </a:fillRef>
+          <a:effectRef idx="0">
+            <a:schemeClr val="accent1"/>
+          </a:effectRef>
+          <a:fontRef idx="minor">
+            <a:schemeClr val="lt1"/>
+          </a:fontRef>
+        </p:style>
+        <p:txBody>
+          <a:bodyPr wrap="square" rtlCol="0" anchor="ctr">
+            <a:noAutofit/>
+          </a:bodyPr>
+          <a:lstStyle/>
+          <a:p>
+            <a:pPr algn="ctr"/>
+            <a:endParaRPr lang="zh-CN" altLang="en-US" dirty="0"/>
+          </a:p>
+        </p:txBody>
+      </p:sp>
+      <p:sp>
+        <p:nvSpPr>
+          <p:cNvPr id="63" name="任意多边形: 形状 62">
+            <a:extLst>
+              <a:ext uri="{FF2B5EF4-FFF2-40B4-BE49-F238E27FC236}">
+                <a16:creationId xmlns:a16="http://schemas.microsoft.com/office/drawing/2014/main" id="{E0117D6F-9BAE-B56B-3759-3B94F180768E}"/>
+              </a:ext>
+            </a:extLst>
+          </p:cNvPr>
+          <p:cNvSpPr/>
+          <p:nvPr/>
+        </p:nvSpPr>
+        <p:spPr>
+          <a:xfrm flipH="1">
+            <a:off x="3580923" y="2606043"/>
+            <a:ext cx="686753" cy="822956"/>
+          </a:xfrm>
+          <a:custGeom>
+            <a:avLst/>
+            <a:gdLst>
+              <a:gd name="connsiteX0" fmla="*/ 686753 w 686753"/>
+              <a:gd name="connsiteY0" fmla="*/ 189546 h 822956"/>
+              <a:gd name="connsiteX1" fmla="*/ 584834 w 686753"/>
+              <a:gd name="connsiteY1" fmla="*/ 189546 h 822956"/>
+              <a:gd name="connsiteX2" fmla="*/ 293846 w 686753"/>
+              <a:gd name="connsiteY2" fmla="*/ 386711 h 822956"/>
+              <a:gd name="connsiteX3" fmla="*/ 293846 w 686753"/>
+              <a:gd name="connsiteY3" fmla="*/ 822956 h 822956"/>
+              <a:gd name="connsiteX4" fmla="*/ 392906 w 686753"/>
+              <a:gd name="connsiteY4" fmla="*/ 822956 h 822956"/>
+              <a:gd name="connsiteX5" fmla="*/ 392906 w 686753"/>
+              <a:gd name="connsiteY5" fmla="*/ 386711 h 822956"/>
+              <a:gd name="connsiteX6" fmla="*/ 395765 w 686753"/>
+              <a:gd name="connsiteY6" fmla="*/ 386711 h 822956"/>
+              <a:gd name="connsiteX7" fmla="*/ 686753 w 686753"/>
+              <a:gd name="connsiteY7" fmla="*/ 0 h 822956"/>
+              <a:gd name="connsiteX8" fmla="*/ 0 w 686753"/>
+              <a:gd name="connsiteY8" fmla="*/ 0 h 822956"/>
+              <a:gd name="connsiteX9" fmla="*/ 0 w 686753"/>
+              <a:gd name="connsiteY9" fmla="*/ 189545 h 822956"/>
+              <a:gd name="connsiteX10" fmla="*/ 686753 w 686753"/>
+              <a:gd name="connsiteY10" fmla="*/ 189545 h 822956"/>
+            </a:gdLst>
+            <a:ahLst/>
+            <a:cxnLst>
+              <a:cxn ang="0">
+                <a:pos x="connsiteX0" y="connsiteY0"/>
+              </a:cxn>
+              <a:cxn ang="0">
+                <a:pos x="connsiteX1" y="connsiteY1"/>
+              </a:cxn>
+              <a:cxn ang="0">
+                <a:pos x="connsiteX2" y="connsiteY2"/>
+              </a:cxn>
+              <a:cxn ang="0">
+                <a:pos x="connsiteX3" y="connsiteY3"/>
+              </a:cxn>
+              <a:cxn ang="0">
+                <a:pos x="connsiteX4" y="connsiteY4"/>
+              </a:cxn>
+              <a:cxn ang="0">
+                <a:pos x="connsiteX5" y="connsiteY5"/>
+              </a:cxn>
+              <a:cxn ang="0">
+                <a:pos x="connsiteX6" y="connsiteY6"/>
+              </a:cxn>
+              <a:cxn ang="0">
+                <a:pos x="connsiteX7" y="connsiteY7"/>
+              </a:cxn>
+              <a:cxn ang="0">
+                <a:pos x="connsiteX8" y="connsiteY8"/>
+              </a:cxn>
+              <a:cxn ang="0">
+                <a:pos x="connsiteX9" y="connsiteY9"/>
+              </a:cxn>
+              <a:cxn ang="0">
+                <a:pos x="connsiteX10" y="connsiteY10"/>
+              </a:cxn>
+            </a:cxnLst>
+            <a:rect l="l" t="t" r="r" b="b"/>
+            <a:pathLst>
+              <a:path w="686753" h="822956">
+                <a:moveTo>
+                  <a:pt x="686753" y="189546"/>
+                </a:moveTo>
+                <a:lnTo>
+                  <a:pt x="584834" y="189546"/>
+                </a:lnTo>
+                <a:lnTo>
+                  <a:pt x="293846" y="386711"/>
+                </a:lnTo>
+                <a:lnTo>
+                  <a:pt x="293846" y="822956"/>
+                </a:lnTo>
+                <a:lnTo>
+                  <a:pt x="392906" y="822956"/>
+                </a:lnTo>
+                <a:lnTo>
+                  <a:pt x="392906" y="386711"/>
+                </a:lnTo>
+                <a:lnTo>
+                  <a:pt x="395765" y="386711"/>
+                </a:lnTo>
+                <a:close/>
+                <a:moveTo>
+                  <a:pt x="686753" y="0"/>
+                </a:moveTo>
+                <a:lnTo>
+                  <a:pt x="0" y="0"/>
+                </a:lnTo>
+                <a:lnTo>
+                  <a:pt x="0" y="189545"/>
+                </a:lnTo>
+                <a:lnTo>
+                  <a:pt x="686753" y="189545"/>
+                </a:lnTo>
+                <a:close/>
+              </a:path>
+            </a:pathLst>
+          </a:custGeom>
+          <a:solidFill>
+            <a:srgbClr val="7F7F7F"/>
+          </a:solidFill>
+          <a:ln>
+            <a:noFill/>
+          </a:ln>
+        </p:spPr>
+        <p:style>
+          <a:lnRef idx="2">
+            <a:schemeClr val="accent1">
+              <a:shade val="50000"/>
+            </a:schemeClr>
+          </a:lnRef>
+          <a:fillRef idx="1">
+            <a:schemeClr val="accent1"/>
+          </a:fillRef>
+          <a:effectRef idx="0">
+            <a:schemeClr val="accent1"/>
+          </a:effectRef>
+          <a:fontRef idx="minor">
+            <a:schemeClr val="lt1"/>
+          </a:fontRef>
+        </p:style>
+        <p:txBody>
+          <a:bodyPr wrap="square" rtlCol="0" anchor="ctr">
+            <a:noAutofit/>
+          </a:bodyPr>
+          <a:lstStyle/>
+          <a:p>
+            <a:pPr algn="ctr"/>
+            <a:endParaRPr lang="zh-CN" altLang="en-US"/>
           </a:p>
         </p:txBody>
       </p:sp>
@@ -7621,291 +7906,133 @@
           <a:chExt cx="0" cy="0"/>
         </a:xfrm>
       </p:grpSpPr>
-      <p:sp>
-        <p:nvSpPr>
-          <p:cNvPr id="5" name="任意多边形: 形状 4">
-            <a:extLst>
-              <a:ext uri="{FF2B5EF4-FFF2-40B4-BE49-F238E27FC236}">
-                <a16:creationId xmlns:a16="http://schemas.microsoft.com/office/drawing/2014/main" id="{F55A7F60-8AA9-3641-B98F-CD161503EDED}"/>
-              </a:ext>
-            </a:extLst>
-          </p:cNvPr>
-          <p:cNvSpPr/>
+      <p:grpSp>
+        <p:nvGrpSpPr>
+          <p:cNvPr id="12" name="组合 11">
+            <a:extLst>
+              <a:ext uri="{FF2B5EF4-FFF2-40B4-BE49-F238E27FC236}">
+                <a16:creationId xmlns:a16="http://schemas.microsoft.com/office/drawing/2014/main" id="{7CCBCF01-84B7-D13A-711B-DBE9AB1E5A12}"/>
+              </a:ext>
+            </a:extLst>
+          </p:cNvPr>
+          <p:cNvGrpSpPr/>
           <p:nvPr/>
-        </p:nvSpPr>
-        <p:spPr>
+        </p:nvGrpSpPr>
+        <p:grpSpPr>
           <a:xfrm>
-            <a:off x="4636022" y="2748986"/>
-            <a:ext cx="458548" cy="680014"/>
+            <a:off x="2520950" y="1790700"/>
+            <a:ext cx="1511300" cy="1511300"/>
+            <a:chOff x="2520950" y="1790700"/>
+            <a:chExt cx="1511300" cy="1511300"/>
           </a:xfrm>
-          <a:custGeom>
-            <a:avLst/>
-            <a:gdLst>
-              <a:gd name="connsiteX0" fmla="*/ 186696 w 458548"/>
-              <a:gd name="connsiteY0" fmla="*/ 0 h 680014"/>
-              <a:gd name="connsiteX1" fmla="*/ 271853 w 458548"/>
-              <a:gd name="connsiteY1" fmla="*/ 0 h 680014"/>
-              <a:gd name="connsiteX2" fmla="*/ 271853 w 458548"/>
-              <a:gd name="connsiteY2" fmla="*/ 372040 h 680014"/>
-              <a:gd name="connsiteX3" fmla="*/ 458548 w 458548"/>
-              <a:gd name="connsiteY3" fmla="*/ 372040 h 680014"/>
-              <a:gd name="connsiteX4" fmla="*/ 458548 w 458548"/>
-              <a:gd name="connsiteY4" fmla="*/ 680014 h 680014"/>
-              <a:gd name="connsiteX5" fmla="*/ 0 w 458548"/>
-              <a:gd name="connsiteY5" fmla="*/ 680014 h 680014"/>
-              <a:gd name="connsiteX6" fmla="*/ 0 w 458548"/>
-              <a:gd name="connsiteY6" fmla="*/ 372040 h 680014"/>
-              <a:gd name="connsiteX7" fmla="*/ 186696 w 458548"/>
-              <a:gd name="connsiteY7" fmla="*/ 372040 h 680014"/>
-            </a:gdLst>
-            <a:ahLst/>
-            <a:cxnLst>
-              <a:cxn ang="0">
-                <a:pos x="connsiteX0" y="connsiteY0"/>
-              </a:cxn>
-              <a:cxn ang="0">
-                <a:pos x="connsiteX1" y="connsiteY1"/>
-              </a:cxn>
-              <a:cxn ang="0">
-                <a:pos x="connsiteX2" y="connsiteY2"/>
-              </a:cxn>
-              <a:cxn ang="0">
-                <a:pos x="connsiteX3" y="connsiteY3"/>
-              </a:cxn>
-              <a:cxn ang="0">
-                <a:pos x="connsiteX4" y="connsiteY4"/>
-              </a:cxn>
-              <a:cxn ang="0">
-                <a:pos x="connsiteX5" y="connsiteY5"/>
-              </a:cxn>
-              <a:cxn ang="0">
-                <a:pos x="connsiteX6" y="connsiteY6"/>
-              </a:cxn>
-              <a:cxn ang="0">
-                <a:pos x="connsiteX7" y="connsiteY7"/>
-              </a:cxn>
-            </a:cxnLst>
-            <a:rect l="l" t="t" r="r" b="b"/>
-            <a:pathLst>
-              <a:path w="458548" h="680014">
-                <a:moveTo>
-                  <a:pt x="186696" y="0"/>
-                </a:moveTo>
-                <a:lnTo>
-                  <a:pt x="271853" y="0"/>
-                </a:lnTo>
-                <a:lnTo>
-                  <a:pt x="271853" y="372040"/>
-                </a:lnTo>
-                <a:lnTo>
-                  <a:pt x="458548" y="372040"/>
-                </a:lnTo>
-                <a:lnTo>
-                  <a:pt x="458548" y="680014"/>
-                </a:lnTo>
-                <a:lnTo>
-                  <a:pt x="0" y="680014"/>
-                </a:lnTo>
-                <a:lnTo>
-                  <a:pt x="0" y="372040"/>
-                </a:lnTo>
-                <a:lnTo>
-                  <a:pt x="186696" y="372040"/>
-                </a:lnTo>
-                <a:close/>
-              </a:path>
-            </a:pathLst>
-          </a:custGeom>
-          <a:solidFill>
-            <a:schemeClr val="bg1">
-              <a:lumMod val="50000"/>
-            </a:schemeClr>
-          </a:solidFill>
-          <a:ln w="38100">
-            <a:noFill/>
-          </a:ln>
-        </p:spPr>
-        <p:style>
-          <a:lnRef idx="2">
-            <a:schemeClr val="accent1">
-              <a:shade val="50000"/>
-            </a:schemeClr>
-          </a:lnRef>
-          <a:fillRef idx="1">
-            <a:schemeClr val="accent1"/>
-          </a:fillRef>
-          <a:effectRef idx="0">
-            <a:schemeClr val="accent1"/>
-          </a:effectRef>
-          <a:fontRef idx="minor">
-            <a:schemeClr val="lt1"/>
-          </a:fontRef>
-        </p:style>
-        <p:txBody>
-          <a:bodyPr wrap="square" rtlCol="0" anchor="ctr">
-            <a:noAutofit/>
-          </a:bodyPr>
-          <a:lstStyle/>
-          <a:p>
-            <a:pPr algn="ctr"/>
-            <a:endParaRPr lang="zh-CN" altLang="en-US" dirty="0"/>
-          </a:p>
-        </p:txBody>
-      </p:sp>
-      <p:sp>
-        <p:nvSpPr>
-          <p:cNvPr id="9" name="任意多边形: 形状 8">
-            <a:extLst>
-              <a:ext uri="{FF2B5EF4-FFF2-40B4-BE49-F238E27FC236}">
-                <a16:creationId xmlns:a16="http://schemas.microsoft.com/office/drawing/2014/main" id="{B07A7441-5A4D-45F3-3AC4-E215BA947B95}"/>
-              </a:ext>
-            </a:extLst>
-          </p:cNvPr>
-          <p:cNvSpPr/>
-          <p:nvPr/>
-        </p:nvSpPr>
-        <p:spPr>
-          <a:xfrm flipH="1">
-            <a:off x="3580923" y="2606043"/>
-            <a:ext cx="686753" cy="822956"/>
-          </a:xfrm>
-          <a:custGeom>
-            <a:avLst/>
-            <a:gdLst>
-              <a:gd name="connsiteX0" fmla="*/ 686753 w 686753"/>
-              <a:gd name="connsiteY0" fmla="*/ 189546 h 822956"/>
-              <a:gd name="connsiteX1" fmla="*/ 584834 w 686753"/>
-              <a:gd name="connsiteY1" fmla="*/ 189546 h 822956"/>
-              <a:gd name="connsiteX2" fmla="*/ 293846 w 686753"/>
-              <a:gd name="connsiteY2" fmla="*/ 386711 h 822956"/>
-              <a:gd name="connsiteX3" fmla="*/ 293846 w 686753"/>
-              <a:gd name="connsiteY3" fmla="*/ 822956 h 822956"/>
-              <a:gd name="connsiteX4" fmla="*/ 392906 w 686753"/>
-              <a:gd name="connsiteY4" fmla="*/ 822956 h 822956"/>
-              <a:gd name="connsiteX5" fmla="*/ 392906 w 686753"/>
-              <a:gd name="connsiteY5" fmla="*/ 386711 h 822956"/>
-              <a:gd name="connsiteX6" fmla="*/ 395765 w 686753"/>
-              <a:gd name="connsiteY6" fmla="*/ 386711 h 822956"/>
-              <a:gd name="connsiteX7" fmla="*/ 686753 w 686753"/>
-              <a:gd name="connsiteY7" fmla="*/ 0 h 822956"/>
-              <a:gd name="connsiteX8" fmla="*/ 0 w 686753"/>
-              <a:gd name="connsiteY8" fmla="*/ 0 h 822956"/>
-              <a:gd name="connsiteX9" fmla="*/ 0 w 686753"/>
-              <a:gd name="connsiteY9" fmla="*/ 189545 h 822956"/>
-              <a:gd name="connsiteX10" fmla="*/ 686753 w 686753"/>
-              <a:gd name="connsiteY10" fmla="*/ 189545 h 822956"/>
-            </a:gdLst>
-            <a:ahLst/>
-            <a:cxnLst>
-              <a:cxn ang="0">
-                <a:pos x="connsiteX0" y="connsiteY0"/>
-              </a:cxn>
-              <a:cxn ang="0">
-                <a:pos x="connsiteX1" y="connsiteY1"/>
-              </a:cxn>
-              <a:cxn ang="0">
-                <a:pos x="connsiteX2" y="connsiteY2"/>
-              </a:cxn>
-              <a:cxn ang="0">
-                <a:pos x="connsiteX3" y="connsiteY3"/>
-              </a:cxn>
-              <a:cxn ang="0">
-                <a:pos x="connsiteX4" y="connsiteY4"/>
-              </a:cxn>
-              <a:cxn ang="0">
-                <a:pos x="connsiteX5" y="connsiteY5"/>
-              </a:cxn>
-              <a:cxn ang="0">
-                <a:pos x="connsiteX6" y="connsiteY6"/>
-              </a:cxn>
-              <a:cxn ang="0">
-                <a:pos x="connsiteX7" y="connsiteY7"/>
-              </a:cxn>
-              <a:cxn ang="0">
-                <a:pos x="connsiteX8" y="connsiteY8"/>
-              </a:cxn>
-              <a:cxn ang="0">
-                <a:pos x="connsiteX9" y="connsiteY9"/>
-              </a:cxn>
-              <a:cxn ang="0">
-                <a:pos x="connsiteX10" y="connsiteY10"/>
-              </a:cxn>
-            </a:cxnLst>
-            <a:rect l="l" t="t" r="r" b="b"/>
-            <a:pathLst>
-              <a:path w="686753" h="822956">
-                <a:moveTo>
-                  <a:pt x="686753" y="189546"/>
-                </a:moveTo>
-                <a:lnTo>
-                  <a:pt x="584834" y="189546"/>
-                </a:lnTo>
-                <a:lnTo>
-                  <a:pt x="293846" y="386711"/>
-                </a:lnTo>
-                <a:lnTo>
-                  <a:pt x="293846" y="822956"/>
-                </a:lnTo>
-                <a:lnTo>
-                  <a:pt x="392906" y="822956"/>
-                </a:lnTo>
-                <a:lnTo>
-                  <a:pt x="392906" y="386711"/>
-                </a:lnTo>
-                <a:lnTo>
-                  <a:pt x="395765" y="386711"/>
-                </a:lnTo>
-                <a:close/>
-                <a:moveTo>
-                  <a:pt x="686753" y="0"/>
-                </a:moveTo>
-                <a:lnTo>
-                  <a:pt x="0" y="0"/>
-                </a:lnTo>
-                <a:lnTo>
-                  <a:pt x="0" y="189545"/>
-                </a:lnTo>
-                <a:lnTo>
-                  <a:pt x="686753" y="189545"/>
-                </a:lnTo>
-                <a:close/>
-              </a:path>
-            </a:pathLst>
-          </a:custGeom>
-          <a:solidFill>
-            <a:srgbClr val="7F7F7F"/>
-          </a:solidFill>
-          <a:ln>
-            <a:noFill/>
-          </a:ln>
-        </p:spPr>
-        <p:style>
-          <a:lnRef idx="2">
-            <a:schemeClr val="accent1">
-              <a:shade val="50000"/>
-            </a:schemeClr>
-          </a:lnRef>
-          <a:fillRef idx="1">
-            <a:schemeClr val="accent1"/>
-          </a:fillRef>
-          <a:effectRef idx="0">
-            <a:schemeClr val="accent1"/>
-          </a:effectRef>
-          <a:fontRef idx="minor">
-            <a:schemeClr val="lt1"/>
-          </a:fontRef>
-        </p:style>
-        <p:txBody>
-          <a:bodyPr wrap="square" rtlCol="0" anchor="ctr">
-            <a:noAutofit/>
-          </a:bodyPr>
-          <a:lstStyle/>
-          <a:p>
-            <a:pPr algn="ctr"/>
-            <a:endParaRPr lang="zh-CN" altLang="en-US"/>
-          </a:p>
-        </p:txBody>
-      </p:sp>
+        </p:grpSpPr>
+        <p:sp>
+          <p:nvSpPr>
+            <p:cNvPr id="10" name="椭圆 9">
+              <a:extLst>
+                <a:ext uri="{FF2B5EF4-FFF2-40B4-BE49-F238E27FC236}">
+                  <a16:creationId xmlns:a16="http://schemas.microsoft.com/office/drawing/2014/main" id="{E7700CCD-8F5F-DE27-5F27-0F45CEDE9DD6}"/>
+                </a:ext>
+              </a:extLst>
+            </p:cNvPr>
+            <p:cNvSpPr/>
+            <p:nvPr/>
+          </p:nvSpPr>
+          <p:spPr>
+            <a:xfrm>
+              <a:off x="2520950" y="1790700"/>
+              <a:ext cx="1511300" cy="1511300"/>
+            </a:xfrm>
+            <a:prstGeom prst="ellipse">
+              <a:avLst/>
+            </a:prstGeom>
+            <a:solidFill>
+              <a:schemeClr val="bg1"/>
+            </a:solidFill>
+            <a:ln>
+              <a:noFill/>
+            </a:ln>
+          </p:spPr>
+          <p:style>
+            <a:lnRef idx="2">
+              <a:schemeClr val="accent1">
+                <a:shade val="50000"/>
+              </a:schemeClr>
+            </a:lnRef>
+            <a:fillRef idx="1">
+              <a:schemeClr val="accent1"/>
+            </a:fillRef>
+            <a:effectRef idx="0">
+              <a:schemeClr val="accent1"/>
+            </a:effectRef>
+            <a:fontRef idx="minor">
+              <a:schemeClr val="lt1"/>
+            </a:fontRef>
+          </p:style>
+          <p:txBody>
+            <a:bodyPr rtlCol="0" anchor="ctr"/>
+            <a:lstStyle/>
+            <a:p>
+              <a:pPr algn="ctr"/>
+              <a:endParaRPr lang="zh-CN" altLang="en-US"/>
+            </a:p>
+          </p:txBody>
+        </p:sp>
+        <p:sp>
+          <p:nvSpPr>
+            <p:cNvPr id="11" name="矩形 10">
+              <a:extLst>
+                <a:ext uri="{FF2B5EF4-FFF2-40B4-BE49-F238E27FC236}">
+                  <a16:creationId xmlns:a16="http://schemas.microsoft.com/office/drawing/2014/main" id="{97476918-8DED-61E8-307B-001B3D580B22}"/>
+                </a:ext>
+              </a:extLst>
+            </p:cNvPr>
+            <p:cNvSpPr/>
+            <p:nvPr/>
+          </p:nvSpPr>
+          <p:spPr>
+            <a:xfrm>
+              <a:off x="3190875" y="2381250"/>
+              <a:ext cx="171450" cy="711200"/>
+            </a:xfrm>
+            <a:prstGeom prst="rect">
+              <a:avLst/>
+            </a:prstGeom>
+            <a:solidFill>
+              <a:schemeClr val="bg1">
+                <a:lumMod val="75000"/>
+              </a:schemeClr>
+            </a:solidFill>
+            <a:ln>
+              <a:noFill/>
+            </a:ln>
+          </p:spPr>
+          <p:style>
+            <a:lnRef idx="2">
+              <a:schemeClr val="accent1">
+                <a:shade val="50000"/>
+              </a:schemeClr>
+            </a:lnRef>
+            <a:fillRef idx="1">
+              <a:schemeClr val="accent1"/>
+            </a:fillRef>
+            <a:effectRef idx="0">
+              <a:schemeClr val="accent1"/>
+            </a:effectRef>
+            <a:fontRef idx="minor">
+              <a:schemeClr val="lt1"/>
+            </a:fontRef>
+          </p:style>
+          <p:txBody>
+            <a:bodyPr rtlCol="0" anchor="ctr"/>
+            <a:lstStyle/>
+            <a:p>
+              <a:pPr algn="ctr"/>
+              <a:endParaRPr lang="zh-CN" altLang="en-US"/>
+            </a:p>
+          </p:txBody>
+        </p:sp>
+      </p:grpSp>
     </p:spTree>
     <p:extLst>
       <p:ext uri="{BB962C8B-B14F-4D97-AF65-F5344CB8AC3E}">

--- a/Texture/Texture.pptx
+++ b/Texture/Texture.pptx
@@ -262,7 +262,7 @@
           <a:p>
             <a:fld id="{B737DA26-94C3-49F0-977D-61C9BEE27B16}" type="datetimeFigureOut">
               <a:rPr lang="zh-CN" altLang="en-US" smtClean="0"/>
-              <a:t>2022/10/5</a:t>
+              <a:t>2022/10/7</a:t>
             </a:fld>
             <a:endParaRPr lang="zh-CN" altLang="en-US"/>
           </a:p>
@@ -460,7 +460,7 @@
           <a:p>
             <a:fld id="{B737DA26-94C3-49F0-977D-61C9BEE27B16}" type="datetimeFigureOut">
               <a:rPr lang="zh-CN" altLang="en-US" smtClean="0"/>
-              <a:t>2022/10/5</a:t>
+              <a:t>2022/10/7</a:t>
             </a:fld>
             <a:endParaRPr lang="zh-CN" altLang="en-US"/>
           </a:p>
@@ -668,7 +668,7 @@
           <a:p>
             <a:fld id="{B737DA26-94C3-49F0-977D-61C9BEE27B16}" type="datetimeFigureOut">
               <a:rPr lang="zh-CN" altLang="en-US" smtClean="0"/>
-              <a:t>2022/10/5</a:t>
+              <a:t>2022/10/7</a:t>
             </a:fld>
             <a:endParaRPr lang="zh-CN" altLang="en-US"/>
           </a:p>
@@ -866,7 +866,7 @@
           <a:p>
             <a:fld id="{B737DA26-94C3-49F0-977D-61C9BEE27B16}" type="datetimeFigureOut">
               <a:rPr lang="zh-CN" altLang="en-US" smtClean="0"/>
-              <a:t>2022/10/5</a:t>
+              <a:t>2022/10/7</a:t>
             </a:fld>
             <a:endParaRPr lang="zh-CN" altLang="en-US"/>
           </a:p>
@@ -1141,7 +1141,7 @@
           <a:p>
             <a:fld id="{B737DA26-94C3-49F0-977D-61C9BEE27B16}" type="datetimeFigureOut">
               <a:rPr lang="zh-CN" altLang="en-US" smtClean="0"/>
-              <a:t>2022/10/5</a:t>
+              <a:t>2022/10/7</a:t>
             </a:fld>
             <a:endParaRPr lang="zh-CN" altLang="en-US"/>
           </a:p>
@@ -1406,7 +1406,7 @@
           <a:p>
             <a:fld id="{B737DA26-94C3-49F0-977D-61C9BEE27B16}" type="datetimeFigureOut">
               <a:rPr lang="zh-CN" altLang="en-US" smtClean="0"/>
-              <a:t>2022/10/5</a:t>
+              <a:t>2022/10/7</a:t>
             </a:fld>
             <a:endParaRPr lang="zh-CN" altLang="en-US"/>
           </a:p>
@@ -1818,7 +1818,7 @@
           <a:p>
             <a:fld id="{B737DA26-94C3-49F0-977D-61C9BEE27B16}" type="datetimeFigureOut">
               <a:rPr lang="zh-CN" altLang="en-US" smtClean="0"/>
-              <a:t>2022/10/5</a:t>
+              <a:t>2022/10/7</a:t>
             </a:fld>
             <a:endParaRPr lang="zh-CN" altLang="en-US"/>
           </a:p>
@@ -1959,7 +1959,7 @@
           <a:p>
             <a:fld id="{B737DA26-94C3-49F0-977D-61C9BEE27B16}" type="datetimeFigureOut">
               <a:rPr lang="zh-CN" altLang="en-US" smtClean="0"/>
-              <a:t>2022/10/5</a:t>
+              <a:t>2022/10/7</a:t>
             </a:fld>
             <a:endParaRPr lang="zh-CN" altLang="en-US"/>
           </a:p>
@@ -2072,7 +2072,7 @@
           <a:p>
             <a:fld id="{B737DA26-94C3-49F0-977D-61C9BEE27B16}" type="datetimeFigureOut">
               <a:rPr lang="zh-CN" altLang="en-US" smtClean="0"/>
-              <a:t>2022/10/5</a:t>
+              <a:t>2022/10/7</a:t>
             </a:fld>
             <a:endParaRPr lang="zh-CN" altLang="en-US"/>
           </a:p>
@@ -2383,7 +2383,7 @@
           <a:p>
             <a:fld id="{B737DA26-94C3-49F0-977D-61C9BEE27B16}" type="datetimeFigureOut">
               <a:rPr lang="zh-CN" altLang="en-US" smtClean="0"/>
-              <a:t>2022/10/5</a:t>
+              <a:t>2022/10/7</a:t>
             </a:fld>
             <a:endParaRPr lang="zh-CN" altLang="en-US"/>
           </a:p>
@@ -2671,7 +2671,7 @@
           <a:p>
             <a:fld id="{B737DA26-94C3-49F0-977D-61C9BEE27B16}" type="datetimeFigureOut">
               <a:rPr lang="zh-CN" altLang="en-US" smtClean="0"/>
-              <a:t>2022/10/5</a:t>
+              <a:t>2022/10/7</a:t>
             </a:fld>
             <a:endParaRPr lang="zh-CN" altLang="en-US"/>
           </a:p>
@@ -2918,7 +2918,7 @@
           <a:p>
             <a:fld id="{B737DA26-94C3-49F0-977D-61C9BEE27B16}" type="datetimeFigureOut">
               <a:rPr lang="zh-CN" altLang="en-US" smtClean="0"/>
-              <a:t>2022/10/5</a:t>
+              <a:t>2022/10/7</a:t>
             </a:fld>
             <a:endParaRPr lang="zh-CN" altLang="en-US"/>
           </a:p>
@@ -7876,42 +7876,12 @@
           </a:p>
         </p:txBody>
       </p:sp>
-    </p:spTree>
-    <p:extLst>
-      <p:ext uri="{BB962C8B-B14F-4D97-AF65-F5344CB8AC3E}">
-        <p14:creationId xmlns:p14="http://schemas.microsoft.com/office/powerpoint/2010/main" val="3013921385"/>
-      </p:ext>
-    </p:extLst>
-  </p:cSld>
-  <p:clrMapOvr>
-    <a:masterClrMapping/>
-  </p:clrMapOvr>
-</p:sld>
-</file>
-
-<file path=ppt/slides/slide4.xml><?xml version="1.0" encoding="utf-8"?>
-<p:sld xmlns:a="http://schemas.openxmlformats.org/drawingml/2006/main" xmlns:r="http://schemas.openxmlformats.org/officeDocument/2006/relationships" xmlns:p="http://schemas.openxmlformats.org/presentationml/2006/main">
-  <p:cSld>
-    <p:spTree>
-      <p:nvGrpSpPr>
-        <p:cNvPr id="1" name=""/>
-        <p:cNvGrpSpPr/>
-        <p:nvPr/>
-      </p:nvGrpSpPr>
-      <p:grpSpPr>
-        <a:xfrm>
-          <a:off x="0" y="0"/>
-          <a:ext cx="0" cy="0"/>
-          <a:chOff x="0" y="0"/>
-          <a:chExt cx="0" cy="0"/>
-        </a:xfrm>
-      </p:grpSpPr>
       <p:grpSp>
         <p:nvGrpSpPr>
-          <p:cNvPr id="12" name="组合 11">
-            <a:extLst>
-              <a:ext uri="{FF2B5EF4-FFF2-40B4-BE49-F238E27FC236}">
-                <a16:creationId xmlns:a16="http://schemas.microsoft.com/office/drawing/2014/main" id="{7CCBCF01-84B7-D13A-711B-DBE9AB1E5A12}"/>
+          <p:cNvPr id="2" name="组合 1">
+            <a:extLst>
+              <a:ext uri="{FF2B5EF4-FFF2-40B4-BE49-F238E27FC236}">
+                <a16:creationId xmlns:a16="http://schemas.microsoft.com/office/drawing/2014/main" id="{553A47E6-8E96-570D-5580-1DF63F483455}"/>
               </a:ext>
             </a:extLst>
           </p:cNvPr>
@@ -7920,18 +7890,143 @@
         </p:nvGrpSpPr>
         <p:grpSpPr>
           <a:xfrm>
-            <a:off x="2520950" y="1790700"/>
-            <a:ext cx="1511300" cy="1511300"/>
-            <a:chOff x="2520950" y="1790700"/>
-            <a:chExt cx="1511300" cy="1511300"/>
+            <a:off x="2294737" y="2392392"/>
+            <a:ext cx="963746" cy="909608"/>
+            <a:chOff x="2294736" y="1448584"/>
+            <a:chExt cx="1963727" cy="1853416"/>
           </a:xfrm>
         </p:grpSpPr>
+        <p:grpSp>
+          <p:nvGrpSpPr>
+            <p:cNvPr id="3" name="组合 2">
+              <a:extLst>
+                <a:ext uri="{FF2B5EF4-FFF2-40B4-BE49-F238E27FC236}">
+                  <a16:creationId xmlns:a16="http://schemas.microsoft.com/office/drawing/2014/main" id="{B075EB0E-4B41-1B35-159C-817F4EBDCEF1}"/>
+                </a:ext>
+              </a:extLst>
+            </p:cNvPr>
+            <p:cNvGrpSpPr/>
+            <p:nvPr/>
+          </p:nvGrpSpPr>
+          <p:grpSpPr>
+            <a:xfrm>
+              <a:off x="2294736" y="1448584"/>
+              <a:ext cx="1963727" cy="1853416"/>
+              <a:chOff x="2294736" y="1448584"/>
+              <a:chExt cx="1963727" cy="1853416"/>
+            </a:xfrm>
+          </p:grpSpPr>
+          <p:sp>
+            <p:nvSpPr>
+              <p:cNvPr id="24" name="椭圆 23">
+                <a:extLst>
+                  <a:ext uri="{FF2B5EF4-FFF2-40B4-BE49-F238E27FC236}">
+                    <a16:creationId xmlns:a16="http://schemas.microsoft.com/office/drawing/2014/main" id="{A8D5D353-54AD-41FB-2406-AECAF6B045F3}"/>
+                  </a:ext>
+                </a:extLst>
+              </p:cNvPr>
+              <p:cNvSpPr/>
+              <p:nvPr/>
+            </p:nvSpPr>
+            <p:spPr>
+              <a:xfrm>
+                <a:off x="2520950" y="1790700"/>
+                <a:ext cx="1511300" cy="1511300"/>
+              </a:xfrm>
+              <a:prstGeom prst="ellipse">
+                <a:avLst/>
+              </a:prstGeom>
+              <a:solidFill>
+                <a:schemeClr val="bg1"/>
+              </a:solidFill>
+              <a:ln>
+                <a:noFill/>
+              </a:ln>
+            </p:spPr>
+            <p:style>
+              <a:lnRef idx="2">
+                <a:schemeClr val="accent1">
+                  <a:shade val="50000"/>
+                </a:schemeClr>
+              </a:lnRef>
+              <a:fillRef idx="1">
+                <a:schemeClr val="accent1"/>
+              </a:fillRef>
+              <a:effectRef idx="0">
+                <a:schemeClr val="accent1"/>
+              </a:effectRef>
+              <a:fontRef idx="minor">
+                <a:schemeClr val="lt1"/>
+              </a:fontRef>
+            </p:style>
+            <p:txBody>
+              <a:bodyPr rtlCol="0" anchor="ctr"/>
+              <a:lstStyle/>
+              <a:p>
+                <a:pPr algn="ctr"/>
+                <a:endParaRPr lang="zh-CN" altLang="en-US"/>
+              </a:p>
+            </p:txBody>
+          </p:sp>
+          <p:sp>
+            <p:nvSpPr>
+              <p:cNvPr id="25" name="等腰三角形 24">
+                <a:extLst>
+                  <a:ext uri="{FF2B5EF4-FFF2-40B4-BE49-F238E27FC236}">
+                    <a16:creationId xmlns:a16="http://schemas.microsoft.com/office/drawing/2014/main" id="{FAAC5C82-19B0-B7BD-3A27-42CD179F2D04}"/>
+                  </a:ext>
+                </a:extLst>
+              </p:cNvPr>
+              <p:cNvSpPr/>
+              <p:nvPr/>
+            </p:nvSpPr>
+            <p:spPr>
+              <a:xfrm>
+                <a:off x="2294736" y="1448584"/>
+                <a:ext cx="1963727" cy="1692868"/>
+              </a:xfrm>
+              <a:prstGeom prst="triangle">
+                <a:avLst/>
+              </a:prstGeom>
+              <a:solidFill>
+                <a:schemeClr val="bg1"/>
+              </a:solidFill>
+              <a:ln>
+                <a:noFill/>
+              </a:ln>
+            </p:spPr>
+            <p:style>
+              <a:lnRef idx="2">
+                <a:schemeClr val="accent1">
+                  <a:shade val="50000"/>
+                </a:schemeClr>
+              </a:lnRef>
+              <a:fillRef idx="1">
+                <a:schemeClr val="accent1"/>
+              </a:fillRef>
+              <a:effectRef idx="0">
+                <a:schemeClr val="accent1"/>
+              </a:effectRef>
+              <a:fontRef idx="minor">
+                <a:schemeClr val="lt1"/>
+              </a:fontRef>
+            </p:style>
+            <p:txBody>
+              <a:bodyPr rtlCol="0" anchor="ctr"/>
+              <a:lstStyle/>
+              <a:p>
+                <a:pPr algn="ctr"/>
+                <a:endParaRPr lang="zh-CN" altLang="en-US"/>
+              </a:p>
+            </p:txBody>
+          </p:sp>
+        </p:grpSp>
         <p:sp>
           <p:nvSpPr>
-            <p:cNvPr id="10" name="椭圆 9">
+            <p:cNvPr id="23" name="椭圆 22">
               <a:extLst>
                 <a:ext uri="{FF2B5EF4-FFF2-40B4-BE49-F238E27FC236}">
-                  <a16:creationId xmlns:a16="http://schemas.microsoft.com/office/drawing/2014/main" id="{E7700CCD-8F5F-DE27-5F27-0F45CEDE9DD6}"/>
+                  <a16:creationId xmlns:a16="http://schemas.microsoft.com/office/drawing/2014/main" id="{8F6116D4-D49D-A82A-831C-F9EE8B252BCE}"/>
                 </a:ext>
               </a:extLst>
             </p:cNvPr>
@@ -7940,62 +8035,10 @@
           </p:nvSpPr>
           <p:spPr>
             <a:xfrm>
-              <a:off x="2520950" y="1790700"/>
-              <a:ext cx="1511300" cy="1511300"/>
+              <a:off x="2961736" y="2249097"/>
+              <a:ext cx="592347" cy="592347"/>
             </a:xfrm>
             <a:prstGeom prst="ellipse">
-              <a:avLst/>
-            </a:prstGeom>
-            <a:solidFill>
-              <a:schemeClr val="bg1"/>
-            </a:solidFill>
-            <a:ln>
-              <a:noFill/>
-            </a:ln>
-          </p:spPr>
-          <p:style>
-            <a:lnRef idx="2">
-              <a:schemeClr val="accent1">
-                <a:shade val="50000"/>
-              </a:schemeClr>
-            </a:lnRef>
-            <a:fillRef idx="1">
-              <a:schemeClr val="accent1"/>
-            </a:fillRef>
-            <a:effectRef idx="0">
-              <a:schemeClr val="accent1"/>
-            </a:effectRef>
-            <a:fontRef idx="minor">
-              <a:schemeClr val="lt1"/>
-            </a:fontRef>
-          </p:style>
-          <p:txBody>
-            <a:bodyPr rtlCol="0" anchor="ctr"/>
-            <a:lstStyle/>
-            <a:p>
-              <a:pPr algn="ctr"/>
-              <a:endParaRPr lang="zh-CN" altLang="en-US"/>
-            </a:p>
-          </p:txBody>
-        </p:sp>
-        <p:sp>
-          <p:nvSpPr>
-            <p:cNvPr id="11" name="矩形 10">
-              <a:extLst>
-                <a:ext uri="{FF2B5EF4-FFF2-40B4-BE49-F238E27FC236}">
-                  <a16:creationId xmlns:a16="http://schemas.microsoft.com/office/drawing/2014/main" id="{97476918-8DED-61E8-307B-001B3D580B22}"/>
-                </a:ext>
-              </a:extLst>
-            </p:cNvPr>
-            <p:cNvSpPr/>
-            <p:nvPr/>
-          </p:nvSpPr>
-          <p:spPr>
-            <a:xfrm>
-              <a:off x="3190875" y="2381250"/>
-              <a:ext cx="171450" cy="711200"/>
-            </a:xfrm>
-            <a:prstGeom prst="rect">
               <a:avLst/>
             </a:prstGeom>
             <a:solidFill>
@@ -8033,6 +8076,312 @@
           </p:txBody>
         </p:sp>
       </p:grpSp>
+    </p:spTree>
+    <p:extLst>
+      <p:ext uri="{BB962C8B-B14F-4D97-AF65-F5344CB8AC3E}">
+        <p14:creationId xmlns:p14="http://schemas.microsoft.com/office/powerpoint/2010/main" val="3013921385"/>
+      </p:ext>
+    </p:extLst>
+  </p:cSld>
+  <p:clrMapOvr>
+    <a:masterClrMapping/>
+  </p:clrMapOvr>
+</p:sld>
+</file>
+
+<file path=ppt/slides/slide4.xml><?xml version="1.0" encoding="utf-8"?>
+<p:sld xmlns:a="http://schemas.openxmlformats.org/drawingml/2006/main" xmlns:r="http://schemas.openxmlformats.org/officeDocument/2006/relationships" xmlns:p="http://schemas.openxmlformats.org/presentationml/2006/main">
+  <p:cSld>
+    <p:spTree>
+      <p:nvGrpSpPr>
+        <p:cNvPr id="1" name=""/>
+        <p:cNvGrpSpPr/>
+        <p:nvPr/>
+      </p:nvGrpSpPr>
+      <p:grpSpPr>
+        <a:xfrm>
+          <a:off x="0" y="0"/>
+          <a:ext cx="0" cy="0"/>
+          <a:chOff x="0" y="0"/>
+          <a:chExt cx="0" cy="0"/>
+        </a:xfrm>
+      </p:grpSpPr>
+      <p:sp>
+        <p:nvSpPr>
+          <p:cNvPr id="6" name="矩形 5">
+            <a:extLst>
+              <a:ext uri="{FF2B5EF4-FFF2-40B4-BE49-F238E27FC236}">
+                <a16:creationId xmlns:a16="http://schemas.microsoft.com/office/drawing/2014/main" id="{97E7C92F-FF95-781F-1BCD-60ABC93E2C4D}"/>
+              </a:ext>
+            </a:extLst>
+          </p:cNvPr>
+          <p:cNvSpPr/>
+          <p:nvPr/>
+        </p:nvSpPr>
+        <p:spPr>
+          <a:xfrm>
+            <a:off x="4015806" y="4082570"/>
+            <a:ext cx="1984076" cy="372374"/>
+          </a:xfrm>
+          <a:prstGeom prst="rect">
+            <a:avLst/>
+          </a:prstGeom>
+          <a:solidFill>
+            <a:schemeClr val="tx1">
+              <a:lumMod val="65000"/>
+              <a:lumOff val="35000"/>
+            </a:schemeClr>
+          </a:solidFill>
+          <a:ln>
+            <a:noFill/>
+          </a:ln>
+        </p:spPr>
+        <p:style>
+          <a:lnRef idx="2">
+            <a:schemeClr val="accent1">
+              <a:shade val="50000"/>
+            </a:schemeClr>
+          </a:lnRef>
+          <a:fillRef idx="1">
+            <a:schemeClr val="accent1"/>
+          </a:fillRef>
+          <a:effectRef idx="0">
+            <a:schemeClr val="accent1"/>
+          </a:effectRef>
+          <a:fontRef idx="minor">
+            <a:schemeClr val="lt1"/>
+          </a:fontRef>
+        </p:style>
+        <p:txBody>
+          <a:bodyPr rtlCol="0" anchor="ctr"/>
+          <a:lstStyle/>
+          <a:p>
+            <a:pPr algn="ctr"/>
+            <a:endParaRPr lang="zh-CN" altLang="en-US"/>
+          </a:p>
+        </p:txBody>
+      </p:sp>
+      <p:sp>
+        <p:nvSpPr>
+          <p:cNvPr id="7" name="矩形 6">
+            <a:extLst>
+              <a:ext uri="{FF2B5EF4-FFF2-40B4-BE49-F238E27FC236}">
+                <a16:creationId xmlns:a16="http://schemas.microsoft.com/office/drawing/2014/main" id="{0BDFBDBF-0955-9292-BDCC-455E83843E35}"/>
+              </a:ext>
+            </a:extLst>
+          </p:cNvPr>
+          <p:cNvSpPr/>
+          <p:nvPr/>
+        </p:nvSpPr>
+        <p:spPr>
+          <a:xfrm>
+            <a:off x="4926881" y="2576513"/>
+            <a:ext cx="161925" cy="1504950"/>
+          </a:xfrm>
+          <a:prstGeom prst="rect">
+            <a:avLst/>
+          </a:prstGeom>
+          <a:solidFill>
+            <a:schemeClr val="tx1">
+              <a:lumMod val="65000"/>
+              <a:lumOff val="35000"/>
+            </a:schemeClr>
+          </a:solidFill>
+          <a:ln>
+            <a:noFill/>
+          </a:ln>
+        </p:spPr>
+        <p:style>
+          <a:lnRef idx="2">
+            <a:schemeClr val="accent1">
+              <a:shade val="50000"/>
+            </a:schemeClr>
+          </a:lnRef>
+          <a:fillRef idx="1">
+            <a:schemeClr val="accent1"/>
+          </a:fillRef>
+          <a:effectRef idx="0">
+            <a:schemeClr val="accent1"/>
+          </a:effectRef>
+          <a:fontRef idx="minor">
+            <a:schemeClr val="lt1"/>
+          </a:fontRef>
+        </p:style>
+        <p:txBody>
+          <a:bodyPr rtlCol="0" anchor="ctr"/>
+          <a:lstStyle/>
+          <a:p>
+            <a:pPr algn="ctr"/>
+            <a:endParaRPr lang="zh-CN" altLang="en-US"/>
+          </a:p>
+        </p:txBody>
+      </p:sp>
+      <p:sp>
+        <p:nvSpPr>
+          <p:cNvPr id="8" name="等腰三角形 7">
+            <a:extLst>
+              <a:ext uri="{FF2B5EF4-FFF2-40B4-BE49-F238E27FC236}">
+                <a16:creationId xmlns:a16="http://schemas.microsoft.com/office/drawing/2014/main" id="{4CACAC43-9D79-2126-CD11-6F4B1A923B98}"/>
+              </a:ext>
+            </a:extLst>
+          </p:cNvPr>
+          <p:cNvSpPr/>
+          <p:nvPr/>
+        </p:nvSpPr>
+        <p:spPr>
+          <a:xfrm>
+            <a:off x="4148211" y="2290763"/>
+            <a:ext cx="1719263" cy="372374"/>
+          </a:xfrm>
+          <a:prstGeom prst="triangle">
+            <a:avLst/>
+          </a:prstGeom>
+          <a:solidFill>
+            <a:schemeClr val="tx1">
+              <a:lumMod val="65000"/>
+              <a:lumOff val="35000"/>
+            </a:schemeClr>
+          </a:solidFill>
+          <a:ln>
+            <a:noFill/>
+          </a:ln>
+        </p:spPr>
+        <p:style>
+          <a:lnRef idx="2">
+            <a:schemeClr val="accent1">
+              <a:shade val="50000"/>
+            </a:schemeClr>
+          </a:lnRef>
+          <a:fillRef idx="1">
+            <a:schemeClr val="accent1"/>
+          </a:fillRef>
+          <a:effectRef idx="0">
+            <a:schemeClr val="accent1"/>
+          </a:effectRef>
+          <a:fontRef idx="minor">
+            <a:schemeClr val="lt1"/>
+          </a:fontRef>
+        </p:style>
+        <p:txBody>
+          <a:bodyPr rtlCol="0" anchor="ctr"/>
+          <a:lstStyle/>
+          <a:p>
+            <a:pPr algn="ctr"/>
+            <a:endParaRPr lang="zh-CN" altLang="en-US"/>
+          </a:p>
+        </p:txBody>
+      </p:sp>
+      <p:sp>
+        <p:nvSpPr>
+          <p:cNvPr id="9" name="矩形 8">
+            <a:extLst>
+              <a:ext uri="{FF2B5EF4-FFF2-40B4-BE49-F238E27FC236}">
+                <a16:creationId xmlns:a16="http://schemas.microsoft.com/office/drawing/2014/main" id="{669BFCD7-DFD0-E8F5-4866-1EA2502ABB96}"/>
+              </a:ext>
+            </a:extLst>
+          </p:cNvPr>
+          <p:cNvSpPr/>
+          <p:nvPr/>
+        </p:nvSpPr>
+        <p:spPr>
+          <a:xfrm>
+            <a:off x="4015805" y="2817018"/>
+            <a:ext cx="722882" cy="1127977"/>
+          </a:xfrm>
+          <a:prstGeom prst="rect">
+            <a:avLst/>
+          </a:prstGeom>
+          <a:solidFill>
+            <a:schemeClr val="bg1">
+              <a:lumMod val="85000"/>
+            </a:schemeClr>
+          </a:solidFill>
+          <a:ln>
+            <a:noFill/>
+          </a:ln>
+        </p:spPr>
+        <p:style>
+          <a:lnRef idx="2">
+            <a:schemeClr val="accent1">
+              <a:shade val="50000"/>
+            </a:schemeClr>
+          </a:lnRef>
+          <a:fillRef idx="1">
+            <a:schemeClr val="accent1"/>
+          </a:fillRef>
+          <a:effectRef idx="0">
+            <a:schemeClr val="accent1"/>
+          </a:effectRef>
+          <a:fontRef idx="minor">
+            <a:schemeClr val="lt1"/>
+          </a:fontRef>
+        </p:style>
+        <p:txBody>
+          <a:bodyPr rtlCol="0" anchor="ctr"/>
+          <a:lstStyle/>
+          <a:p>
+            <a:pPr algn="ctr"/>
+            <a:endParaRPr lang="zh-CN" altLang="en-US"/>
+          </a:p>
+        </p:txBody>
+      </p:sp>
+      <p:sp>
+        <p:nvSpPr>
+          <p:cNvPr id="14" name="泪滴形 13">
+            <a:extLst>
+              <a:ext uri="{FF2B5EF4-FFF2-40B4-BE49-F238E27FC236}">
+                <a16:creationId xmlns:a16="http://schemas.microsoft.com/office/drawing/2014/main" id="{25DF7F13-EE6A-E97F-F521-2D97DEDF5598}"/>
+              </a:ext>
+            </a:extLst>
+          </p:cNvPr>
+          <p:cNvSpPr/>
+          <p:nvPr/>
+        </p:nvSpPr>
+        <p:spPr>
+          <a:xfrm rot="-2700000">
+            <a:off x="4199842" y="3334606"/>
+            <a:ext cx="354807" cy="354807"/>
+          </a:xfrm>
+          <a:prstGeom prst="teardrop">
+            <a:avLst>
+              <a:gd name="adj" fmla="val 183525"/>
+            </a:avLst>
+          </a:prstGeom>
+          <a:solidFill>
+            <a:schemeClr val="tx1">
+              <a:lumMod val="50000"/>
+              <a:lumOff val="50000"/>
+            </a:schemeClr>
+          </a:solidFill>
+          <a:ln>
+            <a:noFill/>
+          </a:ln>
+        </p:spPr>
+        <p:style>
+          <a:lnRef idx="2">
+            <a:schemeClr val="accent1">
+              <a:shade val="50000"/>
+            </a:schemeClr>
+          </a:lnRef>
+          <a:fillRef idx="1">
+            <a:schemeClr val="accent1"/>
+          </a:fillRef>
+          <a:effectRef idx="0">
+            <a:schemeClr val="accent1"/>
+          </a:effectRef>
+          <a:fontRef idx="minor">
+            <a:schemeClr val="lt1"/>
+          </a:fontRef>
+        </p:style>
+        <p:txBody>
+          <a:bodyPr rtlCol="0" anchor="ctr"/>
+          <a:lstStyle/>
+          <a:p>
+            <a:pPr algn="ctr"/>
+            <a:endParaRPr lang="zh-CN" altLang="en-US"/>
+          </a:p>
+        </p:txBody>
+      </p:sp>
     </p:spTree>
     <p:extLst>
       <p:ext uri="{BB962C8B-B14F-4D97-AF65-F5344CB8AC3E}">

--- a/Texture/Texture.pptx
+++ b/Texture/Texture.pptx
@@ -4445,6 +4445,274 @@
           </a:custGeom>
           <a:solidFill>
             <a:srgbClr val="7F7F7F"/>
+          </a:solidFill>
+          <a:ln>
+            <a:noFill/>
+          </a:ln>
+        </p:spPr>
+        <p:style>
+          <a:lnRef idx="2">
+            <a:schemeClr val="accent1">
+              <a:shade val="50000"/>
+            </a:schemeClr>
+          </a:lnRef>
+          <a:fillRef idx="1">
+            <a:schemeClr val="accent1"/>
+          </a:fillRef>
+          <a:effectRef idx="0">
+            <a:schemeClr val="accent1"/>
+          </a:effectRef>
+          <a:fontRef idx="minor">
+            <a:schemeClr val="lt1"/>
+          </a:fontRef>
+        </p:style>
+        <p:txBody>
+          <a:bodyPr wrap="square" rtlCol="0" anchor="ctr">
+            <a:noAutofit/>
+          </a:bodyPr>
+          <a:lstStyle/>
+          <a:p>
+            <a:pPr algn="ctr"/>
+            <a:endParaRPr lang="zh-CN" altLang="en-US"/>
+          </a:p>
+        </p:txBody>
+      </p:sp>
+      <p:sp>
+        <p:nvSpPr>
+          <p:cNvPr id="3" name="矩形 2">
+            <a:extLst>
+              <a:ext uri="{FF2B5EF4-FFF2-40B4-BE49-F238E27FC236}">
+                <a16:creationId xmlns:a16="http://schemas.microsoft.com/office/drawing/2014/main" id="{775094D1-AB64-DB29-F8B0-A99DC9DDCE97}"/>
+              </a:ext>
+            </a:extLst>
+          </p:cNvPr>
+          <p:cNvSpPr/>
+          <p:nvPr/>
+        </p:nvSpPr>
+        <p:spPr>
+          <a:xfrm>
+            <a:off x="5233898" y="2073275"/>
+            <a:ext cx="1481138" cy="1481138"/>
+          </a:xfrm>
+          <a:prstGeom prst="rect">
+            <a:avLst/>
+          </a:prstGeom>
+          <a:solidFill>
+            <a:srgbClr val="FFFF00">
+              <a:alpha val="30196"/>
+            </a:srgbClr>
+          </a:solidFill>
+          <a:ln w="76200">
+            <a:solidFill>
+              <a:srgbClr val="FFFF00"/>
+            </a:solidFill>
+          </a:ln>
+        </p:spPr>
+        <p:style>
+          <a:lnRef idx="2">
+            <a:schemeClr val="accent1">
+              <a:shade val="50000"/>
+            </a:schemeClr>
+          </a:lnRef>
+          <a:fillRef idx="1">
+            <a:schemeClr val="accent1"/>
+          </a:fillRef>
+          <a:effectRef idx="0">
+            <a:schemeClr val="accent1"/>
+          </a:effectRef>
+          <a:fontRef idx="minor">
+            <a:schemeClr val="lt1"/>
+          </a:fontRef>
+        </p:style>
+        <p:txBody>
+          <a:bodyPr rtlCol="0" anchor="ctr"/>
+          <a:lstStyle/>
+          <a:p>
+            <a:pPr algn="ctr"/>
+            <a:endParaRPr lang="zh-CN" altLang="en-US"/>
+          </a:p>
+        </p:txBody>
+      </p:sp>
+      <p:sp>
+        <p:nvSpPr>
+          <p:cNvPr id="4" name="任意多边形: 形状 3">
+            <a:extLst>
+              <a:ext uri="{FF2B5EF4-FFF2-40B4-BE49-F238E27FC236}">
+                <a16:creationId xmlns:a16="http://schemas.microsoft.com/office/drawing/2014/main" id="{F71E581D-30F3-12C1-9648-D91B81662002}"/>
+              </a:ext>
+            </a:extLst>
+          </p:cNvPr>
+          <p:cNvSpPr/>
+          <p:nvPr/>
+        </p:nvSpPr>
+        <p:spPr>
+          <a:xfrm>
+            <a:off x="5483929" y="2453879"/>
+            <a:ext cx="981075" cy="719930"/>
+          </a:xfrm>
+          <a:custGeom>
+            <a:avLst/>
+            <a:gdLst>
+              <a:gd name="connsiteX0" fmla="*/ 0 w 981075"/>
+              <a:gd name="connsiteY0" fmla="*/ 293686 h 719930"/>
+              <a:gd name="connsiteX1" fmla="*/ 981075 w 981075"/>
+              <a:gd name="connsiteY1" fmla="*/ 293686 h 719930"/>
+              <a:gd name="connsiteX2" fmla="*/ 981075 w 981075"/>
+              <a:gd name="connsiteY2" fmla="*/ 415924 h 719930"/>
+              <a:gd name="connsiteX3" fmla="*/ 795339 w 981075"/>
+              <a:gd name="connsiteY3" fmla="*/ 415924 h 719930"/>
+              <a:gd name="connsiteX4" fmla="*/ 795339 w 981075"/>
+              <a:gd name="connsiteY4" fmla="*/ 719930 h 719930"/>
+              <a:gd name="connsiteX5" fmla="*/ 630239 w 981075"/>
+              <a:gd name="connsiteY5" fmla="*/ 719930 h 719930"/>
+              <a:gd name="connsiteX6" fmla="*/ 630239 w 981075"/>
+              <a:gd name="connsiteY6" fmla="*/ 518319 h 719930"/>
+              <a:gd name="connsiteX7" fmla="*/ 630238 w 981075"/>
+              <a:gd name="connsiteY7" fmla="*/ 518319 h 719930"/>
+              <a:gd name="connsiteX8" fmla="*/ 527843 w 981075"/>
+              <a:gd name="connsiteY8" fmla="*/ 415924 h 719930"/>
+              <a:gd name="connsiteX9" fmla="*/ 0 w 981075"/>
+              <a:gd name="connsiteY9" fmla="*/ 415924 h 719930"/>
+              <a:gd name="connsiteX10" fmla="*/ 428626 w 981075"/>
+              <a:gd name="connsiteY10" fmla="*/ 0 h 719930"/>
+              <a:gd name="connsiteX11" fmla="*/ 831851 w 981075"/>
+              <a:gd name="connsiteY11" fmla="*/ 0 h 719930"/>
+              <a:gd name="connsiteX12" fmla="*/ 949326 w 981075"/>
+              <a:gd name="connsiteY12" fmla="*/ 117475 h 719930"/>
+              <a:gd name="connsiteX13" fmla="*/ 831851 w 981075"/>
+              <a:gd name="connsiteY13" fmla="*/ 234950 h 719930"/>
+              <a:gd name="connsiteX14" fmla="*/ 428626 w 981075"/>
+              <a:gd name="connsiteY14" fmla="*/ 234950 h 719930"/>
+              <a:gd name="connsiteX15" fmla="*/ 311151 w 981075"/>
+              <a:gd name="connsiteY15" fmla="*/ 117475 h 719930"/>
+              <a:gd name="connsiteX16" fmla="*/ 428626 w 981075"/>
+              <a:gd name="connsiteY16" fmla="*/ 0 h 719930"/>
+            </a:gdLst>
+            <a:ahLst/>
+            <a:cxnLst>
+              <a:cxn ang="0">
+                <a:pos x="connsiteX0" y="connsiteY0"/>
+              </a:cxn>
+              <a:cxn ang="0">
+                <a:pos x="connsiteX1" y="connsiteY1"/>
+              </a:cxn>
+              <a:cxn ang="0">
+                <a:pos x="connsiteX2" y="connsiteY2"/>
+              </a:cxn>
+              <a:cxn ang="0">
+                <a:pos x="connsiteX3" y="connsiteY3"/>
+              </a:cxn>
+              <a:cxn ang="0">
+                <a:pos x="connsiteX4" y="connsiteY4"/>
+              </a:cxn>
+              <a:cxn ang="0">
+                <a:pos x="connsiteX5" y="connsiteY5"/>
+              </a:cxn>
+              <a:cxn ang="0">
+                <a:pos x="connsiteX6" y="connsiteY6"/>
+              </a:cxn>
+              <a:cxn ang="0">
+                <a:pos x="connsiteX7" y="connsiteY7"/>
+              </a:cxn>
+              <a:cxn ang="0">
+                <a:pos x="connsiteX8" y="connsiteY8"/>
+              </a:cxn>
+              <a:cxn ang="0">
+                <a:pos x="connsiteX9" y="connsiteY9"/>
+              </a:cxn>
+              <a:cxn ang="0">
+                <a:pos x="connsiteX10" y="connsiteY10"/>
+              </a:cxn>
+              <a:cxn ang="0">
+                <a:pos x="connsiteX11" y="connsiteY11"/>
+              </a:cxn>
+              <a:cxn ang="0">
+                <a:pos x="connsiteX12" y="connsiteY12"/>
+              </a:cxn>
+              <a:cxn ang="0">
+                <a:pos x="connsiteX13" y="connsiteY13"/>
+              </a:cxn>
+              <a:cxn ang="0">
+                <a:pos x="connsiteX14" y="connsiteY14"/>
+              </a:cxn>
+              <a:cxn ang="0">
+                <a:pos x="connsiteX15" y="connsiteY15"/>
+              </a:cxn>
+              <a:cxn ang="0">
+                <a:pos x="connsiteX16" y="connsiteY16"/>
+              </a:cxn>
+            </a:cxnLst>
+            <a:rect l="l" t="t" r="r" b="b"/>
+            <a:pathLst>
+              <a:path w="981075" h="719930">
+                <a:moveTo>
+                  <a:pt x="0" y="293686"/>
+                </a:moveTo>
+                <a:lnTo>
+                  <a:pt x="981075" y="293686"/>
+                </a:lnTo>
+                <a:lnTo>
+                  <a:pt x="981075" y="415924"/>
+                </a:lnTo>
+                <a:lnTo>
+                  <a:pt x="795339" y="415924"/>
+                </a:lnTo>
+                <a:lnTo>
+                  <a:pt x="795339" y="719930"/>
+                </a:lnTo>
+                <a:lnTo>
+                  <a:pt x="630239" y="719930"/>
+                </a:lnTo>
+                <a:lnTo>
+                  <a:pt x="630239" y="518319"/>
+                </a:lnTo>
+                <a:lnTo>
+                  <a:pt x="630238" y="518319"/>
+                </a:lnTo>
+                <a:cubicBezTo>
+                  <a:pt x="573687" y="518319"/>
+                  <a:pt x="527843" y="472475"/>
+                  <a:pt x="527843" y="415924"/>
+                </a:cubicBezTo>
+                <a:lnTo>
+                  <a:pt x="0" y="415924"/>
+                </a:lnTo>
+                <a:close/>
+                <a:moveTo>
+                  <a:pt x="428626" y="0"/>
+                </a:moveTo>
+                <a:lnTo>
+                  <a:pt x="831851" y="0"/>
+                </a:lnTo>
+                <a:cubicBezTo>
+                  <a:pt x="896731" y="0"/>
+                  <a:pt x="949326" y="52595"/>
+                  <a:pt x="949326" y="117475"/>
+                </a:cubicBezTo>
+                <a:cubicBezTo>
+                  <a:pt x="949326" y="182355"/>
+                  <a:pt x="896731" y="234950"/>
+                  <a:pt x="831851" y="234950"/>
+                </a:cubicBezTo>
+                <a:lnTo>
+                  <a:pt x="428626" y="234950"/>
+                </a:lnTo>
+                <a:cubicBezTo>
+                  <a:pt x="363746" y="234950"/>
+                  <a:pt x="311151" y="182355"/>
+                  <a:pt x="311151" y="117475"/>
+                </a:cubicBezTo>
+                <a:cubicBezTo>
+                  <a:pt x="311151" y="52595"/>
+                  <a:pt x="363746" y="0"/>
+                  <a:pt x="428626" y="0"/>
+                </a:cubicBezTo>
+                <a:close/>
+              </a:path>
+            </a:pathLst>
+          </a:custGeom>
+          <a:solidFill>
+            <a:srgbClr val="FFFF00"/>
           </a:solidFill>
           <a:ln>
             <a:noFill/>
@@ -6056,6 +6324,545 @@
           </a:p>
         </p:txBody>
       </p:sp>
+      <p:sp>
+        <p:nvSpPr>
+          <p:cNvPr id="2" name="矩形 1">
+            <a:extLst>
+              <a:ext uri="{FF2B5EF4-FFF2-40B4-BE49-F238E27FC236}">
+                <a16:creationId xmlns:a16="http://schemas.microsoft.com/office/drawing/2014/main" id="{BB526046-23CF-C578-C23C-C79F17E0DB1C}"/>
+              </a:ext>
+            </a:extLst>
+          </p:cNvPr>
+          <p:cNvSpPr/>
+          <p:nvPr/>
+        </p:nvSpPr>
+        <p:spPr>
+          <a:xfrm>
+            <a:off x="4015806" y="4082570"/>
+            <a:ext cx="1984076" cy="372374"/>
+          </a:xfrm>
+          <a:prstGeom prst="rect">
+            <a:avLst/>
+          </a:prstGeom>
+          <a:solidFill>
+            <a:schemeClr val="tx1">
+              <a:lumMod val="65000"/>
+              <a:lumOff val="35000"/>
+            </a:schemeClr>
+          </a:solidFill>
+          <a:ln>
+            <a:noFill/>
+          </a:ln>
+        </p:spPr>
+        <p:style>
+          <a:lnRef idx="2">
+            <a:schemeClr val="accent1">
+              <a:shade val="50000"/>
+            </a:schemeClr>
+          </a:lnRef>
+          <a:fillRef idx="1">
+            <a:schemeClr val="accent1"/>
+          </a:fillRef>
+          <a:effectRef idx="0">
+            <a:schemeClr val="accent1"/>
+          </a:effectRef>
+          <a:fontRef idx="minor">
+            <a:schemeClr val="lt1"/>
+          </a:fontRef>
+        </p:style>
+        <p:txBody>
+          <a:bodyPr rtlCol="0" anchor="ctr"/>
+          <a:lstStyle/>
+          <a:p>
+            <a:pPr algn="ctr"/>
+            <a:endParaRPr lang="zh-CN" altLang="en-US"/>
+          </a:p>
+        </p:txBody>
+      </p:sp>
+      <p:sp>
+        <p:nvSpPr>
+          <p:cNvPr id="3" name="矩形 2">
+            <a:extLst>
+              <a:ext uri="{FF2B5EF4-FFF2-40B4-BE49-F238E27FC236}">
+                <a16:creationId xmlns:a16="http://schemas.microsoft.com/office/drawing/2014/main" id="{EEDA2552-DC71-B2E8-32EE-096CEF0A4A6E}"/>
+              </a:ext>
+            </a:extLst>
+          </p:cNvPr>
+          <p:cNvSpPr/>
+          <p:nvPr/>
+        </p:nvSpPr>
+        <p:spPr>
+          <a:xfrm>
+            <a:off x="4926881" y="2576513"/>
+            <a:ext cx="161925" cy="1504950"/>
+          </a:xfrm>
+          <a:prstGeom prst="rect">
+            <a:avLst/>
+          </a:prstGeom>
+          <a:solidFill>
+            <a:schemeClr val="tx1">
+              <a:lumMod val="65000"/>
+              <a:lumOff val="35000"/>
+            </a:schemeClr>
+          </a:solidFill>
+          <a:ln>
+            <a:noFill/>
+          </a:ln>
+        </p:spPr>
+        <p:style>
+          <a:lnRef idx="2">
+            <a:schemeClr val="accent1">
+              <a:shade val="50000"/>
+            </a:schemeClr>
+          </a:lnRef>
+          <a:fillRef idx="1">
+            <a:schemeClr val="accent1"/>
+          </a:fillRef>
+          <a:effectRef idx="0">
+            <a:schemeClr val="accent1"/>
+          </a:effectRef>
+          <a:fontRef idx="minor">
+            <a:schemeClr val="lt1"/>
+          </a:fontRef>
+        </p:style>
+        <p:txBody>
+          <a:bodyPr rtlCol="0" anchor="ctr"/>
+          <a:lstStyle/>
+          <a:p>
+            <a:pPr algn="ctr"/>
+            <a:endParaRPr lang="zh-CN" altLang="en-US"/>
+          </a:p>
+        </p:txBody>
+      </p:sp>
+      <p:sp>
+        <p:nvSpPr>
+          <p:cNvPr id="4" name="等腰三角形 3">
+            <a:extLst>
+              <a:ext uri="{FF2B5EF4-FFF2-40B4-BE49-F238E27FC236}">
+                <a16:creationId xmlns:a16="http://schemas.microsoft.com/office/drawing/2014/main" id="{48BE73C2-46B4-2EEB-C654-3F6EB855A047}"/>
+              </a:ext>
+            </a:extLst>
+          </p:cNvPr>
+          <p:cNvSpPr/>
+          <p:nvPr/>
+        </p:nvSpPr>
+        <p:spPr>
+          <a:xfrm>
+            <a:off x="4148211" y="2290763"/>
+            <a:ext cx="1719263" cy="372374"/>
+          </a:xfrm>
+          <a:prstGeom prst="triangle">
+            <a:avLst/>
+          </a:prstGeom>
+          <a:solidFill>
+            <a:schemeClr val="tx1">
+              <a:lumMod val="65000"/>
+              <a:lumOff val="35000"/>
+            </a:schemeClr>
+          </a:solidFill>
+          <a:ln>
+            <a:noFill/>
+          </a:ln>
+        </p:spPr>
+        <p:style>
+          <a:lnRef idx="2">
+            <a:schemeClr val="accent1">
+              <a:shade val="50000"/>
+            </a:schemeClr>
+          </a:lnRef>
+          <a:fillRef idx="1">
+            <a:schemeClr val="accent1"/>
+          </a:fillRef>
+          <a:effectRef idx="0">
+            <a:schemeClr val="accent1"/>
+          </a:effectRef>
+          <a:fontRef idx="minor">
+            <a:schemeClr val="lt1"/>
+          </a:fontRef>
+        </p:style>
+        <p:txBody>
+          <a:bodyPr rtlCol="0" anchor="ctr"/>
+          <a:lstStyle/>
+          <a:p>
+            <a:pPr algn="ctr"/>
+            <a:endParaRPr lang="zh-CN" altLang="en-US"/>
+          </a:p>
+        </p:txBody>
+      </p:sp>
+      <p:sp>
+        <p:nvSpPr>
+          <p:cNvPr id="5" name="矩形 4">
+            <a:extLst>
+              <a:ext uri="{FF2B5EF4-FFF2-40B4-BE49-F238E27FC236}">
+                <a16:creationId xmlns:a16="http://schemas.microsoft.com/office/drawing/2014/main" id="{92A57B07-7CD2-6A18-FE49-2E0374E9C3AD}"/>
+              </a:ext>
+            </a:extLst>
+          </p:cNvPr>
+          <p:cNvSpPr/>
+          <p:nvPr/>
+        </p:nvSpPr>
+        <p:spPr>
+          <a:xfrm>
+            <a:off x="4015805" y="2817018"/>
+            <a:ext cx="722882" cy="1127977"/>
+          </a:xfrm>
+          <a:prstGeom prst="rect">
+            <a:avLst/>
+          </a:prstGeom>
+          <a:solidFill>
+            <a:schemeClr val="bg1">
+              <a:lumMod val="85000"/>
+            </a:schemeClr>
+          </a:solidFill>
+          <a:ln>
+            <a:noFill/>
+          </a:ln>
+        </p:spPr>
+        <p:style>
+          <a:lnRef idx="2">
+            <a:schemeClr val="accent1">
+              <a:shade val="50000"/>
+            </a:schemeClr>
+          </a:lnRef>
+          <a:fillRef idx="1">
+            <a:schemeClr val="accent1"/>
+          </a:fillRef>
+          <a:effectRef idx="0">
+            <a:schemeClr val="accent1"/>
+          </a:effectRef>
+          <a:fontRef idx="minor">
+            <a:schemeClr val="lt1"/>
+          </a:fontRef>
+        </p:style>
+        <p:txBody>
+          <a:bodyPr rtlCol="0" anchor="ctr"/>
+          <a:lstStyle/>
+          <a:p>
+            <a:pPr algn="ctr"/>
+            <a:endParaRPr lang="zh-CN" altLang="en-US"/>
+          </a:p>
+        </p:txBody>
+      </p:sp>
+      <p:sp>
+        <p:nvSpPr>
+          <p:cNvPr id="6" name="泪滴形 5">
+            <a:extLst>
+              <a:ext uri="{FF2B5EF4-FFF2-40B4-BE49-F238E27FC236}">
+                <a16:creationId xmlns:a16="http://schemas.microsoft.com/office/drawing/2014/main" id="{A207D7FA-5D1E-E0A6-9E3B-D9798E9EAF86}"/>
+              </a:ext>
+            </a:extLst>
+          </p:cNvPr>
+          <p:cNvSpPr/>
+          <p:nvPr/>
+        </p:nvSpPr>
+        <p:spPr>
+          <a:xfrm rot="-2700000">
+            <a:off x="4199842" y="3334606"/>
+            <a:ext cx="354807" cy="354807"/>
+          </a:xfrm>
+          <a:prstGeom prst="teardrop">
+            <a:avLst>
+              <a:gd name="adj" fmla="val 183525"/>
+            </a:avLst>
+          </a:prstGeom>
+          <a:solidFill>
+            <a:schemeClr val="tx1">
+              <a:lumMod val="50000"/>
+              <a:lumOff val="50000"/>
+            </a:schemeClr>
+          </a:solidFill>
+          <a:ln>
+            <a:noFill/>
+          </a:ln>
+        </p:spPr>
+        <p:style>
+          <a:lnRef idx="2">
+            <a:schemeClr val="accent1">
+              <a:shade val="50000"/>
+            </a:schemeClr>
+          </a:lnRef>
+          <a:fillRef idx="1">
+            <a:schemeClr val="accent1"/>
+          </a:fillRef>
+          <a:effectRef idx="0">
+            <a:schemeClr val="accent1"/>
+          </a:effectRef>
+          <a:fontRef idx="minor">
+            <a:schemeClr val="lt1"/>
+          </a:fontRef>
+        </p:style>
+        <p:txBody>
+          <a:bodyPr rtlCol="0" anchor="ctr"/>
+          <a:lstStyle/>
+          <a:p>
+            <a:pPr algn="ctr"/>
+            <a:endParaRPr lang="zh-CN" altLang="en-US"/>
+          </a:p>
+        </p:txBody>
+      </p:sp>
+      <p:grpSp>
+        <p:nvGrpSpPr>
+          <p:cNvPr id="7" name="组合 6">
+            <a:extLst>
+              <a:ext uri="{FF2B5EF4-FFF2-40B4-BE49-F238E27FC236}">
+                <a16:creationId xmlns:a16="http://schemas.microsoft.com/office/drawing/2014/main" id="{2D350002-EBC7-B393-E910-700264F861CD}"/>
+              </a:ext>
+            </a:extLst>
+          </p:cNvPr>
+          <p:cNvGrpSpPr/>
+          <p:nvPr/>
+        </p:nvGrpSpPr>
+        <p:grpSpPr>
+          <a:xfrm>
+            <a:off x="2690814" y="2533650"/>
+            <a:ext cx="1481138" cy="1481138"/>
+            <a:chOff x="2690813" y="1876425"/>
+            <a:chExt cx="2138363" cy="2138363"/>
+          </a:xfrm>
+        </p:grpSpPr>
+        <p:sp>
+          <p:nvSpPr>
+            <p:cNvPr id="8" name="矩形 7">
+              <a:extLst>
+                <a:ext uri="{FF2B5EF4-FFF2-40B4-BE49-F238E27FC236}">
+                  <a16:creationId xmlns:a16="http://schemas.microsoft.com/office/drawing/2014/main" id="{951EF9F8-6911-C127-1177-E017387A932C}"/>
+                </a:ext>
+              </a:extLst>
+            </p:cNvPr>
+            <p:cNvSpPr/>
+            <p:nvPr/>
+          </p:nvSpPr>
+          <p:spPr>
+            <a:xfrm>
+              <a:off x="2690813" y="1876425"/>
+              <a:ext cx="2138363" cy="2138363"/>
+            </a:xfrm>
+            <a:prstGeom prst="rect">
+              <a:avLst/>
+            </a:prstGeom>
+            <a:solidFill>
+              <a:srgbClr val="FFFFFF">
+                <a:alpha val="30196"/>
+              </a:srgbClr>
+            </a:solidFill>
+            <a:ln w="76200">
+              <a:solidFill>
+                <a:schemeClr val="bg1"/>
+              </a:solidFill>
+            </a:ln>
+          </p:spPr>
+          <p:style>
+            <a:lnRef idx="2">
+              <a:schemeClr val="accent1">
+                <a:shade val="50000"/>
+              </a:schemeClr>
+            </a:lnRef>
+            <a:fillRef idx="1">
+              <a:schemeClr val="accent1"/>
+            </a:fillRef>
+            <a:effectRef idx="0">
+              <a:schemeClr val="accent1"/>
+            </a:effectRef>
+            <a:fontRef idx="minor">
+              <a:schemeClr val="lt1"/>
+            </a:fontRef>
+          </p:style>
+          <p:txBody>
+            <a:bodyPr rtlCol="0" anchor="ctr"/>
+            <a:lstStyle/>
+            <a:p>
+              <a:pPr algn="ctr"/>
+              <a:endParaRPr lang="zh-CN" altLang="en-US"/>
+            </a:p>
+          </p:txBody>
+        </p:sp>
+        <p:sp>
+          <p:nvSpPr>
+            <p:cNvPr id="9" name="等腰三角形 8">
+              <a:extLst>
+                <a:ext uri="{FF2B5EF4-FFF2-40B4-BE49-F238E27FC236}">
+                  <a16:creationId xmlns:a16="http://schemas.microsoft.com/office/drawing/2014/main" id="{2FAFE171-449B-80C2-9266-FB4F41F592C9}"/>
+                </a:ext>
+              </a:extLst>
+            </p:cNvPr>
+            <p:cNvSpPr/>
+            <p:nvPr/>
+          </p:nvSpPr>
+          <p:spPr>
+            <a:xfrm rot="12600000">
+              <a:off x="3186434" y="2683520"/>
+              <a:ext cx="914103" cy="788020"/>
+            </a:xfrm>
+            <a:prstGeom prst="triangle">
+              <a:avLst/>
+            </a:prstGeom>
+            <a:solidFill>
+              <a:schemeClr val="bg1"/>
+            </a:solidFill>
+            <a:ln>
+              <a:noFill/>
+            </a:ln>
+          </p:spPr>
+          <p:style>
+            <a:lnRef idx="2">
+              <a:schemeClr val="accent1">
+                <a:shade val="50000"/>
+              </a:schemeClr>
+            </a:lnRef>
+            <a:fillRef idx="1">
+              <a:schemeClr val="accent1"/>
+            </a:fillRef>
+            <a:effectRef idx="0">
+              <a:schemeClr val="accent1"/>
+            </a:effectRef>
+            <a:fontRef idx="minor">
+              <a:schemeClr val="lt1"/>
+            </a:fontRef>
+          </p:style>
+          <p:txBody>
+            <a:bodyPr rtlCol="0" anchor="ctr"/>
+            <a:lstStyle/>
+            <a:p>
+              <a:pPr algn="ctr"/>
+              <a:endParaRPr lang="zh-CN" altLang="en-US"/>
+            </a:p>
+          </p:txBody>
+        </p:sp>
+      </p:grpSp>
+      <p:grpSp>
+        <p:nvGrpSpPr>
+          <p:cNvPr id="10" name="组合 9">
+            <a:extLst>
+              <a:ext uri="{FF2B5EF4-FFF2-40B4-BE49-F238E27FC236}">
+                <a16:creationId xmlns:a16="http://schemas.microsoft.com/office/drawing/2014/main" id="{638C7EC6-9258-6F81-63AE-2E202CA0C56B}"/>
+              </a:ext>
+            </a:extLst>
+          </p:cNvPr>
+          <p:cNvGrpSpPr/>
+          <p:nvPr/>
+        </p:nvGrpSpPr>
+        <p:grpSpPr>
+          <a:xfrm>
+            <a:off x="4614862" y="2533650"/>
+            <a:ext cx="1481138" cy="1481138"/>
+            <a:chOff x="2690813" y="1876425"/>
+            <a:chExt cx="2138363" cy="2138363"/>
+          </a:xfrm>
+        </p:grpSpPr>
+        <p:sp>
+          <p:nvSpPr>
+            <p:cNvPr id="11" name="矩形 10">
+              <a:extLst>
+                <a:ext uri="{FF2B5EF4-FFF2-40B4-BE49-F238E27FC236}">
+                  <a16:creationId xmlns:a16="http://schemas.microsoft.com/office/drawing/2014/main" id="{C5275D3A-E375-504D-7088-DB6B07F9DD5C}"/>
+                </a:ext>
+              </a:extLst>
+            </p:cNvPr>
+            <p:cNvSpPr/>
+            <p:nvPr/>
+          </p:nvSpPr>
+          <p:spPr>
+            <a:xfrm>
+              <a:off x="2690813" y="1876425"/>
+              <a:ext cx="2138363" cy="2138363"/>
+            </a:xfrm>
+            <a:prstGeom prst="rect">
+              <a:avLst/>
+            </a:prstGeom>
+            <a:solidFill>
+              <a:schemeClr val="bg1">
+                <a:lumMod val="75000"/>
+                <a:alpha val="30196"/>
+              </a:schemeClr>
+            </a:solidFill>
+            <a:ln w="76200">
+              <a:solidFill>
+                <a:schemeClr val="bg1">
+                  <a:lumMod val="75000"/>
+                </a:schemeClr>
+              </a:solidFill>
+            </a:ln>
+          </p:spPr>
+          <p:style>
+            <a:lnRef idx="2">
+              <a:schemeClr val="accent1">
+                <a:shade val="50000"/>
+              </a:schemeClr>
+            </a:lnRef>
+            <a:fillRef idx="1">
+              <a:schemeClr val="accent1"/>
+            </a:fillRef>
+            <a:effectRef idx="0">
+              <a:schemeClr val="accent1"/>
+            </a:effectRef>
+            <a:fontRef idx="minor">
+              <a:schemeClr val="lt1"/>
+            </a:fontRef>
+          </p:style>
+          <p:txBody>
+            <a:bodyPr rtlCol="0" anchor="ctr"/>
+            <a:lstStyle/>
+            <a:p>
+              <a:pPr algn="ctr"/>
+              <a:endParaRPr lang="zh-CN" altLang="en-US"/>
+            </a:p>
+          </p:txBody>
+        </p:sp>
+        <p:sp>
+          <p:nvSpPr>
+            <p:cNvPr id="12" name="等腰三角形 11">
+              <a:extLst>
+                <a:ext uri="{FF2B5EF4-FFF2-40B4-BE49-F238E27FC236}">
+                  <a16:creationId xmlns:a16="http://schemas.microsoft.com/office/drawing/2014/main" id="{7615FFE9-0F4F-0CCE-25FF-51A62C5B8C5A}"/>
+                </a:ext>
+              </a:extLst>
+            </p:cNvPr>
+            <p:cNvSpPr/>
+            <p:nvPr/>
+          </p:nvSpPr>
+          <p:spPr>
+            <a:xfrm rot="12600000">
+              <a:off x="3186434" y="2683520"/>
+              <a:ext cx="914103" cy="788020"/>
+            </a:xfrm>
+            <a:prstGeom prst="triangle">
+              <a:avLst/>
+            </a:prstGeom>
+            <a:solidFill>
+              <a:schemeClr val="bg1">
+                <a:lumMod val="75000"/>
+              </a:schemeClr>
+            </a:solidFill>
+            <a:ln>
+              <a:noFill/>
+            </a:ln>
+          </p:spPr>
+          <p:style>
+            <a:lnRef idx="2">
+              <a:schemeClr val="accent1">
+                <a:shade val="50000"/>
+              </a:schemeClr>
+            </a:lnRef>
+            <a:fillRef idx="1">
+              <a:schemeClr val="accent1"/>
+            </a:fillRef>
+            <a:effectRef idx="0">
+              <a:schemeClr val="accent1"/>
+            </a:effectRef>
+            <a:fontRef idx="minor">
+              <a:schemeClr val="lt1"/>
+            </a:fontRef>
+          </p:style>
+          <p:txBody>
+            <a:bodyPr rtlCol="0" anchor="ctr"/>
+            <a:lstStyle/>
+            <a:p>
+              <a:pPr algn="ctr"/>
+              <a:endParaRPr lang="zh-CN" altLang="en-US" dirty="0"/>
+            </a:p>
+          </p:txBody>
+        </p:sp>
+      </p:grpSp>
     </p:spTree>
     <p:extLst>
       <p:ext uri="{BB962C8B-B14F-4D97-AF65-F5344CB8AC3E}">
@@ -8108,10 +8915,10 @@
       </p:grpSpPr>
       <p:sp>
         <p:nvSpPr>
-          <p:cNvPr id="6" name="矩形 5">
-            <a:extLst>
-              <a:ext uri="{FF2B5EF4-FFF2-40B4-BE49-F238E27FC236}">
-                <a16:creationId xmlns:a16="http://schemas.microsoft.com/office/drawing/2014/main" id="{97E7C92F-FF95-781F-1BCD-60ABC93E2C4D}"/>
+          <p:cNvPr id="35" name="矩形 34">
+            <a:extLst>
+              <a:ext uri="{FF2B5EF4-FFF2-40B4-BE49-F238E27FC236}">
+                <a16:creationId xmlns:a16="http://schemas.microsoft.com/office/drawing/2014/main" id="{1C81DA37-8960-A8CD-640C-2D695703769D}"/>
               </a:ext>
             </a:extLst>
           </p:cNvPr>
@@ -8120,17 +8927,177 @@
         </p:nvSpPr>
         <p:spPr>
           <a:xfrm>
-            <a:off x="4015806" y="4082570"/>
-            <a:ext cx="1984076" cy="372374"/>
+            <a:off x="4379914" y="2143125"/>
+            <a:ext cx="1481138" cy="1481138"/>
           </a:xfrm>
           <a:prstGeom prst="rect">
             <a:avLst/>
           </a:prstGeom>
           <a:solidFill>
-            <a:schemeClr val="tx1">
-              <a:lumMod val="65000"/>
-              <a:lumOff val="35000"/>
+            <a:srgbClr val="FFFFFF">
+              <a:alpha val="30196"/>
+            </a:srgbClr>
+          </a:solidFill>
+          <a:ln w="76200">
+            <a:solidFill>
+              <a:schemeClr val="bg1"/>
+            </a:solidFill>
+          </a:ln>
+        </p:spPr>
+        <p:style>
+          <a:lnRef idx="2">
+            <a:schemeClr val="accent1">
+              <a:shade val="50000"/>
             </a:schemeClr>
+          </a:lnRef>
+          <a:fillRef idx="1">
+            <a:schemeClr val="accent1"/>
+          </a:fillRef>
+          <a:effectRef idx="0">
+            <a:schemeClr val="accent1"/>
+          </a:effectRef>
+          <a:fontRef idx="minor">
+            <a:schemeClr val="lt1"/>
+          </a:fontRef>
+        </p:style>
+        <p:txBody>
+          <a:bodyPr rtlCol="0" anchor="ctr"/>
+          <a:lstStyle/>
+          <a:p>
+            <a:pPr algn="ctr"/>
+            <a:endParaRPr lang="zh-CN" altLang="en-US"/>
+          </a:p>
+        </p:txBody>
+      </p:sp>
+      <p:sp>
+        <p:nvSpPr>
+          <p:cNvPr id="39" name="任意多边形: 形状 38">
+            <a:extLst>
+              <a:ext uri="{FF2B5EF4-FFF2-40B4-BE49-F238E27FC236}">
+                <a16:creationId xmlns:a16="http://schemas.microsoft.com/office/drawing/2014/main" id="{5F296160-3A68-A56D-A52E-9A0447488217}"/>
+              </a:ext>
+            </a:extLst>
+          </p:cNvPr>
+          <p:cNvSpPr/>
+          <p:nvPr/>
+        </p:nvSpPr>
+        <p:spPr>
+          <a:xfrm flipH="1">
+            <a:off x="4651375" y="2393949"/>
+            <a:ext cx="923925" cy="1035050"/>
+          </a:xfrm>
+          <a:custGeom>
+            <a:avLst/>
+            <a:gdLst>
+              <a:gd name="connsiteX0" fmla="*/ 923925 w 923925"/>
+              <a:gd name="connsiteY0" fmla="*/ 0 h 1035050"/>
+              <a:gd name="connsiteX1" fmla="*/ 0 w 923925"/>
+              <a:gd name="connsiteY1" fmla="*/ 0 h 1035050"/>
+              <a:gd name="connsiteX2" fmla="*/ 0 w 923925"/>
+              <a:gd name="connsiteY2" fmla="*/ 158750 h 1035050"/>
+              <a:gd name="connsiteX3" fmla="*/ 668735 w 923925"/>
+              <a:gd name="connsiteY3" fmla="*/ 158750 h 1035050"/>
+              <a:gd name="connsiteX4" fmla="*/ 422674 w 923925"/>
+              <a:gd name="connsiteY4" fmla="*/ 444897 h 1035050"/>
+              <a:gd name="connsiteX5" fmla="*/ 422673 w 923925"/>
+              <a:gd name="connsiteY5" fmla="*/ 444897 h 1035050"/>
+              <a:gd name="connsiteX6" fmla="*/ 422673 w 923925"/>
+              <a:gd name="connsiteY6" fmla="*/ 1035050 h 1035050"/>
+              <a:gd name="connsiteX7" fmla="*/ 501254 w 923925"/>
+              <a:gd name="connsiteY7" fmla="*/ 1035050 h 1035050"/>
+              <a:gd name="connsiteX8" fmla="*/ 501254 w 923925"/>
+              <a:gd name="connsiteY8" fmla="*/ 444897 h 1035050"/>
+              <a:gd name="connsiteX9" fmla="*/ 498874 w 923925"/>
+              <a:gd name="connsiteY9" fmla="*/ 444897 h 1035050"/>
+              <a:gd name="connsiteX10" fmla="*/ 744935 w 923925"/>
+              <a:gd name="connsiteY10" fmla="*/ 158750 h 1035050"/>
+              <a:gd name="connsiteX11" fmla="*/ 923925 w 923925"/>
+              <a:gd name="connsiteY11" fmla="*/ 158750 h 1035050"/>
+            </a:gdLst>
+            <a:ahLst/>
+            <a:cxnLst>
+              <a:cxn ang="0">
+                <a:pos x="connsiteX0" y="connsiteY0"/>
+              </a:cxn>
+              <a:cxn ang="0">
+                <a:pos x="connsiteX1" y="connsiteY1"/>
+              </a:cxn>
+              <a:cxn ang="0">
+                <a:pos x="connsiteX2" y="connsiteY2"/>
+              </a:cxn>
+              <a:cxn ang="0">
+                <a:pos x="connsiteX3" y="connsiteY3"/>
+              </a:cxn>
+              <a:cxn ang="0">
+                <a:pos x="connsiteX4" y="connsiteY4"/>
+              </a:cxn>
+              <a:cxn ang="0">
+                <a:pos x="connsiteX5" y="connsiteY5"/>
+              </a:cxn>
+              <a:cxn ang="0">
+                <a:pos x="connsiteX6" y="connsiteY6"/>
+              </a:cxn>
+              <a:cxn ang="0">
+                <a:pos x="connsiteX7" y="connsiteY7"/>
+              </a:cxn>
+              <a:cxn ang="0">
+                <a:pos x="connsiteX8" y="connsiteY8"/>
+              </a:cxn>
+              <a:cxn ang="0">
+                <a:pos x="connsiteX9" y="connsiteY9"/>
+              </a:cxn>
+              <a:cxn ang="0">
+                <a:pos x="connsiteX10" y="connsiteY10"/>
+              </a:cxn>
+              <a:cxn ang="0">
+                <a:pos x="connsiteX11" y="connsiteY11"/>
+              </a:cxn>
+            </a:cxnLst>
+            <a:rect l="l" t="t" r="r" b="b"/>
+            <a:pathLst>
+              <a:path w="923925" h="1035050">
+                <a:moveTo>
+                  <a:pt x="923925" y="0"/>
+                </a:moveTo>
+                <a:lnTo>
+                  <a:pt x="0" y="0"/>
+                </a:lnTo>
+                <a:lnTo>
+                  <a:pt x="0" y="158750"/>
+                </a:lnTo>
+                <a:lnTo>
+                  <a:pt x="668735" y="158750"/>
+                </a:lnTo>
+                <a:lnTo>
+                  <a:pt x="422674" y="444897"/>
+                </a:lnTo>
+                <a:lnTo>
+                  <a:pt x="422673" y="444897"/>
+                </a:lnTo>
+                <a:lnTo>
+                  <a:pt x="422673" y="1035050"/>
+                </a:lnTo>
+                <a:lnTo>
+                  <a:pt x="501254" y="1035050"/>
+                </a:lnTo>
+                <a:lnTo>
+                  <a:pt x="501254" y="444897"/>
+                </a:lnTo>
+                <a:lnTo>
+                  <a:pt x="498874" y="444897"/>
+                </a:lnTo>
+                <a:lnTo>
+                  <a:pt x="744935" y="158750"/>
+                </a:lnTo>
+                <a:lnTo>
+                  <a:pt x="923925" y="158750"/>
+                </a:lnTo>
+                <a:close/>
+              </a:path>
+            </a:pathLst>
+          </a:custGeom>
+          <a:solidFill>
+            <a:schemeClr val="bg1"/>
           </a:solidFill>
           <a:ln>
             <a:noFill/>
@@ -8153,7 +9120,9 @@
           </a:fontRef>
         </p:style>
         <p:txBody>
-          <a:bodyPr rtlCol="0" anchor="ctr"/>
+          <a:bodyPr wrap="square" rtlCol="0" anchor="ctr">
+            <a:noAutofit/>
+          </a:bodyPr>
           <a:lstStyle/>
           <a:p>
             <a:pPr algn="ctr"/>
@@ -8163,10 +9132,10 @@
       </p:sp>
       <p:sp>
         <p:nvSpPr>
-          <p:cNvPr id="7" name="矩形 6">
-            <a:extLst>
-              <a:ext uri="{FF2B5EF4-FFF2-40B4-BE49-F238E27FC236}">
-                <a16:creationId xmlns:a16="http://schemas.microsoft.com/office/drawing/2014/main" id="{0BDFBDBF-0955-9292-BDCC-455E83843E35}"/>
+          <p:cNvPr id="40" name="矩形 39">
+            <a:extLst>
+              <a:ext uri="{FF2B5EF4-FFF2-40B4-BE49-F238E27FC236}">
+                <a16:creationId xmlns:a16="http://schemas.microsoft.com/office/drawing/2014/main" id="{E8940FFE-86F2-E577-6028-DA433A6AD3E2}"/>
               </a:ext>
             </a:extLst>
           </p:cNvPr>
@@ -8175,17 +9144,177 @@
         </p:nvSpPr>
         <p:spPr>
           <a:xfrm>
-            <a:off x="4926881" y="2576513"/>
-            <a:ext cx="161925" cy="1504950"/>
+            <a:off x="6234114" y="2143125"/>
+            <a:ext cx="1481138" cy="1481138"/>
           </a:xfrm>
           <a:prstGeom prst="rect">
             <a:avLst/>
           </a:prstGeom>
           <a:solidFill>
-            <a:schemeClr val="tx1">
-              <a:lumMod val="65000"/>
-              <a:lumOff val="35000"/>
+            <a:srgbClr val="FFFF00">
+              <a:alpha val="30196"/>
+            </a:srgbClr>
+          </a:solidFill>
+          <a:ln w="76200">
+            <a:solidFill>
+              <a:srgbClr val="FFFF00"/>
+            </a:solidFill>
+          </a:ln>
+        </p:spPr>
+        <p:style>
+          <a:lnRef idx="2">
+            <a:schemeClr val="accent1">
+              <a:shade val="50000"/>
             </a:schemeClr>
+          </a:lnRef>
+          <a:fillRef idx="1">
+            <a:schemeClr val="accent1"/>
+          </a:fillRef>
+          <a:effectRef idx="0">
+            <a:schemeClr val="accent1"/>
+          </a:effectRef>
+          <a:fontRef idx="minor">
+            <a:schemeClr val="lt1"/>
+          </a:fontRef>
+        </p:style>
+        <p:txBody>
+          <a:bodyPr rtlCol="0" anchor="ctr"/>
+          <a:lstStyle/>
+          <a:p>
+            <a:pPr algn="ctr"/>
+            <a:endParaRPr lang="zh-CN" altLang="en-US"/>
+          </a:p>
+        </p:txBody>
+      </p:sp>
+      <p:sp>
+        <p:nvSpPr>
+          <p:cNvPr id="41" name="任意多边形: 形状 40">
+            <a:extLst>
+              <a:ext uri="{FF2B5EF4-FFF2-40B4-BE49-F238E27FC236}">
+                <a16:creationId xmlns:a16="http://schemas.microsoft.com/office/drawing/2014/main" id="{49D0BC36-09B1-8069-5281-C5689F47BB5E}"/>
+              </a:ext>
+            </a:extLst>
+          </p:cNvPr>
+          <p:cNvSpPr/>
+          <p:nvPr/>
+        </p:nvSpPr>
+        <p:spPr>
+          <a:xfrm flipH="1">
+            <a:off x="6505575" y="2393949"/>
+            <a:ext cx="923925" cy="1035050"/>
+          </a:xfrm>
+          <a:custGeom>
+            <a:avLst/>
+            <a:gdLst>
+              <a:gd name="connsiteX0" fmla="*/ 923925 w 923925"/>
+              <a:gd name="connsiteY0" fmla="*/ 0 h 1035050"/>
+              <a:gd name="connsiteX1" fmla="*/ 0 w 923925"/>
+              <a:gd name="connsiteY1" fmla="*/ 0 h 1035050"/>
+              <a:gd name="connsiteX2" fmla="*/ 0 w 923925"/>
+              <a:gd name="connsiteY2" fmla="*/ 158750 h 1035050"/>
+              <a:gd name="connsiteX3" fmla="*/ 668735 w 923925"/>
+              <a:gd name="connsiteY3" fmla="*/ 158750 h 1035050"/>
+              <a:gd name="connsiteX4" fmla="*/ 422674 w 923925"/>
+              <a:gd name="connsiteY4" fmla="*/ 444897 h 1035050"/>
+              <a:gd name="connsiteX5" fmla="*/ 422673 w 923925"/>
+              <a:gd name="connsiteY5" fmla="*/ 444897 h 1035050"/>
+              <a:gd name="connsiteX6" fmla="*/ 422673 w 923925"/>
+              <a:gd name="connsiteY6" fmla="*/ 1035050 h 1035050"/>
+              <a:gd name="connsiteX7" fmla="*/ 501254 w 923925"/>
+              <a:gd name="connsiteY7" fmla="*/ 1035050 h 1035050"/>
+              <a:gd name="connsiteX8" fmla="*/ 501254 w 923925"/>
+              <a:gd name="connsiteY8" fmla="*/ 444897 h 1035050"/>
+              <a:gd name="connsiteX9" fmla="*/ 498874 w 923925"/>
+              <a:gd name="connsiteY9" fmla="*/ 444897 h 1035050"/>
+              <a:gd name="connsiteX10" fmla="*/ 744935 w 923925"/>
+              <a:gd name="connsiteY10" fmla="*/ 158750 h 1035050"/>
+              <a:gd name="connsiteX11" fmla="*/ 923925 w 923925"/>
+              <a:gd name="connsiteY11" fmla="*/ 158750 h 1035050"/>
+            </a:gdLst>
+            <a:ahLst/>
+            <a:cxnLst>
+              <a:cxn ang="0">
+                <a:pos x="connsiteX0" y="connsiteY0"/>
+              </a:cxn>
+              <a:cxn ang="0">
+                <a:pos x="connsiteX1" y="connsiteY1"/>
+              </a:cxn>
+              <a:cxn ang="0">
+                <a:pos x="connsiteX2" y="connsiteY2"/>
+              </a:cxn>
+              <a:cxn ang="0">
+                <a:pos x="connsiteX3" y="connsiteY3"/>
+              </a:cxn>
+              <a:cxn ang="0">
+                <a:pos x="connsiteX4" y="connsiteY4"/>
+              </a:cxn>
+              <a:cxn ang="0">
+                <a:pos x="connsiteX5" y="connsiteY5"/>
+              </a:cxn>
+              <a:cxn ang="0">
+                <a:pos x="connsiteX6" y="connsiteY6"/>
+              </a:cxn>
+              <a:cxn ang="0">
+                <a:pos x="connsiteX7" y="connsiteY7"/>
+              </a:cxn>
+              <a:cxn ang="0">
+                <a:pos x="connsiteX8" y="connsiteY8"/>
+              </a:cxn>
+              <a:cxn ang="0">
+                <a:pos x="connsiteX9" y="connsiteY9"/>
+              </a:cxn>
+              <a:cxn ang="0">
+                <a:pos x="connsiteX10" y="connsiteY10"/>
+              </a:cxn>
+              <a:cxn ang="0">
+                <a:pos x="connsiteX11" y="connsiteY11"/>
+              </a:cxn>
+            </a:cxnLst>
+            <a:rect l="l" t="t" r="r" b="b"/>
+            <a:pathLst>
+              <a:path w="923925" h="1035050">
+                <a:moveTo>
+                  <a:pt x="923925" y="0"/>
+                </a:moveTo>
+                <a:lnTo>
+                  <a:pt x="0" y="0"/>
+                </a:lnTo>
+                <a:lnTo>
+                  <a:pt x="0" y="158750"/>
+                </a:lnTo>
+                <a:lnTo>
+                  <a:pt x="668735" y="158750"/>
+                </a:lnTo>
+                <a:lnTo>
+                  <a:pt x="422674" y="444897"/>
+                </a:lnTo>
+                <a:lnTo>
+                  <a:pt x="422673" y="444897"/>
+                </a:lnTo>
+                <a:lnTo>
+                  <a:pt x="422673" y="1035050"/>
+                </a:lnTo>
+                <a:lnTo>
+                  <a:pt x="501254" y="1035050"/>
+                </a:lnTo>
+                <a:lnTo>
+                  <a:pt x="501254" y="444897"/>
+                </a:lnTo>
+                <a:lnTo>
+                  <a:pt x="498874" y="444897"/>
+                </a:lnTo>
+                <a:lnTo>
+                  <a:pt x="744935" y="158750"/>
+                </a:lnTo>
+                <a:lnTo>
+                  <a:pt x="923925" y="158750"/>
+                </a:lnTo>
+                <a:close/>
+              </a:path>
+            </a:pathLst>
+          </a:custGeom>
+          <a:solidFill>
+            <a:srgbClr val="FFFF00"/>
           </a:solidFill>
           <a:ln>
             <a:noFill/>
@@ -8208,173 +9337,9 @@
           </a:fontRef>
         </p:style>
         <p:txBody>
-          <a:bodyPr rtlCol="0" anchor="ctr"/>
-          <a:lstStyle/>
-          <a:p>
-            <a:pPr algn="ctr"/>
-            <a:endParaRPr lang="zh-CN" altLang="en-US"/>
-          </a:p>
-        </p:txBody>
-      </p:sp>
-      <p:sp>
-        <p:nvSpPr>
-          <p:cNvPr id="8" name="等腰三角形 7">
-            <a:extLst>
-              <a:ext uri="{FF2B5EF4-FFF2-40B4-BE49-F238E27FC236}">
-                <a16:creationId xmlns:a16="http://schemas.microsoft.com/office/drawing/2014/main" id="{4CACAC43-9D79-2126-CD11-6F4B1A923B98}"/>
-              </a:ext>
-            </a:extLst>
-          </p:cNvPr>
-          <p:cNvSpPr/>
-          <p:nvPr/>
-        </p:nvSpPr>
-        <p:spPr>
-          <a:xfrm>
-            <a:off x="4148211" y="2290763"/>
-            <a:ext cx="1719263" cy="372374"/>
-          </a:xfrm>
-          <a:prstGeom prst="triangle">
-            <a:avLst/>
-          </a:prstGeom>
-          <a:solidFill>
-            <a:schemeClr val="tx1">
-              <a:lumMod val="65000"/>
-              <a:lumOff val="35000"/>
-            </a:schemeClr>
-          </a:solidFill>
-          <a:ln>
-            <a:noFill/>
-          </a:ln>
-        </p:spPr>
-        <p:style>
-          <a:lnRef idx="2">
-            <a:schemeClr val="accent1">
-              <a:shade val="50000"/>
-            </a:schemeClr>
-          </a:lnRef>
-          <a:fillRef idx="1">
-            <a:schemeClr val="accent1"/>
-          </a:fillRef>
-          <a:effectRef idx="0">
-            <a:schemeClr val="accent1"/>
-          </a:effectRef>
-          <a:fontRef idx="minor">
-            <a:schemeClr val="lt1"/>
-          </a:fontRef>
-        </p:style>
-        <p:txBody>
-          <a:bodyPr rtlCol="0" anchor="ctr"/>
-          <a:lstStyle/>
-          <a:p>
-            <a:pPr algn="ctr"/>
-            <a:endParaRPr lang="zh-CN" altLang="en-US"/>
-          </a:p>
-        </p:txBody>
-      </p:sp>
-      <p:sp>
-        <p:nvSpPr>
-          <p:cNvPr id="9" name="矩形 8">
-            <a:extLst>
-              <a:ext uri="{FF2B5EF4-FFF2-40B4-BE49-F238E27FC236}">
-                <a16:creationId xmlns:a16="http://schemas.microsoft.com/office/drawing/2014/main" id="{669BFCD7-DFD0-E8F5-4866-1EA2502ABB96}"/>
-              </a:ext>
-            </a:extLst>
-          </p:cNvPr>
-          <p:cNvSpPr/>
-          <p:nvPr/>
-        </p:nvSpPr>
-        <p:spPr>
-          <a:xfrm>
-            <a:off x="4015805" y="2817018"/>
-            <a:ext cx="722882" cy="1127977"/>
-          </a:xfrm>
-          <a:prstGeom prst="rect">
-            <a:avLst/>
-          </a:prstGeom>
-          <a:solidFill>
-            <a:schemeClr val="bg1">
-              <a:lumMod val="85000"/>
-            </a:schemeClr>
-          </a:solidFill>
-          <a:ln>
-            <a:noFill/>
-          </a:ln>
-        </p:spPr>
-        <p:style>
-          <a:lnRef idx="2">
-            <a:schemeClr val="accent1">
-              <a:shade val="50000"/>
-            </a:schemeClr>
-          </a:lnRef>
-          <a:fillRef idx="1">
-            <a:schemeClr val="accent1"/>
-          </a:fillRef>
-          <a:effectRef idx="0">
-            <a:schemeClr val="accent1"/>
-          </a:effectRef>
-          <a:fontRef idx="minor">
-            <a:schemeClr val="lt1"/>
-          </a:fontRef>
-        </p:style>
-        <p:txBody>
-          <a:bodyPr rtlCol="0" anchor="ctr"/>
-          <a:lstStyle/>
-          <a:p>
-            <a:pPr algn="ctr"/>
-            <a:endParaRPr lang="zh-CN" altLang="en-US"/>
-          </a:p>
-        </p:txBody>
-      </p:sp>
-      <p:sp>
-        <p:nvSpPr>
-          <p:cNvPr id="14" name="泪滴形 13">
-            <a:extLst>
-              <a:ext uri="{FF2B5EF4-FFF2-40B4-BE49-F238E27FC236}">
-                <a16:creationId xmlns:a16="http://schemas.microsoft.com/office/drawing/2014/main" id="{25DF7F13-EE6A-E97F-F521-2D97DEDF5598}"/>
-              </a:ext>
-            </a:extLst>
-          </p:cNvPr>
-          <p:cNvSpPr/>
-          <p:nvPr/>
-        </p:nvSpPr>
-        <p:spPr>
-          <a:xfrm rot="-2700000">
-            <a:off x="4199842" y="3334606"/>
-            <a:ext cx="354807" cy="354807"/>
-          </a:xfrm>
-          <a:prstGeom prst="teardrop">
-            <a:avLst>
-              <a:gd name="adj" fmla="val 183525"/>
-            </a:avLst>
-          </a:prstGeom>
-          <a:solidFill>
-            <a:schemeClr val="tx1">
-              <a:lumMod val="50000"/>
-              <a:lumOff val="50000"/>
-            </a:schemeClr>
-          </a:solidFill>
-          <a:ln>
-            <a:noFill/>
-          </a:ln>
-        </p:spPr>
-        <p:style>
-          <a:lnRef idx="2">
-            <a:schemeClr val="accent1">
-              <a:shade val="50000"/>
-            </a:schemeClr>
-          </a:lnRef>
-          <a:fillRef idx="1">
-            <a:schemeClr val="accent1"/>
-          </a:fillRef>
-          <a:effectRef idx="0">
-            <a:schemeClr val="accent1"/>
-          </a:effectRef>
-          <a:fontRef idx="minor">
-            <a:schemeClr val="lt1"/>
-          </a:fontRef>
-        </p:style>
-        <p:txBody>
-          <a:bodyPr rtlCol="0" anchor="ctr"/>
+          <a:bodyPr wrap="square" rtlCol="0" anchor="ctr">
+            <a:noAutofit/>
+          </a:bodyPr>
           <a:lstStyle/>
           <a:p>
             <a:pPr algn="ctr"/>

--- a/Texture/Texture.pptx
+++ b/Texture/Texture.pptx
@@ -4479,10 +4479,10 @@
       </p:sp>
       <p:sp>
         <p:nvSpPr>
-          <p:cNvPr id="3" name="矩形 2">
-            <a:extLst>
-              <a:ext uri="{FF2B5EF4-FFF2-40B4-BE49-F238E27FC236}">
-                <a16:creationId xmlns:a16="http://schemas.microsoft.com/office/drawing/2014/main" id="{775094D1-AB64-DB29-F8B0-A99DC9DDCE97}"/>
+          <p:cNvPr id="10" name="矩形 9">
+            <a:extLst>
+              <a:ext uri="{FF2B5EF4-FFF2-40B4-BE49-F238E27FC236}">
+                <a16:creationId xmlns:a16="http://schemas.microsoft.com/office/drawing/2014/main" id="{AE59933D-4ACB-7ECA-2202-657F03E399C5}"/>
               </a:ext>
             </a:extLst>
           </p:cNvPr>
@@ -4535,10 +4535,10 @@
       </p:sp>
       <p:sp>
         <p:nvSpPr>
-          <p:cNvPr id="4" name="任意多边形: 形状 3">
-            <a:extLst>
-              <a:ext uri="{FF2B5EF4-FFF2-40B4-BE49-F238E27FC236}">
-                <a16:creationId xmlns:a16="http://schemas.microsoft.com/office/drawing/2014/main" id="{F71E581D-30F3-12C1-9648-D91B81662002}"/>
+          <p:cNvPr id="11" name="任意多边形: 形状 10">
+            <a:extLst>
+              <a:ext uri="{FF2B5EF4-FFF2-40B4-BE49-F238E27FC236}">
+                <a16:creationId xmlns:a16="http://schemas.microsoft.com/office/drawing/2014/main" id="{D4818D5D-2F6E-D209-6B00-4AD0DD5433D0}"/>
               </a:ext>
             </a:extLst>
           </p:cNvPr>
@@ -4707,6 +4707,223 @@
                   <a:pt x="363746" y="0"/>
                   <a:pt x="428626" y="0"/>
                 </a:cubicBezTo>
+                <a:close/>
+              </a:path>
+            </a:pathLst>
+          </a:custGeom>
+          <a:solidFill>
+            <a:srgbClr val="FFFF00"/>
+          </a:solidFill>
+          <a:ln>
+            <a:noFill/>
+          </a:ln>
+        </p:spPr>
+        <p:style>
+          <a:lnRef idx="2">
+            <a:schemeClr val="accent1">
+              <a:shade val="50000"/>
+            </a:schemeClr>
+          </a:lnRef>
+          <a:fillRef idx="1">
+            <a:schemeClr val="accent1"/>
+          </a:fillRef>
+          <a:effectRef idx="0">
+            <a:schemeClr val="accent1"/>
+          </a:effectRef>
+          <a:fontRef idx="minor">
+            <a:schemeClr val="lt1"/>
+          </a:fontRef>
+        </p:style>
+        <p:txBody>
+          <a:bodyPr wrap="square" rtlCol="0" anchor="ctr">
+            <a:noAutofit/>
+          </a:bodyPr>
+          <a:lstStyle/>
+          <a:p>
+            <a:pPr algn="ctr"/>
+            <a:endParaRPr lang="zh-CN" altLang="en-US"/>
+          </a:p>
+        </p:txBody>
+      </p:sp>
+      <p:sp>
+        <p:nvSpPr>
+          <p:cNvPr id="12" name="矩形 11">
+            <a:extLst>
+              <a:ext uri="{FF2B5EF4-FFF2-40B4-BE49-F238E27FC236}">
+                <a16:creationId xmlns:a16="http://schemas.microsoft.com/office/drawing/2014/main" id="{372054B3-0F4E-015D-5112-04BA450E008F}"/>
+              </a:ext>
+            </a:extLst>
+          </p:cNvPr>
+          <p:cNvSpPr/>
+          <p:nvPr/>
+        </p:nvSpPr>
+        <p:spPr>
+          <a:xfrm>
+            <a:off x="6234114" y="2143125"/>
+            <a:ext cx="1481138" cy="1481138"/>
+          </a:xfrm>
+          <a:prstGeom prst="rect">
+            <a:avLst/>
+          </a:prstGeom>
+          <a:solidFill>
+            <a:srgbClr val="FFFF00">
+              <a:alpha val="30196"/>
+            </a:srgbClr>
+          </a:solidFill>
+          <a:ln w="76200">
+            <a:solidFill>
+              <a:srgbClr val="FFFF00"/>
+            </a:solidFill>
+          </a:ln>
+        </p:spPr>
+        <p:style>
+          <a:lnRef idx="2">
+            <a:schemeClr val="accent1">
+              <a:shade val="50000"/>
+            </a:schemeClr>
+          </a:lnRef>
+          <a:fillRef idx="1">
+            <a:schemeClr val="accent1"/>
+          </a:fillRef>
+          <a:effectRef idx="0">
+            <a:schemeClr val="accent1"/>
+          </a:effectRef>
+          <a:fontRef idx="minor">
+            <a:schemeClr val="lt1"/>
+          </a:fontRef>
+        </p:style>
+        <p:txBody>
+          <a:bodyPr rtlCol="0" anchor="ctr"/>
+          <a:lstStyle/>
+          <a:p>
+            <a:pPr algn="ctr"/>
+            <a:endParaRPr lang="zh-CN" altLang="en-US"/>
+          </a:p>
+        </p:txBody>
+      </p:sp>
+      <p:sp>
+        <p:nvSpPr>
+          <p:cNvPr id="13" name="任意多边形: 形状 12">
+            <a:extLst>
+              <a:ext uri="{FF2B5EF4-FFF2-40B4-BE49-F238E27FC236}">
+                <a16:creationId xmlns:a16="http://schemas.microsoft.com/office/drawing/2014/main" id="{DD29F878-D1EE-3A99-D5D9-2CFA5E528C00}"/>
+              </a:ext>
+            </a:extLst>
+          </p:cNvPr>
+          <p:cNvSpPr/>
+          <p:nvPr/>
+        </p:nvSpPr>
+        <p:spPr>
+          <a:xfrm flipH="1">
+            <a:off x="6505575" y="2393949"/>
+            <a:ext cx="923925" cy="1035050"/>
+          </a:xfrm>
+          <a:custGeom>
+            <a:avLst/>
+            <a:gdLst>
+              <a:gd name="connsiteX0" fmla="*/ 923925 w 923925"/>
+              <a:gd name="connsiteY0" fmla="*/ 0 h 1035050"/>
+              <a:gd name="connsiteX1" fmla="*/ 0 w 923925"/>
+              <a:gd name="connsiteY1" fmla="*/ 0 h 1035050"/>
+              <a:gd name="connsiteX2" fmla="*/ 0 w 923925"/>
+              <a:gd name="connsiteY2" fmla="*/ 158750 h 1035050"/>
+              <a:gd name="connsiteX3" fmla="*/ 668735 w 923925"/>
+              <a:gd name="connsiteY3" fmla="*/ 158750 h 1035050"/>
+              <a:gd name="connsiteX4" fmla="*/ 422674 w 923925"/>
+              <a:gd name="connsiteY4" fmla="*/ 444897 h 1035050"/>
+              <a:gd name="connsiteX5" fmla="*/ 422673 w 923925"/>
+              <a:gd name="connsiteY5" fmla="*/ 444897 h 1035050"/>
+              <a:gd name="connsiteX6" fmla="*/ 422673 w 923925"/>
+              <a:gd name="connsiteY6" fmla="*/ 1035050 h 1035050"/>
+              <a:gd name="connsiteX7" fmla="*/ 501254 w 923925"/>
+              <a:gd name="connsiteY7" fmla="*/ 1035050 h 1035050"/>
+              <a:gd name="connsiteX8" fmla="*/ 501254 w 923925"/>
+              <a:gd name="connsiteY8" fmla="*/ 444897 h 1035050"/>
+              <a:gd name="connsiteX9" fmla="*/ 498874 w 923925"/>
+              <a:gd name="connsiteY9" fmla="*/ 444897 h 1035050"/>
+              <a:gd name="connsiteX10" fmla="*/ 744935 w 923925"/>
+              <a:gd name="connsiteY10" fmla="*/ 158750 h 1035050"/>
+              <a:gd name="connsiteX11" fmla="*/ 923925 w 923925"/>
+              <a:gd name="connsiteY11" fmla="*/ 158750 h 1035050"/>
+            </a:gdLst>
+            <a:ahLst/>
+            <a:cxnLst>
+              <a:cxn ang="0">
+                <a:pos x="connsiteX0" y="connsiteY0"/>
+              </a:cxn>
+              <a:cxn ang="0">
+                <a:pos x="connsiteX1" y="connsiteY1"/>
+              </a:cxn>
+              <a:cxn ang="0">
+                <a:pos x="connsiteX2" y="connsiteY2"/>
+              </a:cxn>
+              <a:cxn ang="0">
+                <a:pos x="connsiteX3" y="connsiteY3"/>
+              </a:cxn>
+              <a:cxn ang="0">
+                <a:pos x="connsiteX4" y="connsiteY4"/>
+              </a:cxn>
+              <a:cxn ang="0">
+                <a:pos x="connsiteX5" y="connsiteY5"/>
+              </a:cxn>
+              <a:cxn ang="0">
+                <a:pos x="connsiteX6" y="connsiteY6"/>
+              </a:cxn>
+              <a:cxn ang="0">
+                <a:pos x="connsiteX7" y="connsiteY7"/>
+              </a:cxn>
+              <a:cxn ang="0">
+                <a:pos x="connsiteX8" y="connsiteY8"/>
+              </a:cxn>
+              <a:cxn ang="0">
+                <a:pos x="connsiteX9" y="connsiteY9"/>
+              </a:cxn>
+              <a:cxn ang="0">
+                <a:pos x="connsiteX10" y="connsiteY10"/>
+              </a:cxn>
+              <a:cxn ang="0">
+                <a:pos x="connsiteX11" y="connsiteY11"/>
+              </a:cxn>
+            </a:cxnLst>
+            <a:rect l="l" t="t" r="r" b="b"/>
+            <a:pathLst>
+              <a:path w="923925" h="1035050">
+                <a:moveTo>
+                  <a:pt x="923925" y="0"/>
+                </a:moveTo>
+                <a:lnTo>
+                  <a:pt x="0" y="0"/>
+                </a:lnTo>
+                <a:lnTo>
+                  <a:pt x="0" y="158750"/>
+                </a:lnTo>
+                <a:lnTo>
+                  <a:pt x="668735" y="158750"/>
+                </a:lnTo>
+                <a:lnTo>
+                  <a:pt x="422674" y="444897"/>
+                </a:lnTo>
+                <a:lnTo>
+                  <a:pt x="422673" y="444897"/>
+                </a:lnTo>
+                <a:lnTo>
+                  <a:pt x="422673" y="1035050"/>
+                </a:lnTo>
+                <a:lnTo>
+                  <a:pt x="501254" y="1035050"/>
+                </a:lnTo>
+                <a:lnTo>
+                  <a:pt x="501254" y="444897"/>
+                </a:lnTo>
+                <a:lnTo>
+                  <a:pt x="498874" y="444897"/>
+                </a:lnTo>
+                <a:lnTo>
+                  <a:pt x="744935" y="158750"/>
+                </a:lnTo>
+                <a:lnTo>
+                  <a:pt x="923925" y="158750"/>
+                </a:lnTo>
                 <a:close/>
               </a:path>
             </a:pathLst>
@@ -8971,10 +9188,10 @@
       </p:sp>
       <p:sp>
         <p:nvSpPr>
-          <p:cNvPr id="39" name="任意多边形: 形状 38">
-            <a:extLst>
-              <a:ext uri="{FF2B5EF4-FFF2-40B4-BE49-F238E27FC236}">
-                <a16:creationId xmlns:a16="http://schemas.microsoft.com/office/drawing/2014/main" id="{5F296160-3A68-A56D-A52E-9A0447488217}"/>
+          <p:cNvPr id="44" name="任意多边形: 形状 43">
+            <a:extLst>
+              <a:ext uri="{FF2B5EF4-FFF2-40B4-BE49-F238E27FC236}">
+                <a16:creationId xmlns:a16="http://schemas.microsoft.com/office/drawing/2014/main" id="{A6E3C759-BC2A-9349-296D-C2BA3821C0CC}"/>
               </a:ext>
             </a:extLst>
           </p:cNvPr>
@@ -8982,37 +9199,27 @@
           <p:nvPr/>
         </p:nvSpPr>
         <p:spPr>
-          <a:xfrm flipH="1">
-            <a:off x="4651375" y="2393949"/>
-            <a:ext cx="923925" cy="1035050"/>
+          <a:xfrm>
+            <a:off x="4695033" y="2504281"/>
+            <a:ext cx="850900" cy="758825"/>
           </a:xfrm>
           <a:custGeom>
             <a:avLst/>
             <a:gdLst>
-              <a:gd name="connsiteX0" fmla="*/ 923925 w 923925"/>
-              <a:gd name="connsiteY0" fmla="*/ 0 h 1035050"/>
-              <a:gd name="connsiteX1" fmla="*/ 0 w 923925"/>
-              <a:gd name="connsiteY1" fmla="*/ 0 h 1035050"/>
-              <a:gd name="connsiteX2" fmla="*/ 0 w 923925"/>
-              <a:gd name="connsiteY2" fmla="*/ 158750 h 1035050"/>
-              <a:gd name="connsiteX3" fmla="*/ 668735 w 923925"/>
-              <a:gd name="connsiteY3" fmla="*/ 158750 h 1035050"/>
-              <a:gd name="connsiteX4" fmla="*/ 422674 w 923925"/>
-              <a:gd name="connsiteY4" fmla="*/ 444897 h 1035050"/>
-              <a:gd name="connsiteX5" fmla="*/ 422673 w 923925"/>
-              <a:gd name="connsiteY5" fmla="*/ 444897 h 1035050"/>
-              <a:gd name="connsiteX6" fmla="*/ 422673 w 923925"/>
-              <a:gd name="connsiteY6" fmla="*/ 1035050 h 1035050"/>
-              <a:gd name="connsiteX7" fmla="*/ 501254 w 923925"/>
-              <a:gd name="connsiteY7" fmla="*/ 1035050 h 1035050"/>
-              <a:gd name="connsiteX8" fmla="*/ 501254 w 923925"/>
-              <a:gd name="connsiteY8" fmla="*/ 444897 h 1035050"/>
-              <a:gd name="connsiteX9" fmla="*/ 498874 w 923925"/>
-              <a:gd name="connsiteY9" fmla="*/ 444897 h 1035050"/>
-              <a:gd name="connsiteX10" fmla="*/ 744935 w 923925"/>
-              <a:gd name="connsiteY10" fmla="*/ 158750 h 1035050"/>
-              <a:gd name="connsiteX11" fmla="*/ 923925 w 923925"/>
-              <a:gd name="connsiteY11" fmla="*/ 158750 h 1035050"/>
+              <a:gd name="connsiteX0" fmla="*/ 425450 w 850900"/>
+              <a:gd name="connsiteY0" fmla="*/ 0 h 758825"/>
+              <a:gd name="connsiteX1" fmla="*/ 850900 w 850900"/>
+              <a:gd name="connsiteY1" fmla="*/ 311150 h 758825"/>
+              <a:gd name="connsiteX2" fmla="*/ 749300 w 850900"/>
+              <a:gd name="connsiteY2" fmla="*/ 311150 h 758825"/>
+              <a:gd name="connsiteX3" fmla="*/ 749300 w 850900"/>
+              <a:gd name="connsiteY3" fmla="*/ 758825 h 758825"/>
+              <a:gd name="connsiteX4" fmla="*/ 101600 w 850900"/>
+              <a:gd name="connsiteY4" fmla="*/ 758825 h 758825"/>
+              <a:gd name="connsiteX5" fmla="*/ 101600 w 850900"/>
+              <a:gd name="connsiteY5" fmla="*/ 311150 h 758825"/>
+              <a:gd name="connsiteX6" fmla="*/ 0 w 850900"/>
+              <a:gd name="connsiteY6" fmla="*/ 311150 h 758825"/>
             </a:gdLst>
             <a:ahLst/>
             <a:cxnLst>
@@ -9037,60 +9244,30 @@
               <a:cxn ang="0">
                 <a:pos x="connsiteX6" y="connsiteY6"/>
               </a:cxn>
-              <a:cxn ang="0">
-                <a:pos x="connsiteX7" y="connsiteY7"/>
-              </a:cxn>
-              <a:cxn ang="0">
-                <a:pos x="connsiteX8" y="connsiteY8"/>
-              </a:cxn>
-              <a:cxn ang="0">
-                <a:pos x="connsiteX9" y="connsiteY9"/>
-              </a:cxn>
-              <a:cxn ang="0">
-                <a:pos x="connsiteX10" y="connsiteY10"/>
-              </a:cxn>
-              <a:cxn ang="0">
-                <a:pos x="connsiteX11" y="connsiteY11"/>
-              </a:cxn>
             </a:cxnLst>
             <a:rect l="l" t="t" r="r" b="b"/>
             <a:pathLst>
-              <a:path w="923925" h="1035050">
+              <a:path w="850900" h="758825">
                 <a:moveTo>
-                  <a:pt x="923925" y="0"/>
+                  <a:pt x="425450" y="0"/>
                 </a:moveTo>
                 <a:lnTo>
-                  <a:pt x="0" y="0"/>
-                </a:lnTo>
-                <a:lnTo>
-                  <a:pt x="0" y="158750"/>
-                </a:lnTo>
-                <a:lnTo>
-                  <a:pt x="668735" y="158750"/>
-                </a:lnTo>
-                <a:lnTo>
-                  <a:pt x="422674" y="444897"/>
-                </a:lnTo>
-                <a:lnTo>
-                  <a:pt x="422673" y="444897"/>
-                </a:lnTo>
-                <a:lnTo>
-                  <a:pt x="422673" y="1035050"/>
-                </a:lnTo>
-                <a:lnTo>
-                  <a:pt x="501254" y="1035050"/>
-                </a:lnTo>
-                <a:lnTo>
-                  <a:pt x="501254" y="444897"/>
-                </a:lnTo>
-                <a:lnTo>
-                  <a:pt x="498874" y="444897"/>
-                </a:lnTo>
-                <a:lnTo>
-                  <a:pt x="744935" y="158750"/>
-                </a:lnTo>
-                <a:lnTo>
-                  <a:pt x="923925" y="158750"/>
+                  <a:pt x="850900" y="311150"/>
+                </a:lnTo>
+                <a:lnTo>
+                  <a:pt x="749300" y="311150"/>
+                </a:lnTo>
+                <a:lnTo>
+                  <a:pt x="749300" y="758825"/>
+                </a:lnTo>
+                <a:lnTo>
+                  <a:pt x="101600" y="758825"/>
+                </a:lnTo>
+                <a:lnTo>
+                  <a:pt x="101600" y="311150"/>
+                </a:lnTo>
+                <a:lnTo>
+                  <a:pt x="0" y="311150"/>
                 </a:lnTo>
                 <a:close/>
               </a:path>
@@ -9132,10 +9309,10 @@
       </p:sp>
       <p:sp>
         <p:nvSpPr>
-          <p:cNvPr id="40" name="矩形 39">
-            <a:extLst>
-              <a:ext uri="{FF2B5EF4-FFF2-40B4-BE49-F238E27FC236}">
-                <a16:creationId xmlns:a16="http://schemas.microsoft.com/office/drawing/2014/main" id="{E8940FFE-86F2-E577-6028-DA433A6AD3E2}"/>
+          <p:cNvPr id="45" name="矩形 44">
+            <a:extLst>
+              <a:ext uri="{FF2B5EF4-FFF2-40B4-BE49-F238E27FC236}">
+                <a16:creationId xmlns:a16="http://schemas.microsoft.com/office/drawing/2014/main" id="{C64FCF3D-6475-CC07-F395-21F634AE79E7}"/>
               </a:ext>
             </a:extLst>
           </p:cNvPr>
@@ -9144,20 +9321,23 @@
         </p:nvSpPr>
         <p:spPr>
           <a:xfrm>
-            <a:off x="6234114" y="2143125"/>
+            <a:off x="6330950" y="2143125"/>
             <a:ext cx="1481138" cy="1481138"/>
           </a:xfrm>
           <a:prstGeom prst="rect">
             <a:avLst/>
           </a:prstGeom>
           <a:solidFill>
-            <a:srgbClr val="FFFF00">
+            <a:schemeClr val="bg1">
+              <a:lumMod val="75000"/>
               <a:alpha val="30196"/>
-            </a:srgbClr>
+            </a:schemeClr>
           </a:solidFill>
           <a:ln w="76200">
             <a:solidFill>
-              <a:srgbClr val="FFFF00"/>
+              <a:schemeClr val="bg1">
+                <a:lumMod val="75000"/>
+              </a:schemeClr>
             </a:solidFill>
           </a:ln>
         </p:spPr>
@@ -9188,10 +9368,10 @@
       </p:sp>
       <p:sp>
         <p:nvSpPr>
-          <p:cNvPr id="41" name="任意多边形: 形状 40">
-            <a:extLst>
-              <a:ext uri="{FF2B5EF4-FFF2-40B4-BE49-F238E27FC236}">
-                <a16:creationId xmlns:a16="http://schemas.microsoft.com/office/drawing/2014/main" id="{49D0BC36-09B1-8069-5281-C5689F47BB5E}"/>
+          <p:cNvPr id="46" name="任意多边形: 形状 45">
+            <a:extLst>
+              <a:ext uri="{FF2B5EF4-FFF2-40B4-BE49-F238E27FC236}">
+                <a16:creationId xmlns:a16="http://schemas.microsoft.com/office/drawing/2014/main" id="{B2093CDD-060E-C62F-90CB-E3EECC57E23D}"/>
               </a:ext>
             </a:extLst>
           </p:cNvPr>
@@ -9199,37 +9379,27 @@
           <p:nvPr/>
         </p:nvSpPr>
         <p:spPr>
-          <a:xfrm flipH="1">
-            <a:off x="6505575" y="2393949"/>
-            <a:ext cx="923925" cy="1035050"/>
+          <a:xfrm>
+            <a:off x="6646069" y="2504281"/>
+            <a:ext cx="850900" cy="758825"/>
           </a:xfrm>
           <a:custGeom>
             <a:avLst/>
             <a:gdLst>
-              <a:gd name="connsiteX0" fmla="*/ 923925 w 923925"/>
-              <a:gd name="connsiteY0" fmla="*/ 0 h 1035050"/>
-              <a:gd name="connsiteX1" fmla="*/ 0 w 923925"/>
-              <a:gd name="connsiteY1" fmla="*/ 0 h 1035050"/>
-              <a:gd name="connsiteX2" fmla="*/ 0 w 923925"/>
-              <a:gd name="connsiteY2" fmla="*/ 158750 h 1035050"/>
-              <a:gd name="connsiteX3" fmla="*/ 668735 w 923925"/>
-              <a:gd name="connsiteY3" fmla="*/ 158750 h 1035050"/>
-              <a:gd name="connsiteX4" fmla="*/ 422674 w 923925"/>
-              <a:gd name="connsiteY4" fmla="*/ 444897 h 1035050"/>
-              <a:gd name="connsiteX5" fmla="*/ 422673 w 923925"/>
-              <a:gd name="connsiteY5" fmla="*/ 444897 h 1035050"/>
-              <a:gd name="connsiteX6" fmla="*/ 422673 w 923925"/>
-              <a:gd name="connsiteY6" fmla="*/ 1035050 h 1035050"/>
-              <a:gd name="connsiteX7" fmla="*/ 501254 w 923925"/>
-              <a:gd name="connsiteY7" fmla="*/ 1035050 h 1035050"/>
-              <a:gd name="connsiteX8" fmla="*/ 501254 w 923925"/>
-              <a:gd name="connsiteY8" fmla="*/ 444897 h 1035050"/>
-              <a:gd name="connsiteX9" fmla="*/ 498874 w 923925"/>
-              <a:gd name="connsiteY9" fmla="*/ 444897 h 1035050"/>
-              <a:gd name="connsiteX10" fmla="*/ 744935 w 923925"/>
-              <a:gd name="connsiteY10" fmla="*/ 158750 h 1035050"/>
-              <a:gd name="connsiteX11" fmla="*/ 923925 w 923925"/>
-              <a:gd name="connsiteY11" fmla="*/ 158750 h 1035050"/>
+              <a:gd name="connsiteX0" fmla="*/ 425450 w 850900"/>
+              <a:gd name="connsiteY0" fmla="*/ 0 h 758825"/>
+              <a:gd name="connsiteX1" fmla="*/ 850900 w 850900"/>
+              <a:gd name="connsiteY1" fmla="*/ 311150 h 758825"/>
+              <a:gd name="connsiteX2" fmla="*/ 749300 w 850900"/>
+              <a:gd name="connsiteY2" fmla="*/ 311150 h 758825"/>
+              <a:gd name="connsiteX3" fmla="*/ 749300 w 850900"/>
+              <a:gd name="connsiteY3" fmla="*/ 758825 h 758825"/>
+              <a:gd name="connsiteX4" fmla="*/ 101600 w 850900"/>
+              <a:gd name="connsiteY4" fmla="*/ 758825 h 758825"/>
+              <a:gd name="connsiteX5" fmla="*/ 101600 w 850900"/>
+              <a:gd name="connsiteY5" fmla="*/ 311150 h 758825"/>
+              <a:gd name="connsiteX6" fmla="*/ 0 w 850900"/>
+              <a:gd name="connsiteY6" fmla="*/ 311150 h 758825"/>
             </a:gdLst>
             <a:ahLst/>
             <a:cxnLst>
@@ -9254,67 +9424,39 @@
               <a:cxn ang="0">
                 <a:pos x="connsiteX6" y="connsiteY6"/>
               </a:cxn>
-              <a:cxn ang="0">
-                <a:pos x="connsiteX7" y="connsiteY7"/>
-              </a:cxn>
-              <a:cxn ang="0">
-                <a:pos x="connsiteX8" y="connsiteY8"/>
-              </a:cxn>
-              <a:cxn ang="0">
-                <a:pos x="connsiteX9" y="connsiteY9"/>
-              </a:cxn>
-              <a:cxn ang="0">
-                <a:pos x="connsiteX10" y="connsiteY10"/>
-              </a:cxn>
-              <a:cxn ang="0">
-                <a:pos x="connsiteX11" y="connsiteY11"/>
-              </a:cxn>
             </a:cxnLst>
             <a:rect l="l" t="t" r="r" b="b"/>
             <a:pathLst>
-              <a:path w="923925" h="1035050">
+              <a:path w="850900" h="758825">
                 <a:moveTo>
-                  <a:pt x="923925" y="0"/>
+                  <a:pt x="425450" y="0"/>
                 </a:moveTo>
                 <a:lnTo>
-                  <a:pt x="0" y="0"/>
-                </a:lnTo>
-                <a:lnTo>
-                  <a:pt x="0" y="158750"/>
-                </a:lnTo>
-                <a:lnTo>
-                  <a:pt x="668735" y="158750"/>
-                </a:lnTo>
-                <a:lnTo>
-                  <a:pt x="422674" y="444897"/>
-                </a:lnTo>
-                <a:lnTo>
-                  <a:pt x="422673" y="444897"/>
-                </a:lnTo>
-                <a:lnTo>
-                  <a:pt x="422673" y="1035050"/>
-                </a:lnTo>
-                <a:lnTo>
-                  <a:pt x="501254" y="1035050"/>
-                </a:lnTo>
-                <a:lnTo>
-                  <a:pt x="501254" y="444897"/>
-                </a:lnTo>
-                <a:lnTo>
-                  <a:pt x="498874" y="444897"/>
-                </a:lnTo>
-                <a:lnTo>
-                  <a:pt x="744935" y="158750"/>
-                </a:lnTo>
-                <a:lnTo>
-                  <a:pt x="923925" y="158750"/>
+                  <a:pt x="850900" y="311150"/>
+                </a:lnTo>
+                <a:lnTo>
+                  <a:pt x="749300" y="311150"/>
+                </a:lnTo>
+                <a:lnTo>
+                  <a:pt x="749300" y="758825"/>
+                </a:lnTo>
+                <a:lnTo>
+                  <a:pt x="101600" y="758825"/>
+                </a:lnTo>
+                <a:lnTo>
+                  <a:pt x="101600" y="311150"/>
+                </a:lnTo>
+                <a:lnTo>
+                  <a:pt x="0" y="311150"/>
                 </a:lnTo>
                 <a:close/>
               </a:path>
             </a:pathLst>
           </a:custGeom>
           <a:solidFill>
-            <a:srgbClr val="FFFF00"/>
+            <a:schemeClr val="bg1">
+              <a:lumMod val="75000"/>
+            </a:schemeClr>
           </a:solidFill>
           <a:ln>
             <a:noFill/>
